--- a/OpenCafeTraining-Part2.pptx
+++ b/OpenCafeTraining-Part2.pptx
@@ -2,10 +2,24 @@
 <file path=ppt/presentation.xml><?xml version="1.0" encoding="utf-8"?>
 <p:presentation xmlns:a="http://schemas.openxmlformats.org/drawingml/2006/main" xmlns:r="http://schemas.openxmlformats.org/officeDocument/2006/relationships" xmlns:p="http://schemas.openxmlformats.org/presentationml/2006/main" saveSubsetFonts="1">
   <p:sldMasterIdLst>
-    <p:sldMasterId id="2147483648" r:id="rId1"/>
+    <p:sldMasterId id="2147483660" r:id="rId1"/>
   </p:sldMasterIdLst>
   <p:sldIdLst>
     <p:sldId id="256" r:id="rId2"/>
+    <p:sldId id="271" r:id="rId3"/>
+    <p:sldId id="257" r:id="rId4"/>
+    <p:sldId id="258" r:id="rId5"/>
+    <p:sldId id="269" r:id="rId6"/>
+    <p:sldId id="259" r:id="rId7"/>
+    <p:sldId id="261" r:id="rId8"/>
+    <p:sldId id="270" r:id="rId9"/>
+    <p:sldId id="272" r:id="rId10"/>
+    <p:sldId id="265" r:id="rId11"/>
+    <p:sldId id="263" r:id="rId12"/>
+    <p:sldId id="264" r:id="rId13"/>
+    <p:sldId id="267" r:id="rId14"/>
+    <p:sldId id="268" r:id="rId15"/>
+    <p:sldId id="266" r:id="rId16"/>
   </p:sldIdLst>
   <p:sldSz cx="12192000" cy="6858000"/>
   <p:notesSz cx="6858000" cy="9144000"/>
@@ -13,7 +27,7 @@
     <a:defPPr>
       <a:defRPr lang="en-US"/>
     </a:defPPr>
-    <a:lvl1pPr marL="0" algn="l" defTabSz="914400" rtl="0" eaLnBrk="1" latinLnBrk="0" hangingPunct="1">
+    <a:lvl1pPr marL="0" algn="l" defTabSz="457200" rtl="0" eaLnBrk="1" latinLnBrk="0" hangingPunct="1">
       <a:defRPr sz="1800" kern="1200">
         <a:solidFill>
           <a:schemeClr val="tx1"/>
@@ -23,7 +37,7 @@
         <a:cs typeface="+mn-cs"/>
       </a:defRPr>
     </a:lvl1pPr>
-    <a:lvl2pPr marL="457200" algn="l" defTabSz="914400" rtl="0" eaLnBrk="1" latinLnBrk="0" hangingPunct="1">
+    <a:lvl2pPr marL="457200" algn="l" defTabSz="457200" rtl="0" eaLnBrk="1" latinLnBrk="0" hangingPunct="1">
       <a:defRPr sz="1800" kern="1200">
         <a:solidFill>
           <a:schemeClr val="tx1"/>
@@ -33,7 +47,7 @@
         <a:cs typeface="+mn-cs"/>
       </a:defRPr>
     </a:lvl2pPr>
-    <a:lvl3pPr marL="914400" algn="l" defTabSz="914400" rtl="0" eaLnBrk="1" latinLnBrk="0" hangingPunct="1">
+    <a:lvl3pPr marL="914400" algn="l" defTabSz="457200" rtl="0" eaLnBrk="1" latinLnBrk="0" hangingPunct="1">
       <a:defRPr sz="1800" kern="1200">
         <a:solidFill>
           <a:schemeClr val="tx1"/>
@@ -43,7 +57,7 @@
         <a:cs typeface="+mn-cs"/>
       </a:defRPr>
     </a:lvl3pPr>
-    <a:lvl4pPr marL="1371600" algn="l" defTabSz="914400" rtl="0" eaLnBrk="1" latinLnBrk="0" hangingPunct="1">
+    <a:lvl4pPr marL="1371600" algn="l" defTabSz="457200" rtl="0" eaLnBrk="1" latinLnBrk="0" hangingPunct="1">
       <a:defRPr sz="1800" kern="1200">
         <a:solidFill>
           <a:schemeClr val="tx1"/>
@@ -53,7 +67,7 @@
         <a:cs typeface="+mn-cs"/>
       </a:defRPr>
     </a:lvl4pPr>
-    <a:lvl5pPr marL="1828800" algn="l" defTabSz="914400" rtl="0" eaLnBrk="1" latinLnBrk="0" hangingPunct="1">
+    <a:lvl5pPr marL="1828800" algn="l" defTabSz="457200" rtl="0" eaLnBrk="1" latinLnBrk="0" hangingPunct="1">
       <a:defRPr sz="1800" kern="1200">
         <a:solidFill>
           <a:schemeClr val="tx1"/>
@@ -63,7 +77,7 @@
         <a:cs typeface="+mn-cs"/>
       </a:defRPr>
     </a:lvl5pPr>
-    <a:lvl6pPr marL="2286000" algn="l" defTabSz="914400" rtl="0" eaLnBrk="1" latinLnBrk="0" hangingPunct="1">
+    <a:lvl6pPr marL="2286000" algn="l" defTabSz="457200" rtl="0" eaLnBrk="1" latinLnBrk="0" hangingPunct="1">
       <a:defRPr sz="1800" kern="1200">
         <a:solidFill>
           <a:schemeClr val="tx1"/>
@@ -73,7 +87,7 @@
         <a:cs typeface="+mn-cs"/>
       </a:defRPr>
     </a:lvl6pPr>
-    <a:lvl7pPr marL="2743200" algn="l" defTabSz="914400" rtl="0" eaLnBrk="1" latinLnBrk="0" hangingPunct="1">
+    <a:lvl7pPr marL="2743200" algn="l" defTabSz="457200" rtl="0" eaLnBrk="1" latinLnBrk="0" hangingPunct="1">
       <a:defRPr sz="1800" kern="1200">
         <a:solidFill>
           <a:schemeClr val="tx1"/>
@@ -83,7 +97,7 @@
         <a:cs typeface="+mn-cs"/>
       </a:defRPr>
     </a:lvl7pPr>
-    <a:lvl8pPr marL="3200400" algn="l" defTabSz="914400" rtl="0" eaLnBrk="1" latinLnBrk="0" hangingPunct="1">
+    <a:lvl8pPr marL="3200400" algn="l" defTabSz="457200" rtl="0" eaLnBrk="1" latinLnBrk="0" hangingPunct="1">
       <a:defRPr sz="1800" kern="1200">
         <a:solidFill>
           <a:schemeClr val="tx1"/>
@@ -93,7 +107,7 @@
         <a:cs typeface="+mn-cs"/>
       </a:defRPr>
     </a:lvl8pPr>
-    <a:lvl9pPr marL="3657600" algn="l" defTabSz="914400" rtl="0" eaLnBrk="1" latinLnBrk="0" hangingPunct="1">
+    <a:lvl9pPr marL="3657600" algn="l" defTabSz="457200" rtl="0" eaLnBrk="1" latinLnBrk="0" hangingPunct="1">
       <a:defRPr sz="1800" kern="1200">
         <a:solidFill>
           <a:schemeClr val="tx1"/>
@@ -104,6 +118,11 @@
       </a:defRPr>
     </a:lvl9pPr>
   </p:defaultTextStyle>
+  <p:extLst>
+    <p:ext uri="{EFAFB233-063F-42B5-8137-9DF3F51BA10A}">
+      <p15:sldGuideLst xmlns:p15="http://schemas.microsoft.com/office/powerpoint/2012/main"/>
+    </p:ext>
+  </p:extLst>
 </p:presentation>
 </file>
 
@@ -126,13 +145,7 @@
       </p:grpSpPr>
       <p:sp>
         <p:nvSpPr>
-          <p:cNvPr id="2" name="Title 1">
-            <a:extLst>
-              <a:ext uri="{FF2B5EF4-FFF2-40B4-BE49-F238E27FC236}">
-                <a16:creationId xmlns:a16="http://schemas.microsoft.com/office/drawing/2014/main" id="{71234480-7A96-47B0-B4C7-94EDDA2F9588}"/>
-              </a:ext>
-            </a:extLst>
-          </p:cNvPr>
+          <p:cNvPr id="2" name="Title 1"/>
           <p:cNvSpPr>
             <a:spLocks noGrp="1"/>
           </p:cNvSpPr>
@@ -142,15 +155,32 @@
         </p:nvSpPr>
         <p:spPr>
           <a:xfrm>
-            <a:off x="1524000" y="1122363"/>
-            <a:ext cx="9144000" cy="2387600"/>
+            <a:off x="1751012" y="609601"/>
+            <a:ext cx="8676222" cy="3200400"/>
           </a:xfrm>
         </p:spPr>
         <p:txBody>
-          <a:bodyPr anchor="b"/>
+          <a:bodyPr anchor="b">
+            <a:normAutofit/>
+          </a:bodyPr>
           <a:lstStyle>
             <a:lvl1pPr algn="ctr">
-              <a:defRPr sz="6000"/>
+              <a:defRPr sz="4800">
+                <a:effectLst>
+                  <a:glow rad="38100">
+                    <a:schemeClr val="bg1">
+                      <a:lumMod val="65000"/>
+                      <a:lumOff val="35000"/>
+                      <a:alpha val="50000"/>
+                    </a:schemeClr>
+                  </a:glow>
+                  <a:outerShdw blurRad="28575" dist="31750" dir="13200000" algn="tl" rotWithShape="0">
+                    <a:srgbClr val="000000">
+                      <a:alpha val="25000"/>
+                    </a:srgbClr>
+                  </a:outerShdw>
+                </a:effectLst>
+              </a:defRPr>
             </a:lvl1pPr>
           </a:lstStyle>
           <a:p>
@@ -158,18 +188,13 @@
               <a:rPr lang="en-US"/>
               <a:t>Click to edit Master title style</a:t>
             </a:r>
-          </a:p>
-        </p:txBody>
-      </p:sp>
-      <p:sp>
-        <p:nvSpPr>
-          <p:cNvPr id="3" name="Subtitle 2">
-            <a:extLst>
-              <a:ext uri="{FF2B5EF4-FFF2-40B4-BE49-F238E27FC236}">
-                <a16:creationId xmlns:a16="http://schemas.microsoft.com/office/drawing/2014/main" id="{DD7AA85A-89FC-4475-B11D-9E174F33C5D3}"/>
-              </a:ext>
-            </a:extLst>
-          </p:cNvPr>
+            <a:endParaRPr lang="en-US" dirty="0"/>
+          </a:p>
+        </p:txBody>
+      </p:sp>
+      <p:sp>
+        <p:nvSpPr>
+          <p:cNvPr id="3" name="Subtitle 2"/>
           <p:cNvSpPr>
             <a:spLocks noGrp="1"/>
           </p:cNvSpPr>
@@ -179,48 +204,113 @@
         </p:nvSpPr>
         <p:spPr>
           <a:xfrm>
-            <a:off x="1524000" y="3602038"/>
-            <a:ext cx="9144000" cy="1655762"/>
+            <a:off x="1751012" y="3886200"/>
+            <a:ext cx="8676222" cy="1905000"/>
           </a:xfrm>
         </p:spPr>
         <p:txBody>
-          <a:bodyPr/>
+          <a:bodyPr anchor="t">
+            <a:normAutofit/>
+          </a:bodyPr>
           <a:lstStyle>
             <a:lvl1pPr marL="0" indent="0" algn="ctr">
               <a:buNone/>
-              <a:defRPr sz="2400"/>
+              <a:defRPr sz="2100">
+                <a:gradFill flip="none" rotWithShape="1">
+                  <a:gsLst>
+                    <a:gs pos="0">
+                      <a:schemeClr val="tx1"/>
+                    </a:gs>
+                    <a:gs pos="100000">
+                      <a:schemeClr val="tx1">
+                        <a:lumMod val="75000"/>
+                      </a:schemeClr>
+                    </a:gs>
+                  </a:gsLst>
+                  <a:lin ang="5400000" scaled="0"/>
+                  <a:tileRect/>
+                </a:gradFill>
+              </a:defRPr>
             </a:lvl1pPr>
             <a:lvl2pPr marL="457200" indent="0" algn="ctr">
               <a:buNone/>
-              <a:defRPr sz="2000"/>
+              <a:defRPr>
+                <a:solidFill>
+                  <a:schemeClr val="tx1">
+                    <a:tint val="75000"/>
+                  </a:schemeClr>
+                </a:solidFill>
+              </a:defRPr>
             </a:lvl2pPr>
             <a:lvl3pPr marL="914400" indent="0" algn="ctr">
               <a:buNone/>
-              <a:defRPr sz="1800"/>
+              <a:defRPr>
+                <a:solidFill>
+                  <a:schemeClr val="tx1">
+                    <a:tint val="75000"/>
+                  </a:schemeClr>
+                </a:solidFill>
+              </a:defRPr>
             </a:lvl3pPr>
             <a:lvl4pPr marL="1371600" indent="0" algn="ctr">
               <a:buNone/>
-              <a:defRPr sz="1600"/>
+              <a:defRPr>
+                <a:solidFill>
+                  <a:schemeClr val="tx1">
+                    <a:tint val="75000"/>
+                  </a:schemeClr>
+                </a:solidFill>
+              </a:defRPr>
             </a:lvl4pPr>
             <a:lvl5pPr marL="1828800" indent="0" algn="ctr">
               <a:buNone/>
-              <a:defRPr sz="1600"/>
+              <a:defRPr>
+                <a:solidFill>
+                  <a:schemeClr val="tx1">
+                    <a:tint val="75000"/>
+                  </a:schemeClr>
+                </a:solidFill>
+              </a:defRPr>
             </a:lvl5pPr>
             <a:lvl6pPr marL="2286000" indent="0" algn="ctr">
               <a:buNone/>
-              <a:defRPr sz="1600"/>
+              <a:defRPr>
+                <a:solidFill>
+                  <a:schemeClr val="tx1">
+                    <a:tint val="75000"/>
+                  </a:schemeClr>
+                </a:solidFill>
+              </a:defRPr>
             </a:lvl6pPr>
             <a:lvl7pPr marL="2743200" indent="0" algn="ctr">
               <a:buNone/>
-              <a:defRPr sz="1600"/>
+              <a:defRPr>
+                <a:solidFill>
+                  <a:schemeClr val="tx1">
+                    <a:tint val="75000"/>
+                  </a:schemeClr>
+                </a:solidFill>
+              </a:defRPr>
             </a:lvl7pPr>
             <a:lvl8pPr marL="3200400" indent="0" algn="ctr">
               <a:buNone/>
-              <a:defRPr sz="1600"/>
+              <a:defRPr>
+                <a:solidFill>
+                  <a:schemeClr val="tx1">
+                    <a:tint val="75000"/>
+                  </a:schemeClr>
+                </a:solidFill>
+              </a:defRPr>
             </a:lvl8pPr>
             <a:lvl9pPr marL="3657600" indent="0" algn="ctr">
               <a:buNone/>
-              <a:defRPr sz="1600"/>
+              <a:defRPr>
+                <a:solidFill>
+                  <a:schemeClr val="tx1">
+                    <a:tint val="75000"/>
+                  </a:schemeClr>
+                </a:solidFill>
+              </a:defRPr>
             </a:lvl9pPr>
           </a:lstStyle>
           <a:p>
@@ -228,18 +318,13 @@
               <a:rPr lang="en-US"/>
               <a:t>Click to edit Master subtitle style</a:t>
             </a:r>
-          </a:p>
-        </p:txBody>
-      </p:sp>
-      <p:sp>
-        <p:nvSpPr>
-          <p:cNvPr id="4" name="Date Placeholder 3">
-            <a:extLst>
-              <a:ext uri="{FF2B5EF4-FFF2-40B4-BE49-F238E27FC236}">
-                <a16:creationId xmlns:a16="http://schemas.microsoft.com/office/drawing/2014/main" id="{C6E7C713-6894-4FFC-A802-AE034D741058}"/>
-              </a:ext>
-            </a:extLst>
-          </p:cNvPr>
+            <a:endParaRPr lang="en-US" dirty="0"/>
+          </a:p>
+        </p:txBody>
+      </p:sp>
+      <p:sp>
+        <p:nvSpPr>
+          <p:cNvPr id="4" name="Date Placeholder 3"/>
           <p:cNvSpPr>
             <a:spLocks noGrp="1"/>
           </p:cNvSpPr>
@@ -254,7 +339,7 @@
           <a:p>
             <a:fld id="{6C4C8730-1723-411A-953F-E3E1CAAA8808}" type="datetimeFigureOut">
               <a:rPr lang="en-US" smtClean="0"/>
-              <a:t>3/12/2018</a:t>
+              <a:t>3/15/2018</a:t>
             </a:fld>
             <a:endParaRPr lang="en-US"/>
           </a:p>
@@ -262,13 +347,7 @@
       </p:sp>
       <p:sp>
         <p:nvSpPr>
-          <p:cNvPr id="5" name="Footer Placeholder 4">
-            <a:extLst>
-              <a:ext uri="{FF2B5EF4-FFF2-40B4-BE49-F238E27FC236}">
-                <a16:creationId xmlns:a16="http://schemas.microsoft.com/office/drawing/2014/main" id="{7733346C-4213-4CBE-BA28-C0622221FB0B}"/>
-              </a:ext>
-            </a:extLst>
-          </p:cNvPr>
+          <p:cNvPr id="5" name="Footer Placeholder 4"/>
           <p:cNvSpPr>
             <a:spLocks noGrp="1"/>
           </p:cNvSpPr>
@@ -287,13 +366,7 @@
       </p:sp>
       <p:sp>
         <p:nvSpPr>
-          <p:cNvPr id="6" name="Slide Number Placeholder 5">
-            <a:extLst>
-              <a:ext uri="{FF2B5EF4-FFF2-40B4-BE49-F238E27FC236}">
-                <a16:creationId xmlns:a16="http://schemas.microsoft.com/office/drawing/2014/main" id="{C8C7D1ED-C944-44E9-BD22-8C22AC6DF678}"/>
-              </a:ext>
-            </a:extLst>
-          </p:cNvPr>
+          <p:cNvPr id="6" name="Slide Number Placeholder 5"/>
           <p:cNvSpPr>
             <a:spLocks noGrp="1"/>
           </p:cNvSpPr>
@@ -317,7 +390,7 @@
     </p:spTree>
     <p:extLst>
       <p:ext uri="{BB962C8B-B14F-4D97-AF65-F5344CB8AC3E}">
-        <p14:creationId xmlns:p14="http://schemas.microsoft.com/office/powerpoint/2010/main" val="2065101144"/>
+        <p14:creationId xmlns:p14="http://schemas.microsoft.com/office/powerpoint/2010/main" val="933842883"/>
       </p:ext>
     </p:extLst>
   </p:cSld>
@@ -328,6 +401,2113 @@
 </file>
 
 <file path=ppt/slideLayouts/slideLayout10.xml><?xml version="1.0" encoding="utf-8"?>
+<p:sldLayout xmlns:a="http://schemas.openxmlformats.org/drawingml/2006/main" xmlns:r="http://schemas.openxmlformats.org/officeDocument/2006/relationships" xmlns:p="http://schemas.openxmlformats.org/presentationml/2006/main" preserve="1">
+  <p:cSld name="Panoramic Picture with Caption">
+    <p:spTree>
+      <p:nvGrpSpPr>
+        <p:cNvPr id="1" name=""/>
+        <p:cNvGrpSpPr/>
+        <p:nvPr/>
+      </p:nvGrpSpPr>
+      <p:grpSpPr>
+        <a:xfrm>
+          <a:off x="0" y="0"/>
+          <a:ext cx="0" cy="0"/>
+          <a:chOff x="0" y="0"/>
+          <a:chExt cx="0" cy="0"/>
+        </a:xfrm>
+      </p:grpSpPr>
+      <p:sp>
+        <p:nvSpPr>
+          <p:cNvPr id="2" name="Title 1"/>
+          <p:cNvSpPr>
+            <a:spLocks noGrp="1"/>
+          </p:cNvSpPr>
+          <p:nvPr>
+            <p:ph type="title"/>
+          </p:nvPr>
+        </p:nvSpPr>
+        <p:spPr>
+          <a:xfrm>
+            <a:off x="1141413" y="4732865"/>
+            <a:ext cx="9906000" cy="566738"/>
+          </a:xfrm>
+        </p:spPr>
+        <p:txBody>
+          <a:bodyPr anchor="b">
+            <a:normAutofit/>
+          </a:bodyPr>
+          <a:lstStyle>
+            <a:lvl1pPr algn="l">
+              <a:defRPr sz="2400" b="0"/>
+            </a:lvl1pPr>
+          </a:lstStyle>
+          <a:p>
+            <a:r>
+              <a:rPr lang="en-US"/>
+              <a:t>Click to edit Master title style</a:t>
+            </a:r>
+            <a:endParaRPr lang="en-US" dirty="0"/>
+          </a:p>
+        </p:txBody>
+      </p:sp>
+      <p:sp>
+        <p:nvSpPr>
+          <p:cNvPr id="3" name="Picture Placeholder 2"/>
+          <p:cNvSpPr>
+            <a:spLocks noGrp="1" noChangeAspect="1"/>
+          </p:cNvSpPr>
+          <p:nvPr>
+            <p:ph type="pic" idx="1"/>
+          </p:nvPr>
+        </p:nvSpPr>
+        <p:spPr>
+          <a:xfrm>
+            <a:off x="1979612" y="932112"/>
+            <a:ext cx="8225944" cy="3164976"/>
+          </a:xfrm>
+          <a:prstGeom prst="roundRect">
+            <a:avLst>
+              <a:gd name="adj" fmla="val 4380"/>
+            </a:avLst>
+          </a:prstGeom>
+          <a:ln w="38100">
+            <a:gradFill flip="none" rotWithShape="1">
+              <a:gsLst>
+                <a:gs pos="0">
+                  <a:schemeClr val="bg2"/>
+                </a:gs>
+                <a:gs pos="100000">
+                  <a:schemeClr val="bg2">
+                    <a:lumMod val="75000"/>
+                  </a:schemeClr>
+                </a:gs>
+              </a:gsLst>
+              <a:lin ang="5400000" scaled="0"/>
+              <a:tileRect/>
+            </a:gradFill>
+          </a:ln>
+          <a:effectLst>
+            <a:innerShdw blurRad="57150" dist="38100" dir="14460000">
+              <a:srgbClr val="000000">
+                <a:alpha val="70000"/>
+              </a:srgbClr>
+            </a:innerShdw>
+          </a:effectLst>
+        </p:spPr>
+        <p:txBody>
+          <a:bodyPr anchor="t">
+            <a:normAutofit/>
+          </a:bodyPr>
+          <a:lstStyle>
+            <a:lvl1pPr marL="0" indent="0" algn="ctr">
+              <a:buNone/>
+              <a:defRPr sz="1600"/>
+            </a:lvl1pPr>
+            <a:lvl2pPr marL="457200" indent="0">
+              <a:buNone/>
+              <a:defRPr sz="1600"/>
+            </a:lvl2pPr>
+            <a:lvl3pPr marL="914400" indent="0">
+              <a:buNone/>
+              <a:defRPr sz="1600"/>
+            </a:lvl3pPr>
+            <a:lvl4pPr marL="1371600" indent="0">
+              <a:buNone/>
+              <a:defRPr sz="1600"/>
+            </a:lvl4pPr>
+            <a:lvl5pPr marL="1828800" indent="0">
+              <a:buNone/>
+              <a:defRPr sz="1600"/>
+            </a:lvl5pPr>
+            <a:lvl6pPr marL="2286000" indent="0">
+              <a:buNone/>
+              <a:defRPr sz="1600"/>
+            </a:lvl6pPr>
+            <a:lvl7pPr marL="2743200" indent="0">
+              <a:buNone/>
+              <a:defRPr sz="1600"/>
+            </a:lvl7pPr>
+            <a:lvl8pPr marL="3200400" indent="0">
+              <a:buNone/>
+              <a:defRPr sz="1600"/>
+            </a:lvl8pPr>
+            <a:lvl9pPr marL="3657600" indent="0">
+              <a:buNone/>
+              <a:defRPr sz="1600"/>
+            </a:lvl9pPr>
+          </a:lstStyle>
+          <a:p>
+            <a:r>
+              <a:rPr lang="en-US"/>
+              <a:t>Click icon to add picture</a:t>
+            </a:r>
+            <a:endParaRPr lang="en-US" dirty="0"/>
+          </a:p>
+        </p:txBody>
+      </p:sp>
+      <p:sp>
+        <p:nvSpPr>
+          <p:cNvPr id="4" name="Text Placeholder 3"/>
+          <p:cNvSpPr>
+            <a:spLocks noGrp="1"/>
+          </p:cNvSpPr>
+          <p:nvPr>
+            <p:ph type="body" sz="half" idx="2"/>
+          </p:nvPr>
+        </p:nvSpPr>
+        <p:spPr>
+          <a:xfrm>
+            <a:off x="1141413" y="5299603"/>
+            <a:ext cx="9906000" cy="493712"/>
+          </a:xfrm>
+        </p:spPr>
+        <p:txBody>
+          <a:bodyPr>
+            <a:normAutofit/>
+          </a:bodyPr>
+          <a:lstStyle>
+            <a:lvl1pPr marL="0" indent="0">
+              <a:buNone/>
+              <a:defRPr sz="1400"/>
+            </a:lvl1pPr>
+            <a:lvl2pPr marL="457200" indent="0">
+              <a:buNone/>
+              <a:defRPr sz="1200"/>
+            </a:lvl2pPr>
+            <a:lvl3pPr marL="914400" indent="0">
+              <a:buNone/>
+              <a:defRPr sz="1000"/>
+            </a:lvl3pPr>
+            <a:lvl4pPr marL="1371600" indent="0">
+              <a:buNone/>
+              <a:defRPr sz="900"/>
+            </a:lvl4pPr>
+            <a:lvl5pPr marL="1828800" indent="0">
+              <a:buNone/>
+              <a:defRPr sz="900"/>
+            </a:lvl5pPr>
+            <a:lvl6pPr marL="2286000" indent="0">
+              <a:buNone/>
+              <a:defRPr sz="900"/>
+            </a:lvl6pPr>
+            <a:lvl7pPr marL="2743200" indent="0">
+              <a:buNone/>
+              <a:defRPr sz="900"/>
+            </a:lvl7pPr>
+            <a:lvl8pPr marL="3200400" indent="0">
+              <a:buNone/>
+              <a:defRPr sz="900"/>
+            </a:lvl8pPr>
+            <a:lvl9pPr marL="3657600" indent="0">
+              <a:buNone/>
+              <a:defRPr sz="900"/>
+            </a:lvl9pPr>
+          </a:lstStyle>
+          <a:p>
+            <a:pPr lvl="0"/>
+            <a:r>
+              <a:rPr lang="en-US"/>
+              <a:t>Edit Master text styles</a:t>
+            </a:r>
+          </a:p>
+        </p:txBody>
+      </p:sp>
+      <p:sp>
+        <p:nvSpPr>
+          <p:cNvPr id="5" name="Date Placeholder 4"/>
+          <p:cNvSpPr>
+            <a:spLocks noGrp="1"/>
+          </p:cNvSpPr>
+          <p:nvPr>
+            <p:ph type="dt" sz="half" idx="10"/>
+          </p:nvPr>
+        </p:nvSpPr>
+        <p:spPr/>
+        <p:txBody>
+          <a:bodyPr/>
+          <a:lstStyle/>
+          <a:p>
+            <a:fld id="{6C4C8730-1723-411A-953F-E3E1CAAA8808}" type="datetimeFigureOut">
+              <a:rPr lang="en-US" smtClean="0"/>
+              <a:t>3/15/2018</a:t>
+            </a:fld>
+            <a:endParaRPr lang="en-US"/>
+          </a:p>
+        </p:txBody>
+      </p:sp>
+      <p:sp>
+        <p:nvSpPr>
+          <p:cNvPr id="6" name="Footer Placeholder 5"/>
+          <p:cNvSpPr>
+            <a:spLocks noGrp="1"/>
+          </p:cNvSpPr>
+          <p:nvPr>
+            <p:ph type="ftr" sz="quarter" idx="11"/>
+          </p:nvPr>
+        </p:nvSpPr>
+        <p:spPr/>
+        <p:txBody>
+          <a:bodyPr/>
+          <a:lstStyle/>
+          <a:p>
+            <a:endParaRPr lang="en-US"/>
+          </a:p>
+        </p:txBody>
+      </p:sp>
+      <p:sp>
+        <p:nvSpPr>
+          <p:cNvPr id="7" name="Slide Number Placeholder 6"/>
+          <p:cNvSpPr>
+            <a:spLocks noGrp="1"/>
+          </p:cNvSpPr>
+          <p:nvPr>
+            <p:ph type="sldNum" sz="quarter" idx="12"/>
+          </p:nvPr>
+        </p:nvSpPr>
+        <p:spPr/>
+        <p:txBody>
+          <a:bodyPr/>
+          <a:lstStyle/>
+          <a:p>
+            <a:fld id="{8B460D23-61BE-4EBA-B634-AB835BCE73EF}" type="slidenum">
+              <a:rPr lang="en-US" smtClean="0"/>
+              <a:t>‹#›</a:t>
+            </a:fld>
+            <a:endParaRPr lang="en-US"/>
+          </a:p>
+        </p:txBody>
+      </p:sp>
+    </p:spTree>
+    <p:extLst>
+      <p:ext uri="{BB962C8B-B14F-4D97-AF65-F5344CB8AC3E}">
+        <p14:creationId xmlns:p14="http://schemas.microsoft.com/office/powerpoint/2010/main" val="1364528646"/>
+      </p:ext>
+    </p:extLst>
+  </p:cSld>
+  <p:clrMapOvr>
+    <a:masterClrMapping/>
+  </p:clrMapOvr>
+</p:sldLayout>
+</file>
+
+<file path=ppt/slideLayouts/slideLayout11.xml><?xml version="1.0" encoding="utf-8"?>
+<p:sldLayout xmlns:a="http://schemas.openxmlformats.org/drawingml/2006/main" xmlns:r="http://schemas.openxmlformats.org/officeDocument/2006/relationships" xmlns:p="http://schemas.openxmlformats.org/presentationml/2006/main" preserve="1">
+  <p:cSld name="Title and Caption">
+    <p:spTree>
+      <p:nvGrpSpPr>
+        <p:cNvPr id="1" name=""/>
+        <p:cNvGrpSpPr/>
+        <p:nvPr/>
+      </p:nvGrpSpPr>
+      <p:grpSpPr>
+        <a:xfrm>
+          <a:off x="0" y="0"/>
+          <a:ext cx="0" cy="0"/>
+          <a:chOff x="0" y="0"/>
+          <a:chExt cx="0" cy="0"/>
+        </a:xfrm>
+      </p:grpSpPr>
+      <p:sp>
+        <p:nvSpPr>
+          <p:cNvPr id="2" name="Title 1"/>
+          <p:cNvSpPr>
+            <a:spLocks noGrp="1"/>
+          </p:cNvSpPr>
+          <p:nvPr>
+            <p:ph type="title"/>
+          </p:nvPr>
+        </p:nvSpPr>
+        <p:spPr>
+          <a:xfrm>
+            <a:off x="1141412" y="609601"/>
+            <a:ext cx="9905999" cy="3124199"/>
+          </a:xfrm>
+        </p:spPr>
+        <p:txBody>
+          <a:bodyPr anchor="ctr">
+            <a:normAutofit/>
+          </a:bodyPr>
+          <a:lstStyle>
+            <a:lvl1pPr algn="l">
+              <a:defRPr sz="3200" b="0" cap="all"/>
+            </a:lvl1pPr>
+          </a:lstStyle>
+          <a:p>
+            <a:r>
+              <a:rPr lang="en-US"/>
+              <a:t>Click to edit Master title style</a:t>
+            </a:r>
+            <a:endParaRPr lang="en-US" dirty="0"/>
+          </a:p>
+        </p:txBody>
+      </p:sp>
+      <p:sp>
+        <p:nvSpPr>
+          <p:cNvPr id="3" name="Text Placeholder 2"/>
+          <p:cNvSpPr>
+            <a:spLocks noGrp="1"/>
+          </p:cNvSpPr>
+          <p:nvPr>
+            <p:ph type="body" idx="1"/>
+          </p:nvPr>
+        </p:nvSpPr>
+        <p:spPr>
+          <a:xfrm>
+            <a:off x="1141411" y="4343400"/>
+            <a:ext cx="9906000" cy="1447800"/>
+          </a:xfrm>
+        </p:spPr>
+        <p:txBody>
+          <a:bodyPr anchor="ctr">
+            <a:normAutofit/>
+          </a:bodyPr>
+          <a:lstStyle>
+            <a:lvl1pPr marL="0" indent="0" algn="l">
+              <a:buNone/>
+              <a:defRPr sz="2000">
+                <a:gradFill flip="none" rotWithShape="1">
+                  <a:gsLst>
+                    <a:gs pos="0">
+                      <a:schemeClr val="tx1"/>
+                    </a:gs>
+                    <a:gs pos="100000">
+                      <a:schemeClr val="tx1">
+                        <a:lumMod val="75000"/>
+                      </a:schemeClr>
+                    </a:gs>
+                  </a:gsLst>
+                  <a:lin ang="5400000" scaled="0"/>
+                  <a:tileRect/>
+                </a:gradFill>
+              </a:defRPr>
+            </a:lvl1pPr>
+            <a:lvl2pPr marL="457200" indent="0">
+              <a:buNone/>
+              <a:defRPr sz="1800">
+                <a:solidFill>
+                  <a:schemeClr val="tx1">
+                    <a:tint val="75000"/>
+                  </a:schemeClr>
+                </a:solidFill>
+              </a:defRPr>
+            </a:lvl2pPr>
+            <a:lvl3pPr marL="914400" indent="0">
+              <a:buNone/>
+              <a:defRPr sz="1600">
+                <a:solidFill>
+                  <a:schemeClr val="tx1">
+                    <a:tint val="75000"/>
+                  </a:schemeClr>
+                </a:solidFill>
+              </a:defRPr>
+            </a:lvl3pPr>
+            <a:lvl4pPr marL="1371600" indent="0">
+              <a:buNone/>
+              <a:defRPr sz="1400">
+                <a:solidFill>
+                  <a:schemeClr val="tx1">
+                    <a:tint val="75000"/>
+                  </a:schemeClr>
+                </a:solidFill>
+              </a:defRPr>
+            </a:lvl4pPr>
+            <a:lvl5pPr marL="1828800" indent="0">
+              <a:buNone/>
+              <a:defRPr sz="1400">
+                <a:solidFill>
+                  <a:schemeClr val="tx1">
+                    <a:tint val="75000"/>
+                  </a:schemeClr>
+                </a:solidFill>
+              </a:defRPr>
+            </a:lvl5pPr>
+            <a:lvl6pPr marL="2286000" indent="0">
+              <a:buNone/>
+              <a:defRPr sz="1400">
+                <a:solidFill>
+                  <a:schemeClr val="tx1">
+                    <a:tint val="75000"/>
+                  </a:schemeClr>
+                </a:solidFill>
+              </a:defRPr>
+            </a:lvl6pPr>
+            <a:lvl7pPr marL="2743200" indent="0">
+              <a:buNone/>
+              <a:defRPr sz="1400">
+                <a:solidFill>
+                  <a:schemeClr val="tx1">
+                    <a:tint val="75000"/>
+                  </a:schemeClr>
+                </a:solidFill>
+              </a:defRPr>
+            </a:lvl7pPr>
+            <a:lvl8pPr marL="3200400" indent="0">
+              <a:buNone/>
+              <a:defRPr sz="1400">
+                <a:solidFill>
+                  <a:schemeClr val="tx1">
+                    <a:tint val="75000"/>
+                  </a:schemeClr>
+                </a:solidFill>
+              </a:defRPr>
+            </a:lvl8pPr>
+            <a:lvl9pPr marL="3657600" indent="0">
+              <a:buNone/>
+              <a:defRPr sz="1400">
+                <a:solidFill>
+                  <a:schemeClr val="tx1">
+                    <a:tint val="75000"/>
+                  </a:schemeClr>
+                </a:solidFill>
+              </a:defRPr>
+            </a:lvl9pPr>
+          </a:lstStyle>
+          <a:p>
+            <a:pPr lvl="0"/>
+            <a:r>
+              <a:rPr lang="en-US"/>
+              <a:t>Edit Master text styles</a:t>
+            </a:r>
+          </a:p>
+        </p:txBody>
+      </p:sp>
+      <p:sp>
+        <p:nvSpPr>
+          <p:cNvPr id="4" name="Date Placeholder 3"/>
+          <p:cNvSpPr>
+            <a:spLocks noGrp="1"/>
+          </p:cNvSpPr>
+          <p:nvPr>
+            <p:ph type="dt" sz="half" idx="10"/>
+          </p:nvPr>
+        </p:nvSpPr>
+        <p:spPr/>
+        <p:txBody>
+          <a:bodyPr/>
+          <a:lstStyle/>
+          <a:p>
+            <a:fld id="{6C4C8730-1723-411A-953F-E3E1CAAA8808}" type="datetimeFigureOut">
+              <a:rPr lang="en-US" smtClean="0"/>
+              <a:t>3/15/2018</a:t>
+            </a:fld>
+            <a:endParaRPr lang="en-US"/>
+          </a:p>
+        </p:txBody>
+      </p:sp>
+      <p:sp>
+        <p:nvSpPr>
+          <p:cNvPr id="5" name="Footer Placeholder 4"/>
+          <p:cNvSpPr>
+            <a:spLocks noGrp="1"/>
+          </p:cNvSpPr>
+          <p:nvPr>
+            <p:ph type="ftr" sz="quarter" idx="11"/>
+          </p:nvPr>
+        </p:nvSpPr>
+        <p:spPr/>
+        <p:txBody>
+          <a:bodyPr/>
+          <a:lstStyle/>
+          <a:p>
+            <a:endParaRPr lang="en-US"/>
+          </a:p>
+        </p:txBody>
+      </p:sp>
+      <p:sp>
+        <p:nvSpPr>
+          <p:cNvPr id="6" name="Slide Number Placeholder 5"/>
+          <p:cNvSpPr>
+            <a:spLocks noGrp="1"/>
+          </p:cNvSpPr>
+          <p:nvPr>
+            <p:ph type="sldNum" sz="quarter" idx="12"/>
+          </p:nvPr>
+        </p:nvSpPr>
+        <p:spPr/>
+        <p:txBody>
+          <a:bodyPr/>
+          <a:lstStyle/>
+          <a:p>
+            <a:fld id="{8B460D23-61BE-4EBA-B634-AB835BCE73EF}" type="slidenum">
+              <a:rPr lang="en-US" smtClean="0"/>
+              <a:t>‹#›</a:t>
+            </a:fld>
+            <a:endParaRPr lang="en-US"/>
+          </a:p>
+        </p:txBody>
+      </p:sp>
+    </p:spTree>
+    <p:extLst>
+      <p:ext uri="{BB962C8B-B14F-4D97-AF65-F5344CB8AC3E}">
+        <p14:creationId xmlns:p14="http://schemas.microsoft.com/office/powerpoint/2010/main" val="1362830721"/>
+      </p:ext>
+    </p:extLst>
+  </p:cSld>
+  <p:clrMapOvr>
+    <a:masterClrMapping/>
+  </p:clrMapOvr>
+</p:sldLayout>
+</file>
+
+<file path=ppt/slideLayouts/slideLayout12.xml><?xml version="1.0" encoding="utf-8"?>
+<p:sldLayout xmlns:a="http://schemas.openxmlformats.org/drawingml/2006/main" xmlns:r="http://schemas.openxmlformats.org/officeDocument/2006/relationships" xmlns:p="http://schemas.openxmlformats.org/presentationml/2006/main" preserve="1">
+  <p:cSld name="Quote with Caption">
+    <p:spTree>
+      <p:nvGrpSpPr>
+        <p:cNvPr id="1" name=""/>
+        <p:cNvGrpSpPr/>
+        <p:nvPr/>
+      </p:nvGrpSpPr>
+      <p:grpSpPr>
+        <a:xfrm>
+          <a:off x="0" y="0"/>
+          <a:ext cx="0" cy="0"/>
+          <a:chOff x="0" y="0"/>
+          <a:chExt cx="0" cy="0"/>
+        </a:xfrm>
+      </p:grpSpPr>
+      <p:sp>
+        <p:nvSpPr>
+          <p:cNvPr id="14" name="TextBox 13"/>
+          <p:cNvSpPr txBox="1"/>
+          <p:nvPr/>
+        </p:nvSpPr>
+        <p:spPr>
+          <a:xfrm>
+            <a:off x="836612" y="786824"/>
+            <a:ext cx="609600" cy="584776"/>
+          </a:xfrm>
+          <a:prstGeom prst="rect">
+            <a:avLst/>
+          </a:prstGeom>
+        </p:spPr>
+        <p:txBody>
+          <a:bodyPr vert="horz" lIns="91440" tIns="45720" rIns="91440" bIns="45720" rtlCol="0" anchor="ctr">
+            <a:noAutofit/>
+          </a:bodyPr>
+          <a:lstStyle>
+            <a:lvl1pPr>
+              <a:spcBef>
+                <a:spcPct val="0"/>
+              </a:spcBef>
+              <a:buNone/>
+              <a:defRPr sz="3200" b="0" cap="all">
+                <a:ln w="3175" cmpd="sng">
+                  <a:noFill/>
+                </a:ln>
+                <a:effectLst>
+                  <a:glow rad="38100">
+                    <a:schemeClr val="bg1">
+                      <a:lumMod val="65000"/>
+                      <a:lumOff val="35000"/>
+                      <a:alpha val="40000"/>
+                    </a:schemeClr>
+                  </a:glow>
+                  <a:outerShdw blurRad="28575" dist="38100" dir="14040000" algn="tl" rotWithShape="0">
+                    <a:srgbClr val="000000">
+                      <a:alpha val="25000"/>
+                    </a:srgbClr>
+                  </a:outerShdw>
+                </a:effectLst>
+              </a:defRPr>
+            </a:lvl1pPr>
+            <a:lvl2pPr>
+              <a:defRPr>
+                <a:solidFill>
+                  <a:schemeClr val="tx2"/>
+                </a:solidFill>
+              </a:defRPr>
+            </a:lvl2pPr>
+            <a:lvl3pPr>
+              <a:defRPr>
+                <a:solidFill>
+                  <a:schemeClr val="tx2"/>
+                </a:solidFill>
+              </a:defRPr>
+            </a:lvl3pPr>
+            <a:lvl4pPr>
+              <a:defRPr>
+                <a:solidFill>
+                  <a:schemeClr val="tx2"/>
+                </a:solidFill>
+              </a:defRPr>
+            </a:lvl4pPr>
+            <a:lvl5pPr>
+              <a:defRPr>
+                <a:solidFill>
+                  <a:schemeClr val="tx2"/>
+                </a:solidFill>
+              </a:defRPr>
+            </a:lvl5pPr>
+            <a:lvl6pPr>
+              <a:defRPr>
+                <a:solidFill>
+                  <a:schemeClr val="tx2"/>
+                </a:solidFill>
+              </a:defRPr>
+            </a:lvl6pPr>
+            <a:lvl7pPr>
+              <a:defRPr>
+                <a:solidFill>
+                  <a:schemeClr val="tx2"/>
+                </a:solidFill>
+              </a:defRPr>
+            </a:lvl7pPr>
+            <a:lvl8pPr>
+              <a:defRPr>
+                <a:solidFill>
+                  <a:schemeClr val="tx2"/>
+                </a:solidFill>
+              </a:defRPr>
+            </a:lvl8pPr>
+            <a:lvl9pPr>
+              <a:defRPr>
+                <a:solidFill>
+                  <a:schemeClr val="tx2"/>
+                </a:solidFill>
+              </a:defRPr>
+            </a:lvl9pPr>
+          </a:lstStyle>
+          <a:p>
+            <a:pPr lvl="0"/>
+            <a:r>
+              <a:rPr lang="en-US" sz="8000" dirty="0">
+                <a:solidFill>
+                  <a:schemeClr val="accent1"/>
+                </a:solidFill>
+              </a:rPr>
+              <a:t>“</a:t>
+            </a:r>
+          </a:p>
+        </p:txBody>
+      </p:sp>
+      <p:sp>
+        <p:nvSpPr>
+          <p:cNvPr id="15" name="TextBox 14"/>
+          <p:cNvSpPr txBox="1"/>
+          <p:nvPr/>
+        </p:nvSpPr>
+        <p:spPr>
+          <a:xfrm>
+            <a:off x="10437812" y="2743200"/>
+            <a:ext cx="609600" cy="584776"/>
+          </a:xfrm>
+          <a:prstGeom prst="rect">
+            <a:avLst/>
+          </a:prstGeom>
+        </p:spPr>
+        <p:txBody>
+          <a:bodyPr vert="horz" lIns="91440" tIns="45720" rIns="91440" bIns="45720" rtlCol="0" anchor="ctr">
+            <a:noAutofit/>
+          </a:bodyPr>
+          <a:lstStyle>
+            <a:lvl1pPr>
+              <a:spcBef>
+                <a:spcPct val="0"/>
+              </a:spcBef>
+              <a:buNone/>
+              <a:defRPr sz="3200" b="0" cap="all">
+                <a:ln w="3175" cmpd="sng">
+                  <a:noFill/>
+                </a:ln>
+                <a:effectLst>
+                  <a:glow rad="38100">
+                    <a:schemeClr val="bg1">
+                      <a:lumMod val="65000"/>
+                      <a:lumOff val="35000"/>
+                      <a:alpha val="40000"/>
+                    </a:schemeClr>
+                  </a:glow>
+                  <a:outerShdw blurRad="28575" dist="38100" dir="14040000" algn="tl" rotWithShape="0">
+                    <a:srgbClr val="000000">
+                      <a:alpha val="25000"/>
+                    </a:srgbClr>
+                  </a:outerShdw>
+                </a:effectLst>
+              </a:defRPr>
+            </a:lvl1pPr>
+            <a:lvl2pPr>
+              <a:defRPr>
+                <a:solidFill>
+                  <a:schemeClr val="tx2"/>
+                </a:solidFill>
+              </a:defRPr>
+            </a:lvl2pPr>
+            <a:lvl3pPr>
+              <a:defRPr>
+                <a:solidFill>
+                  <a:schemeClr val="tx2"/>
+                </a:solidFill>
+              </a:defRPr>
+            </a:lvl3pPr>
+            <a:lvl4pPr>
+              <a:defRPr>
+                <a:solidFill>
+                  <a:schemeClr val="tx2"/>
+                </a:solidFill>
+              </a:defRPr>
+            </a:lvl4pPr>
+            <a:lvl5pPr>
+              <a:defRPr>
+                <a:solidFill>
+                  <a:schemeClr val="tx2"/>
+                </a:solidFill>
+              </a:defRPr>
+            </a:lvl5pPr>
+            <a:lvl6pPr>
+              <a:defRPr>
+                <a:solidFill>
+                  <a:schemeClr val="tx2"/>
+                </a:solidFill>
+              </a:defRPr>
+            </a:lvl6pPr>
+            <a:lvl7pPr>
+              <a:defRPr>
+                <a:solidFill>
+                  <a:schemeClr val="tx2"/>
+                </a:solidFill>
+              </a:defRPr>
+            </a:lvl7pPr>
+            <a:lvl8pPr>
+              <a:defRPr>
+                <a:solidFill>
+                  <a:schemeClr val="tx2"/>
+                </a:solidFill>
+              </a:defRPr>
+            </a:lvl8pPr>
+            <a:lvl9pPr>
+              <a:defRPr>
+                <a:solidFill>
+                  <a:schemeClr val="tx2"/>
+                </a:solidFill>
+              </a:defRPr>
+            </a:lvl9pPr>
+          </a:lstStyle>
+          <a:p>
+            <a:pPr lvl="0" algn="r"/>
+            <a:r>
+              <a:rPr lang="en-US" sz="8000" dirty="0">
+                <a:solidFill>
+                  <a:schemeClr val="accent1"/>
+                </a:solidFill>
+              </a:rPr>
+              <a:t>”</a:t>
+            </a:r>
+          </a:p>
+        </p:txBody>
+      </p:sp>
+      <p:sp>
+        <p:nvSpPr>
+          <p:cNvPr id="2" name="Title 1"/>
+          <p:cNvSpPr>
+            <a:spLocks noGrp="1"/>
+          </p:cNvSpPr>
+          <p:nvPr>
+            <p:ph type="title"/>
+          </p:nvPr>
+        </p:nvSpPr>
+        <p:spPr>
+          <a:xfrm>
+            <a:off x="1446213" y="609601"/>
+            <a:ext cx="9296398" cy="2743199"/>
+          </a:xfrm>
+        </p:spPr>
+        <p:txBody>
+          <a:bodyPr anchor="ctr">
+            <a:normAutofit/>
+          </a:bodyPr>
+          <a:lstStyle>
+            <a:lvl1pPr algn="l">
+              <a:defRPr sz="3200" b="0" cap="all">
+                <a:solidFill>
+                  <a:schemeClr val="tx1"/>
+                </a:solidFill>
+              </a:defRPr>
+            </a:lvl1pPr>
+          </a:lstStyle>
+          <a:p>
+            <a:r>
+              <a:rPr lang="en-US"/>
+              <a:t>Click to edit Master title style</a:t>
+            </a:r>
+            <a:endParaRPr lang="en-US" dirty="0"/>
+          </a:p>
+        </p:txBody>
+      </p:sp>
+      <p:sp>
+        <p:nvSpPr>
+          <p:cNvPr id="10" name="Text Placeholder 9"/>
+          <p:cNvSpPr>
+            <a:spLocks noGrp="1"/>
+          </p:cNvSpPr>
+          <p:nvPr>
+            <p:ph type="body" sz="quarter" idx="13"/>
+          </p:nvPr>
+        </p:nvSpPr>
+        <p:spPr>
+          <a:xfrm>
+            <a:off x="1674812" y="3352800"/>
+            <a:ext cx="8839202" cy="381000"/>
+          </a:xfrm>
+        </p:spPr>
+        <p:txBody>
+          <a:bodyPr anchor="ctr"/>
+          <a:lstStyle>
+            <a:lvl1pPr marL="0" indent="0">
+              <a:buFontTx/>
+              <a:buNone/>
+              <a:defRPr/>
+            </a:lvl1pPr>
+            <a:lvl2pPr marL="457200" indent="0">
+              <a:buFontTx/>
+              <a:buNone/>
+              <a:defRPr/>
+            </a:lvl2pPr>
+            <a:lvl3pPr marL="914400" indent="0">
+              <a:buFontTx/>
+              <a:buNone/>
+              <a:defRPr/>
+            </a:lvl3pPr>
+            <a:lvl4pPr marL="1371600" indent="0">
+              <a:buFontTx/>
+              <a:buNone/>
+              <a:defRPr/>
+            </a:lvl4pPr>
+            <a:lvl5pPr marL="1828800" indent="0">
+              <a:buFontTx/>
+              <a:buNone/>
+              <a:defRPr/>
+            </a:lvl5pPr>
+          </a:lstStyle>
+          <a:p>
+            <a:pPr lvl="0"/>
+            <a:r>
+              <a:rPr lang="en-US"/>
+              <a:t>Edit Master text styles</a:t>
+            </a:r>
+          </a:p>
+        </p:txBody>
+      </p:sp>
+      <p:sp>
+        <p:nvSpPr>
+          <p:cNvPr id="3" name="Text Placeholder 2"/>
+          <p:cNvSpPr>
+            <a:spLocks noGrp="1"/>
+          </p:cNvSpPr>
+          <p:nvPr>
+            <p:ph type="body" idx="1"/>
+          </p:nvPr>
+        </p:nvSpPr>
+        <p:spPr>
+          <a:xfrm>
+            <a:off x="1141411" y="4343400"/>
+            <a:ext cx="9906000" cy="1447800"/>
+          </a:xfrm>
+        </p:spPr>
+        <p:txBody>
+          <a:bodyPr vert="horz" lIns="91440" tIns="45720" rIns="91440" bIns="45720" rtlCol="0" anchor="ctr">
+            <a:normAutofit/>
+          </a:bodyPr>
+          <a:lstStyle>
+            <a:lvl1pPr>
+              <a:buNone/>
+              <a:defRPr lang="en-US" sz="2000">
+                <a:gradFill flip="none" rotWithShape="1">
+                  <a:gsLst>
+                    <a:gs pos="0">
+                      <a:schemeClr val="tx1"/>
+                    </a:gs>
+                    <a:gs pos="100000">
+                      <a:schemeClr val="tx1">
+                        <a:lumMod val="75000"/>
+                      </a:schemeClr>
+                    </a:gs>
+                  </a:gsLst>
+                  <a:lin ang="5400000" scaled="0"/>
+                  <a:tileRect/>
+                </a:gradFill>
+              </a:defRPr>
+            </a:lvl1pPr>
+          </a:lstStyle>
+          <a:p>
+            <a:pPr marL="0" lvl="0" indent="0">
+              <a:buNone/>
+            </a:pPr>
+            <a:r>
+              <a:rPr lang="en-US"/>
+              <a:t>Edit Master text styles</a:t>
+            </a:r>
+          </a:p>
+        </p:txBody>
+      </p:sp>
+      <p:sp>
+        <p:nvSpPr>
+          <p:cNvPr id="4" name="Date Placeholder 3"/>
+          <p:cNvSpPr>
+            <a:spLocks noGrp="1"/>
+          </p:cNvSpPr>
+          <p:nvPr>
+            <p:ph type="dt" sz="half" idx="10"/>
+          </p:nvPr>
+        </p:nvSpPr>
+        <p:spPr/>
+        <p:txBody>
+          <a:bodyPr/>
+          <a:lstStyle/>
+          <a:p>
+            <a:fld id="{6C4C8730-1723-411A-953F-E3E1CAAA8808}" type="datetimeFigureOut">
+              <a:rPr lang="en-US" smtClean="0"/>
+              <a:t>3/15/2018</a:t>
+            </a:fld>
+            <a:endParaRPr lang="en-US"/>
+          </a:p>
+        </p:txBody>
+      </p:sp>
+      <p:sp>
+        <p:nvSpPr>
+          <p:cNvPr id="5" name="Footer Placeholder 4"/>
+          <p:cNvSpPr>
+            <a:spLocks noGrp="1"/>
+          </p:cNvSpPr>
+          <p:nvPr>
+            <p:ph type="ftr" sz="quarter" idx="11"/>
+          </p:nvPr>
+        </p:nvSpPr>
+        <p:spPr/>
+        <p:txBody>
+          <a:bodyPr/>
+          <a:lstStyle/>
+          <a:p>
+            <a:endParaRPr lang="en-US"/>
+          </a:p>
+        </p:txBody>
+      </p:sp>
+      <p:sp>
+        <p:nvSpPr>
+          <p:cNvPr id="6" name="Slide Number Placeholder 5"/>
+          <p:cNvSpPr>
+            <a:spLocks noGrp="1"/>
+          </p:cNvSpPr>
+          <p:nvPr>
+            <p:ph type="sldNum" sz="quarter" idx="12"/>
+          </p:nvPr>
+        </p:nvSpPr>
+        <p:spPr/>
+        <p:txBody>
+          <a:bodyPr/>
+          <a:lstStyle/>
+          <a:p>
+            <a:fld id="{8B460D23-61BE-4EBA-B634-AB835BCE73EF}" type="slidenum">
+              <a:rPr lang="en-US" smtClean="0"/>
+              <a:t>‹#›</a:t>
+            </a:fld>
+            <a:endParaRPr lang="en-US"/>
+          </a:p>
+        </p:txBody>
+      </p:sp>
+    </p:spTree>
+    <p:extLst>
+      <p:ext uri="{BB962C8B-B14F-4D97-AF65-F5344CB8AC3E}">
+        <p14:creationId xmlns:p14="http://schemas.microsoft.com/office/powerpoint/2010/main" val="28736060"/>
+      </p:ext>
+    </p:extLst>
+  </p:cSld>
+  <p:clrMapOvr>
+    <a:masterClrMapping/>
+  </p:clrMapOvr>
+</p:sldLayout>
+</file>
+
+<file path=ppt/slideLayouts/slideLayout13.xml><?xml version="1.0" encoding="utf-8"?>
+<p:sldLayout xmlns:a="http://schemas.openxmlformats.org/drawingml/2006/main" xmlns:r="http://schemas.openxmlformats.org/officeDocument/2006/relationships" xmlns:p="http://schemas.openxmlformats.org/presentationml/2006/main" preserve="1">
+  <p:cSld name="Name Card">
+    <p:spTree>
+      <p:nvGrpSpPr>
+        <p:cNvPr id="1" name=""/>
+        <p:cNvGrpSpPr/>
+        <p:nvPr/>
+      </p:nvGrpSpPr>
+      <p:grpSpPr>
+        <a:xfrm>
+          <a:off x="0" y="0"/>
+          <a:ext cx="0" cy="0"/>
+          <a:chOff x="0" y="0"/>
+          <a:chExt cx="0" cy="0"/>
+        </a:xfrm>
+      </p:grpSpPr>
+      <p:sp>
+        <p:nvSpPr>
+          <p:cNvPr id="2" name="Title 1"/>
+          <p:cNvSpPr>
+            <a:spLocks noGrp="1"/>
+          </p:cNvSpPr>
+          <p:nvPr>
+            <p:ph type="title"/>
+          </p:nvPr>
+        </p:nvSpPr>
+        <p:spPr>
+          <a:xfrm>
+            <a:off x="1141412" y="3308581"/>
+            <a:ext cx="9906000" cy="1468800"/>
+          </a:xfrm>
+        </p:spPr>
+        <p:txBody>
+          <a:bodyPr anchor="b">
+            <a:normAutofit/>
+          </a:bodyPr>
+          <a:lstStyle>
+            <a:lvl1pPr algn="l">
+              <a:defRPr sz="3200" b="0" cap="all"/>
+            </a:lvl1pPr>
+          </a:lstStyle>
+          <a:p>
+            <a:r>
+              <a:rPr lang="en-US"/>
+              <a:t>Click to edit Master title style</a:t>
+            </a:r>
+            <a:endParaRPr lang="en-US" dirty="0"/>
+          </a:p>
+        </p:txBody>
+      </p:sp>
+      <p:sp>
+        <p:nvSpPr>
+          <p:cNvPr id="3" name="Text Placeholder 2"/>
+          <p:cNvSpPr>
+            <a:spLocks noGrp="1"/>
+          </p:cNvSpPr>
+          <p:nvPr>
+            <p:ph type="body" idx="1"/>
+          </p:nvPr>
+        </p:nvSpPr>
+        <p:spPr>
+          <a:xfrm>
+            <a:off x="1141410" y="4777381"/>
+            <a:ext cx="9906001" cy="860400"/>
+          </a:xfrm>
+        </p:spPr>
+        <p:txBody>
+          <a:bodyPr vert="horz" lIns="91440" tIns="45720" rIns="91440" bIns="45720" rtlCol="0" anchor="t">
+            <a:normAutofit/>
+          </a:bodyPr>
+          <a:lstStyle>
+            <a:lvl1pPr>
+              <a:defRPr lang="en-US" sz="2000">
+                <a:gradFill flip="none" rotWithShape="1">
+                  <a:gsLst>
+                    <a:gs pos="0">
+                      <a:schemeClr val="tx1"/>
+                    </a:gs>
+                    <a:gs pos="100000">
+                      <a:schemeClr val="tx1">
+                        <a:lumMod val="75000"/>
+                      </a:schemeClr>
+                    </a:gs>
+                  </a:gsLst>
+                  <a:lin ang="5400000" scaled="0"/>
+                  <a:tileRect/>
+                </a:gradFill>
+              </a:defRPr>
+            </a:lvl1pPr>
+          </a:lstStyle>
+          <a:p>
+            <a:pPr marL="0" lvl="0" indent="0">
+              <a:buNone/>
+            </a:pPr>
+            <a:r>
+              <a:rPr lang="en-US"/>
+              <a:t>Edit Master text styles</a:t>
+            </a:r>
+          </a:p>
+        </p:txBody>
+      </p:sp>
+      <p:sp>
+        <p:nvSpPr>
+          <p:cNvPr id="4" name="Date Placeholder 3"/>
+          <p:cNvSpPr>
+            <a:spLocks noGrp="1"/>
+          </p:cNvSpPr>
+          <p:nvPr>
+            <p:ph type="dt" sz="half" idx="10"/>
+          </p:nvPr>
+        </p:nvSpPr>
+        <p:spPr/>
+        <p:txBody>
+          <a:bodyPr/>
+          <a:lstStyle/>
+          <a:p>
+            <a:fld id="{6C4C8730-1723-411A-953F-E3E1CAAA8808}" type="datetimeFigureOut">
+              <a:rPr lang="en-US" smtClean="0"/>
+              <a:t>3/15/2018</a:t>
+            </a:fld>
+            <a:endParaRPr lang="en-US"/>
+          </a:p>
+        </p:txBody>
+      </p:sp>
+      <p:sp>
+        <p:nvSpPr>
+          <p:cNvPr id="5" name="Footer Placeholder 4"/>
+          <p:cNvSpPr>
+            <a:spLocks noGrp="1"/>
+          </p:cNvSpPr>
+          <p:nvPr>
+            <p:ph type="ftr" sz="quarter" idx="11"/>
+          </p:nvPr>
+        </p:nvSpPr>
+        <p:spPr/>
+        <p:txBody>
+          <a:bodyPr/>
+          <a:lstStyle/>
+          <a:p>
+            <a:endParaRPr lang="en-US"/>
+          </a:p>
+        </p:txBody>
+      </p:sp>
+      <p:sp>
+        <p:nvSpPr>
+          <p:cNvPr id="6" name="Slide Number Placeholder 5"/>
+          <p:cNvSpPr>
+            <a:spLocks noGrp="1"/>
+          </p:cNvSpPr>
+          <p:nvPr>
+            <p:ph type="sldNum" sz="quarter" idx="12"/>
+          </p:nvPr>
+        </p:nvSpPr>
+        <p:spPr/>
+        <p:txBody>
+          <a:bodyPr/>
+          <a:lstStyle/>
+          <a:p>
+            <a:fld id="{8B460D23-61BE-4EBA-B634-AB835BCE73EF}" type="slidenum">
+              <a:rPr lang="en-US" smtClean="0"/>
+              <a:t>‹#›</a:t>
+            </a:fld>
+            <a:endParaRPr lang="en-US"/>
+          </a:p>
+        </p:txBody>
+      </p:sp>
+    </p:spTree>
+    <p:extLst>
+      <p:ext uri="{BB962C8B-B14F-4D97-AF65-F5344CB8AC3E}">
+        <p14:creationId xmlns:p14="http://schemas.microsoft.com/office/powerpoint/2010/main" val="1088025582"/>
+      </p:ext>
+    </p:extLst>
+  </p:cSld>
+  <p:clrMapOvr>
+    <a:masterClrMapping/>
+  </p:clrMapOvr>
+</p:sldLayout>
+</file>
+
+<file path=ppt/slideLayouts/slideLayout14.xml><?xml version="1.0" encoding="utf-8"?>
+<p:sldLayout xmlns:a="http://schemas.openxmlformats.org/drawingml/2006/main" xmlns:r="http://schemas.openxmlformats.org/officeDocument/2006/relationships" xmlns:p="http://schemas.openxmlformats.org/presentationml/2006/main" preserve="1">
+  <p:cSld name="Quote Name Card">
+    <p:spTree>
+      <p:nvGrpSpPr>
+        <p:cNvPr id="1" name=""/>
+        <p:cNvGrpSpPr/>
+        <p:nvPr/>
+      </p:nvGrpSpPr>
+      <p:grpSpPr>
+        <a:xfrm>
+          <a:off x="0" y="0"/>
+          <a:ext cx="0" cy="0"/>
+          <a:chOff x="0" y="0"/>
+          <a:chExt cx="0" cy="0"/>
+        </a:xfrm>
+      </p:grpSpPr>
+      <p:sp>
+        <p:nvSpPr>
+          <p:cNvPr id="14" name="TextBox 13"/>
+          <p:cNvSpPr txBox="1"/>
+          <p:nvPr/>
+        </p:nvSpPr>
+        <p:spPr>
+          <a:xfrm>
+            <a:off x="836612" y="786824"/>
+            <a:ext cx="609600" cy="584776"/>
+          </a:xfrm>
+          <a:prstGeom prst="rect">
+            <a:avLst/>
+          </a:prstGeom>
+        </p:spPr>
+        <p:txBody>
+          <a:bodyPr vert="horz" lIns="91440" tIns="45720" rIns="91440" bIns="45720" rtlCol="0" anchor="ctr">
+            <a:noAutofit/>
+          </a:bodyPr>
+          <a:lstStyle>
+            <a:lvl1pPr>
+              <a:spcBef>
+                <a:spcPct val="0"/>
+              </a:spcBef>
+              <a:buNone/>
+              <a:defRPr sz="3200" b="0" cap="all">
+                <a:ln w="3175" cmpd="sng">
+                  <a:noFill/>
+                </a:ln>
+                <a:effectLst>
+                  <a:glow rad="38100">
+                    <a:schemeClr val="bg1">
+                      <a:lumMod val="65000"/>
+                      <a:lumOff val="35000"/>
+                      <a:alpha val="40000"/>
+                    </a:schemeClr>
+                  </a:glow>
+                  <a:outerShdw blurRad="28575" dist="38100" dir="14040000" algn="tl" rotWithShape="0">
+                    <a:srgbClr val="000000">
+                      <a:alpha val="25000"/>
+                    </a:srgbClr>
+                  </a:outerShdw>
+                </a:effectLst>
+              </a:defRPr>
+            </a:lvl1pPr>
+            <a:lvl2pPr>
+              <a:defRPr>
+                <a:solidFill>
+                  <a:schemeClr val="tx2"/>
+                </a:solidFill>
+              </a:defRPr>
+            </a:lvl2pPr>
+            <a:lvl3pPr>
+              <a:defRPr>
+                <a:solidFill>
+                  <a:schemeClr val="tx2"/>
+                </a:solidFill>
+              </a:defRPr>
+            </a:lvl3pPr>
+            <a:lvl4pPr>
+              <a:defRPr>
+                <a:solidFill>
+                  <a:schemeClr val="tx2"/>
+                </a:solidFill>
+              </a:defRPr>
+            </a:lvl4pPr>
+            <a:lvl5pPr>
+              <a:defRPr>
+                <a:solidFill>
+                  <a:schemeClr val="tx2"/>
+                </a:solidFill>
+              </a:defRPr>
+            </a:lvl5pPr>
+            <a:lvl6pPr>
+              <a:defRPr>
+                <a:solidFill>
+                  <a:schemeClr val="tx2"/>
+                </a:solidFill>
+              </a:defRPr>
+            </a:lvl6pPr>
+            <a:lvl7pPr>
+              <a:defRPr>
+                <a:solidFill>
+                  <a:schemeClr val="tx2"/>
+                </a:solidFill>
+              </a:defRPr>
+            </a:lvl7pPr>
+            <a:lvl8pPr>
+              <a:defRPr>
+                <a:solidFill>
+                  <a:schemeClr val="tx2"/>
+                </a:solidFill>
+              </a:defRPr>
+            </a:lvl8pPr>
+            <a:lvl9pPr>
+              <a:defRPr>
+                <a:solidFill>
+                  <a:schemeClr val="tx2"/>
+                </a:solidFill>
+              </a:defRPr>
+            </a:lvl9pPr>
+          </a:lstStyle>
+          <a:p>
+            <a:pPr lvl="0"/>
+            <a:r>
+              <a:rPr lang="en-US" sz="8000" dirty="0">
+                <a:solidFill>
+                  <a:schemeClr val="accent1"/>
+                </a:solidFill>
+              </a:rPr>
+              <a:t>“</a:t>
+            </a:r>
+          </a:p>
+        </p:txBody>
+      </p:sp>
+      <p:sp>
+        <p:nvSpPr>
+          <p:cNvPr id="15" name="TextBox 14"/>
+          <p:cNvSpPr txBox="1"/>
+          <p:nvPr/>
+        </p:nvSpPr>
+        <p:spPr>
+          <a:xfrm>
+            <a:off x="10437812" y="2743200"/>
+            <a:ext cx="609600" cy="584776"/>
+          </a:xfrm>
+          <a:prstGeom prst="rect">
+            <a:avLst/>
+          </a:prstGeom>
+        </p:spPr>
+        <p:txBody>
+          <a:bodyPr vert="horz" lIns="91440" tIns="45720" rIns="91440" bIns="45720" rtlCol="0" anchor="ctr">
+            <a:noAutofit/>
+          </a:bodyPr>
+          <a:lstStyle>
+            <a:lvl1pPr>
+              <a:spcBef>
+                <a:spcPct val="0"/>
+              </a:spcBef>
+              <a:buNone/>
+              <a:defRPr sz="3200" b="0" cap="all">
+                <a:ln w="3175" cmpd="sng">
+                  <a:noFill/>
+                </a:ln>
+                <a:effectLst>
+                  <a:glow rad="38100">
+                    <a:schemeClr val="bg1">
+                      <a:lumMod val="65000"/>
+                      <a:lumOff val="35000"/>
+                      <a:alpha val="40000"/>
+                    </a:schemeClr>
+                  </a:glow>
+                  <a:outerShdw blurRad="28575" dist="38100" dir="14040000" algn="tl" rotWithShape="0">
+                    <a:srgbClr val="000000">
+                      <a:alpha val="25000"/>
+                    </a:srgbClr>
+                  </a:outerShdw>
+                </a:effectLst>
+              </a:defRPr>
+            </a:lvl1pPr>
+            <a:lvl2pPr>
+              <a:defRPr>
+                <a:solidFill>
+                  <a:schemeClr val="tx2"/>
+                </a:solidFill>
+              </a:defRPr>
+            </a:lvl2pPr>
+            <a:lvl3pPr>
+              <a:defRPr>
+                <a:solidFill>
+                  <a:schemeClr val="tx2"/>
+                </a:solidFill>
+              </a:defRPr>
+            </a:lvl3pPr>
+            <a:lvl4pPr>
+              <a:defRPr>
+                <a:solidFill>
+                  <a:schemeClr val="tx2"/>
+                </a:solidFill>
+              </a:defRPr>
+            </a:lvl4pPr>
+            <a:lvl5pPr>
+              <a:defRPr>
+                <a:solidFill>
+                  <a:schemeClr val="tx2"/>
+                </a:solidFill>
+              </a:defRPr>
+            </a:lvl5pPr>
+            <a:lvl6pPr>
+              <a:defRPr>
+                <a:solidFill>
+                  <a:schemeClr val="tx2"/>
+                </a:solidFill>
+              </a:defRPr>
+            </a:lvl6pPr>
+            <a:lvl7pPr>
+              <a:defRPr>
+                <a:solidFill>
+                  <a:schemeClr val="tx2"/>
+                </a:solidFill>
+              </a:defRPr>
+            </a:lvl7pPr>
+            <a:lvl8pPr>
+              <a:defRPr>
+                <a:solidFill>
+                  <a:schemeClr val="tx2"/>
+                </a:solidFill>
+              </a:defRPr>
+            </a:lvl8pPr>
+            <a:lvl9pPr>
+              <a:defRPr>
+                <a:solidFill>
+                  <a:schemeClr val="tx2"/>
+                </a:solidFill>
+              </a:defRPr>
+            </a:lvl9pPr>
+          </a:lstStyle>
+          <a:p>
+            <a:pPr lvl="0" algn="r"/>
+            <a:r>
+              <a:rPr lang="en-US" sz="8000" dirty="0">
+                <a:solidFill>
+                  <a:schemeClr val="accent1"/>
+                </a:solidFill>
+              </a:rPr>
+              <a:t>”</a:t>
+            </a:r>
+          </a:p>
+        </p:txBody>
+      </p:sp>
+      <p:sp>
+        <p:nvSpPr>
+          <p:cNvPr id="2" name="Title 1"/>
+          <p:cNvSpPr>
+            <a:spLocks noGrp="1"/>
+          </p:cNvSpPr>
+          <p:nvPr>
+            <p:ph type="title"/>
+          </p:nvPr>
+        </p:nvSpPr>
+        <p:spPr>
+          <a:xfrm>
+            <a:off x="1446213" y="609601"/>
+            <a:ext cx="9296398" cy="2743199"/>
+          </a:xfrm>
+        </p:spPr>
+        <p:txBody>
+          <a:bodyPr anchor="ctr">
+            <a:normAutofit/>
+          </a:bodyPr>
+          <a:lstStyle>
+            <a:lvl1pPr algn="l">
+              <a:defRPr sz="3200" b="0" cap="all">
+                <a:gradFill flip="none" rotWithShape="1">
+                  <a:gsLst>
+                    <a:gs pos="0">
+                      <a:schemeClr val="tx1"/>
+                    </a:gs>
+                    <a:gs pos="100000">
+                      <a:schemeClr val="tx1">
+                        <a:lumMod val="75000"/>
+                      </a:schemeClr>
+                    </a:gs>
+                  </a:gsLst>
+                  <a:lin ang="5400000" scaled="0"/>
+                  <a:tileRect/>
+                </a:gradFill>
+              </a:defRPr>
+            </a:lvl1pPr>
+          </a:lstStyle>
+          <a:p>
+            <a:r>
+              <a:rPr lang="en-US"/>
+              <a:t>Click to edit Master title style</a:t>
+            </a:r>
+            <a:endParaRPr lang="en-US" dirty="0"/>
+          </a:p>
+        </p:txBody>
+      </p:sp>
+      <p:sp>
+        <p:nvSpPr>
+          <p:cNvPr id="10" name="Text Placeholder 9"/>
+          <p:cNvSpPr>
+            <a:spLocks noGrp="1"/>
+          </p:cNvSpPr>
+          <p:nvPr>
+            <p:ph type="body" sz="quarter" idx="13"/>
+          </p:nvPr>
+        </p:nvSpPr>
+        <p:spPr>
+          <a:xfrm>
+            <a:off x="1141412" y="3886200"/>
+            <a:ext cx="9906000" cy="889000"/>
+          </a:xfrm>
+        </p:spPr>
+        <p:txBody>
+          <a:bodyPr vert="horz" lIns="91440" tIns="45720" rIns="91440" bIns="45720" rtlCol="0" anchor="b">
+            <a:normAutofit/>
+          </a:bodyPr>
+          <a:lstStyle>
+            <a:lvl1pPr>
+              <a:buNone/>
+              <a:defRPr lang="en-US" sz="2400" b="0" cap="all" dirty="0">
+                <a:ln w="3175" cmpd="sng">
+                  <a:noFill/>
+                </a:ln>
+                <a:gradFill flip="none" rotWithShape="1">
+                  <a:gsLst>
+                    <a:gs pos="0">
+                      <a:schemeClr val="tx1"/>
+                    </a:gs>
+                    <a:gs pos="100000">
+                      <a:schemeClr val="tx1">
+                        <a:lumMod val="75000"/>
+                      </a:schemeClr>
+                    </a:gs>
+                  </a:gsLst>
+                  <a:lin ang="5400000" scaled="0"/>
+                  <a:tileRect/>
+                </a:gradFill>
+                <a:effectLst>
+                  <a:glow rad="38100">
+                    <a:schemeClr val="bg1">
+                      <a:lumMod val="65000"/>
+                      <a:lumOff val="35000"/>
+                      <a:alpha val="40000"/>
+                    </a:schemeClr>
+                  </a:glow>
+                  <a:outerShdw blurRad="28575" dist="38100" dir="14040000" algn="tl" rotWithShape="0">
+                    <a:srgbClr val="000000">
+                      <a:alpha val="25000"/>
+                    </a:srgbClr>
+                  </a:outerShdw>
+                </a:effectLst>
+              </a:defRPr>
+            </a:lvl1pPr>
+          </a:lstStyle>
+          <a:p>
+            <a:pPr marL="0" lvl="0">
+              <a:spcBef>
+                <a:spcPct val="0"/>
+              </a:spcBef>
+              <a:buNone/>
+            </a:pPr>
+            <a:r>
+              <a:rPr lang="en-US"/>
+              <a:t>Edit Master text styles</a:t>
+            </a:r>
+          </a:p>
+        </p:txBody>
+      </p:sp>
+      <p:sp>
+        <p:nvSpPr>
+          <p:cNvPr id="3" name="Text Placeholder 2"/>
+          <p:cNvSpPr>
+            <a:spLocks noGrp="1"/>
+          </p:cNvSpPr>
+          <p:nvPr>
+            <p:ph type="body" idx="1"/>
+          </p:nvPr>
+        </p:nvSpPr>
+        <p:spPr>
+          <a:xfrm>
+            <a:off x="1141411" y="4775200"/>
+            <a:ext cx="9906000" cy="1016000"/>
+          </a:xfrm>
+        </p:spPr>
+        <p:txBody>
+          <a:bodyPr anchor="t">
+            <a:normAutofit/>
+          </a:bodyPr>
+          <a:lstStyle>
+            <a:lvl1pPr marL="0" indent="0" algn="l">
+              <a:buNone/>
+              <a:defRPr sz="1800">
+                <a:gradFill flip="none" rotWithShape="1">
+                  <a:gsLst>
+                    <a:gs pos="0">
+                      <a:schemeClr val="tx1"/>
+                    </a:gs>
+                    <a:gs pos="100000">
+                      <a:schemeClr val="tx1">
+                        <a:lumMod val="75000"/>
+                      </a:schemeClr>
+                    </a:gs>
+                  </a:gsLst>
+                  <a:lin ang="5400000" scaled="0"/>
+                  <a:tileRect/>
+                </a:gradFill>
+              </a:defRPr>
+            </a:lvl1pPr>
+            <a:lvl2pPr marL="457200" indent="0">
+              <a:buNone/>
+              <a:defRPr sz="1800">
+                <a:solidFill>
+                  <a:schemeClr val="tx1">
+                    <a:tint val="75000"/>
+                  </a:schemeClr>
+                </a:solidFill>
+              </a:defRPr>
+            </a:lvl2pPr>
+            <a:lvl3pPr marL="914400" indent="0">
+              <a:buNone/>
+              <a:defRPr sz="1600">
+                <a:solidFill>
+                  <a:schemeClr val="tx1">
+                    <a:tint val="75000"/>
+                  </a:schemeClr>
+                </a:solidFill>
+              </a:defRPr>
+            </a:lvl3pPr>
+            <a:lvl4pPr marL="1371600" indent="0">
+              <a:buNone/>
+              <a:defRPr sz="1400">
+                <a:solidFill>
+                  <a:schemeClr val="tx1">
+                    <a:tint val="75000"/>
+                  </a:schemeClr>
+                </a:solidFill>
+              </a:defRPr>
+            </a:lvl4pPr>
+            <a:lvl5pPr marL="1828800" indent="0">
+              <a:buNone/>
+              <a:defRPr sz="1400">
+                <a:solidFill>
+                  <a:schemeClr val="tx1">
+                    <a:tint val="75000"/>
+                  </a:schemeClr>
+                </a:solidFill>
+              </a:defRPr>
+            </a:lvl5pPr>
+            <a:lvl6pPr marL="2286000" indent="0">
+              <a:buNone/>
+              <a:defRPr sz="1400">
+                <a:solidFill>
+                  <a:schemeClr val="tx1">
+                    <a:tint val="75000"/>
+                  </a:schemeClr>
+                </a:solidFill>
+              </a:defRPr>
+            </a:lvl6pPr>
+            <a:lvl7pPr marL="2743200" indent="0">
+              <a:buNone/>
+              <a:defRPr sz="1400">
+                <a:solidFill>
+                  <a:schemeClr val="tx1">
+                    <a:tint val="75000"/>
+                  </a:schemeClr>
+                </a:solidFill>
+              </a:defRPr>
+            </a:lvl7pPr>
+            <a:lvl8pPr marL="3200400" indent="0">
+              <a:buNone/>
+              <a:defRPr sz="1400">
+                <a:solidFill>
+                  <a:schemeClr val="tx1">
+                    <a:tint val="75000"/>
+                  </a:schemeClr>
+                </a:solidFill>
+              </a:defRPr>
+            </a:lvl8pPr>
+            <a:lvl9pPr marL="3657600" indent="0">
+              <a:buNone/>
+              <a:defRPr sz="1400">
+                <a:solidFill>
+                  <a:schemeClr val="tx1">
+                    <a:tint val="75000"/>
+                  </a:schemeClr>
+                </a:solidFill>
+              </a:defRPr>
+            </a:lvl9pPr>
+          </a:lstStyle>
+          <a:p>
+            <a:pPr lvl="0"/>
+            <a:r>
+              <a:rPr lang="en-US"/>
+              <a:t>Edit Master text styles</a:t>
+            </a:r>
+          </a:p>
+        </p:txBody>
+      </p:sp>
+      <p:sp>
+        <p:nvSpPr>
+          <p:cNvPr id="4" name="Date Placeholder 3"/>
+          <p:cNvSpPr>
+            <a:spLocks noGrp="1"/>
+          </p:cNvSpPr>
+          <p:nvPr>
+            <p:ph type="dt" sz="half" idx="10"/>
+          </p:nvPr>
+        </p:nvSpPr>
+        <p:spPr/>
+        <p:txBody>
+          <a:bodyPr/>
+          <a:lstStyle/>
+          <a:p>
+            <a:fld id="{6C4C8730-1723-411A-953F-E3E1CAAA8808}" type="datetimeFigureOut">
+              <a:rPr lang="en-US" smtClean="0"/>
+              <a:t>3/15/2018</a:t>
+            </a:fld>
+            <a:endParaRPr lang="en-US"/>
+          </a:p>
+        </p:txBody>
+      </p:sp>
+      <p:sp>
+        <p:nvSpPr>
+          <p:cNvPr id="5" name="Footer Placeholder 4"/>
+          <p:cNvSpPr>
+            <a:spLocks noGrp="1"/>
+          </p:cNvSpPr>
+          <p:nvPr>
+            <p:ph type="ftr" sz="quarter" idx="11"/>
+          </p:nvPr>
+        </p:nvSpPr>
+        <p:spPr/>
+        <p:txBody>
+          <a:bodyPr/>
+          <a:lstStyle/>
+          <a:p>
+            <a:endParaRPr lang="en-US"/>
+          </a:p>
+        </p:txBody>
+      </p:sp>
+      <p:sp>
+        <p:nvSpPr>
+          <p:cNvPr id="6" name="Slide Number Placeholder 5"/>
+          <p:cNvSpPr>
+            <a:spLocks noGrp="1"/>
+          </p:cNvSpPr>
+          <p:nvPr>
+            <p:ph type="sldNum" sz="quarter" idx="12"/>
+          </p:nvPr>
+        </p:nvSpPr>
+        <p:spPr/>
+        <p:txBody>
+          <a:bodyPr/>
+          <a:lstStyle/>
+          <a:p>
+            <a:fld id="{8B460D23-61BE-4EBA-B634-AB835BCE73EF}" type="slidenum">
+              <a:rPr lang="en-US" smtClean="0"/>
+              <a:t>‹#›</a:t>
+            </a:fld>
+            <a:endParaRPr lang="en-US"/>
+          </a:p>
+        </p:txBody>
+      </p:sp>
+    </p:spTree>
+    <p:extLst>
+      <p:ext uri="{BB962C8B-B14F-4D97-AF65-F5344CB8AC3E}">
+        <p14:creationId xmlns:p14="http://schemas.microsoft.com/office/powerpoint/2010/main" val="1699400098"/>
+      </p:ext>
+    </p:extLst>
+  </p:cSld>
+  <p:clrMapOvr>
+    <a:masterClrMapping/>
+  </p:clrMapOvr>
+</p:sldLayout>
+</file>
+
+<file path=ppt/slideLayouts/slideLayout15.xml><?xml version="1.0" encoding="utf-8"?>
+<p:sldLayout xmlns:a="http://schemas.openxmlformats.org/drawingml/2006/main" xmlns:r="http://schemas.openxmlformats.org/officeDocument/2006/relationships" xmlns:p="http://schemas.openxmlformats.org/presentationml/2006/main" preserve="1">
+  <p:cSld name="True or False">
+    <p:spTree>
+      <p:nvGrpSpPr>
+        <p:cNvPr id="1" name=""/>
+        <p:cNvGrpSpPr/>
+        <p:nvPr/>
+      </p:nvGrpSpPr>
+      <p:grpSpPr>
+        <a:xfrm>
+          <a:off x="0" y="0"/>
+          <a:ext cx="0" cy="0"/>
+          <a:chOff x="0" y="0"/>
+          <a:chExt cx="0" cy="0"/>
+        </a:xfrm>
+      </p:grpSpPr>
+      <p:sp>
+        <p:nvSpPr>
+          <p:cNvPr id="2" name="Title 1"/>
+          <p:cNvSpPr>
+            <a:spLocks noGrp="1"/>
+          </p:cNvSpPr>
+          <p:nvPr>
+            <p:ph type="title"/>
+          </p:nvPr>
+        </p:nvSpPr>
+        <p:spPr>
+          <a:xfrm>
+            <a:off x="1141412" y="609601"/>
+            <a:ext cx="9905999" cy="2743199"/>
+          </a:xfrm>
+        </p:spPr>
+        <p:txBody>
+          <a:bodyPr vert="horz" lIns="91440" tIns="45720" rIns="91440" bIns="45720" rtlCol="0" anchor="ctr">
+            <a:normAutofit/>
+          </a:bodyPr>
+          <a:lstStyle>
+            <a:lvl1pPr>
+              <a:defRPr lang="en-US" b="0" dirty="0"/>
+            </a:lvl1pPr>
+          </a:lstStyle>
+          <a:p>
+            <a:pPr marL="0" lvl="0"/>
+            <a:r>
+              <a:rPr lang="en-US"/>
+              <a:t>Click to edit Master title style</a:t>
+            </a:r>
+            <a:endParaRPr lang="en-US" dirty="0"/>
+          </a:p>
+        </p:txBody>
+      </p:sp>
+      <p:sp>
+        <p:nvSpPr>
+          <p:cNvPr id="10" name="Text Placeholder 9"/>
+          <p:cNvSpPr>
+            <a:spLocks noGrp="1"/>
+          </p:cNvSpPr>
+          <p:nvPr>
+            <p:ph type="body" sz="quarter" idx="13"/>
+          </p:nvPr>
+        </p:nvSpPr>
+        <p:spPr>
+          <a:xfrm>
+            <a:off x="1141412" y="3505200"/>
+            <a:ext cx="9906000" cy="838200"/>
+          </a:xfrm>
+        </p:spPr>
+        <p:txBody>
+          <a:bodyPr vert="horz" lIns="91440" tIns="45720" rIns="91440" bIns="45720" rtlCol="0" anchor="b">
+            <a:normAutofit/>
+          </a:bodyPr>
+          <a:lstStyle>
+            <a:lvl1pPr>
+              <a:buNone/>
+              <a:defRPr lang="en-US" sz="2800" b="0" cap="all" dirty="0">
+                <a:ln w="3175" cmpd="sng">
+                  <a:noFill/>
+                </a:ln>
+                <a:gradFill flip="none" rotWithShape="1">
+                  <a:gsLst>
+                    <a:gs pos="0">
+                      <a:schemeClr val="tx1"/>
+                    </a:gs>
+                    <a:gs pos="100000">
+                      <a:schemeClr val="tx1">
+                        <a:lumMod val="75000"/>
+                      </a:schemeClr>
+                    </a:gs>
+                  </a:gsLst>
+                  <a:lin ang="5400000" scaled="0"/>
+                  <a:tileRect/>
+                </a:gradFill>
+                <a:effectLst>
+                  <a:glow rad="38100">
+                    <a:schemeClr val="bg1">
+                      <a:lumMod val="65000"/>
+                      <a:lumOff val="35000"/>
+                      <a:alpha val="40000"/>
+                    </a:schemeClr>
+                  </a:glow>
+                  <a:outerShdw blurRad="28575" dist="38100" dir="14040000" algn="tl" rotWithShape="0">
+                    <a:srgbClr val="000000">
+                      <a:alpha val="25000"/>
+                    </a:srgbClr>
+                  </a:outerShdw>
+                </a:effectLst>
+              </a:defRPr>
+            </a:lvl1pPr>
+          </a:lstStyle>
+          <a:p>
+            <a:pPr marL="0" lvl="0">
+              <a:spcBef>
+                <a:spcPct val="0"/>
+              </a:spcBef>
+              <a:buNone/>
+            </a:pPr>
+            <a:r>
+              <a:rPr lang="en-US"/>
+              <a:t>Edit Master text styles</a:t>
+            </a:r>
+          </a:p>
+        </p:txBody>
+      </p:sp>
+      <p:sp>
+        <p:nvSpPr>
+          <p:cNvPr id="3" name="Text Placeholder 2"/>
+          <p:cNvSpPr>
+            <a:spLocks noGrp="1"/>
+          </p:cNvSpPr>
+          <p:nvPr>
+            <p:ph type="body" idx="1"/>
+          </p:nvPr>
+        </p:nvSpPr>
+        <p:spPr>
+          <a:xfrm>
+            <a:off x="1141411" y="4343400"/>
+            <a:ext cx="9906000" cy="1447800"/>
+          </a:xfrm>
+        </p:spPr>
+        <p:txBody>
+          <a:bodyPr anchor="t">
+            <a:normAutofit/>
+          </a:bodyPr>
+          <a:lstStyle>
+            <a:lvl1pPr marL="0" indent="0" algn="l">
+              <a:buNone/>
+              <a:defRPr sz="1800">
+                <a:gradFill flip="none" rotWithShape="1">
+                  <a:gsLst>
+                    <a:gs pos="0">
+                      <a:schemeClr val="tx1"/>
+                    </a:gs>
+                    <a:gs pos="100000">
+                      <a:schemeClr val="tx1">
+                        <a:lumMod val="75000"/>
+                      </a:schemeClr>
+                    </a:gs>
+                  </a:gsLst>
+                  <a:lin ang="5400000" scaled="0"/>
+                  <a:tileRect/>
+                </a:gradFill>
+              </a:defRPr>
+            </a:lvl1pPr>
+            <a:lvl2pPr marL="457200" indent="0">
+              <a:buNone/>
+              <a:defRPr sz="1800">
+                <a:solidFill>
+                  <a:schemeClr val="tx1">
+                    <a:tint val="75000"/>
+                  </a:schemeClr>
+                </a:solidFill>
+              </a:defRPr>
+            </a:lvl2pPr>
+            <a:lvl3pPr marL="914400" indent="0">
+              <a:buNone/>
+              <a:defRPr sz="1600">
+                <a:solidFill>
+                  <a:schemeClr val="tx1">
+                    <a:tint val="75000"/>
+                  </a:schemeClr>
+                </a:solidFill>
+              </a:defRPr>
+            </a:lvl3pPr>
+            <a:lvl4pPr marL="1371600" indent="0">
+              <a:buNone/>
+              <a:defRPr sz="1400">
+                <a:solidFill>
+                  <a:schemeClr val="tx1">
+                    <a:tint val="75000"/>
+                  </a:schemeClr>
+                </a:solidFill>
+              </a:defRPr>
+            </a:lvl4pPr>
+            <a:lvl5pPr marL="1828800" indent="0">
+              <a:buNone/>
+              <a:defRPr sz="1400">
+                <a:solidFill>
+                  <a:schemeClr val="tx1">
+                    <a:tint val="75000"/>
+                  </a:schemeClr>
+                </a:solidFill>
+              </a:defRPr>
+            </a:lvl5pPr>
+            <a:lvl6pPr marL="2286000" indent="0">
+              <a:buNone/>
+              <a:defRPr sz="1400">
+                <a:solidFill>
+                  <a:schemeClr val="tx1">
+                    <a:tint val="75000"/>
+                  </a:schemeClr>
+                </a:solidFill>
+              </a:defRPr>
+            </a:lvl6pPr>
+            <a:lvl7pPr marL="2743200" indent="0">
+              <a:buNone/>
+              <a:defRPr sz="1400">
+                <a:solidFill>
+                  <a:schemeClr val="tx1">
+                    <a:tint val="75000"/>
+                  </a:schemeClr>
+                </a:solidFill>
+              </a:defRPr>
+            </a:lvl7pPr>
+            <a:lvl8pPr marL="3200400" indent="0">
+              <a:buNone/>
+              <a:defRPr sz="1400">
+                <a:solidFill>
+                  <a:schemeClr val="tx1">
+                    <a:tint val="75000"/>
+                  </a:schemeClr>
+                </a:solidFill>
+              </a:defRPr>
+            </a:lvl8pPr>
+            <a:lvl9pPr marL="3657600" indent="0">
+              <a:buNone/>
+              <a:defRPr sz="1400">
+                <a:solidFill>
+                  <a:schemeClr val="tx1">
+                    <a:tint val="75000"/>
+                  </a:schemeClr>
+                </a:solidFill>
+              </a:defRPr>
+            </a:lvl9pPr>
+          </a:lstStyle>
+          <a:p>
+            <a:pPr lvl="0"/>
+            <a:r>
+              <a:rPr lang="en-US"/>
+              <a:t>Edit Master text styles</a:t>
+            </a:r>
+          </a:p>
+        </p:txBody>
+      </p:sp>
+      <p:sp>
+        <p:nvSpPr>
+          <p:cNvPr id="4" name="Date Placeholder 3"/>
+          <p:cNvSpPr>
+            <a:spLocks noGrp="1"/>
+          </p:cNvSpPr>
+          <p:nvPr>
+            <p:ph type="dt" sz="half" idx="10"/>
+          </p:nvPr>
+        </p:nvSpPr>
+        <p:spPr/>
+        <p:txBody>
+          <a:bodyPr/>
+          <a:lstStyle/>
+          <a:p>
+            <a:fld id="{6C4C8730-1723-411A-953F-E3E1CAAA8808}" type="datetimeFigureOut">
+              <a:rPr lang="en-US" smtClean="0"/>
+              <a:t>3/15/2018</a:t>
+            </a:fld>
+            <a:endParaRPr lang="en-US"/>
+          </a:p>
+        </p:txBody>
+      </p:sp>
+      <p:sp>
+        <p:nvSpPr>
+          <p:cNvPr id="5" name="Footer Placeholder 4"/>
+          <p:cNvSpPr>
+            <a:spLocks noGrp="1"/>
+          </p:cNvSpPr>
+          <p:nvPr>
+            <p:ph type="ftr" sz="quarter" idx="11"/>
+          </p:nvPr>
+        </p:nvSpPr>
+        <p:spPr/>
+        <p:txBody>
+          <a:bodyPr/>
+          <a:lstStyle/>
+          <a:p>
+            <a:endParaRPr lang="en-US"/>
+          </a:p>
+        </p:txBody>
+      </p:sp>
+      <p:sp>
+        <p:nvSpPr>
+          <p:cNvPr id="6" name="Slide Number Placeholder 5"/>
+          <p:cNvSpPr>
+            <a:spLocks noGrp="1"/>
+          </p:cNvSpPr>
+          <p:nvPr>
+            <p:ph type="sldNum" sz="quarter" idx="12"/>
+          </p:nvPr>
+        </p:nvSpPr>
+        <p:spPr/>
+        <p:txBody>
+          <a:bodyPr/>
+          <a:lstStyle/>
+          <a:p>
+            <a:fld id="{8B460D23-61BE-4EBA-B634-AB835BCE73EF}" type="slidenum">
+              <a:rPr lang="en-US" smtClean="0"/>
+              <a:t>‹#›</a:t>
+            </a:fld>
+            <a:endParaRPr lang="en-US"/>
+          </a:p>
+        </p:txBody>
+      </p:sp>
+    </p:spTree>
+    <p:extLst>
+      <p:ext uri="{BB962C8B-B14F-4D97-AF65-F5344CB8AC3E}">
+        <p14:creationId xmlns:p14="http://schemas.microsoft.com/office/powerpoint/2010/main" val="3831859584"/>
+      </p:ext>
+    </p:extLst>
+  </p:cSld>
+  <p:clrMapOvr>
+    <a:masterClrMapping/>
+  </p:clrMapOvr>
+</p:sldLayout>
+</file>
+
+<file path=ppt/slideLayouts/slideLayout16.xml><?xml version="1.0" encoding="utf-8"?>
 <p:sldLayout xmlns:a="http://schemas.openxmlformats.org/drawingml/2006/main" xmlns:r="http://schemas.openxmlformats.org/officeDocument/2006/relationships" xmlns:p="http://schemas.openxmlformats.org/presentationml/2006/main" type="vertTx" preserve="1">
   <p:cSld name="Title and Vertical Text">
     <p:spTree>
@@ -346,13 +2526,7 @@
       </p:grpSpPr>
       <p:sp>
         <p:nvSpPr>
-          <p:cNvPr id="2" name="Title 1">
-            <a:extLst>
-              <a:ext uri="{FF2B5EF4-FFF2-40B4-BE49-F238E27FC236}">
-                <a16:creationId xmlns:a16="http://schemas.microsoft.com/office/drawing/2014/main" id="{938ADA60-FE62-4670-8AEC-9FF5CAE80C70}"/>
-              </a:ext>
-            </a:extLst>
-          </p:cNvPr>
+          <p:cNvPr id="7" name="Title 1"/>
           <p:cNvSpPr>
             <a:spLocks noGrp="1"/>
           </p:cNvSpPr>
@@ -360,7 +2534,12 @@
             <p:ph type="title"/>
           </p:nvPr>
         </p:nvSpPr>
-        <p:spPr/>
+        <p:spPr>
+          <a:xfrm>
+            <a:off x="1141413" y="609600"/>
+            <a:ext cx="9905998" cy="1905000"/>
+          </a:xfrm>
+        </p:spPr>
         <p:txBody>
           <a:bodyPr/>
           <a:lstStyle/>
@@ -369,18 +2548,13 @@
               <a:rPr lang="en-US"/>
               <a:t>Click to edit Master title style</a:t>
             </a:r>
-          </a:p>
-        </p:txBody>
-      </p:sp>
-      <p:sp>
-        <p:nvSpPr>
-          <p:cNvPr id="3" name="Vertical Text Placeholder 2">
-            <a:extLst>
-              <a:ext uri="{FF2B5EF4-FFF2-40B4-BE49-F238E27FC236}">
-                <a16:creationId xmlns:a16="http://schemas.microsoft.com/office/drawing/2014/main" id="{9A6CA1B0-094D-4CAD-900B-26360F686311}"/>
-              </a:ext>
-            </a:extLst>
-          </p:cNvPr>
+            <a:endParaRPr lang="en-US" dirty="0"/>
+          </a:p>
+        </p:txBody>
+      </p:sp>
+      <p:sp>
+        <p:nvSpPr>
+          <p:cNvPr id="3" name="Vertical Text Placeholder 2"/>
           <p:cNvSpPr>
             <a:spLocks noGrp="1"/>
           </p:cNvSpPr>
@@ -390,7 +2564,7 @@
         </p:nvSpPr>
         <p:spPr/>
         <p:txBody>
-          <a:bodyPr vert="eaVert"/>
+          <a:bodyPr vert="eaVert" anchor="t"/>
           <a:lstStyle/>
           <a:p>
             <a:pPr lvl="0"/>
@@ -426,18 +2600,13 @@
               <a:rPr lang="en-US"/>
               <a:t>Fifth level</a:t>
             </a:r>
-          </a:p>
-        </p:txBody>
-      </p:sp>
-      <p:sp>
-        <p:nvSpPr>
-          <p:cNvPr id="4" name="Date Placeholder 3">
-            <a:extLst>
-              <a:ext uri="{FF2B5EF4-FFF2-40B4-BE49-F238E27FC236}">
-                <a16:creationId xmlns:a16="http://schemas.microsoft.com/office/drawing/2014/main" id="{1791149C-23C7-4562-8AA2-C3C459B2FE7D}"/>
-              </a:ext>
-            </a:extLst>
-          </p:cNvPr>
+            <a:endParaRPr lang="en-US" dirty="0"/>
+          </a:p>
+        </p:txBody>
+      </p:sp>
+      <p:sp>
+        <p:nvSpPr>
+          <p:cNvPr id="4" name="Date Placeholder 3"/>
           <p:cNvSpPr>
             <a:spLocks noGrp="1"/>
           </p:cNvSpPr>
@@ -452,7 +2621,7 @@
           <a:p>
             <a:fld id="{6C4C8730-1723-411A-953F-E3E1CAAA8808}" type="datetimeFigureOut">
               <a:rPr lang="en-US" smtClean="0"/>
-              <a:t>3/12/2018</a:t>
+              <a:t>3/15/2018</a:t>
             </a:fld>
             <a:endParaRPr lang="en-US"/>
           </a:p>
@@ -460,13 +2629,7 @@
       </p:sp>
       <p:sp>
         <p:nvSpPr>
-          <p:cNvPr id="5" name="Footer Placeholder 4">
-            <a:extLst>
-              <a:ext uri="{FF2B5EF4-FFF2-40B4-BE49-F238E27FC236}">
-                <a16:creationId xmlns:a16="http://schemas.microsoft.com/office/drawing/2014/main" id="{6DC475B1-F6EA-4283-825E-3A872BF4098E}"/>
-              </a:ext>
-            </a:extLst>
-          </p:cNvPr>
+          <p:cNvPr id="5" name="Footer Placeholder 4"/>
           <p:cNvSpPr>
             <a:spLocks noGrp="1"/>
           </p:cNvSpPr>
@@ -485,13 +2648,7 @@
       </p:sp>
       <p:sp>
         <p:nvSpPr>
-          <p:cNvPr id="6" name="Slide Number Placeholder 5">
-            <a:extLst>
-              <a:ext uri="{FF2B5EF4-FFF2-40B4-BE49-F238E27FC236}">
-                <a16:creationId xmlns:a16="http://schemas.microsoft.com/office/drawing/2014/main" id="{03020AB9-0A5F-4C5A-BD83-D8406E4A2A0B}"/>
-              </a:ext>
-            </a:extLst>
-          </p:cNvPr>
+          <p:cNvPr id="6" name="Slide Number Placeholder 5"/>
           <p:cNvSpPr>
             <a:spLocks noGrp="1"/>
           </p:cNvSpPr>
@@ -515,7 +2672,7 @@
     </p:spTree>
     <p:extLst>
       <p:ext uri="{BB962C8B-B14F-4D97-AF65-F5344CB8AC3E}">
-        <p14:creationId xmlns:p14="http://schemas.microsoft.com/office/powerpoint/2010/main" val="1077893326"/>
+        <p14:creationId xmlns:p14="http://schemas.microsoft.com/office/powerpoint/2010/main" val="1071057060"/>
       </p:ext>
     </p:extLst>
   </p:cSld>
@@ -525,7 +2682,7 @@
 </p:sldLayout>
 </file>
 
-<file path=ppt/slideLayouts/slideLayout11.xml><?xml version="1.0" encoding="utf-8"?>
+<file path=ppt/slideLayouts/slideLayout17.xml><?xml version="1.0" encoding="utf-8"?>
 <p:sldLayout xmlns:a="http://schemas.openxmlformats.org/drawingml/2006/main" xmlns:r="http://schemas.openxmlformats.org/officeDocument/2006/relationships" xmlns:p="http://schemas.openxmlformats.org/presentationml/2006/main" type="vertTitleAndTx" preserve="1">
   <p:cSld name="Vertical Title and Text">
     <p:spTree>
@@ -544,13 +2701,7 @@
       </p:grpSpPr>
       <p:sp>
         <p:nvSpPr>
-          <p:cNvPr id="2" name="Vertical Title 1">
-            <a:extLst>
-              <a:ext uri="{FF2B5EF4-FFF2-40B4-BE49-F238E27FC236}">
-                <a16:creationId xmlns:a16="http://schemas.microsoft.com/office/drawing/2014/main" id="{254FE383-EDFB-4452-AF30-377DF0142E0D}"/>
-              </a:ext>
-            </a:extLst>
-          </p:cNvPr>
+          <p:cNvPr id="2" name="Vertical Title 1"/>
           <p:cNvSpPr>
             <a:spLocks noGrp="1"/>
           </p:cNvSpPr>
@@ -560,8 +2711,8 @@
         </p:nvSpPr>
         <p:spPr>
           <a:xfrm>
-            <a:off x="8724900" y="365125"/>
-            <a:ext cx="2628900" cy="5811838"/>
+            <a:off x="8836898" y="609599"/>
+            <a:ext cx="2210514" cy="5181601"/>
           </a:xfrm>
         </p:spPr>
         <p:txBody>
@@ -572,18 +2723,13 @@
               <a:rPr lang="en-US"/>
               <a:t>Click to edit Master title style</a:t>
             </a:r>
-          </a:p>
-        </p:txBody>
-      </p:sp>
-      <p:sp>
-        <p:nvSpPr>
-          <p:cNvPr id="3" name="Vertical Text Placeholder 2">
-            <a:extLst>
-              <a:ext uri="{FF2B5EF4-FFF2-40B4-BE49-F238E27FC236}">
-                <a16:creationId xmlns:a16="http://schemas.microsoft.com/office/drawing/2014/main" id="{0D2B09C9-26BA-4F60-B335-17765D97FD84}"/>
-              </a:ext>
-            </a:extLst>
-          </p:cNvPr>
+            <a:endParaRPr lang="en-US" dirty="0"/>
+          </a:p>
+        </p:txBody>
+      </p:sp>
+      <p:sp>
+        <p:nvSpPr>
+          <p:cNvPr id="3" name="Vertical Text Placeholder 2"/>
           <p:cNvSpPr>
             <a:spLocks noGrp="1"/>
           </p:cNvSpPr>
@@ -593,12 +2739,12 @@
         </p:nvSpPr>
         <p:spPr>
           <a:xfrm>
-            <a:off x="838200" y="365125"/>
-            <a:ext cx="7734300" cy="5811838"/>
+            <a:off x="1141412" y="609600"/>
+            <a:ext cx="7543800" cy="5181600"/>
           </a:xfrm>
         </p:spPr>
         <p:txBody>
-          <a:bodyPr vert="eaVert"/>
+          <a:bodyPr vert="eaVert" anchor="t"/>
           <a:lstStyle/>
           <a:p>
             <a:pPr lvl="0"/>
@@ -634,18 +2780,13 @@
               <a:rPr lang="en-US"/>
               <a:t>Fifth level</a:t>
             </a:r>
-          </a:p>
-        </p:txBody>
-      </p:sp>
-      <p:sp>
-        <p:nvSpPr>
-          <p:cNvPr id="4" name="Date Placeholder 3">
-            <a:extLst>
-              <a:ext uri="{FF2B5EF4-FFF2-40B4-BE49-F238E27FC236}">
-                <a16:creationId xmlns:a16="http://schemas.microsoft.com/office/drawing/2014/main" id="{2CDBF0B6-E9B2-417F-9E55-29DEA2A777B3}"/>
-              </a:ext>
-            </a:extLst>
-          </p:cNvPr>
+            <a:endParaRPr lang="en-US" dirty="0"/>
+          </a:p>
+        </p:txBody>
+      </p:sp>
+      <p:sp>
+        <p:nvSpPr>
+          <p:cNvPr id="4" name="Date Placeholder 3"/>
           <p:cNvSpPr>
             <a:spLocks noGrp="1"/>
           </p:cNvSpPr>
@@ -660,7 +2801,7 @@
           <a:p>
             <a:fld id="{6C4C8730-1723-411A-953F-E3E1CAAA8808}" type="datetimeFigureOut">
               <a:rPr lang="en-US" smtClean="0"/>
-              <a:t>3/12/2018</a:t>
+              <a:t>3/15/2018</a:t>
             </a:fld>
             <a:endParaRPr lang="en-US"/>
           </a:p>
@@ -668,13 +2809,7 @@
       </p:sp>
       <p:sp>
         <p:nvSpPr>
-          <p:cNvPr id="5" name="Footer Placeholder 4">
-            <a:extLst>
-              <a:ext uri="{FF2B5EF4-FFF2-40B4-BE49-F238E27FC236}">
-                <a16:creationId xmlns:a16="http://schemas.microsoft.com/office/drawing/2014/main" id="{57F024B5-E816-429B-8B87-3832CE797221}"/>
-              </a:ext>
-            </a:extLst>
-          </p:cNvPr>
+          <p:cNvPr id="5" name="Footer Placeholder 4"/>
           <p:cNvSpPr>
             <a:spLocks noGrp="1"/>
           </p:cNvSpPr>
@@ -693,13 +2828,7 @@
       </p:sp>
       <p:sp>
         <p:nvSpPr>
-          <p:cNvPr id="6" name="Slide Number Placeholder 5">
-            <a:extLst>
-              <a:ext uri="{FF2B5EF4-FFF2-40B4-BE49-F238E27FC236}">
-                <a16:creationId xmlns:a16="http://schemas.microsoft.com/office/drawing/2014/main" id="{6BC1AC3A-ADC2-4643-8DE3-593C193CB2A7}"/>
-              </a:ext>
-            </a:extLst>
-          </p:cNvPr>
+          <p:cNvPr id="6" name="Slide Number Placeholder 5"/>
           <p:cNvSpPr>
             <a:spLocks noGrp="1"/>
           </p:cNvSpPr>
@@ -723,7 +2852,7 @@
     </p:spTree>
     <p:extLst>
       <p:ext uri="{BB962C8B-B14F-4D97-AF65-F5344CB8AC3E}">
-        <p14:creationId xmlns:p14="http://schemas.microsoft.com/office/powerpoint/2010/main" val="2332507648"/>
+        <p14:creationId xmlns:p14="http://schemas.microsoft.com/office/powerpoint/2010/main" val="3445900271"/>
       </p:ext>
     </p:extLst>
   </p:cSld>
@@ -752,13 +2881,7 @@
       </p:grpSpPr>
       <p:sp>
         <p:nvSpPr>
-          <p:cNvPr id="2" name="Title 1">
-            <a:extLst>
-              <a:ext uri="{FF2B5EF4-FFF2-40B4-BE49-F238E27FC236}">
-                <a16:creationId xmlns:a16="http://schemas.microsoft.com/office/drawing/2014/main" id="{1438B815-017D-4347-BA6F-30CCAFF46541}"/>
-              </a:ext>
-            </a:extLst>
-          </p:cNvPr>
+          <p:cNvPr id="2" name="Title 1"/>
           <p:cNvSpPr>
             <a:spLocks noGrp="1"/>
           </p:cNvSpPr>
@@ -775,18 +2898,13 @@
               <a:rPr lang="en-US"/>
               <a:t>Click to edit Master title style</a:t>
             </a:r>
-          </a:p>
-        </p:txBody>
-      </p:sp>
-      <p:sp>
-        <p:nvSpPr>
-          <p:cNvPr id="3" name="Content Placeholder 2">
-            <a:extLst>
-              <a:ext uri="{FF2B5EF4-FFF2-40B4-BE49-F238E27FC236}">
-                <a16:creationId xmlns:a16="http://schemas.microsoft.com/office/drawing/2014/main" id="{06AAA7E3-770A-4BB0-BB2C-6CD573ED1D13}"/>
-              </a:ext>
-            </a:extLst>
-          </p:cNvPr>
+            <a:endParaRPr lang="en-US" dirty="0"/>
+          </a:p>
+        </p:txBody>
+      </p:sp>
+      <p:sp>
+        <p:nvSpPr>
+          <p:cNvPr id="3" name="Content Placeholder 2"/>
           <p:cNvSpPr>
             <a:spLocks noGrp="1"/>
           </p:cNvSpPr>
@@ -796,7 +2914,7 @@
         </p:nvSpPr>
         <p:spPr/>
         <p:txBody>
-          <a:bodyPr/>
+          <a:bodyPr anchor="ctr"/>
           <a:lstStyle/>
           <a:p>
             <a:pPr lvl="0"/>
@@ -832,18 +2950,13 @@
               <a:rPr lang="en-US"/>
               <a:t>Fifth level</a:t>
             </a:r>
-          </a:p>
-        </p:txBody>
-      </p:sp>
-      <p:sp>
-        <p:nvSpPr>
-          <p:cNvPr id="4" name="Date Placeholder 3">
-            <a:extLst>
-              <a:ext uri="{FF2B5EF4-FFF2-40B4-BE49-F238E27FC236}">
-                <a16:creationId xmlns:a16="http://schemas.microsoft.com/office/drawing/2014/main" id="{D0A8E91D-409B-4DE1-8D8C-1E224B3BF58F}"/>
-              </a:ext>
-            </a:extLst>
-          </p:cNvPr>
+            <a:endParaRPr lang="en-US" dirty="0"/>
+          </a:p>
+        </p:txBody>
+      </p:sp>
+      <p:sp>
+        <p:nvSpPr>
+          <p:cNvPr id="4" name="Date Placeholder 3"/>
           <p:cNvSpPr>
             <a:spLocks noGrp="1"/>
           </p:cNvSpPr>
@@ -858,7 +2971,7 @@
           <a:p>
             <a:fld id="{6C4C8730-1723-411A-953F-E3E1CAAA8808}" type="datetimeFigureOut">
               <a:rPr lang="en-US" smtClean="0"/>
-              <a:t>3/12/2018</a:t>
+              <a:t>3/15/2018</a:t>
             </a:fld>
             <a:endParaRPr lang="en-US"/>
           </a:p>
@@ -866,13 +2979,7 @@
       </p:sp>
       <p:sp>
         <p:nvSpPr>
-          <p:cNvPr id="5" name="Footer Placeholder 4">
-            <a:extLst>
-              <a:ext uri="{FF2B5EF4-FFF2-40B4-BE49-F238E27FC236}">
-                <a16:creationId xmlns:a16="http://schemas.microsoft.com/office/drawing/2014/main" id="{987365F7-4F97-477B-9C5F-120E7E4B7FEB}"/>
-              </a:ext>
-            </a:extLst>
-          </p:cNvPr>
+          <p:cNvPr id="5" name="Footer Placeholder 4"/>
           <p:cNvSpPr>
             <a:spLocks noGrp="1"/>
           </p:cNvSpPr>
@@ -891,13 +2998,7 @@
       </p:sp>
       <p:sp>
         <p:nvSpPr>
-          <p:cNvPr id="6" name="Slide Number Placeholder 5">
-            <a:extLst>
-              <a:ext uri="{FF2B5EF4-FFF2-40B4-BE49-F238E27FC236}">
-                <a16:creationId xmlns:a16="http://schemas.microsoft.com/office/drawing/2014/main" id="{7EC41245-1AA9-4FE3-8648-484A805CE6B1}"/>
-              </a:ext>
-            </a:extLst>
-          </p:cNvPr>
+          <p:cNvPr id="6" name="Slide Number Placeholder 5"/>
           <p:cNvSpPr>
             <a:spLocks noGrp="1"/>
           </p:cNvSpPr>
@@ -921,7 +3022,7 @@
     </p:spTree>
     <p:extLst>
       <p:ext uri="{BB962C8B-B14F-4D97-AF65-F5344CB8AC3E}">
-        <p14:creationId xmlns:p14="http://schemas.microsoft.com/office/powerpoint/2010/main" val="57534338"/>
+        <p14:creationId xmlns:p14="http://schemas.microsoft.com/office/powerpoint/2010/main" val="3265832554"/>
       </p:ext>
     </p:extLst>
   </p:cSld>
@@ -950,13 +3051,7 @@
       </p:grpSpPr>
       <p:sp>
         <p:nvSpPr>
-          <p:cNvPr id="2" name="Title 1">
-            <a:extLst>
-              <a:ext uri="{FF2B5EF4-FFF2-40B4-BE49-F238E27FC236}">
-                <a16:creationId xmlns:a16="http://schemas.microsoft.com/office/drawing/2014/main" id="{B60D547C-162A-4346-B0B3-2402A25BBB38}"/>
-              </a:ext>
-            </a:extLst>
-          </p:cNvPr>
+          <p:cNvPr id="2" name="Title 1"/>
           <p:cNvSpPr>
             <a:spLocks noGrp="1"/>
           </p:cNvSpPr>
@@ -966,15 +3061,15 @@
         </p:nvSpPr>
         <p:spPr>
           <a:xfrm>
-            <a:off x="831850" y="1709738"/>
-            <a:ext cx="10515600" cy="2852737"/>
+            <a:off x="1751013" y="3308581"/>
+            <a:ext cx="8686800" cy="1468800"/>
           </a:xfrm>
         </p:spPr>
         <p:txBody>
           <a:bodyPr anchor="b"/>
           <a:lstStyle>
-            <a:lvl1pPr>
-              <a:defRPr sz="6000"/>
+            <a:lvl1pPr algn="r">
+              <a:defRPr sz="4000" b="0" cap="all"/>
             </a:lvl1pPr>
           </a:lstStyle>
           <a:p>
@@ -982,18 +3077,13 @@
               <a:rPr lang="en-US"/>
               <a:t>Click to edit Master title style</a:t>
             </a:r>
-          </a:p>
-        </p:txBody>
-      </p:sp>
-      <p:sp>
-        <p:nvSpPr>
-          <p:cNvPr id="3" name="Text Placeholder 2">
-            <a:extLst>
-              <a:ext uri="{FF2B5EF4-FFF2-40B4-BE49-F238E27FC236}">
-                <a16:creationId xmlns:a16="http://schemas.microsoft.com/office/drawing/2014/main" id="{C8C6A627-1B16-4BA0-AB7D-44E76BDEC046}"/>
-              </a:ext>
-            </a:extLst>
-          </p:cNvPr>
+            <a:endParaRPr lang="en-US" dirty="0"/>
+          </a:p>
+        </p:txBody>
+      </p:sp>
+      <p:sp>
+        <p:nvSpPr>
+          <p:cNvPr id="3" name="Text Placeholder 2"/>
           <p:cNvSpPr>
             <a:spLocks noGrp="1"/>
           </p:cNvSpPr>
@@ -1003,34 +3093,35 @@
         </p:nvSpPr>
         <p:spPr>
           <a:xfrm>
-            <a:off x="831850" y="4589463"/>
-            <a:ext cx="10515600" cy="1500187"/>
+            <a:off x="1751011" y="4777381"/>
+            <a:ext cx="8686801" cy="860400"/>
           </a:xfrm>
         </p:spPr>
         <p:txBody>
-          <a:bodyPr/>
+          <a:bodyPr anchor="t">
+            <a:normAutofit/>
+          </a:bodyPr>
           <a:lstStyle>
-            <a:lvl1pPr marL="0" indent="0">
-              <a:buNone/>
-              <a:defRPr sz="2400">
-                <a:solidFill>
-                  <a:schemeClr val="tx1">
-                    <a:tint val="75000"/>
-                  </a:schemeClr>
-                </a:solidFill>
+            <a:lvl1pPr marL="0" indent="0" algn="r">
+              <a:buNone/>
+              <a:defRPr sz="2000">
+                <a:gradFill flip="none" rotWithShape="1">
+                  <a:gsLst>
+                    <a:gs pos="0">
+                      <a:schemeClr val="tx1"/>
+                    </a:gs>
+                    <a:gs pos="100000">
+                      <a:schemeClr val="tx1">
+                        <a:lumMod val="75000"/>
+                      </a:schemeClr>
+                    </a:gs>
+                  </a:gsLst>
+                  <a:lin ang="5400000" scaled="0"/>
+                  <a:tileRect/>
+                </a:gradFill>
               </a:defRPr>
             </a:lvl1pPr>
             <a:lvl2pPr marL="457200" indent="0">
-              <a:buNone/>
-              <a:defRPr sz="2000">
-                <a:solidFill>
-                  <a:schemeClr val="tx1">
-                    <a:tint val="75000"/>
-                  </a:schemeClr>
-                </a:solidFill>
-              </a:defRPr>
-            </a:lvl2pPr>
-            <a:lvl3pPr marL="914400" indent="0">
               <a:buNone/>
               <a:defRPr sz="1800">
                 <a:solidFill>
@@ -1039,8 +3130,8 @@
                   </a:schemeClr>
                 </a:solidFill>
               </a:defRPr>
-            </a:lvl3pPr>
-            <a:lvl4pPr marL="1371600" indent="0">
+            </a:lvl2pPr>
+            <a:lvl3pPr marL="914400" indent="0">
               <a:buNone/>
               <a:defRPr sz="1600">
                 <a:solidFill>
@@ -1049,56 +3140,66 @@
                   </a:schemeClr>
                 </a:solidFill>
               </a:defRPr>
-            </a:lvl4pPr>
-            <a:lvl5pPr marL="1828800" indent="0">
-              <a:buNone/>
-              <a:defRPr sz="1600">
+            </a:lvl3pPr>
+            <a:lvl4pPr marL="1371600" indent="0">
+              <a:buNone/>
+              <a:defRPr sz="1400">
                 <a:solidFill>
                   <a:schemeClr val="tx1">
                     <a:tint val="75000"/>
                   </a:schemeClr>
                 </a:solidFill>
               </a:defRPr>
-            </a:lvl5pPr>
-            <a:lvl6pPr marL="2286000" indent="0">
-              <a:buNone/>
-              <a:defRPr sz="1600">
+            </a:lvl4pPr>
+            <a:lvl5pPr marL="1828800" indent="0">
+              <a:buNone/>
+              <a:defRPr sz="1400">
                 <a:solidFill>
                   <a:schemeClr val="tx1">
                     <a:tint val="75000"/>
                   </a:schemeClr>
                 </a:solidFill>
               </a:defRPr>
-            </a:lvl6pPr>
-            <a:lvl7pPr marL="2743200" indent="0">
-              <a:buNone/>
-              <a:defRPr sz="1600">
+            </a:lvl5pPr>
+            <a:lvl6pPr marL="2286000" indent="0">
+              <a:buNone/>
+              <a:defRPr sz="1400">
                 <a:solidFill>
                   <a:schemeClr val="tx1">
                     <a:tint val="75000"/>
                   </a:schemeClr>
                 </a:solidFill>
               </a:defRPr>
-            </a:lvl7pPr>
-            <a:lvl8pPr marL="3200400" indent="0">
-              <a:buNone/>
-              <a:defRPr sz="1600">
+            </a:lvl6pPr>
+            <a:lvl7pPr marL="2743200" indent="0">
+              <a:buNone/>
+              <a:defRPr sz="1400">
                 <a:solidFill>
                   <a:schemeClr val="tx1">
                     <a:tint val="75000"/>
                   </a:schemeClr>
                 </a:solidFill>
               </a:defRPr>
-            </a:lvl8pPr>
-            <a:lvl9pPr marL="3657600" indent="0">
-              <a:buNone/>
-              <a:defRPr sz="1600">
+            </a:lvl7pPr>
+            <a:lvl8pPr marL="3200400" indent="0">
+              <a:buNone/>
+              <a:defRPr sz="1400">
                 <a:solidFill>
                   <a:schemeClr val="tx1">
                     <a:tint val="75000"/>
                   </a:schemeClr>
                 </a:solidFill>
               </a:defRPr>
+            </a:lvl8pPr>
+            <a:lvl9pPr marL="3657600" indent="0">
+              <a:buNone/>
+              <a:defRPr sz="1400">
+                <a:solidFill>
+                  <a:schemeClr val="tx1">
+                    <a:tint val="75000"/>
+                  </a:schemeClr>
+                </a:solidFill>
+              </a:defRPr>
             </a:lvl9pPr>
           </a:lstStyle>
           <a:p>
@@ -1112,13 +3213,7 @@
       </p:sp>
       <p:sp>
         <p:nvSpPr>
-          <p:cNvPr id="4" name="Date Placeholder 3">
-            <a:extLst>
-              <a:ext uri="{FF2B5EF4-FFF2-40B4-BE49-F238E27FC236}">
-                <a16:creationId xmlns:a16="http://schemas.microsoft.com/office/drawing/2014/main" id="{C572EB3C-3BD3-4AB3-A7CA-CF627749F560}"/>
-              </a:ext>
-            </a:extLst>
-          </p:cNvPr>
+          <p:cNvPr id="4" name="Date Placeholder 3"/>
           <p:cNvSpPr>
             <a:spLocks noGrp="1"/>
           </p:cNvSpPr>
@@ -1133,7 +3228,7 @@
           <a:p>
             <a:fld id="{6C4C8730-1723-411A-953F-E3E1CAAA8808}" type="datetimeFigureOut">
               <a:rPr lang="en-US" smtClean="0"/>
-              <a:t>3/12/2018</a:t>
+              <a:t>3/15/2018</a:t>
             </a:fld>
             <a:endParaRPr lang="en-US"/>
           </a:p>
@@ -1141,13 +3236,7 @@
       </p:sp>
       <p:sp>
         <p:nvSpPr>
-          <p:cNvPr id="5" name="Footer Placeholder 4">
-            <a:extLst>
-              <a:ext uri="{FF2B5EF4-FFF2-40B4-BE49-F238E27FC236}">
-                <a16:creationId xmlns:a16="http://schemas.microsoft.com/office/drawing/2014/main" id="{2E6E9534-4B03-49EB-825F-316777D4B512}"/>
-              </a:ext>
-            </a:extLst>
-          </p:cNvPr>
+          <p:cNvPr id="5" name="Footer Placeholder 4"/>
           <p:cNvSpPr>
             <a:spLocks noGrp="1"/>
           </p:cNvSpPr>
@@ -1166,13 +3255,7 @@
       </p:sp>
       <p:sp>
         <p:nvSpPr>
-          <p:cNvPr id="6" name="Slide Number Placeholder 5">
-            <a:extLst>
-              <a:ext uri="{FF2B5EF4-FFF2-40B4-BE49-F238E27FC236}">
-                <a16:creationId xmlns:a16="http://schemas.microsoft.com/office/drawing/2014/main" id="{E7FB6617-B3F0-43C3-B346-C32582A54F53}"/>
-              </a:ext>
-            </a:extLst>
-          </p:cNvPr>
+          <p:cNvPr id="6" name="Slide Number Placeholder 5"/>
           <p:cNvSpPr>
             <a:spLocks noGrp="1"/>
           </p:cNvSpPr>
@@ -1196,7 +3279,7 @@
     </p:spTree>
     <p:extLst>
       <p:ext uri="{BB962C8B-B14F-4D97-AF65-F5344CB8AC3E}">
-        <p14:creationId xmlns:p14="http://schemas.microsoft.com/office/powerpoint/2010/main" val="1916245695"/>
+        <p14:creationId xmlns:p14="http://schemas.microsoft.com/office/powerpoint/2010/main" val="2716542636"/>
       </p:ext>
     </p:extLst>
   </p:cSld>
@@ -1225,13 +3308,7 @@
       </p:grpSpPr>
       <p:sp>
         <p:nvSpPr>
-          <p:cNvPr id="2" name="Title 1">
-            <a:extLst>
-              <a:ext uri="{FF2B5EF4-FFF2-40B4-BE49-F238E27FC236}">
-                <a16:creationId xmlns:a16="http://schemas.microsoft.com/office/drawing/2014/main" id="{F109B493-DD4F-4993-A550-91C0D1537D42}"/>
-              </a:ext>
-            </a:extLst>
-          </p:cNvPr>
+          <p:cNvPr id="2" name="Title 1"/>
           <p:cNvSpPr>
             <a:spLocks noGrp="1"/>
           </p:cNvSpPr>
@@ -1248,18 +3325,13 @@
               <a:rPr lang="en-US"/>
               <a:t>Click to edit Master title style</a:t>
             </a:r>
-          </a:p>
-        </p:txBody>
-      </p:sp>
-      <p:sp>
-        <p:nvSpPr>
-          <p:cNvPr id="3" name="Content Placeholder 2">
-            <a:extLst>
-              <a:ext uri="{FF2B5EF4-FFF2-40B4-BE49-F238E27FC236}">
-                <a16:creationId xmlns:a16="http://schemas.microsoft.com/office/drawing/2014/main" id="{CD8AEC1C-4593-4247-86B5-BB72120FA378}"/>
-              </a:ext>
-            </a:extLst>
-          </p:cNvPr>
+            <a:endParaRPr lang="en-US" dirty="0"/>
+          </a:p>
+        </p:txBody>
+      </p:sp>
+      <p:sp>
+        <p:nvSpPr>
+          <p:cNvPr id="3" name="Content Placeholder 2"/>
           <p:cNvSpPr>
             <a:spLocks noGrp="1"/>
           </p:cNvSpPr>
@@ -1269,13 +3341,43 @@
         </p:nvSpPr>
         <p:spPr>
           <a:xfrm>
-            <a:off x="838200" y="1825625"/>
-            <a:ext cx="5181600" cy="4351338"/>
+            <a:off x="1141412" y="2666999"/>
+            <a:ext cx="4876800" cy="3124201"/>
           </a:xfrm>
         </p:spPr>
         <p:txBody>
-          <a:bodyPr/>
-          <a:lstStyle/>
+          <a:bodyPr>
+            <a:normAutofit/>
+          </a:bodyPr>
+          <a:lstStyle>
+            <a:lvl1pPr>
+              <a:defRPr sz="1800"/>
+            </a:lvl1pPr>
+            <a:lvl2pPr>
+              <a:defRPr sz="1600"/>
+            </a:lvl2pPr>
+            <a:lvl3pPr>
+              <a:defRPr sz="1400"/>
+            </a:lvl3pPr>
+            <a:lvl4pPr>
+              <a:defRPr sz="1200"/>
+            </a:lvl4pPr>
+            <a:lvl5pPr>
+              <a:defRPr sz="1200"/>
+            </a:lvl5pPr>
+            <a:lvl6pPr>
+              <a:defRPr sz="1200"/>
+            </a:lvl6pPr>
+            <a:lvl7pPr>
+              <a:defRPr sz="1200"/>
+            </a:lvl7pPr>
+            <a:lvl8pPr>
+              <a:defRPr sz="1200"/>
+            </a:lvl8pPr>
+            <a:lvl9pPr>
+              <a:defRPr sz="1200"/>
+            </a:lvl9pPr>
+          </a:lstStyle>
           <a:p>
             <a:pPr lvl="0"/>
             <a:r>
@@ -1310,18 +3412,13 @@
               <a:rPr lang="en-US"/>
               <a:t>Fifth level</a:t>
             </a:r>
-          </a:p>
-        </p:txBody>
-      </p:sp>
-      <p:sp>
-        <p:nvSpPr>
-          <p:cNvPr id="4" name="Content Placeholder 3">
-            <a:extLst>
-              <a:ext uri="{FF2B5EF4-FFF2-40B4-BE49-F238E27FC236}">
-                <a16:creationId xmlns:a16="http://schemas.microsoft.com/office/drawing/2014/main" id="{8943D40F-5D52-4CFA-9532-D705F7BAAF95}"/>
-              </a:ext>
-            </a:extLst>
-          </p:cNvPr>
+            <a:endParaRPr lang="en-US" dirty="0"/>
+          </a:p>
+        </p:txBody>
+      </p:sp>
+      <p:sp>
+        <p:nvSpPr>
+          <p:cNvPr id="4" name="Content Placeholder 3"/>
           <p:cNvSpPr>
             <a:spLocks noGrp="1"/>
           </p:cNvSpPr>
@@ -1331,13 +3428,43 @@
         </p:nvSpPr>
         <p:spPr>
           <a:xfrm>
-            <a:off x="6172200" y="1825625"/>
-            <a:ext cx="5181600" cy="4351338"/>
+            <a:off x="6170612" y="2667000"/>
+            <a:ext cx="4876800" cy="3124200"/>
           </a:xfrm>
         </p:spPr>
         <p:txBody>
-          <a:bodyPr/>
-          <a:lstStyle/>
+          <a:bodyPr>
+            <a:normAutofit/>
+          </a:bodyPr>
+          <a:lstStyle>
+            <a:lvl1pPr>
+              <a:defRPr sz="1800"/>
+            </a:lvl1pPr>
+            <a:lvl2pPr>
+              <a:defRPr sz="1600"/>
+            </a:lvl2pPr>
+            <a:lvl3pPr>
+              <a:defRPr sz="1400"/>
+            </a:lvl3pPr>
+            <a:lvl4pPr>
+              <a:defRPr sz="1200"/>
+            </a:lvl4pPr>
+            <a:lvl5pPr>
+              <a:defRPr sz="1200"/>
+            </a:lvl5pPr>
+            <a:lvl6pPr>
+              <a:defRPr sz="1200"/>
+            </a:lvl6pPr>
+            <a:lvl7pPr>
+              <a:defRPr sz="1200"/>
+            </a:lvl7pPr>
+            <a:lvl8pPr>
+              <a:defRPr sz="1200"/>
+            </a:lvl8pPr>
+            <a:lvl9pPr>
+              <a:defRPr sz="1200"/>
+            </a:lvl9pPr>
+          </a:lstStyle>
           <a:p>
             <a:pPr lvl="0"/>
             <a:r>
@@ -1372,18 +3499,13 @@
               <a:rPr lang="en-US"/>
               <a:t>Fifth level</a:t>
             </a:r>
-          </a:p>
-        </p:txBody>
-      </p:sp>
-      <p:sp>
-        <p:nvSpPr>
-          <p:cNvPr id="5" name="Date Placeholder 4">
-            <a:extLst>
-              <a:ext uri="{FF2B5EF4-FFF2-40B4-BE49-F238E27FC236}">
-                <a16:creationId xmlns:a16="http://schemas.microsoft.com/office/drawing/2014/main" id="{19CF7BF6-1C14-4B70-9CBA-F630CA4E3193}"/>
-              </a:ext>
-            </a:extLst>
-          </p:cNvPr>
+            <a:endParaRPr lang="en-US" dirty="0"/>
+          </a:p>
+        </p:txBody>
+      </p:sp>
+      <p:sp>
+        <p:nvSpPr>
+          <p:cNvPr id="5" name="Date Placeholder 4"/>
           <p:cNvSpPr>
             <a:spLocks noGrp="1"/>
           </p:cNvSpPr>
@@ -1398,7 +3520,7 @@
           <a:p>
             <a:fld id="{6C4C8730-1723-411A-953F-E3E1CAAA8808}" type="datetimeFigureOut">
               <a:rPr lang="en-US" smtClean="0"/>
-              <a:t>3/12/2018</a:t>
+              <a:t>3/15/2018</a:t>
             </a:fld>
             <a:endParaRPr lang="en-US"/>
           </a:p>
@@ -1406,13 +3528,7 @@
       </p:sp>
       <p:sp>
         <p:nvSpPr>
-          <p:cNvPr id="6" name="Footer Placeholder 5">
-            <a:extLst>
-              <a:ext uri="{FF2B5EF4-FFF2-40B4-BE49-F238E27FC236}">
-                <a16:creationId xmlns:a16="http://schemas.microsoft.com/office/drawing/2014/main" id="{99BB9945-DBA9-49A9-BF06-116D6A476B8B}"/>
-              </a:ext>
-            </a:extLst>
-          </p:cNvPr>
+          <p:cNvPr id="6" name="Footer Placeholder 5"/>
           <p:cNvSpPr>
             <a:spLocks noGrp="1"/>
           </p:cNvSpPr>
@@ -1431,13 +3547,7 @@
       </p:sp>
       <p:sp>
         <p:nvSpPr>
-          <p:cNvPr id="7" name="Slide Number Placeholder 6">
-            <a:extLst>
-              <a:ext uri="{FF2B5EF4-FFF2-40B4-BE49-F238E27FC236}">
-                <a16:creationId xmlns:a16="http://schemas.microsoft.com/office/drawing/2014/main" id="{D899312F-103B-4A27-91AA-63F49DD45DFF}"/>
-              </a:ext>
-            </a:extLst>
-          </p:cNvPr>
+          <p:cNvPr id="7" name="Slide Number Placeholder 6"/>
           <p:cNvSpPr>
             <a:spLocks noGrp="1"/>
           </p:cNvSpPr>
@@ -1461,7 +3571,7 @@
     </p:spTree>
     <p:extLst>
       <p:ext uri="{BB962C8B-B14F-4D97-AF65-F5344CB8AC3E}">
-        <p14:creationId xmlns:p14="http://schemas.microsoft.com/office/powerpoint/2010/main" val="277875607"/>
+        <p14:creationId xmlns:p14="http://schemas.microsoft.com/office/powerpoint/2010/main" val="1940398142"/>
       </p:ext>
     </p:extLst>
   </p:cSld>
@@ -1490,65 +3600,55 @@
       </p:grpSpPr>
       <p:sp>
         <p:nvSpPr>
-          <p:cNvPr id="2" name="Title 1">
-            <a:extLst>
-              <a:ext uri="{FF2B5EF4-FFF2-40B4-BE49-F238E27FC236}">
-                <a16:creationId xmlns:a16="http://schemas.microsoft.com/office/drawing/2014/main" id="{80BE2FA9-7F1A-4AC8-9126-3A0BFCB38C2C}"/>
-              </a:ext>
-            </a:extLst>
-          </p:cNvPr>
+          <p:cNvPr id="2" name="Title 1"/>
           <p:cNvSpPr>
             <a:spLocks noGrp="1"/>
           </p:cNvSpPr>
           <p:nvPr>
             <p:ph type="title"/>
+          </p:nvPr>
+        </p:nvSpPr>
+        <p:spPr/>
+        <p:txBody>
+          <a:bodyPr/>
+          <a:lstStyle>
+            <a:lvl1pPr>
+              <a:defRPr/>
+            </a:lvl1pPr>
+          </a:lstStyle>
+          <a:p>
+            <a:r>
+              <a:rPr lang="en-US"/>
+              <a:t>Click to edit Master title style</a:t>
+            </a:r>
+            <a:endParaRPr lang="en-US" dirty="0"/>
+          </a:p>
+        </p:txBody>
+      </p:sp>
+      <p:sp>
+        <p:nvSpPr>
+          <p:cNvPr id="3" name="Text Placeholder 2"/>
+          <p:cNvSpPr>
+            <a:spLocks noGrp="1"/>
+          </p:cNvSpPr>
+          <p:nvPr>
+            <p:ph type="body" idx="1"/>
           </p:nvPr>
         </p:nvSpPr>
         <p:spPr>
           <a:xfrm>
-            <a:off x="839788" y="365125"/>
-            <a:ext cx="10515600" cy="1325563"/>
+            <a:off x="1429280" y="2658533"/>
+            <a:ext cx="4588931" cy="576262"/>
           </a:xfrm>
         </p:spPr>
         <p:txBody>
-          <a:bodyPr/>
-          <a:lstStyle/>
-          <a:p>
-            <a:r>
-              <a:rPr lang="en-US"/>
-              <a:t>Click to edit Master title style</a:t>
-            </a:r>
-          </a:p>
-        </p:txBody>
-      </p:sp>
-      <p:sp>
-        <p:nvSpPr>
-          <p:cNvPr id="3" name="Text Placeholder 2">
-            <a:extLst>
-              <a:ext uri="{FF2B5EF4-FFF2-40B4-BE49-F238E27FC236}">
-                <a16:creationId xmlns:a16="http://schemas.microsoft.com/office/drawing/2014/main" id="{0E3E6DB0-DDC4-40AD-B29A-1BC11C60EC25}"/>
-              </a:ext>
-            </a:extLst>
-          </p:cNvPr>
-          <p:cNvSpPr>
-            <a:spLocks noGrp="1"/>
-          </p:cNvSpPr>
-          <p:nvPr>
-            <p:ph type="body" idx="1"/>
-          </p:nvPr>
-        </p:nvSpPr>
-        <p:spPr>
-          <a:xfrm>
-            <a:off x="839788" y="1681163"/>
-            <a:ext cx="5157787" cy="823912"/>
-          </a:xfrm>
-        </p:spPr>
-        <p:txBody>
-          <a:bodyPr anchor="b"/>
+          <a:bodyPr anchor="b">
+            <a:noAutofit/>
+          </a:bodyPr>
           <a:lstStyle>
             <a:lvl1pPr marL="0" indent="0">
               <a:buNone/>
-              <a:defRPr sz="2400" b="1"/>
+              <a:defRPr sz="2800" b="0"/>
             </a:lvl1pPr>
             <a:lvl2pPr marL="457200" indent="0">
               <a:buNone/>
@@ -1594,13 +3694,7 @@
       </p:sp>
       <p:sp>
         <p:nvSpPr>
-          <p:cNvPr id="4" name="Content Placeholder 3">
-            <a:extLst>
-              <a:ext uri="{FF2B5EF4-FFF2-40B4-BE49-F238E27FC236}">
-                <a16:creationId xmlns:a16="http://schemas.microsoft.com/office/drawing/2014/main" id="{9EBF4EA2-9765-466A-94D5-D0304297052E}"/>
-              </a:ext>
-            </a:extLst>
-          </p:cNvPr>
+          <p:cNvPr id="4" name="Content Placeholder 3"/>
           <p:cNvSpPr>
             <a:spLocks noGrp="1"/>
           </p:cNvSpPr>
@@ -1610,13 +3704,43 @@
         </p:nvSpPr>
         <p:spPr>
           <a:xfrm>
-            <a:off x="839788" y="2505075"/>
-            <a:ext cx="5157787" cy="3684588"/>
+            <a:off x="1141412" y="3243262"/>
+            <a:ext cx="4876800" cy="2547937"/>
           </a:xfrm>
         </p:spPr>
         <p:txBody>
-          <a:bodyPr/>
-          <a:lstStyle/>
+          <a:bodyPr anchor="t">
+            <a:normAutofit/>
+          </a:bodyPr>
+          <a:lstStyle>
+            <a:lvl1pPr>
+              <a:defRPr sz="1800"/>
+            </a:lvl1pPr>
+            <a:lvl2pPr>
+              <a:defRPr sz="1600"/>
+            </a:lvl2pPr>
+            <a:lvl3pPr>
+              <a:defRPr sz="1400"/>
+            </a:lvl3pPr>
+            <a:lvl4pPr>
+              <a:defRPr sz="1200"/>
+            </a:lvl4pPr>
+            <a:lvl5pPr>
+              <a:defRPr sz="1200"/>
+            </a:lvl5pPr>
+            <a:lvl6pPr>
+              <a:defRPr sz="1200"/>
+            </a:lvl6pPr>
+            <a:lvl7pPr>
+              <a:defRPr sz="1200"/>
+            </a:lvl7pPr>
+            <a:lvl8pPr>
+              <a:defRPr sz="1200"/>
+            </a:lvl8pPr>
+            <a:lvl9pPr>
+              <a:defRPr sz="1200"/>
+            </a:lvl9pPr>
+          </a:lstStyle>
           <a:p>
             <a:pPr lvl="0"/>
             <a:r>
@@ -1651,18 +3775,13 @@
               <a:rPr lang="en-US"/>
               <a:t>Fifth level</a:t>
             </a:r>
-          </a:p>
-        </p:txBody>
-      </p:sp>
-      <p:sp>
-        <p:nvSpPr>
-          <p:cNvPr id="5" name="Text Placeholder 4">
-            <a:extLst>
-              <a:ext uri="{FF2B5EF4-FFF2-40B4-BE49-F238E27FC236}">
-                <a16:creationId xmlns:a16="http://schemas.microsoft.com/office/drawing/2014/main" id="{2173BFA7-8FB6-41C5-9855-3E494623FD4B}"/>
-              </a:ext>
-            </a:extLst>
-          </p:cNvPr>
+            <a:endParaRPr lang="en-US" dirty="0"/>
+          </a:p>
+        </p:txBody>
+      </p:sp>
+      <p:sp>
+        <p:nvSpPr>
+          <p:cNvPr id="5" name="Text Placeholder 4"/>
           <p:cNvSpPr>
             <a:spLocks noGrp="1"/>
           </p:cNvSpPr>
@@ -1672,16 +3791,18 @@
         </p:nvSpPr>
         <p:spPr>
           <a:xfrm>
-            <a:off x="6172200" y="1681163"/>
-            <a:ext cx="5183188" cy="823912"/>
+            <a:off x="6443133" y="2667000"/>
+            <a:ext cx="4604280" cy="576262"/>
           </a:xfrm>
         </p:spPr>
         <p:txBody>
-          <a:bodyPr anchor="b"/>
+          <a:bodyPr anchor="b">
+            <a:noAutofit/>
+          </a:bodyPr>
           <a:lstStyle>
             <a:lvl1pPr marL="0" indent="0">
               <a:buNone/>
-              <a:defRPr sz="2400" b="1"/>
+              <a:defRPr sz="2800" b="0"/>
             </a:lvl1pPr>
             <a:lvl2pPr marL="457200" indent="0">
               <a:buNone/>
@@ -1727,13 +3848,7 @@
       </p:sp>
       <p:sp>
         <p:nvSpPr>
-          <p:cNvPr id="6" name="Content Placeholder 5">
-            <a:extLst>
-              <a:ext uri="{FF2B5EF4-FFF2-40B4-BE49-F238E27FC236}">
-                <a16:creationId xmlns:a16="http://schemas.microsoft.com/office/drawing/2014/main" id="{0225B7B9-B99B-40C5-826E-0BCBDF907BE4}"/>
-              </a:ext>
-            </a:extLst>
-          </p:cNvPr>
+          <p:cNvPr id="6" name="Content Placeholder 5"/>
           <p:cNvSpPr>
             <a:spLocks noGrp="1"/>
           </p:cNvSpPr>
@@ -1743,13 +3858,43 @@
         </p:nvSpPr>
         <p:spPr>
           <a:xfrm>
-            <a:off x="6172200" y="2505075"/>
-            <a:ext cx="5183188" cy="3684588"/>
+            <a:off x="6170612" y="3243262"/>
+            <a:ext cx="4876801" cy="2547937"/>
           </a:xfrm>
         </p:spPr>
         <p:txBody>
-          <a:bodyPr/>
-          <a:lstStyle/>
+          <a:bodyPr anchor="t">
+            <a:normAutofit/>
+          </a:bodyPr>
+          <a:lstStyle>
+            <a:lvl1pPr>
+              <a:defRPr sz="1800"/>
+            </a:lvl1pPr>
+            <a:lvl2pPr>
+              <a:defRPr sz="1600"/>
+            </a:lvl2pPr>
+            <a:lvl3pPr>
+              <a:defRPr sz="1400"/>
+            </a:lvl3pPr>
+            <a:lvl4pPr>
+              <a:defRPr sz="1200"/>
+            </a:lvl4pPr>
+            <a:lvl5pPr>
+              <a:defRPr sz="1200"/>
+            </a:lvl5pPr>
+            <a:lvl6pPr>
+              <a:defRPr sz="1200"/>
+            </a:lvl6pPr>
+            <a:lvl7pPr>
+              <a:defRPr sz="1200"/>
+            </a:lvl7pPr>
+            <a:lvl8pPr>
+              <a:defRPr sz="1200"/>
+            </a:lvl8pPr>
+            <a:lvl9pPr>
+              <a:defRPr sz="1200"/>
+            </a:lvl9pPr>
+          </a:lstStyle>
           <a:p>
             <a:pPr lvl="0"/>
             <a:r>
@@ -1784,18 +3929,13 @@
               <a:rPr lang="en-US"/>
               <a:t>Fifth level</a:t>
             </a:r>
-          </a:p>
-        </p:txBody>
-      </p:sp>
-      <p:sp>
-        <p:nvSpPr>
-          <p:cNvPr id="7" name="Date Placeholder 6">
-            <a:extLst>
-              <a:ext uri="{FF2B5EF4-FFF2-40B4-BE49-F238E27FC236}">
-                <a16:creationId xmlns:a16="http://schemas.microsoft.com/office/drawing/2014/main" id="{AAC4BB6E-D96D-4745-933E-67185FB4B80A}"/>
-              </a:ext>
-            </a:extLst>
-          </p:cNvPr>
+            <a:endParaRPr lang="en-US" dirty="0"/>
+          </a:p>
+        </p:txBody>
+      </p:sp>
+      <p:sp>
+        <p:nvSpPr>
+          <p:cNvPr id="7" name="Date Placeholder 6"/>
           <p:cNvSpPr>
             <a:spLocks noGrp="1"/>
           </p:cNvSpPr>
@@ -1810,7 +3950,7 @@
           <a:p>
             <a:fld id="{6C4C8730-1723-411A-953F-E3E1CAAA8808}" type="datetimeFigureOut">
               <a:rPr lang="en-US" smtClean="0"/>
-              <a:t>3/12/2018</a:t>
+              <a:t>3/15/2018</a:t>
             </a:fld>
             <a:endParaRPr lang="en-US"/>
           </a:p>
@@ -1818,13 +3958,7 @@
       </p:sp>
       <p:sp>
         <p:nvSpPr>
-          <p:cNvPr id="8" name="Footer Placeholder 7">
-            <a:extLst>
-              <a:ext uri="{FF2B5EF4-FFF2-40B4-BE49-F238E27FC236}">
-                <a16:creationId xmlns:a16="http://schemas.microsoft.com/office/drawing/2014/main" id="{23B702C0-0CA9-45CD-AF37-06A37824DAA5}"/>
-              </a:ext>
-            </a:extLst>
-          </p:cNvPr>
+          <p:cNvPr id="8" name="Footer Placeholder 7"/>
           <p:cNvSpPr>
             <a:spLocks noGrp="1"/>
           </p:cNvSpPr>
@@ -1843,13 +3977,7 @@
       </p:sp>
       <p:sp>
         <p:nvSpPr>
-          <p:cNvPr id="9" name="Slide Number Placeholder 8">
-            <a:extLst>
-              <a:ext uri="{FF2B5EF4-FFF2-40B4-BE49-F238E27FC236}">
-                <a16:creationId xmlns:a16="http://schemas.microsoft.com/office/drawing/2014/main" id="{C796BD6A-EB63-4BA4-AB8C-F4551D4F8A98}"/>
-              </a:ext>
-            </a:extLst>
-          </p:cNvPr>
+          <p:cNvPr id="9" name="Slide Number Placeholder 8"/>
           <p:cNvSpPr>
             <a:spLocks noGrp="1"/>
           </p:cNvSpPr>
@@ -1873,7 +4001,7 @@
     </p:spTree>
     <p:extLst>
       <p:ext uri="{BB962C8B-B14F-4D97-AF65-F5344CB8AC3E}">
-        <p14:creationId xmlns:p14="http://schemas.microsoft.com/office/powerpoint/2010/main" val="2691217265"/>
+        <p14:creationId xmlns:p14="http://schemas.microsoft.com/office/powerpoint/2010/main" val="2765060589"/>
       </p:ext>
     </p:extLst>
   </p:cSld>
@@ -1902,13 +4030,7 @@
       </p:grpSpPr>
       <p:sp>
         <p:nvSpPr>
-          <p:cNvPr id="2" name="Title 1">
-            <a:extLst>
-              <a:ext uri="{FF2B5EF4-FFF2-40B4-BE49-F238E27FC236}">
-                <a16:creationId xmlns:a16="http://schemas.microsoft.com/office/drawing/2014/main" id="{0C246610-E0D1-45E3-8CF0-EF8E71A83CA3}"/>
-              </a:ext>
-            </a:extLst>
-          </p:cNvPr>
+          <p:cNvPr id="2" name="Title 1"/>
           <p:cNvSpPr>
             <a:spLocks noGrp="1"/>
           </p:cNvSpPr>
@@ -1925,18 +4047,13 @@
               <a:rPr lang="en-US"/>
               <a:t>Click to edit Master title style</a:t>
             </a:r>
-          </a:p>
-        </p:txBody>
-      </p:sp>
-      <p:sp>
-        <p:nvSpPr>
-          <p:cNvPr id="3" name="Date Placeholder 2">
-            <a:extLst>
-              <a:ext uri="{FF2B5EF4-FFF2-40B4-BE49-F238E27FC236}">
-                <a16:creationId xmlns:a16="http://schemas.microsoft.com/office/drawing/2014/main" id="{07D72DA9-A725-4DE2-B26E-EE88EC9FAEFD}"/>
-              </a:ext>
-            </a:extLst>
-          </p:cNvPr>
+            <a:endParaRPr lang="en-US" dirty="0"/>
+          </a:p>
+        </p:txBody>
+      </p:sp>
+      <p:sp>
+        <p:nvSpPr>
+          <p:cNvPr id="3" name="Date Placeholder 2"/>
           <p:cNvSpPr>
             <a:spLocks noGrp="1"/>
           </p:cNvSpPr>
@@ -1951,7 +4068,7 @@
           <a:p>
             <a:fld id="{6C4C8730-1723-411A-953F-E3E1CAAA8808}" type="datetimeFigureOut">
               <a:rPr lang="en-US" smtClean="0"/>
-              <a:t>3/12/2018</a:t>
+              <a:t>3/15/2018</a:t>
             </a:fld>
             <a:endParaRPr lang="en-US"/>
           </a:p>
@@ -1959,13 +4076,7 @@
       </p:sp>
       <p:sp>
         <p:nvSpPr>
-          <p:cNvPr id="4" name="Footer Placeholder 3">
-            <a:extLst>
-              <a:ext uri="{FF2B5EF4-FFF2-40B4-BE49-F238E27FC236}">
-                <a16:creationId xmlns:a16="http://schemas.microsoft.com/office/drawing/2014/main" id="{DD3AA7DA-7B22-4A72-AF61-96484CD1B5A7}"/>
-              </a:ext>
-            </a:extLst>
-          </p:cNvPr>
+          <p:cNvPr id="4" name="Footer Placeholder 3"/>
           <p:cNvSpPr>
             <a:spLocks noGrp="1"/>
           </p:cNvSpPr>
@@ -1984,13 +4095,7 @@
       </p:sp>
       <p:sp>
         <p:nvSpPr>
-          <p:cNvPr id="5" name="Slide Number Placeholder 4">
-            <a:extLst>
-              <a:ext uri="{FF2B5EF4-FFF2-40B4-BE49-F238E27FC236}">
-                <a16:creationId xmlns:a16="http://schemas.microsoft.com/office/drawing/2014/main" id="{C0DD2981-9CF6-430C-AA04-D5D8B5289A02}"/>
-              </a:ext>
-            </a:extLst>
-          </p:cNvPr>
+          <p:cNvPr id="5" name="Slide Number Placeholder 4"/>
           <p:cNvSpPr>
             <a:spLocks noGrp="1"/>
           </p:cNvSpPr>
@@ -2014,7 +4119,7 @@
     </p:spTree>
     <p:extLst>
       <p:ext uri="{BB962C8B-B14F-4D97-AF65-F5344CB8AC3E}">
-        <p14:creationId xmlns:p14="http://schemas.microsoft.com/office/powerpoint/2010/main" val="4166822502"/>
+        <p14:creationId xmlns:p14="http://schemas.microsoft.com/office/powerpoint/2010/main" val="3112675036"/>
       </p:ext>
     </p:extLst>
   </p:cSld>
@@ -2043,13 +4148,7 @@
       </p:grpSpPr>
       <p:sp>
         <p:nvSpPr>
-          <p:cNvPr id="2" name="Date Placeholder 1">
-            <a:extLst>
-              <a:ext uri="{FF2B5EF4-FFF2-40B4-BE49-F238E27FC236}">
-                <a16:creationId xmlns:a16="http://schemas.microsoft.com/office/drawing/2014/main" id="{0962B3EB-55A0-4F33-BDD0-C40C40E3EC48}"/>
-              </a:ext>
-            </a:extLst>
-          </p:cNvPr>
+          <p:cNvPr id="2" name="Date Placeholder 1"/>
           <p:cNvSpPr>
             <a:spLocks noGrp="1"/>
           </p:cNvSpPr>
@@ -2064,7 +4163,7 @@
           <a:p>
             <a:fld id="{6C4C8730-1723-411A-953F-E3E1CAAA8808}" type="datetimeFigureOut">
               <a:rPr lang="en-US" smtClean="0"/>
-              <a:t>3/12/2018</a:t>
+              <a:t>3/15/2018</a:t>
             </a:fld>
             <a:endParaRPr lang="en-US"/>
           </a:p>
@@ -2072,13 +4171,7 @@
       </p:sp>
       <p:sp>
         <p:nvSpPr>
-          <p:cNvPr id="3" name="Footer Placeholder 2">
-            <a:extLst>
-              <a:ext uri="{FF2B5EF4-FFF2-40B4-BE49-F238E27FC236}">
-                <a16:creationId xmlns:a16="http://schemas.microsoft.com/office/drawing/2014/main" id="{AD3ECCBA-CF32-41D9-AEB2-FDB22A3B63AF}"/>
-              </a:ext>
-            </a:extLst>
-          </p:cNvPr>
+          <p:cNvPr id="3" name="Footer Placeholder 2"/>
           <p:cNvSpPr>
             <a:spLocks noGrp="1"/>
           </p:cNvSpPr>
@@ -2097,13 +4190,7 @@
       </p:sp>
       <p:sp>
         <p:nvSpPr>
-          <p:cNvPr id="4" name="Slide Number Placeholder 3">
-            <a:extLst>
-              <a:ext uri="{FF2B5EF4-FFF2-40B4-BE49-F238E27FC236}">
-                <a16:creationId xmlns:a16="http://schemas.microsoft.com/office/drawing/2014/main" id="{C1E3BDA2-845C-4FCE-BBE3-359219452FE6}"/>
-              </a:ext>
-            </a:extLst>
-          </p:cNvPr>
+          <p:cNvPr id="4" name="Slide Number Placeholder 3"/>
           <p:cNvSpPr>
             <a:spLocks noGrp="1"/>
           </p:cNvSpPr>
@@ -2127,7 +4214,7 @@
     </p:spTree>
     <p:extLst>
       <p:ext uri="{BB962C8B-B14F-4D97-AF65-F5344CB8AC3E}">
-        <p14:creationId xmlns:p14="http://schemas.microsoft.com/office/powerpoint/2010/main" val="716012471"/>
+        <p14:creationId xmlns:p14="http://schemas.microsoft.com/office/powerpoint/2010/main" val="3414720110"/>
       </p:ext>
     </p:extLst>
   </p:cSld>
@@ -2156,13 +4243,7 @@
       </p:grpSpPr>
       <p:sp>
         <p:nvSpPr>
-          <p:cNvPr id="2" name="Title 1">
-            <a:extLst>
-              <a:ext uri="{FF2B5EF4-FFF2-40B4-BE49-F238E27FC236}">
-                <a16:creationId xmlns:a16="http://schemas.microsoft.com/office/drawing/2014/main" id="{40A13530-C25B-430A-A631-190589447724}"/>
-              </a:ext>
-            </a:extLst>
-          </p:cNvPr>
+          <p:cNvPr id="2" name="Title 1"/>
           <p:cNvSpPr>
             <a:spLocks noGrp="1"/>
           </p:cNvSpPr>
@@ -2172,139 +4253,135 @@
         </p:nvSpPr>
         <p:spPr>
           <a:xfrm>
-            <a:off x="839788" y="457200"/>
-            <a:ext cx="3932237" cy="1600200"/>
+            <a:off x="1141411" y="1600200"/>
+            <a:ext cx="3549121" cy="1371600"/>
           </a:xfrm>
         </p:spPr>
         <p:txBody>
-          <a:bodyPr anchor="b"/>
+          <a:bodyPr anchor="b">
+            <a:normAutofit/>
+          </a:bodyPr>
+          <a:lstStyle>
+            <a:lvl1pPr algn="l">
+              <a:defRPr sz="2400" b="0"/>
+            </a:lvl1pPr>
+          </a:lstStyle>
+          <a:p>
+            <a:r>
+              <a:rPr lang="en-US"/>
+              <a:t>Click to edit Master title style</a:t>
+            </a:r>
+            <a:endParaRPr lang="en-US" dirty="0"/>
+          </a:p>
+        </p:txBody>
+      </p:sp>
+      <p:sp>
+        <p:nvSpPr>
+          <p:cNvPr id="3" name="Content Placeholder 2"/>
+          <p:cNvSpPr>
+            <a:spLocks noGrp="1"/>
+          </p:cNvSpPr>
+          <p:nvPr>
+            <p:ph idx="1"/>
+          </p:nvPr>
+        </p:nvSpPr>
+        <p:spPr>
+          <a:xfrm>
+            <a:off x="5103812" y="609601"/>
+            <a:ext cx="5943601" cy="5181600"/>
+          </a:xfrm>
+        </p:spPr>
+        <p:txBody>
+          <a:bodyPr anchor="ctr">
+            <a:normAutofit/>
+          </a:bodyPr>
           <a:lstStyle>
             <a:lvl1pPr>
-              <a:defRPr sz="3200"/>
+              <a:defRPr sz="2000"/>
             </a:lvl1pPr>
+            <a:lvl2pPr>
+              <a:defRPr sz="1800"/>
+            </a:lvl2pPr>
+            <a:lvl3pPr>
+              <a:defRPr sz="1600"/>
+            </a:lvl3pPr>
+            <a:lvl4pPr>
+              <a:defRPr sz="1400"/>
+            </a:lvl4pPr>
+            <a:lvl5pPr>
+              <a:defRPr sz="1400"/>
+            </a:lvl5pPr>
+            <a:lvl6pPr>
+              <a:defRPr sz="1400"/>
+            </a:lvl6pPr>
+            <a:lvl7pPr>
+              <a:defRPr sz="1400"/>
+            </a:lvl7pPr>
+            <a:lvl8pPr>
+              <a:defRPr sz="1400"/>
+            </a:lvl8pPr>
+            <a:lvl9pPr>
+              <a:defRPr sz="1400"/>
+            </a:lvl9pPr>
           </a:lstStyle>
           <a:p>
+            <a:pPr lvl="0"/>
             <a:r>
               <a:rPr lang="en-US"/>
-              <a:t>Click to edit Master title style</a:t>
-            </a:r>
-          </a:p>
-        </p:txBody>
-      </p:sp>
-      <p:sp>
-        <p:nvSpPr>
-          <p:cNvPr id="3" name="Content Placeholder 2">
-            <a:extLst>
-              <a:ext uri="{FF2B5EF4-FFF2-40B4-BE49-F238E27FC236}">
-                <a16:creationId xmlns:a16="http://schemas.microsoft.com/office/drawing/2014/main" id="{0F50FC32-5BCB-423C-BE2D-ABA0ECA39865}"/>
-              </a:ext>
-            </a:extLst>
-          </p:cNvPr>
-          <p:cNvSpPr>
-            <a:spLocks noGrp="1"/>
-          </p:cNvSpPr>
-          <p:nvPr>
-            <p:ph idx="1"/>
+              <a:t>Edit Master text styles</a:t>
+            </a:r>
+          </a:p>
+          <a:p>
+            <a:pPr lvl="1"/>
+            <a:r>
+              <a:rPr lang="en-US"/>
+              <a:t>Second level</a:t>
+            </a:r>
+          </a:p>
+          <a:p>
+            <a:pPr lvl="2"/>
+            <a:r>
+              <a:rPr lang="en-US"/>
+              <a:t>Third level</a:t>
+            </a:r>
+          </a:p>
+          <a:p>
+            <a:pPr lvl="3"/>
+            <a:r>
+              <a:rPr lang="en-US"/>
+              <a:t>Fourth level</a:t>
+            </a:r>
+          </a:p>
+          <a:p>
+            <a:pPr lvl="4"/>
+            <a:r>
+              <a:rPr lang="en-US"/>
+              <a:t>Fifth level</a:t>
+            </a:r>
+            <a:endParaRPr lang="en-US" dirty="0"/>
+          </a:p>
+        </p:txBody>
+      </p:sp>
+      <p:sp>
+        <p:nvSpPr>
+          <p:cNvPr id="4" name="Text Placeholder 3"/>
+          <p:cNvSpPr>
+            <a:spLocks noGrp="1"/>
+          </p:cNvSpPr>
+          <p:nvPr>
+            <p:ph type="body" sz="half" idx="2"/>
           </p:nvPr>
         </p:nvSpPr>
         <p:spPr>
           <a:xfrm>
-            <a:off x="5183188" y="987425"/>
-            <a:ext cx="6172200" cy="4873625"/>
+            <a:off x="1141411" y="2971800"/>
+            <a:ext cx="3549121" cy="1828800"/>
           </a:xfrm>
         </p:spPr>
         <p:txBody>
-          <a:bodyPr/>
-          <a:lstStyle>
-            <a:lvl1pPr>
-              <a:defRPr sz="3200"/>
-            </a:lvl1pPr>
-            <a:lvl2pPr>
-              <a:defRPr sz="2800"/>
-            </a:lvl2pPr>
-            <a:lvl3pPr>
-              <a:defRPr sz="2400"/>
-            </a:lvl3pPr>
-            <a:lvl4pPr>
-              <a:defRPr sz="2000"/>
-            </a:lvl4pPr>
-            <a:lvl5pPr>
-              <a:defRPr sz="2000"/>
-            </a:lvl5pPr>
-            <a:lvl6pPr>
-              <a:defRPr sz="2000"/>
-            </a:lvl6pPr>
-            <a:lvl7pPr>
-              <a:defRPr sz="2000"/>
-            </a:lvl7pPr>
-            <a:lvl8pPr>
-              <a:defRPr sz="2000"/>
-            </a:lvl8pPr>
-            <a:lvl9pPr>
-              <a:defRPr sz="2000"/>
-            </a:lvl9pPr>
-          </a:lstStyle>
-          <a:p>
-            <a:pPr lvl="0"/>
-            <a:r>
-              <a:rPr lang="en-US"/>
-              <a:t>Edit Master text styles</a:t>
-            </a:r>
-          </a:p>
-          <a:p>
-            <a:pPr lvl="1"/>
-            <a:r>
-              <a:rPr lang="en-US"/>
-              <a:t>Second level</a:t>
-            </a:r>
-          </a:p>
-          <a:p>
-            <a:pPr lvl="2"/>
-            <a:r>
-              <a:rPr lang="en-US"/>
-              <a:t>Third level</a:t>
-            </a:r>
-          </a:p>
-          <a:p>
-            <a:pPr lvl="3"/>
-            <a:r>
-              <a:rPr lang="en-US"/>
-              <a:t>Fourth level</a:t>
-            </a:r>
-          </a:p>
-          <a:p>
-            <a:pPr lvl="4"/>
-            <a:r>
-              <a:rPr lang="en-US"/>
-              <a:t>Fifth level</a:t>
-            </a:r>
-          </a:p>
-        </p:txBody>
-      </p:sp>
-      <p:sp>
-        <p:nvSpPr>
-          <p:cNvPr id="4" name="Text Placeholder 3">
-            <a:extLst>
-              <a:ext uri="{FF2B5EF4-FFF2-40B4-BE49-F238E27FC236}">
-                <a16:creationId xmlns:a16="http://schemas.microsoft.com/office/drawing/2014/main" id="{264B1791-8454-4F66-8BDA-60BE3EC494B3}"/>
-              </a:ext>
-            </a:extLst>
-          </p:cNvPr>
-          <p:cNvSpPr>
-            <a:spLocks noGrp="1"/>
-          </p:cNvSpPr>
-          <p:nvPr>
-            <p:ph type="body" sz="half" idx="2"/>
-          </p:nvPr>
-        </p:nvSpPr>
-        <p:spPr>
-          <a:xfrm>
-            <a:off x="839788" y="2057400"/>
-            <a:ext cx="3932237" cy="3811588"/>
-          </a:xfrm>
-        </p:spPr>
-        <p:txBody>
-          <a:bodyPr/>
+          <a:bodyPr>
+            <a:normAutofit/>
+          </a:bodyPr>
           <a:lstStyle>
             <a:lvl1pPr marL="0" indent="0">
               <a:buNone/>
@@ -2312,35 +4389,35 @@
             </a:lvl1pPr>
             <a:lvl2pPr marL="457200" indent="0">
               <a:buNone/>
-              <a:defRPr sz="1400"/>
+              <a:defRPr sz="1200"/>
             </a:lvl2pPr>
             <a:lvl3pPr marL="914400" indent="0">
               <a:buNone/>
-              <a:defRPr sz="1200"/>
+              <a:defRPr sz="1000"/>
             </a:lvl3pPr>
             <a:lvl4pPr marL="1371600" indent="0">
               <a:buNone/>
-              <a:defRPr sz="1000"/>
+              <a:defRPr sz="900"/>
             </a:lvl4pPr>
             <a:lvl5pPr marL="1828800" indent="0">
               <a:buNone/>
-              <a:defRPr sz="1000"/>
+              <a:defRPr sz="900"/>
             </a:lvl5pPr>
             <a:lvl6pPr marL="2286000" indent="0">
               <a:buNone/>
-              <a:defRPr sz="1000"/>
+              <a:defRPr sz="900"/>
             </a:lvl6pPr>
             <a:lvl7pPr marL="2743200" indent="0">
               <a:buNone/>
-              <a:defRPr sz="1000"/>
+              <a:defRPr sz="900"/>
             </a:lvl7pPr>
             <a:lvl8pPr marL="3200400" indent="0">
               <a:buNone/>
-              <a:defRPr sz="1000"/>
+              <a:defRPr sz="900"/>
             </a:lvl8pPr>
             <a:lvl9pPr marL="3657600" indent="0">
               <a:buNone/>
-              <a:defRPr sz="1000"/>
+              <a:defRPr sz="900"/>
             </a:lvl9pPr>
           </a:lstStyle>
           <a:p>
@@ -2354,13 +4431,7 @@
       </p:sp>
       <p:sp>
         <p:nvSpPr>
-          <p:cNvPr id="5" name="Date Placeholder 4">
-            <a:extLst>
-              <a:ext uri="{FF2B5EF4-FFF2-40B4-BE49-F238E27FC236}">
-                <a16:creationId xmlns:a16="http://schemas.microsoft.com/office/drawing/2014/main" id="{381A5B54-4689-456D-9D60-6B1029609D2B}"/>
-              </a:ext>
-            </a:extLst>
-          </p:cNvPr>
+          <p:cNvPr id="5" name="Date Placeholder 4"/>
           <p:cNvSpPr>
             <a:spLocks noGrp="1"/>
           </p:cNvSpPr>
@@ -2375,7 +4446,7 @@
           <a:p>
             <a:fld id="{6C4C8730-1723-411A-953F-E3E1CAAA8808}" type="datetimeFigureOut">
               <a:rPr lang="en-US" smtClean="0"/>
-              <a:t>3/12/2018</a:t>
+              <a:t>3/15/2018</a:t>
             </a:fld>
             <a:endParaRPr lang="en-US"/>
           </a:p>
@@ -2383,13 +4454,7 @@
       </p:sp>
       <p:sp>
         <p:nvSpPr>
-          <p:cNvPr id="6" name="Footer Placeholder 5">
-            <a:extLst>
-              <a:ext uri="{FF2B5EF4-FFF2-40B4-BE49-F238E27FC236}">
-                <a16:creationId xmlns:a16="http://schemas.microsoft.com/office/drawing/2014/main" id="{AF904360-DD36-4A5E-8904-1EC83B923330}"/>
-              </a:ext>
-            </a:extLst>
-          </p:cNvPr>
+          <p:cNvPr id="6" name="Footer Placeholder 5"/>
           <p:cNvSpPr>
             <a:spLocks noGrp="1"/>
           </p:cNvSpPr>
@@ -2408,13 +4473,7 @@
       </p:sp>
       <p:sp>
         <p:nvSpPr>
-          <p:cNvPr id="7" name="Slide Number Placeholder 6">
-            <a:extLst>
-              <a:ext uri="{FF2B5EF4-FFF2-40B4-BE49-F238E27FC236}">
-                <a16:creationId xmlns:a16="http://schemas.microsoft.com/office/drawing/2014/main" id="{1F445FB1-BEA7-4008-B70E-8E76459E4913}"/>
-              </a:ext>
-            </a:extLst>
-          </p:cNvPr>
+          <p:cNvPr id="7" name="Slide Number Placeholder 6"/>
           <p:cNvSpPr>
             <a:spLocks noGrp="1"/>
           </p:cNvSpPr>
@@ -2438,7 +4497,7 @@
     </p:spTree>
     <p:extLst>
       <p:ext uri="{BB962C8B-B14F-4D97-AF65-F5344CB8AC3E}">
-        <p14:creationId xmlns:p14="http://schemas.microsoft.com/office/powerpoint/2010/main" val="398790436"/>
+        <p14:creationId xmlns:p14="http://schemas.microsoft.com/office/powerpoint/2010/main" val="2908288458"/>
       </p:ext>
     </p:extLst>
   </p:cSld>
@@ -2467,13 +4526,7 @@
       </p:grpSpPr>
       <p:sp>
         <p:nvSpPr>
-          <p:cNvPr id="2" name="Title 1">
-            <a:extLst>
-              <a:ext uri="{FF2B5EF4-FFF2-40B4-BE49-F238E27FC236}">
-                <a16:creationId xmlns:a16="http://schemas.microsoft.com/office/drawing/2014/main" id="{EA3ADB7D-ECBD-4F39-9D54-62E0C946FCF4}"/>
-              </a:ext>
-            </a:extLst>
-          </p:cNvPr>
+          <p:cNvPr id="2" name="Title 1"/>
           <p:cNvSpPr>
             <a:spLocks noGrp="1"/>
           </p:cNvSpPr>
@@ -2483,15 +4536,17 @@
         </p:nvSpPr>
         <p:spPr>
           <a:xfrm>
-            <a:off x="839788" y="457200"/>
-            <a:ext cx="3932237" cy="1600200"/>
+            <a:off x="1141411" y="1600200"/>
+            <a:ext cx="5334001" cy="1371600"/>
           </a:xfrm>
         </p:spPr>
         <p:txBody>
-          <a:bodyPr anchor="b"/>
+          <a:bodyPr anchor="b">
+            <a:normAutofit/>
+          </a:bodyPr>
           <a:lstStyle>
-            <a:lvl1pPr>
-              <a:defRPr sz="3200"/>
+            <a:lvl1pPr algn="l">
+              <a:defRPr sz="2800" b="0"/>
             </a:lvl1pPr>
           </a:lstStyle>
           <a:p>
@@ -2499,20 +4554,15 @@
               <a:rPr lang="en-US"/>
               <a:t>Click to edit Master title style</a:t>
             </a:r>
-          </a:p>
-        </p:txBody>
-      </p:sp>
-      <p:sp>
-        <p:nvSpPr>
-          <p:cNvPr id="3" name="Picture Placeholder 2">
-            <a:extLst>
-              <a:ext uri="{FF2B5EF4-FFF2-40B4-BE49-F238E27FC236}">
-                <a16:creationId xmlns:a16="http://schemas.microsoft.com/office/drawing/2014/main" id="{D0704ED1-9A99-40C9-8134-F38DF7B3399C}"/>
-              </a:ext>
-            </a:extLst>
-          </p:cNvPr>
-          <p:cNvSpPr>
-            <a:spLocks noGrp="1"/>
+            <a:endParaRPr lang="en-US" dirty="0"/>
+          </a:p>
+        </p:txBody>
+      </p:sp>
+      <p:sp>
+        <p:nvSpPr>
+          <p:cNvPr id="14" name="Picture Placeholder 2"/>
+          <p:cNvSpPr>
+            <a:spLocks noGrp="1" noChangeAspect="1"/>
           </p:cNvSpPr>
           <p:nvPr>
             <p:ph type="pic" idx="1"/>
@@ -2520,118 +4570,143 @@
         </p:nvSpPr>
         <p:spPr>
           <a:xfrm>
-            <a:off x="5183188" y="987425"/>
-            <a:ext cx="6172200" cy="4873625"/>
+            <a:off x="7433733" y="-18288"/>
+            <a:ext cx="3276599" cy="6903720"/>
           </a:xfrm>
+          <a:ln w="38100">
+            <a:gradFill flip="none" rotWithShape="1">
+              <a:gsLst>
+                <a:gs pos="0">
+                  <a:schemeClr val="bg2"/>
+                </a:gs>
+                <a:gs pos="100000">
+                  <a:schemeClr val="bg2">
+                    <a:lumMod val="75000"/>
+                  </a:schemeClr>
+                </a:gs>
+              </a:gsLst>
+              <a:lin ang="5400000" scaled="0"/>
+              <a:tileRect/>
+            </a:gradFill>
+          </a:ln>
+          <a:effectLst>
+            <a:innerShdw blurRad="57150" dist="38100" dir="10800000">
+              <a:srgbClr val="000000">
+                <a:alpha val="70000"/>
+              </a:srgbClr>
+            </a:innerShdw>
+          </a:effectLst>
         </p:spPr>
         <p:txBody>
-          <a:bodyPr/>
+          <a:bodyPr anchor="t">
+            <a:normAutofit/>
+          </a:bodyPr>
           <a:lstStyle>
-            <a:lvl1pPr marL="0" indent="0">
-              <a:buNone/>
-              <a:defRPr sz="3200"/>
-            </a:lvl1pPr>
-            <a:lvl2pPr marL="457200" indent="0">
-              <a:buNone/>
-              <a:defRPr sz="2800"/>
-            </a:lvl2pPr>
-            <a:lvl3pPr marL="914400" indent="0">
-              <a:buNone/>
-              <a:defRPr sz="2400"/>
-            </a:lvl3pPr>
-            <a:lvl4pPr marL="1371600" indent="0">
-              <a:buNone/>
-              <a:defRPr sz="2000"/>
-            </a:lvl4pPr>
-            <a:lvl5pPr marL="1828800" indent="0">
-              <a:buNone/>
-              <a:defRPr sz="2000"/>
-            </a:lvl5pPr>
-            <a:lvl6pPr marL="2286000" indent="0">
-              <a:buNone/>
-              <a:defRPr sz="2000"/>
-            </a:lvl6pPr>
-            <a:lvl7pPr marL="2743200" indent="0">
-              <a:buNone/>
-              <a:defRPr sz="2000"/>
-            </a:lvl7pPr>
-            <a:lvl8pPr marL="3200400" indent="0">
-              <a:buNone/>
-              <a:defRPr sz="2000"/>
-            </a:lvl8pPr>
-            <a:lvl9pPr marL="3657600" indent="0">
-              <a:buNone/>
-              <a:defRPr sz="2000"/>
-            </a:lvl9pPr>
-          </a:lstStyle>
-          <a:p>
-            <a:endParaRPr lang="en-US"/>
-          </a:p>
-        </p:txBody>
-      </p:sp>
-      <p:sp>
-        <p:nvSpPr>
-          <p:cNvPr id="4" name="Text Placeholder 3">
-            <a:extLst>
-              <a:ext uri="{FF2B5EF4-FFF2-40B4-BE49-F238E27FC236}">
-                <a16:creationId xmlns:a16="http://schemas.microsoft.com/office/drawing/2014/main" id="{474915C2-19C6-4D3B-A7C6-7200A844A85A}"/>
-              </a:ext>
-            </a:extLst>
-          </p:cNvPr>
-          <p:cNvSpPr>
-            <a:spLocks noGrp="1"/>
-          </p:cNvSpPr>
-          <p:nvPr>
-            <p:ph type="body" sz="half" idx="2"/>
-          </p:nvPr>
-        </p:nvSpPr>
-        <p:spPr>
-          <a:xfrm>
-            <a:off x="839788" y="2057400"/>
-            <a:ext cx="3932237" cy="3811588"/>
-          </a:xfrm>
-        </p:spPr>
-        <p:txBody>
-          <a:bodyPr/>
-          <a:lstStyle>
-            <a:lvl1pPr marL="0" indent="0">
+            <a:lvl1pPr marL="0" indent="0" algn="ctr">
               <a:buNone/>
               <a:defRPr sz="1600"/>
             </a:lvl1pPr>
             <a:lvl2pPr marL="457200" indent="0">
               <a:buNone/>
-              <a:defRPr sz="1400"/>
+              <a:defRPr sz="1600"/>
             </a:lvl2pPr>
             <a:lvl3pPr marL="914400" indent="0">
               <a:buNone/>
-              <a:defRPr sz="1200"/>
+              <a:defRPr sz="1600"/>
             </a:lvl3pPr>
             <a:lvl4pPr marL="1371600" indent="0">
               <a:buNone/>
-              <a:defRPr sz="1000"/>
+              <a:defRPr sz="1600"/>
             </a:lvl4pPr>
             <a:lvl5pPr marL="1828800" indent="0">
               <a:buNone/>
-              <a:defRPr sz="1000"/>
+              <a:defRPr sz="1600"/>
             </a:lvl5pPr>
             <a:lvl6pPr marL="2286000" indent="0">
               <a:buNone/>
-              <a:defRPr sz="1000"/>
+              <a:defRPr sz="1600"/>
             </a:lvl6pPr>
             <a:lvl7pPr marL="2743200" indent="0">
               <a:buNone/>
-              <a:defRPr sz="1000"/>
+              <a:defRPr sz="1600"/>
             </a:lvl7pPr>
             <a:lvl8pPr marL="3200400" indent="0">
               <a:buNone/>
-              <a:defRPr sz="1000"/>
+              <a:defRPr sz="1600"/>
             </a:lvl8pPr>
             <a:lvl9pPr marL="3657600" indent="0">
               <a:buNone/>
-              <a:defRPr sz="1000"/>
+              <a:defRPr sz="1600"/>
             </a:lvl9pPr>
           </a:lstStyle>
           <a:p>
+            <a:r>
+              <a:rPr lang="en-US"/>
+              <a:t>Click icon to add picture</a:t>
+            </a:r>
+            <a:endParaRPr lang="en-US" dirty="0"/>
+          </a:p>
+        </p:txBody>
+      </p:sp>
+      <p:sp>
+        <p:nvSpPr>
+          <p:cNvPr id="4" name="Text Placeholder 3"/>
+          <p:cNvSpPr>
+            <a:spLocks noGrp="1"/>
+          </p:cNvSpPr>
+          <p:nvPr>
+            <p:ph type="body" sz="half" idx="2"/>
+          </p:nvPr>
+        </p:nvSpPr>
+        <p:spPr>
+          <a:xfrm>
+            <a:off x="1141411" y="2971800"/>
+            <a:ext cx="5334001" cy="1828800"/>
+          </a:xfrm>
+        </p:spPr>
+        <p:txBody>
+          <a:bodyPr>
+            <a:normAutofit/>
+          </a:bodyPr>
+          <a:lstStyle>
+            <a:lvl1pPr marL="0" indent="0">
+              <a:buNone/>
+              <a:defRPr sz="1800"/>
+            </a:lvl1pPr>
+            <a:lvl2pPr marL="457200" indent="0">
+              <a:buNone/>
+              <a:defRPr sz="1200"/>
+            </a:lvl2pPr>
+            <a:lvl3pPr marL="914400" indent="0">
+              <a:buNone/>
+              <a:defRPr sz="1000"/>
+            </a:lvl3pPr>
+            <a:lvl4pPr marL="1371600" indent="0">
+              <a:buNone/>
+              <a:defRPr sz="900"/>
+            </a:lvl4pPr>
+            <a:lvl5pPr marL="1828800" indent="0">
+              <a:buNone/>
+              <a:defRPr sz="900"/>
+            </a:lvl5pPr>
+            <a:lvl6pPr marL="2286000" indent="0">
+              <a:buNone/>
+              <a:defRPr sz="900"/>
+            </a:lvl6pPr>
+            <a:lvl7pPr marL="2743200" indent="0">
+              <a:buNone/>
+              <a:defRPr sz="900"/>
+            </a:lvl7pPr>
+            <a:lvl8pPr marL="3200400" indent="0">
+              <a:buNone/>
+              <a:defRPr sz="900"/>
+            </a:lvl8pPr>
+            <a:lvl9pPr marL="3657600" indent="0">
+              <a:buNone/>
+              <a:defRPr sz="900"/>
+            </a:lvl9pPr>
+          </a:lstStyle>
+          <a:p>
             <a:pPr lvl="0"/>
             <a:r>
               <a:rPr lang="en-US"/>
@@ -2642,13 +4717,7 @@
       </p:sp>
       <p:sp>
         <p:nvSpPr>
-          <p:cNvPr id="5" name="Date Placeholder 4">
-            <a:extLst>
-              <a:ext uri="{FF2B5EF4-FFF2-40B4-BE49-F238E27FC236}">
-                <a16:creationId xmlns:a16="http://schemas.microsoft.com/office/drawing/2014/main" id="{25B6BEE4-FB29-4BEE-BB18-3BC81F67C015}"/>
-              </a:ext>
-            </a:extLst>
-          </p:cNvPr>
+          <p:cNvPr id="5" name="Date Placeholder 4"/>
           <p:cNvSpPr>
             <a:spLocks noGrp="1"/>
           </p:cNvSpPr>
@@ -2656,14 +4725,19 @@
             <p:ph type="dt" sz="half" idx="10"/>
           </p:nvPr>
         </p:nvSpPr>
-        <p:spPr/>
+        <p:spPr>
+          <a:xfrm>
+            <a:off x="6399212" y="5883275"/>
+            <a:ext cx="914400" cy="365125"/>
+          </a:xfrm>
+        </p:spPr>
         <p:txBody>
           <a:bodyPr/>
           <a:lstStyle/>
           <a:p>
             <a:fld id="{6C4C8730-1723-411A-953F-E3E1CAAA8808}" type="datetimeFigureOut">
               <a:rPr lang="en-US" smtClean="0"/>
-              <a:t>3/12/2018</a:t>
+              <a:t>3/15/2018</a:t>
             </a:fld>
             <a:endParaRPr lang="en-US"/>
           </a:p>
@@ -2671,13 +4745,7 @@
       </p:sp>
       <p:sp>
         <p:nvSpPr>
-          <p:cNvPr id="6" name="Footer Placeholder 5">
-            <a:extLst>
-              <a:ext uri="{FF2B5EF4-FFF2-40B4-BE49-F238E27FC236}">
-                <a16:creationId xmlns:a16="http://schemas.microsoft.com/office/drawing/2014/main" id="{7533EA2C-ECFD-4432-BE24-6609D32F4672}"/>
-              </a:ext>
-            </a:extLst>
-          </p:cNvPr>
+          <p:cNvPr id="6" name="Footer Placeholder 5"/>
           <p:cNvSpPr>
             <a:spLocks noGrp="1"/>
           </p:cNvSpPr>
@@ -2685,7 +4753,12 @@
             <p:ph type="ftr" sz="quarter" idx="11"/>
           </p:nvPr>
         </p:nvSpPr>
-        <p:spPr/>
+        <p:spPr>
+          <a:xfrm>
+            <a:off x="1141412" y="5883275"/>
+            <a:ext cx="5105400" cy="365125"/>
+          </a:xfrm>
+        </p:spPr>
         <p:txBody>
           <a:bodyPr/>
           <a:lstStyle/>
@@ -2696,13 +4769,7 @@
       </p:sp>
       <p:sp>
         <p:nvSpPr>
-          <p:cNvPr id="7" name="Slide Number Placeholder 6">
-            <a:extLst>
-              <a:ext uri="{FF2B5EF4-FFF2-40B4-BE49-F238E27FC236}">
-                <a16:creationId xmlns:a16="http://schemas.microsoft.com/office/drawing/2014/main" id="{87EDA447-D6FD-4233-B273-AAFD6B1D0EC5}"/>
-              </a:ext>
-            </a:extLst>
-          </p:cNvPr>
+          <p:cNvPr id="7" name="Slide Number Placeholder 6"/>
           <p:cNvSpPr>
             <a:spLocks noGrp="1"/>
           </p:cNvSpPr>
@@ -2710,7 +4777,12 @@
             <p:ph type="sldNum" sz="quarter" idx="12"/>
           </p:nvPr>
         </p:nvSpPr>
-        <p:spPr/>
+        <p:spPr>
+          <a:xfrm>
+            <a:off x="10742612" y="5883275"/>
+            <a:ext cx="322567" cy="365125"/>
+          </a:xfrm>
+        </p:spPr>
         <p:txBody>
           <a:bodyPr/>
           <a:lstStyle/>
@@ -2726,7 +4798,7 @@
     </p:spTree>
     <p:extLst>
       <p:ext uri="{BB962C8B-B14F-4D97-AF65-F5344CB8AC3E}">
-        <p14:creationId xmlns:p14="http://schemas.microsoft.com/office/powerpoint/2010/main" val="205632521"/>
+        <p14:creationId xmlns:p14="http://schemas.microsoft.com/office/powerpoint/2010/main" val="386718201"/>
       </p:ext>
     </p:extLst>
   </p:cSld>
@@ -2740,8 +4812,8 @@
 <p:sldMaster xmlns:a="http://schemas.openxmlformats.org/drawingml/2006/main" xmlns:r="http://schemas.openxmlformats.org/officeDocument/2006/relationships" xmlns:p="http://schemas.openxmlformats.org/presentationml/2006/main">
   <p:cSld>
     <p:bg>
-      <p:bgRef idx="1001">
-        <a:schemeClr val="bg1"/>
+      <p:bgRef idx="1003">
+        <a:schemeClr val="bg2"/>
       </p:bgRef>
     </p:bg>
     <p:spTree>
@@ -2760,13 +4832,7 @@
       </p:grpSpPr>
       <p:sp>
         <p:nvSpPr>
-          <p:cNvPr id="2" name="Title Placeholder 1">
-            <a:extLst>
-              <a:ext uri="{FF2B5EF4-FFF2-40B4-BE49-F238E27FC236}">
-                <a16:creationId xmlns:a16="http://schemas.microsoft.com/office/drawing/2014/main" id="{C75B7270-30E0-4E23-A5C5-1B488ADFCFBB}"/>
-              </a:ext>
-            </a:extLst>
-          </p:cNvPr>
+          <p:cNvPr id="2" name="Title Placeholder 1"/>
           <p:cNvSpPr>
             <a:spLocks noGrp="1"/>
           </p:cNvSpPr>
@@ -2776,8 +4842,8 @@
         </p:nvSpPr>
         <p:spPr>
           <a:xfrm>
-            <a:off x="838200" y="365125"/>
-            <a:ext cx="10515600" cy="1325563"/>
+            <a:off x="1141413" y="609600"/>
+            <a:ext cx="9905998" cy="1905000"/>
           </a:xfrm>
           <a:prstGeom prst="rect">
             <a:avLst/>
@@ -2793,18 +4859,13 @@
               <a:rPr lang="en-US"/>
               <a:t>Click to edit Master title style</a:t>
             </a:r>
-          </a:p>
-        </p:txBody>
-      </p:sp>
-      <p:sp>
-        <p:nvSpPr>
-          <p:cNvPr id="3" name="Text Placeholder 2">
-            <a:extLst>
-              <a:ext uri="{FF2B5EF4-FFF2-40B4-BE49-F238E27FC236}">
-                <a16:creationId xmlns:a16="http://schemas.microsoft.com/office/drawing/2014/main" id="{6AD0E180-0198-45A4-B6EA-4AC791B42BE9}"/>
-              </a:ext>
-            </a:extLst>
-          </p:cNvPr>
+            <a:endParaRPr lang="en-US" dirty="0"/>
+          </a:p>
+        </p:txBody>
+      </p:sp>
+      <p:sp>
+        <p:nvSpPr>
+          <p:cNvPr id="3" name="Text Placeholder 2"/>
           <p:cNvSpPr>
             <a:spLocks noGrp="1"/>
           </p:cNvSpPr>
@@ -2814,15 +4875,15 @@
         </p:nvSpPr>
         <p:spPr>
           <a:xfrm>
-            <a:off x="838200" y="1825625"/>
-            <a:ext cx="10515600" cy="4351338"/>
+            <a:off x="1141413" y="2666999"/>
+            <a:ext cx="9905998" cy="3124201"/>
           </a:xfrm>
           <a:prstGeom prst="rect">
             <a:avLst/>
           </a:prstGeom>
         </p:spPr>
         <p:txBody>
-          <a:bodyPr vert="horz" lIns="91440" tIns="45720" rIns="91440" bIns="45720" rtlCol="0">
+          <a:bodyPr vert="horz" lIns="91440" tIns="45720" rIns="91440" bIns="45720" rtlCol="0" anchor="ctr">
             <a:normAutofit/>
           </a:bodyPr>
           <a:lstStyle/>
@@ -2860,18 +4921,13 @@
               <a:rPr lang="en-US"/>
               <a:t>Fifth level</a:t>
             </a:r>
-          </a:p>
-        </p:txBody>
-      </p:sp>
-      <p:sp>
-        <p:nvSpPr>
-          <p:cNvPr id="4" name="Date Placeholder 3">
-            <a:extLst>
-              <a:ext uri="{FF2B5EF4-FFF2-40B4-BE49-F238E27FC236}">
-                <a16:creationId xmlns:a16="http://schemas.microsoft.com/office/drawing/2014/main" id="{E6B799B5-A6C3-418B-B7A7-495AA39669A2}"/>
-              </a:ext>
-            </a:extLst>
-          </p:cNvPr>
+            <a:endParaRPr lang="en-US" dirty="0"/>
+          </a:p>
+        </p:txBody>
+      </p:sp>
+      <p:sp>
+        <p:nvSpPr>
+          <p:cNvPr id="4" name="Date Placeholder 3"/>
           <p:cNvSpPr>
             <a:spLocks noGrp="1"/>
           </p:cNvSpPr>
@@ -2881,8 +4937,8 @@
         </p:nvSpPr>
         <p:spPr>
           <a:xfrm>
-            <a:off x="838200" y="6356350"/>
-            <a:ext cx="2743200" cy="365125"/>
+            <a:off x="8837612" y="5883275"/>
+            <a:ext cx="1600200" cy="365125"/>
           </a:xfrm>
           <a:prstGeom prst="rect">
             <a:avLst/>
@@ -2891,20 +4947,28 @@
         <p:txBody>
           <a:bodyPr vert="horz" lIns="91440" tIns="45720" rIns="91440" bIns="45720" rtlCol="0" anchor="ctr"/>
           <a:lstStyle>
-            <a:lvl1pPr algn="l">
-              <a:defRPr sz="1200">
+            <a:lvl1pPr algn="r">
+              <a:defRPr sz="900" b="1" i="0">
                 <a:solidFill>
                   <a:schemeClr val="tx1">
-                    <a:tint val="75000"/>
+                    <a:lumMod val="75000"/>
                   </a:schemeClr>
                 </a:solidFill>
+                <a:effectLst>
+                  <a:outerShdw blurRad="50800" dist="38100" dir="2700000" algn="tl" rotWithShape="0">
+                    <a:srgbClr val="000000">
+                      <a:alpha val="43000"/>
+                    </a:srgbClr>
+                  </a:outerShdw>
+                </a:effectLst>
+                <a:latin typeface="+mn-lt"/>
               </a:defRPr>
             </a:lvl1pPr>
           </a:lstStyle>
           <a:p>
             <a:fld id="{6C4C8730-1723-411A-953F-E3E1CAAA8808}" type="datetimeFigureOut">
               <a:rPr lang="en-US" smtClean="0"/>
-              <a:t>3/12/2018</a:t>
+              <a:t>3/15/2018</a:t>
             </a:fld>
             <a:endParaRPr lang="en-US"/>
           </a:p>
@@ -2912,13 +4976,7 @@
       </p:sp>
       <p:sp>
         <p:nvSpPr>
-          <p:cNvPr id="5" name="Footer Placeholder 4">
-            <a:extLst>
-              <a:ext uri="{FF2B5EF4-FFF2-40B4-BE49-F238E27FC236}">
-                <a16:creationId xmlns:a16="http://schemas.microsoft.com/office/drawing/2014/main" id="{94520C80-7E3C-40F2-8404-F5D37B5815F2}"/>
-              </a:ext>
-            </a:extLst>
-          </p:cNvPr>
+          <p:cNvPr id="5" name="Footer Placeholder 4"/>
           <p:cNvSpPr>
             <a:spLocks noGrp="1"/>
           </p:cNvSpPr>
@@ -2928,8 +4986,8 @@
         </p:nvSpPr>
         <p:spPr>
           <a:xfrm>
-            <a:off x="4038600" y="6356350"/>
-            <a:ext cx="4114800" cy="365125"/>
+            <a:off x="1141412" y="5883275"/>
+            <a:ext cx="7543800" cy="365125"/>
           </a:xfrm>
           <a:prstGeom prst="rect">
             <a:avLst/>
@@ -2938,13 +4996,21 @@
         <p:txBody>
           <a:bodyPr vert="horz" lIns="91440" tIns="45720" rIns="91440" bIns="45720" rtlCol="0" anchor="ctr"/>
           <a:lstStyle>
-            <a:lvl1pPr algn="ctr">
-              <a:defRPr sz="1200">
+            <a:lvl1pPr algn="l">
+              <a:defRPr sz="900" b="1" i="0">
                 <a:solidFill>
                   <a:schemeClr val="tx1">
-                    <a:tint val="75000"/>
+                    <a:lumMod val="75000"/>
                   </a:schemeClr>
                 </a:solidFill>
+                <a:effectLst>
+                  <a:outerShdw blurRad="50800" dist="38100" dir="2700000" algn="tl" rotWithShape="0">
+                    <a:srgbClr val="000000">
+                      <a:alpha val="43000"/>
+                    </a:srgbClr>
+                  </a:outerShdw>
+                </a:effectLst>
+                <a:latin typeface="+mn-lt"/>
               </a:defRPr>
             </a:lvl1pPr>
           </a:lstStyle>
@@ -2955,13 +5021,7 @@
       </p:sp>
       <p:sp>
         <p:nvSpPr>
-          <p:cNvPr id="6" name="Slide Number Placeholder 5">
-            <a:extLst>
-              <a:ext uri="{FF2B5EF4-FFF2-40B4-BE49-F238E27FC236}">
-                <a16:creationId xmlns:a16="http://schemas.microsoft.com/office/drawing/2014/main" id="{9E565DAD-D288-4008-9FB8-3F11C397886D}"/>
-              </a:ext>
-            </a:extLst>
-          </p:cNvPr>
+          <p:cNvPr id="6" name="Slide Number Placeholder 5"/>
           <p:cNvSpPr>
             <a:spLocks noGrp="1"/>
           </p:cNvSpPr>
@@ -2971,8 +5031,8 @@
         </p:nvSpPr>
         <p:spPr>
           <a:xfrm>
-            <a:off x="8610600" y="6356350"/>
-            <a:ext cx="2743200" cy="365125"/>
+            <a:off x="10514012" y="5883275"/>
+            <a:ext cx="551167" cy="365125"/>
           </a:xfrm>
           <a:prstGeom prst="rect">
             <a:avLst/>
@@ -2982,12 +5042,20 @@
           <a:bodyPr vert="horz" lIns="91440" tIns="45720" rIns="91440" bIns="45720" rtlCol="0" anchor="ctr"/>
           <a:lstStyle>
             <a:lvl1pPr algn="r">
-              <a:defRPr sz="1200">
+              <a:defRPr sz="900" b="1" i="0">
                 <a:solidFill>
                   <a:schemeClr val="tx1">
-                    <a:tint val="75000"/>
+                    <a:lumMod val="75000"/>
                   </a:schemeClr>
                 </a:solidFill>
+                <a:effectLst>
+                  <a:outerShdw blurRad="50800" dist="38100" dir="2700000" algn="tl" rotWithShape="0">
+                    <a:srgbClr val="000000">
+                      <a:alpha val="43000"/>
+                    </a:srgbClr>
+                  </a:outerShdw>
+                </a:effectLst>
+                <a:latin typeface="+mn-lt"/>
               </a:defRPr>
             </a:lvl1pPr>
           </a:lstStyle>
@@ -3003,202 +5071,550 @@
     </p:spTree>
     <p:extLst>
       <p:ext uri="{BB962C8B-B14F-4D97-AF65-F5344CB8AC3E}">
-        <p14:creationId xmlns:p14="http://schemas.microsoft.com/office/powerpoint/2010/main" val="221595458"/>
+        <p14:creationId xmlns:p14="http://schemas.microsoft.com/office/powerpoint/2010/main" val="2180736270"/>
       </p:ext>
     </p:extLst>
   </p:cSld>
-  <p:clrMap bg1="lt1" tx1="dk1" bg2="lt2" tx2="dk2" accent1="accent1" accent2="accent2" accent3="accent3" accent4="accent4" accent5="accent5" accent6="accent6" hlink="hlink" folHlink="folHlink"/>
+  <p:clrMap bg1="dk1" tx1="lt1" bg2="dk2" tx2="lt2" accent1="accent1" accent2="accent2" accent3="accent3" accent4="accent4" accent5="accent5" accent6="accent6" hlink="hlink" folHlink="folHlink"/>
   <p:sldLayoutIdLst>
-    <p:sldLayoutId id="2147483649" r:id="rId1"/>
-    <p:sldLayoutId id="2147483650" r:id="rId2"/>
-    <p:sldLayoutId id="2147483651" r:id="rId3"/>
-    <p:sldLayoutId id="2147483652" r:id="rId4"/>
-    <p:sldLayoutId id="2147483653" r:id="rId5"/>
-    <p:sldLayoutId id="2147483654" r:id="rId6"/>
-    <p:sldLayoutId id="2147483655" r:id="rId7"/>
-    <p:sldLayoutId id="2147483656" r:id="rId8"/>
-    <p:sldLayoutId id="2147483657" r:id="rId9"/>
-    <p:sldLayoutId id="2147483658" r:id="rId10"/>
-    <p:sldLayoutId id="2147483659" r:id="rId11"/>
+    <p:sldLayoutId id="2147483661" r:id="rId1"/>
+    <p:sldLayoutId id="2147483662" r:id="rId2"/>
+    <p:sldLayoutId id="2147483663" r:id="rId3"/>
+    <p:sldLayoutId id="2147483664" r:id="rId4"/>
+    <p:sldLayoutId id="2147483665" r:id="rId5"/>
+    <p:sldLayoutId id="2147483666" r:id="rId6"/>
+    <p:sldLayoutId id="2147483667" r:id="rId7"/>
+    <p:sldLayoutId id="2147483668" r:id="rId8"/>
+    <p:sldLayoutId id="2147483669" r:id="rId9"/>
+    <p:sldLayoutId id="2147483670" r:id="rId10"/>
+    <p:sldLayoutId id="2147483671" r:id="rId11"/>
+    <p:sldLayoutId id="2147483672" r:id="rId12"/>
+    <p:sldLayoutId id="2147483673" r:id="rId13"/>
+    <p:sldLayoutId id="2147483674" r:id="rId14"/>
+    <p:sldLayoutId id="2147483675" r:id="rId15"/>
+    <p:sldLayoutId id="2147483676" r:id="rId16"/>
+    <p:sldLayoutId id="2147483677" r:id="rId17"/>
   </p:sldLayoutIdLst>
   <p:txStyles>
     <p:titleStyle>
-      <a:lvl1pPr algn="l" defTabSz="914400" rtl="0" eaLnBrk="1" latinLnBrk="0" hangingPunct="1">
-        <a:lnSpc>
-          <a:spcPct val="90000"/>
-        </a:lnSpc>
+      <a:lvl1pPr algn="l" defTabSz="457200" rtl="0" eaLnBrk="1" latinLnBrk="0" hangingPunct="1">
         <a:spcBef>
           <a:spcPct val="0"/>
         </a:spcBef>
         <a:buNone/>
-        <a:defRPr sz="4400" kern="1200">
-          <a:solidFill>
-            <a:schemeClr val="tx1"/>
-          </a:solidFill>
+        <a:defRPr sz="3200" kern="1200" cap="all">
+          <a:ln w="3175" cmpd="sng">
+            <a:noFill/>
+          </a:ln>
+          <a:gradFill flip="none" rotWithShape="1">
+            <a:gsLst>
+              <a:gs pos="0">
+                <a:schemeClr val="tx1"/>
+              </a:gs>
+              <a:gs pos="100000">
+                <a:schemeClr val="tx1">
+                  <a:lumMod val="65000"/>
+                </a:schemeClr>
+              </a:gs>
+            </a:gsLst>
+            <a:lin ang="5580000" scaled="0"/>
+            <a:tileRect/>
+          </a:gradFill>
+          <a:effectLst>
+            <a:glow rad="38100">
+              <a:schemeClr val="bg1">
+                <a:lumMod val="65000"/>
+                <a:lumOff val="35000"/>
+                <a:alpha val="40000"/>
+              </a:schemeClr>
+            </a:glow>
+            <a:outerShdw blurRad="28575" dist="38100" dir="14040000" algn="tl" rotWithShape="0">
+              <a:srgbClr val="000000">
+                <a:alpha val="25000"/>
+              </a:srgbClr>
+            </a:outerShdw>
+          </a:effectLst>
           <a:latin typeface="+mj-lt"/>
           <a:ea typeface="+mj-ea"/>
           <a:cs typeface="+mj-cs"/>
         </a:defRPr>
       </a:lvl1pPr>
+      <a:lvl2pPr eaLnBrk="1" hangingPunct="1">
+        <a:defRPr>
+          <a:solidFill>
+            <a:schemeClr val="tx2"/>
+          </a:solidFill>
+        </a:defRPr>
+      </a:lvl2pPr>
+      <a:lvl3pPr eaLnBrk="1" hangingPunct="1">
+        <a:defRPr>
+          <a:solidFill>
+            <a:schemeClr val="tx2"/>
+          </a:solidFill>
+        </a:defRPr>
+      </a:lvl3pPr>
+      <a:lvl4pPr eaLnBrk="1" hangingPunct="1">
+        <a:defRPr>
+          <a:solidFill>
+            <a:schemeClr val="tx2"/>
+          </a:solidFill>
+        </a:defRPr>
+      </a:lvl4pPr>
+      <a:lvl5pPr eaLnBrk="1" hangingPunct="1">
+        <a:defRPr>
+          <a:solidFill>
+            <a:schemeClr val="tx2"/>
+          </a:solidFill>
+        </a:defRPr>
+      </a:lvl5pPr>
+      <a:lvl6pPr eaLnBrk="1" hangingPunct="1">
+        <a:defRPr>
+          <a:solidFill>
+            <a:schemeClr val="tx2"/>
+          </a:solidFill>
+        </a:defRPr>
+      </a:lvl6pPr>
+      <a:lvl7pPr eaLnBrk="1" hangingPunct="1">
+        <a:defRPr>
+          <a:solidFill>
+            <a:schemeClr val="tx2"/>
+          </a:solidFill>
+        </a:defRPr>
+      </a:lvl7pPr>
+      <a:lvl8pPr eaLnBrk="1" hangingPunct="1">
+        <a:defRPr>
+          <a:solidFill>
+            <a:schemeClr val="tx2"/>
+          </a:solidFill>
+        </a:defRPr>
+      </a:lvl8pPr>
+      <a:lvl9pPr eaLnBrk="1" hangingPunct="1">
+        <a:defRPr>
+          <a:solidFill>
+            <a:schemeClr val="tx2"/>
+          </a:solidFill>
+        </a:defRPr>
+      </a:lvl9pPr>
     </p:titleStyle>
     <p:bodyStyle>
-      <a:lvl1pPr marL="228600" indent="-228600" algn="l" defTabSz="914400" rtl="0" eaLnBrk="1" latinLnBrk="0" hangingPunct="1">
-        <a:lnSpc>
-          <a:spcPct val="90000"/>
-        </a:lnSpc>
+      <a:lvl1pPr marL="285750" indent="-285750" algn="l" defTabSz="457200" rtl="0" eaLnBrk="1" latinLnBrk="0" hangingPunct="1">
         <a:spcBef>
-          <a:spcPts val="1000"/>
+          <a:spcPct val="20000"/>
         </a:spcBef>
-        <a:buFont typeface="Arial" panose="020B0604020202020204" pitchFamily="34" charset="0"/>
+        <a:spcAft>
+          <a:spcPts val="600"/>
+        </a:spcAft>
+        <a:buClr>
+          <a:schemeClr val="tx1"/>
+        </a:buClr>
+        <a:buSzPct val="100000"/>
+        <a:buFont typeface="Arial"/>
         <a:buChar char="•"/>
-        <a:defRPr sz="2800" kern="1200">
-          <a:solidFill>
-            <a:schemeClr val="tx1"/>
-          </a:solidFill>
+        <a:defRPr sz="2000" kern="1200" cap="small">
+          <a:gradFill flip="none" rotWithShape="1">
+            <a:gsLst>
+              <a:gs pos="0">
+                <a:schemeClr val="tx1"/>
+              </a:gs>
+              <a:gs pos="100000">
+                <a:schemeClr val="tx1">
+                  <a:lumMod val="75000"/>
+                </a:schemeClr>
+              </a:gs>
+            </a:gsLst>
+            <a:lin ang="5580000" scaled="0"/>
+            <a:tileRect/>
+          </a:gradFill>
+          <a:effectLst>
+            <a:glow rad="38100">
+              <a:schemeClr val="bg1">
+                <a:lumMod val="50000"/>
+                <a:lumOff val="50000"/>
+                <a:alpha val="20000"/>
+              </a:schemeClr>
+            </a:glow>
+            <a:outerShdw blurRad="44450" dist="12700" dir="13860000" algn="tl" rotWithShape="0">
+              <a:srgbClr val="000000">
+                <a:alpha val="20000"/>
+              </a:srgbClr>
+            </a:outerShdw>
+          </a:effectLst>
           <a:latin typeface="+mn-lt"/>
           <a:ea typeface="+mn-ea"/>
           <a:cs typeface="+mn-cs"/>
         </a:defRPr>
       </a:lvl1pPr>
-      <a:lvl2pPr marL="685800" indent="-228600" algn="l" defTabSz="914400" rtl="0" eaLnBrk="1" latinLnBrk="0" hangingPunct="1">
-        <a:lnSpc>
-          <a:spcPct val="90000"/>
-        </a:lnSpc>
+      <a:lvl2pPr marL="742950" indent="-285750" algn="l" defTabSz="457200" rtl="0" eaLnBrk="1" latinLnBrk="0" hangingPunct="1">
         <a:spcBef>
-          <a:spcPts val="500"/>
+          <a:spcPct val="20000"/>
         </a:spcBef>
-        <a:buFont typeface="Arial" panose="020B0604020202020204" pitchFamily="34" charset="0"/>
+        <a:spcAft>
+          <a:spcPts val="600"/>
+        </a:spcAft>
+        <a:buClr>
+          <a:schemeClr val="tx1"/>
+        </a:buClr>
+        <a:buSzPct val="100000"/>
+        <a:buFont typeface="Arial"/>
         <a:buChar char="•"/>
-        <a:defRPr sz="2400" kern="1200">
-          <a:solidFill>
-            <a:schemeClr val="tx1"/>
-          </a:solidFill>
+        <a:defRPr sz="1800" kern="1200" cap="small">
+          <a:gradFill flip="none" rotWithShape="1">
+            <a:gsLst>
+              <a:gs pos="0">
+                <a:schemeClr val="tx1"/>
+              </a:gs>
+              <a:gs pos="100000">
+                <a:schemeClr val="tx1">
+                  <a:lumMod val="75000"/>
+                </a:schemeClr>
+              </a:gs>
+            </a:gsLst>
+            <a:lin ang="5580000" scaled="0"/>
+            <a:tileRect/>
+          </a:gradFill>
+          <a:effectLst>
+            <a:glow rad="38100">
+              <a:schemeClr val="bg1">
+                <a:lumMod val="50000"/>
+                <a:lumOff val="50000"/>
+                <a:alpha val="20000"/>
+              </a:schemeClr>
+            </a:glow>
+            <a:outerShdw blurRad="44450" dist="12700" dir="13860000" algn="tl" rotWithShape="0">
+              <a:srgbClr val="000000">
+                <a:alpha val="20000"/>
+              </a:srgbClr>
+            </a:outerShdw>
+          </a:effectLst>
           <a:latin typeface="+mn-lt"/>
           <a:ea typeface="+mn-ea"/>
           <a:cs typeface="+mn-cs"/>
         </a:defRPr>
       </a:lvl2pPr>
-      <a:lvl3pPr marL="1143000" indent="-228600" algn="l" defTabSz="914400" rtl="0" eaLnBrk="1" latinLnBrk="0" hangingPunct="1">
-        <a:lnSpc>
-          <a:spcPct val="90000"/>
-        </a:lnSpc>
+      <a:lvl3pPr marL="1200150" indent="-285750" algn="l" defTabSz="457200" rtl="0" eaLnBrk="1" latinLnBrk="0" hangingPunct="1">
         <a:spcBef>
-          <a:spcPts val="500"/>
+          <a:spcPct val="20000"/>
         </a:spcBef>
-        <a:buFont typeface="Arial" panose="020B0604020202020204" pitchFamily="34" charset="0"/>
+        <a:spcAft>
+          <a:spcPts val="600"/>
+        </a:spcAft>
+        <a:buClr>
+          <a:schemeClr val="tx1"/>
+        </a:buClr>
+        <a:buSzPct val="100000"/>
+        <a:buFont typeface="Arial"/>
         <a:buChar char="•"/>
-        <a:defRPr sz="2000" kern="1200">
-          <a:solidFill>
-            <a:schemeClr val="tx1"/>
-          </a:solidFill>
+        <a:defRPr sz="1600" kern="1200" cap="small">
+          <a:gradFill flip="none" rotWithShape="1">
+            <a:gsLst>
+              <a:gs pos="0">
+                <a:schemeClr val="tx1"/>
+              </a:gs>
+              <a:gs pos="100000">
+                <a:schemeClr val="tx1">
+                  <a:lumMod val="75000"/>
+                </a:schemeClr>
+              </a:gs>
+            </a:gsLst>
+            <a:lin ang="5580000" scaled="0"/>
+            <a:tileRect/>
+          </a:gradFill>
+          <a:effectLst>
+            <a:glow rad="38100">
+              <a:schemeClr val="bg1">
+                <a:lumMod val="50000"/>
+                <a:lumOff val="50000"/>
+                <a:alpha val="20000"/>
+              </a:schemeClr>
+            </a:glow>
+            <a:outerShdw blurRad="44450" dist="12700" dir="13860000" algn="tl" rotWithShape="0">
+              <a:srgbClr val="000000">
+                <a:alpha val="20000"/>
+              </a:srgbClr>
+            </a:outerShdw>
+          </a:effectLst>
           <a:latin typeface="+mn-lt"/>
           <a:ea typeface="+mn-ea"/>
           <a:cs typeface="+mn-cs"/>
         </a:defRPr>
       </a:lvl3pPr>
-      <a:lvl4pPr marL="1600200" indent="-228600" algn="l" defTabSz="914400" rtl="0" eaLnBrk="1" latinLnBrk="0" hangingPunct="1">
-        <a:lnSpc>
-          <a:spcPct val="90000"/>
-        </a:lnSpc>
+      <a:lvl4pPr marL="1543050" indent="-171450" algn="l" defTabSz="457200" rtl="0" eaLnBrk="1" latinLnBrk="0" hangingPunct="1">
         <a:spcBef>
-          <a:spcPts val="500"/>
+          <a:spcPct val="20000"/>
         </a:spcBef>
-        <a:buFont typeface="Arial" panose="020B0604020202020204" pitchFamily="34" charset="0"/>
+        <a:spcAft>
+          <a:spcPts val="600"/>
+        </a:spcAft>
+        <a:buClr>
+          <a:schemeClr val="tx1"/>
+        </a:buClr>
+        <a:buSzPct val="100000"/>
+        <a:buFont typeface="Arial"/>
         <a:buChar char="•"/>
-        <a:defRPr sz="1800" kern="1200">
-          <a:solidFill>
-            <a:schemeClr val="tx1"/>
-          </a:solidFill>
+        <a:defRPr sz="1400" kern="1200" cap="small">
+          <a:gradFill flip="none" rotWithShape="1">
+            <a:gsLst>
+              <a:gs pos="0">
+                <a:schemeClr val="tx1"/>
+              </a:gs>
+              <a:gs pos="100000">
+                <a:schemeClr val="tx1">
+                  <a:lumMod val="75000"/>
+                </a:schemeClr>
+              </a:gs>
+            </a:gsLst>
+            <a:lin ang="5580000" scaled="0"/>
+            <a:tileRect/>
+          </a:gradFill>
+          <a:effectLst>
+            <a:glow rad="38100">
+              <a:schemeClr val="bg1">
+                <a:lumMod val="50000"/>
+                <a:lumOff val="50000"/>
+                <a:alpha val="20000"/>
+              </a:schemeClr>
+            </a:glow>
+            <a:outerShdw blurRad="44450" dist="12700" dir="13860000" algn="tl" rotWithShape="0">
+              <a:srgbClr val="000000">
+                <a:alpha val="20000"/>
+              </a:srgbClr>
+            </a:outerShdw>
+          </a:effectLst>
           <a:latin typeface="+mn-lt"/>
           <a:ea typeface="+mn-ea"/>
           <a:cs typeface="+mn-cs"/>
         </a:defRPr>
       </a:lvl4pPr>
-      <a:lvl5pPr marL="2057400" indent="-228600" algn="l" defTabSz="914400" rtl="0" eaLnBrk="1" latinLnBrk="0" hangingPunct="1">
-        <a:lnSpc>
-          <a:spcPct val="90000"/>
-        </a:lnSpc>
+      <a:lvl5pPr marL="2000250" indent="-171450" algn="l" defTabSz="457200" rtl="0" eaLnBrk="1" latinLnBrk="0" hangingPunct="1">
         <a:spcBef>
-          <a:spcPts val="500"/>
+          <a:spcPct val="20000"/>
         </a:spcBef>
-        <a:buFont typeface="Arial" panose="020B0604020202020204" pitchFamily="34" charset="0"/>
+        <a:spcAft>
+          <a:spcPts val="600"/>
+        </a:spcAft>
+        <a:buClr>
+          <a:schemeClr val="tx1"/>
+        </a:buClr>
+        <a:buSzPct val="100000"/>
+        <a:buFont typeface="Arial"/>
         <a:buChar char="•"/>
-        <a:defRPr sz="1800" kern="1200">
-          <a:solidFill>
-            <a:schemeClr val="tx1"/>
-          </a:solidFill>
+        <a:defRPr sz="1400" kern="1200" cap="small">
+          <a:gradFill flip="none" rotWithShape="1">
+            <a:gsLst>
+              <a:gs pos="0">
+                <a:schemeClr val="tx1"/>
+              </a:gs>
+              <a:gs pos="100000">
+                <a:schemeClr val="tx1">
+                  <a:lumMod val="75000"/>
+                </a:schemeClr>
+              </a:gs>
+            </a:gsLst>
+            <a:lin ang="5580000" scaled="0"/>
+            <a:tileRect/>
+          </a:gradFill>
+          <a:effectLst>
+            <a:glow rad="38100">
+              <a:schemeClr val="bg1">
+                <a:lumMod val="50000"/>
+                <a:lumOff val="50000"/>
+                <a:alpha val="20000"/>
+              </a:schemeClr>
+            </a:glow>
+            <a:outerShdw blurRad="44450" dist="12700" dir="13860000" algn="tl" rotWithShape="0">
+              <a:srgbClr val="000000">
+                <a:alpha val="20000"/>
+              </a:srgbClr>
+            </a:outerShdw>
+          </a:effectLst>
           <a:latin typeface="+mn-lt"/>
           <a:ea typeface="+mn-ea"/>
           <a:cs typeface="+mn-cs"/>
         </a:defRPr>
       </a:lvl5pPr>
-      <a:lvl6pPr marL="2514600" indent="-228600" algn="l" defTabSz="914400" rtl="0" eaLnBrk="1" latinLnBrk="0" hangingPunct="1">
-        <a:lnSpc>
-          <a:spcPct val="90000"/>
-        </a:lnSpc>
+      <a:lvl6pPr marL="2514600" indent="-228600" algn="l" defTabSz="457200" rtl="0" eaLnBrk="1" latinLnBrk="0" hangingPunct="1">
         <a:spcBef>
-          <a:spcPts val="500"/>
+          <a:spcPct val="20000"/>
         </a:spcBef>
-        <a:buFont typeface="Arial" panose="020B0604020202020204" pitchFamily="34" charset="0"/>
+        <a:spcAft>
+          <a:spcPts val="600"/>
+        </a:spcAft>
+        <a:buClr>
+          <a:schemeClr val="tx1"/>
+        </a:buClr>
+        <a:buSzPct val="100000"/>
+        <a:buFont typeface="Arial"/>
         <a:buChar char="•"/>
-        <a:defRPr sz="1800" kern="1200">
-          <a:solidFill>
-            <a:schemeClr val="tx1"/>
-          </a:solidFill>
+        <a:defRPr sz="1200" kern="1200" cap="small">
+          <a:gradFill flip="none" rotWithShape="1">
+            <a:gsLst>
+              <a:gs pos="0">
+                <a:schemeClr val="tx1"/>
+              </a:gs>
+              <a:gs pos="100000">
+                <a:schemeClr val="tx1">
+                  <a:lumMod val="75000"/>
+                </a:schemeClr>
+              </a:gs>
+            </a:gsLst>
+            <a:lin ang="5580000" scaled="0"/>
+            <a:tileRect/>
+          </a:gradFill>
+          <a:effectLst>
+            <a:glow rad="38100">
+              <a:schemeClr val="bg1">
+                <a:lumMod val="50000"/>
+                <a:lumOff val="50000"/>
+                <a:alpha val="20000"/>
+              </a:schemeClr>
+            </a:glow>
+            <a:outerShdw blurRad="44450" dist="12700" dir="13860000" algn="tl" rotWithShape="0">
+              <a:srgbClr val="000000">
+                <a:alpha val="20000"/>
+              </a:srgbClr>
+            </a:outerShdw>
+          </a:effectLst>
           <a:latin typeface="+mn-lt"/>
           <a:ea typeface="+mn-ea"/>
           <a:cs typeface="+mn-cs"/>
         </a:defRPr>
       </a:lvl6pPr>
-      <a:lvl7pPr marL="2971800" indent="-228600" algn="l" defTabSz="914400" rtl="0" eaLnBrk="1" latinLnBrk="0" hangingPunct="1">
-        <a:lnSpc>
-          <a:spcPct val="90000"/>
-        </a:lnSpc>
+      <a:lvl7pPr marL="2971800" indent="-228600" algn="l" defTabSz="457200" rtl="0" eaLnBrk="1" latinLnBrk="0" hangingPunct="1">
         <a:spcBef>
-          <a:spcPts val="500"/>
+          <a:spcPct val="20000"/>
         </a:spcBef>
-        <a:buFont typeface="Arial" panose="020B0604020202020204" pitchFamily="34" charset="0"/>
+        <a:spcAft>
+          <a:spcPts val="600"/>
+        </a:spcAft>
+        <a:buClr>
+          <a:schemeClr val="tx1"/>
+        </a:buClr>
+        <a:buSzPct val="100000"/>
+        <a:buFont typeface="Arial"/>
         <a:buChar char="•"/>
-        <a:defRPr sz="1800" kern="1200">
-          <a:solidFill>
-            <a:schemeClr val="tx1"/>
-          </a:solidFill>
+        <a:defRPr sz="1200" kern="1200" cap="small">
+          <a:gradFill flip="none" rotWithShape="1">
+            <a:gsLst>
+              <a:gs pos="0">
+                <a:schemeClr val="tx1"/>
+              </a:gs>
+              <a:gs pos="100000">
+                <a:schemeClr val="tx1">
+                  <a:lumMod val="75000"/>
+                </a:schemeClr>
+              </a:gs>
+            </a:gsLst>
+            <a:lin ang="5580000" scaled="0"/>
+            <a:tileRect/>
+          </a:gradFill>
+          <a:effectLst>
+            <a:glow rad="38100">
+              <a:schemeClr val="bg1">
+                <a:lumMod val="50000"/>
+                <a:lumOff val="50000"/>
+                <a:alpha val="20000"/>
+              </a:schemeClr>
+            </a:glow>
+            <a:outerShdw blurRad="44450" dist="12700" dir="13860000" algn="tl" rotWithShape="0">
+              <a:srgbClr val="000000">
+                <a:alpha val="20000"/>
+              </a:srgbClr>
+            </a:outerShdw>
+          </a:effectLst>
           <a:latin typeface="+mn-lt"/>
           <a:ea typeface="+mn-ea"/>
           <a:cs typeface="+mn-cs"/>
         </a:defRPr>
       </a:lvl7pPr>
-      <a:lvl8pPr marL="3429000" indent="-228600" algn="l" defTabSz="914400" rtl="0" eaLnBrk="1" latinLnBrk="0" hangingPunct="1">
-        <a:lnSpc>
-          <a:spcPct val="90000"/>
-        </a:lnSpc>
+      <a:lvl8pPr marL="3429000" indent="-228600" algn="l" defTabSz="457200" rtl="0" eaLnBrk="1" latinLnBrk="0" hangingPunct="1">
         <a:spcBef>
-          <a:spcPts val="500"/>
+          <a:spcPct val="20000"/>
         </a:spcBef>
-        <a:buFont typeface="Arial" panose="020B0604020202020204" pitchFamily="34" charset="0"/>
+        <a:spcAft>
+          <a:spcPts val="600"/>
+        </a:spcAft>
+        <a:buClr>
+          <a:schemeClr val="tx1"/>
+        </a:buClr>
+        <a:buSzPct val="100000"/>
+        <a:buFont typeface="Arial"/>
         <a:buChar char="•"/>
-        <a:defRPr sz="1800" kern="1200">
-          <a:solidFill>
-            <a:schemeClr val="tx1"/>
-          </a:solidFill>
+        <a:defRPr sz="1200" kern="1200" cap="small">
+          <a:gradFill flip="none" rotWithShape="1">
+            <a:gsLst>
+              <a:gs pos="0">
+                <a:schemeClr val="tx1"/>
+              </a:gs>
+              <a:gs pos="100000">
+                <a:schemeClr val="tx1">
+                  <a:lumMod val="75000"/>
+                </a:schemeClr>
+              </a:gs>
+            </a:gsLst>
+            <a:lin ang="5580000" scaled="0"/>
+            <a:tileRect/>
+          </a:gradFill>
+          <a:effectLst>
+            <a:glow rad="38100">
+              <a:schemeClr val="bg1">
+                <a:lumMod val="50000"/>
+                <a:lumOff val="50000"/>
+                <a:alpha val="20000"/>
+              </a:schemeClr>
+            </a:glow>
+            <a:outerShdw blurRad="44450" dist="12700" dir="13860000" algn="tl" rotWithShape="0">
+              <a:srgbClr val="000000">
+                <a:alpha val="20000"/>
+              </a:srgbClr>
+            </a:outerShdw>
+          </a:effectLst>
           <a:latin typeface="+mn-lt"/>
           <a:ea typeface="+mn-ea"/>
           <a:cs typeface="+mn-cs"/>
         </a:defRPr>
       </a:lvl8pPr>
-      <a:lvl9pPr marL="3886200" indent="-228600" algn="l" defTabSz="914400" rtl="0" eaLnBrk="1" latinLnBrk="0" hangingPunct="1">
-        <a:lnSpc>
-          <a:spcPct val="90000"/>
-        </a:lnSpc>
+      <a:lvl9pPr marL="3886200" indent="-228600" algn="l" defTabSz="457200" rtl="0" eaLnBrk="1" latinLnBrk="0" hangingPunct="1">
         <a:spcBef>
-          <a:spcPts val="500"/>
+          <a:spcPct val="20000"/>
         </a:spcBef>
-        <a:buFont typeface="Arial" panose="020B0604020202020204" pitchFamily="34" charset="0"/>
+        <a:spcAft>
+          <a:spcPts val="600"/>
+        </a:spcAft>
+        <a:buClr>
+          <a:schemeClr val="tx1"/>
+        </a:buClr>
+        <a:buSzPct val="100000"/>
+        <a:buFont typeface="Arial"/>
         <a:buChar char="•"/>
-        <a:defRPr sz="1800" kern="1200">
-          <a:solidFill>
-            <a:schemeClr val="tx1"/>
-          </a:solidFill>
+        <a:defRPr sz="1200" kern="1200" cap="small">
+          <a:gradFill flip="none" rotWithShape="1">
+            <a:gsLst>
+              <a:gs pos="0">
+                <a:schemeClr val="tx1"/>
+              </a:gs>
+              <a:gs pos="100000">
+                <a:schemeClr val="tx1">
+                  <a:lumMod val="75000"/>
+                </a:schemeClr>
+              </a:gs>
+            </a:gsLst>
+            <a:lin ang="5580000" scaled="0"/>
+            <a:tileRect/>
+          </a:gradFill>
+          <a:effectLst>
+            <a:glow rad="38100">
+              <a:schemeClr val="bg1">
+                <a:lumMod val="50000"/>
+                <a:lumOff val="50000"/>
+                <a:alpha val="20000"/>
+              </a:schemeClr>
+            </a:glow>
+            <a:outerShdw blurRad="44450" dist="12700" dir="13860000" algn="tl" rotWithShape="0">
+              <a:srgbClr val="000000">
+                <a:alpha val="20000"/>
+              </a:srgbClr>
+            </a:outerShdw>
+          </a:effectLst>
           <a:latin typeface="+mn-lt"/>
           <a:ea typeface="+mn-ea"/>
           <a:cs typeface="+mn-cs"/>
@@ -3209,7 +5625,7 @@
       <a:defPPr>
         <a:defRPr lang="en-US"/>
       </a:defPPr>
-      <a:lvl1pPr marL="0" algn="l" defTabSz="914400" rtl="0" eaLnBrk="1" latinLnBrk="0" hangingPunct="1">
+      <a:lvl1pPr marL="0" algn="l" defTabSz="457200" rtl="0" eaLnBrk="1" latinLnBrk="0" hangingPunct="1">
         <a:defRPr sz="1800" kern="1200">
           <a:solidFill>
             <a:schemeClr val="tx1"/>
@@ -3219,7 +5635,7 @@
           <a:cs typeface="+mn-cs"/>
         </a:defRPr>
       </a:lvl1pPr>
-      <a:lvl2pPr marL="457200" algn="l" defTabSz="914400" rtl="0" eaLnBrk="1" latinLnBrk="0" hangingPunct="1">
+      <a:lvl2pPr marL="457200" algn="l" defTabSz="457200" rtl="0" eaLnBrk="1" latinLnBrk="0" hangingPunct="1">
         <a:defRPr sz="1800" kern="1200">
           <a:solidFill>
             <a:schemeClr val="tx1"/>
@@ -3229,7 +5645,7 @@
           <a:cs typeface="+mn-cs"/>
         </a:defRPr>
       </a:lvl2pPr>
-      <a:lvl3pPr marL="914400" algn="l" defTabSz="914400" rtl="0" eaLnBrk="1" latinLnBrk="0" hangingPunct="1">
+      <a:lvl3pPr marL="914400" algn="l" defTabSz="457200" rtl="0" eaLnBrk="1" latinLnBrk="0" hangingPunct="1">
         <a:defRPr sz="1800" kern="1200">
           <a:solidFill>
             <a:schemeClr val="tx1"/>
@@ -3239,7 +5655,7 @@
           <a:cs typeface="+mn-cs"/>
         </a:defRPr>
       </a:lvl3pPr>
-      <a:lvl4pPr marL="1371600" algn="l" defTabSz="914400" rtl="0" eaLnBrk="1" latinLnBrk="0" hangingPunct="1">
+      <a:lvl4pPr marL="1371600" algn="l" defTabSz="457200" rtl="0" eaLnBrk="1" latinLnBrk="0" hangingPunct="1">
         <a:defRPr sz="1800" kern="1200">
           <a:solidFill>
             <a:schemeClr val="tx1"/>
@@ -3249,7 +5665,7 @@
           <a:cs typeface="+mn-cs"/>
         </a:defRPr>
       </a:lvl4pPr>
-      <a:lvl5pPr marL="1828800" algn="l" defTabSz="914400" rtl="0" eaLnBrk="1" latinLnBrk="0" hangingPunct="1">
+      <a:lvl5pPr marL="1828800" algn="l" defTabSz="457200" rtl="0" eaLnBrk="1" latinLnBrk="0" hangingPunct="1">
         <a:defRPr sz="1800" kern="1200">
           <a:solidFill>
             <a:schemeClr val="tx1"/>
@@ -3259,7 +5675,7 @@
           <a:cs typeface="+mn-cs"/>
         </a:defRPr>
       </a:lvl5pPr>
-      <a:lvl6pPr marL="2286000" algn="l" defTabSz="914400" rtl="0" eaLnBrk="1" latinLnBrk="0" hangingPunct="1">
+      <a:lvl6pPr marL="2286000" algn="l" defTabSz="457200" rtl="0" eaLnBrk="1" latinLnBrk="0" hangingPunct="1">
         <a:defRPr sz="1800" kern="1200">
           <a:solidFill>
             <a:schemeClr val="tx1"/>
@@ -3269,7 +5685,7 @@
           <a:cs typeface="+mn-cs"/>
         </a:defRPr>
       </a:lvl6pPr>
-      <a:lvl7pPr marL="2743200" algn="l" defTabSz="914400" rtl="0" eaLnBrk="1" latinLnBrk="0" hangingPunct="1">
+      <a:lvl7pPr marL="2743200" algn="l" defTabSz="457200" rtl="0" eaLnBrk="1" latinLnBrk="0" hangingPunct="1">
         <a:defRPr sz="1800" kern="1200">
           <a:solidFill>
             <a:schemeClr val="tx1"/>
@@ -3279,7 +5695,7 @@
           <a:cs typeface="+mn-cs"/>
         </a:defRPr>
       </a:lvl7pPr>
-      <a:lvl8pPr marL="3200400" algn="l" defTabSz="914400" rtl="0" eaLnBrk="1" latinLnBrk="0" hangingPunct="1">
+      <a:lvl8pPr marL="3200400" algn="l" defTabSz="457200" rtl="0" eaLnBrk="1" latinLnBrk="0" hangingPunct="1">
         <a:defRPr sz="1800" kern="1200">
           <a:solidFill>
             <a:schemeClr val="tx1"/>
@@ -3289,7 +5705,7 @@
           <a:cs typeface="+mn-cs"/>
         </a:defRPr>
       </a:lvl8pPr>
-      <a:lvl9pPr marL="3657600" algn="l" defTabSz="914400" rtl="0" eaLnBrk="1" latinLnBrk="0" hangingPunct="1">
+      <a:lvl9pPr marL="3657600" algn="l" defTabSz="457200" rtl="0" eaLnBrk="1" latinLnBrk="0" hangingPunct="1">
         <a:defRPr sz="1800" kern="1200">
           <a:solidFill>
             <a:schemeClr val="tx1"/>
@@ -3394,10 +5810,2111 @@
 </p:sld>
 </file>
 
+<file path=ppt/slides/slide10.xml><?xml version="1.0" encoding="utf-8"?>
+<p:sld xmlns:a="http://schemas.openxmlformats.org/drawingml/2006/main" xmlns:r="http://schemas.openxmlformats.org/officeDocument/2006/relationships" xmlns:p="http://schemas.openxmlformats.org/presentationml/2006/main">
+  <p:cSld>
+    <p:spTree>
+      <p:nvGrpSpPr>
+        <p:cNvPr id="1" name=""/>
+        <p:cNvGrpSpPr/>
+        <p:nvPr/>
+      </p:nvGrpSpPr>
+      <p:grpSpPr>
+        <a:xfrm>
+          <a:off x="0" y="0"/>
+          <a:ext cx="0" cy="0"/>
+          <a:chOff x="0" y="0"/>
+          <a:chExt cx="0" cy="0"/>
+        </a:xfrm>
+      </p:grpSpPr>
+      <p:sp>
+        <p:nvSpPr>
+          <p:cNvPr id="2" name="Title 1">
+            <a:extLst>
+              <a:ext uri="{FF2B5EF4-FFF2-40B4-BE49-F238E27FC236}">
+                <a16:creationId xmlns:a16="http://schemas.microsoft.com/office/drawing/2014/main" id="{CCD25ED4-1F19-4052-9436-C4AB22047652}"/>
+              </a:ext>
+            </a:extLst>
+          </p:cNvPr>
+          <p:cNvSpPr>
+            <a:spLocks noGrp="1"/>
+          </p:cNvSpPr>
+          <p:nvPr>
+            <p:ph type="title"/>
+          </p:nvPr>
+        </p:nvSpPr>
+        <p:spPr/>
+        <p:txBody>
+          <a:bodyPr/>
+          <a:lstStyle/>
+          <a:p>
+            <a:r>
+              <a:rPr lang="en-US" dirty="0" err="1"/>
+              <a:t>Engine.config</a:t>
+            </a:r>
+            <a:endParaRPr lang="en-US" dirty="0"/>
+          </a:p>
+        </p:txBody>
+      </p:sp>
+      <p:sp>
+        <p:nvSpPr>
+          <p:cNvPr id="3" name="Content Placeholder 2">
+            <a:extLst>
+              <a:ext uri="{FF2B5EF4-FFF2-40B4-BE49-F238E27FC236}">
+                <a16:creationId xmlns:a16="http://schemas.microsoft.com/office/drawing/2014/main" id="{DCA40E4E-9D3C-47CA-BE40-C11C8F78C150}"/>
+              </a:ext>
+            </a:extLst>
+          </p:cNvPr>
+          <p:cNvSpPr>
+            <a:spLocks noGrp="1"/>
+          </p:cNvSpPr>
+          <p:nvPr>
+            <p:ph idx="1"/>
+          </p:nvPr>
+        </p:nvSpPr>
+        <p:spPr/>
+        <p:txBody>
+          <a:bodyPr/>
+          <a:lstStyle/>
+          <a:p>
+            <a:r>
+              <a:rPr lang="en-US" dirty="0"/>
+              <a:t>Sets</a:t>
+            </a:r>
+          </a:p>
+          <a:p>
+            <a:pPr lvl="1"/>
+            <a:r>
+              <a:rPr lang="en-US" dirty="0"/>
+              <a:t>Base log directory</a:t>
+            </a:r>
+          </a:p>
+          <a:p>
+            <a:pPr lvl="1"/>
+            <a:r>
+              <a:rPr lang="en-US" dirty="0"/>
+              <a:t>Base config directory</a:t>
+            </a:r>
+          </a:p>
+          <a:p>
+            <a:pPr lvl="1"/>
+            <a:r>
+              <a:rPr lang="en-US" dirty="0"/>
+              <a:t>Base test repository</a:t>
+            </a:r>
+          </a:p>
+        </p:txBody>
+      </p:sp>
+    </p:spTree>
+    <p:extLst>
+      <p:ext uri="{BB962C8B-B14F-4D97-AF65-F5344CB8AC3E}">
+        <p14:creationId xmlns:p14="http://schemas.microsoft.com/office/powerpoint/2010/main" val="1753834463"/>
+      </p:ext>
+    </p:extLst>
+  </p:cSld>
+  <p:clrMapOvr>
+    <a:masterClrMapping/>
+  </p:clrMapOvr>
+</p:sld>
+</file>
+
+<file path=ppt/slides/slide11.xml><?xml version="1.0" encoding="utf-8"?>
+<p:sld xmlns:a="http://schemas.openxmlformats.org/drawingml/2006/main" xmlns:r="http://schemas.openxmlformats.org/officeDocument/2006/relationships" xmlns:p="http://schemas.openxmlformats.org/presentationml/2006/main">
+  <p:cSld>
+    <p:spTree>
+      <p:nvGrpSpPr>
+        <p:cNvPr id="1" name=""/>
+        <p:cNvGrpSpPr/>
+        <p:nvPr/>
+      </p:nvGrpSpPr>
+      <p:grpSpPr>
+        <a:xfrm>
+          <a:off x="0" y="0"/>
+          <a:ext cx="0" cy="0"/>
+          <a:chOff x="0" y="0"/>
+          <a:chExt cx="0" cy="0"/>
+        </a:xfrm>
+      </p:grpSpPr>
+      <p:sp>
+        <p:nvSpPr>
+          <p:cNvPr id="2" name="Title 1">
+            <a:extLst>
+              <a:ext uri="{FF2B5EF4-FFF2-40B4-BE49-F238E27FC236}">
+                <a16:creationId xmlns:a16="http://schemas.microsoft.com/office/drawing/2014/main" id="{8FE92D29-F86E-457B-A5FE-8C38AD034A80}"/>
+              </a:ext>
+            </a:extLst>
+          </p:cNvPr>
+          <p:cNvSpPr>
+            <a:spLocks noGrp="1"/>
+          </p:cNvSpPr>
+          <p:nvPr>
+            <p:ph type="title"/>
+          </p:nvPr>
+        </p:nvSpPr>
+        <p:spPr/>
+        <p:txBody>
+          <a:bodyPr/>
+          <a:lstStyle/>
+          <a:p>
+            <a:r>
+              <a:rPr lang="en-US" dirty="0"/>
+              <a:t>cafe-runner – Basic commands</a:t>
+            </a:r>
+          </a:p>
+        </p:txBody>
+      </p:sp>
+      <p:sp>
+        <p:nvSpPr>
+          <p:cNvPr id="3" name="Content Placeholder 2">
+            <a:extLst>
+              <a:ext uri="{FF2B5EF4-FFF2-40B4-BE49-F238E27FC236}">
+                <a16:creationId xmlns:a16="http://schemas.microsoft.com/office/drawing/2014/main" id="{A514FEE7-4DE8-460C-A077-93A2DB8BA24E}"/>
+              </a:ext>
+            </a:extLst>
+          </p:cNvPr>
+          <p:cNvSpPr>
+            <a:spLocks noGrp="1"/>
+          </p:cNvSpPr>
+          <p:nvPr>
+            <p:ph idx="1"/>
+          </p:nvPr>
+        </p:nvSpPr>
+        <p:spPr/>
+        <p:txBody>
+          <a:bodyPr/>
+          <a:lstStyle/>
+          <a:p>
+            <a:r>
+              <a:rPr lang="en-US" dirty="0"/>
+              <a:t>List tests</a:t>
+            </a:r>
+          </a:p>
+          <a:p>
+            <a:r>
+              <a:rPr lang="en-US" dirty="0"/>
+              <a:t>List configurations</a:t>
+            </a:r>
+          </a:p>
+          <a:p>
+            <a:r>
+              <a:rPr lang="en-US" dirty="0"/>
+              <a:t>Dry run</a:t>
+            </a:r>
+          </a:p>
+          <a:p>
+            <a:r>
+              <a:rPr lang="en-US" dirty="0"/>
+              <a:t>Parallel</a:t>
+            </a:r>
+          </a:p>
+        </p:txBody>
+      </p:sp>
+    </p:spTree>
+    <p:extLst>
+      <p:ext uri="{BB962C8B-B14F-4D97-AF65-F5344CB8AC3E}">
+        <p14:creationId xmlns:p14="http://schemas.microsoft.com/office/powerpoint/2010/main" val="978726830"/>
+      </p:ext>
+    </p:extLst>
+  </p:cSld>
+  <p:clrMapOvr>
+    <a:masterClrMapping/>
+  </p:clrMapOvr>
+</p:sld>
+</file>
+
+<file path=ppt/slides/slide12.xml><?xml version="1.0" encoding="utf-8"?>
+<p:sld xmlns:a="http://schemas.openxmlformats.org/drawingml/2006/main" xmlns:r="http://schemas.openxmlformats.org/officeDocument/2006/relationships" xmlns:p="http://schemas.openxmlformats.org/presentationml/2006/main">
+  <p:cSld>
+    <p:spTree>
+      <p:nvGrpSpPr>
+        <p:cNvPr id="1" name=""/>
+        <p:cNvGrpSpPr/>
+        <p:nvPr/>
+      </p:nvGrpSpPr>
+      <p:grpSpPr>
+        <a:xfrm>
+          <a:off x="0" y="0"/>
+          <a:ext cx="0" cy="0"/>
+          <a:chOff x="0" y="0"/>
+          <a:chExt cx="0" cy="0"/>
+        </a:xfrm>
+      </p:grpSpPr>
+      <p:sp>
+        <p:nvSpPr>
+          <p:cNvPr id="2" name="Title 1">
+            <a:extLst>
+              <a:ext uri="{FF2B5EF4-FFF2-40B4-BE49-F238E27FC236}">
+                <a16:creationId xmlns:a16="http://schemas.microsoft.com/office/drawing/2014/main" id="{810F7602-1C75-43FC-B309-55443A8CFAB3}"/>
+              </a:ext>
+            </a:extLst>
+          </p:cNvPr>
+          <p:cNvSpPr>
+            <a:spLocks noGrp="1"/>
+          </p:cNvSpPr>
+          <p:nvPr>
+            <p:ph type="title"/>
+          </p:nvPr>
+        </p:nvSpPr>
+        <p:spPr/>
+        <p:txBody>
+          <a:bodyPr/>
+          <a:lstStyle/>
+          <a:p>
+            <a:r>
+              <a:rPr lang="en-US" dirty="0"/>
+              <a:t>cafe-runner – Test Selection</a:t>
+            </a:r>
+          </a:p>
+        </p:txBody>
+      </p:sp>
+      <p:sp>
+        <p:nvSpPr>
+          <p:cNvPr id="3" name="Content Placeholder 2">
+            <a:extLst>
+              <a:ext uri="{FF2B5EF4-FFF2-40B4-BE49-F238E27FC236}">
+                <a16:creationId xmlns:a16="http://schemas.microsoft.com/office/drawing/2014/main" id="{87B42FB2-E162-40B9-89C3-5174A513657D}"/>
+              </a:ext>
+            </a:extLst>
+          </p:cNvPr>
+          <p:cNvSpPr>
+            <a:spLocks noGrp="1"/>
+          </p:cNvSpPr>
+          <p:nvPr>
+            <p:ph idx="1"/>
+          </p:nvPr>
+        </p:nvSpPr>
+        <p:spPr/>
+        <p:txBody>
+          <a:bodyPr>
+            <a:normAutofit lnSpcReduction="10000"/>
+          </a:bodyPr>
+          <a:lstStyle/>
+          <a:p>
+            <a:r>
+              <a:rPr lang="en-US" dirty="0"/>
+              <a:t>Runs from the installed packages, not your local code</a:t>
+            </a:r>
+          </a:p>
+          <a:p>
+            <a:r>
+              <a:rPr lang="en-US" dirty="0"/>
+              <a:t>Can use dotted paths to drill-down through packages</a:t>
+            </a:r>
+          </a:p>
+          <a:p>
+            <a:r>
+              <a:rPr lang="en-US" dirty="0"/>
+              <a:t>Run by</a:t>
+            </a:r>
+          </a:p>
+          <a:p>
+            <a:pPr lvl="1"/>
+            <a:r>
+              <a:rPr lang="en-US" dirty="0"/>
+              <a:t>Package</a:t>
+            </a:r>
+          </a:p>
+          <a:p>
+            <a:pPr lvl="1"/>
+            <a:r>
+              <a:rPr lang="en-US" dirty="0"/>
+              <a:t>Module</a:t>
+            </a:r>
+          </a:p>
+          <a:p>
+            <a:pPr lvl="1"/>
+            <a:r>
+              <a:rPr lang="en-US" dirty="0"/>
+              <a:t>Method</a:t>
+            </a:r>
+          </a:p>
+          <a:p>
+            <a:pPr lvl="1"/>
+            <a:r>
+              <a:rPr lang="en-US" dirty="0"/>
+              <a:t>Tag</a:t>
+            </a:r>
+          </a:p>
+          <a:p>
+            <a:pPr lvl="1"/>
+            <a:r>
+              <a:rPr lang="en-US" dirty="0"/>
+              <a:t>Combinations of the above</a:t>
+            </a:r>
+          </a:p>
+        </p:txBody>
+      </p:sp>
+    </p:spTree>
+    <p:extLst>
+      <p:ext uri="{BB962C8B-B14F-4D97-AF65-F5344CB8AC3E}">
+        <p14:creationId xmlns:p14="http://schemas.microsoft.com/office/powerpoint/2010/main" val="58936795"/>
+      </p:ext>
+    </p:extLst>
+  </p:cSld>
+  <p:clrMapOvr>
+    <a:masterClrMapping/>
+  </p:clrMapOvr>
+</p:sld>
+</file>
+
+<file path=ppt/slides/slide13.xml><?xml version="1.0" encoding="utf-8"?>
+<p:sld xmlns:a="http://schemas.openxmlformats.org/drawingml/2006/main" xmlns:r="http://schemas.openxmlformats.org/officeDocument/2006/relationships" xmlns:p="http://schemas.openxmlformats.org/presentationml/2006/main">
+  <p:cSld>
+    <p:spTree>
+      <p:nvGrpSpPr>
+        <p:cNvPr id="1" name=""/>
+        <p:cNvGrpSpPr/>
+        <p:nvPr/>
+      </p:nvGrpSpPr>
+      <p:grpSpPr>
+        <a:xfrm>
+          <a:off x="0" y="0"/>
+          <a:ext cx="0" cy="0"/>
+          <a:chOff x="0" y="0"/>
+          <a:chExt cx="0" cy="0"/>
+        </a:xfrm>
+      </p:grpSpPr>
+      <p:sp>
+        <p:nvSpPr>
+          <p:cNvPr id="2" name="Title 1">
+            <a:extLst>
+              <a:ext uri="{FF2B5EF4-FFF2-40B4-BE49-F238E27FC236}">
+                <a16:creationId xmlns:a16="http://schemas.microsoft.com/office/drawing/2014/main" id="{21924666-1C06-481E-83BA-8CEF3B4ADB8B}"/>
+              </a:ext>
+            </a:extLst>
+          </p:cNvPr>
+          <p:cNvSpPr>
+            <a:spLocks noGrp="1"/>
+          </p:cNvSpPr>
+          <p:nvPr>
+            <p:ph type="title"/>
+          </p:nvPr>
+        </p:nvSpPr>
+        <p:spPr/>
+        <p:txBody>
+          <a:bodyPr/>
+          <a:lstStyle/>
+          <a:p>
+            <a:r>
+              <a:rPr lang="en-US" dirty="0"/>
+              <a:t>Logging - HTTP</a:t>
+            </a:r>
+          </a:p>
+        </p:txBody>
+      </p:sp>
+      <p:sp>
+        <p:nvSpPr>
+          <p:cNvPr id="3" name="Content Placeholder 2">
+            <a:extLst>
+              <a:ext uri="{FF2B5EF4-FFF2-40B4-BE49-F238E27FC236}">
+                <a16:creationId xmlns:a16="http://schemas.microsoft.com/office/drawing/2014/main" id="{816FDB8A-3F89-46E8-AC7D-4B25B090FFEB}"/>
+              </a:ext>
+            </a:extLst>
+          </p:cNvPr>
+          <p:cNvSpPr>
+            <a:spLocks noGrp="1"/>
+          </p:cNvSpPr>
+          <p:nvPr>
+            <p:ph idx="1"/>
+          </p:nvPr>
+        </p:nvSpPr>
+        <p:spPr/>
+        <p:txBody>
+          <a:bodyPr/>
+          <a:lstStyle/>
+          <a:p>
+            <a:endParaRPr lang="en-US"/>
+          </a:p>
+        </p:txBody>
+      </p:sp>
+    </p:spTree>
+    <p:extLst>
+      <p:ext uri="{BB962C8B-B14F-4D97-AF65-F5344CB8AC3E}">
+        <p14:creationId xmlns:p14="http://schemas.microsoft.com/office/powerpoint/2010/main" val="1316513644"/>
+      </p:ext>
+    </p:extLst>
+  </p:cSld>
+  <p:clrMapOvr>
+    <a:masterClrMapping/>
+  </p:clrMapOvr>
+</p:sld>
+</file>
+
+<file path=ppt/slides/slide14.xml><?xml version="1.0" encoding="utf-8"?>
+<p:sld xmlns:a="http://schemas.openxmlformats.org/drawingml/2006/main" xmlns:r="http://schemas.openxmlformats.org/officeDocument/2006/relationships" xmlns:p="http://schemas.openxmlformats.org/presentationml/2006/main">
+  <p:cSld>
+    <p:spTree>
+      <p:nvGrpSpPr>
+        <p:cNvPr id="1" name=""/>
+        <p:cNvGrpSpPr/>
+        <p:nvPr/>
+      </p:nvGrpSpPr>
+      <p:grpSpPr>
+        <a:xfrm>
+          <a:off x="0" y="0"/>
+          <a:ext cx="0" cy="0"/>
+          <a:chOff x="0" y="0"/>
+          <a:chExt cx="0" cy="0"/>
+        </a:xfrm>
+      </p:grpSpPr>
+      <p:sp>
+        <p:nvSpPr>
+          <p:cNvPr id="2" name="Title 1">
+            <a:extLst>
+              <a:ext uri="{FF2B5EF4-FFF2-40B4-BE49-F238E27FC236}">
+                <a16:creationId xmlns:a16="http://schemas.microsoft.com/office/drawing/2014/main" id="{B1E02394-57EA-4C8B-89A6-F789ACDB0E54}"/>
+              </a:ext>
+            </a:extLst>
+          </p:cNvPr>
+          <p:cNvSpPr>
+            <a:spLocks noGrp="1"/>
+          </p:cNvSpPr>
+          <p:nvPr>
+            <p:ph type="title"/>
+          </p:nvPr>
+        </p:nvSpPr>
+        <p:spPr/>
+        <p:txBody>
+          <a:bodyPr/>
+          <a:lstStyle/>
+          <a:p>
+            <a:r>
+              <a:rPr lang="en-US" dirty="0"/>
+              <a:t>Logging – SSH &amp; </a:t>
+            </a:r>
+            <a:r>
+              <a:rPr lang="en-US" dirty="0" err="1"/>
+              <a:t>WinRM</a:t>
+            </a:r>
+            <a:endParaRPr lang="en-US" dirty="0"/>
+          </a:p>
+        </p:txBody>
+      </p:sp>
+      <p:sp>
+        <p:nvSpPr>
+          <p:cNvPr id="3" name="Content Placeholder 2">
+            <a:extLst>
+              <a:ext uri="{FF2B5EF4-FFF2-40B4-BE49-F238E27FC236}">
+                <a16:creationId xmlns:a16="http://schemas.microsoft.com/office/drawing/2014/main" id="{BDCA1291-990E-4601-B6C4-B4756743766E}"/>
+              </a:ext>
+            </a:extLst>
+          </p:cNvPr>
+          <p:cNvSpPr>
+            <a:spLocks noGrp="1"/>
+          </p:cNvSpPr>
+          <p:nvPr>
+            <p:ph idx="1"/>
+          </p:nvPr>
+        </p:nvSpPr>
+        <p:spPr/>
+        <p:txBody>
+          <a:bodyPr/>
+          <a:lstStyle/>
+          <a:p>
+            <a:endParaRPr lang="en-US"/>
+          </a:p>
+        </p:txBody>
+      </p:sp>
+    </p:spTree>
+    <p:extLst>
+      <p:ext uri="{BB962C8B-B14F-4D97-AF65-F5344CB8AC3E}">
+        <p14:creationId xmlns:p14="http://schemas.microsoft.com/office/powerpoint/2010/main" val="674781955"/>
+      </p:ext>
+    </p:extLst>
+  </p:cSld>
+  <p:clrMapOvr>
+    <a:masterClrMapping/>
+  </p:clrMapOvr>
+</p:sld>
+</file>
+
+<file path=ppt/slides/slide15.xml><?xml version="1.0" encoding="utf-8"?>
+<p:sld xmlns:a="http://schemas.openxmlformats.org/drawingml/2006/main" xmlns:r="http://schemas.openxmlformats.org/officeDocument/2006/relationships" xmlns:p="http://schemas.openxmlformats.org/presentationml/2006/main">
+  <p:cSld>
+    <p:spTree>
+      <p:nvGrpSpPr>
+        <p:cNvPr id="1" name=""/>
+        <p:cNvGrpSpPr/>
+        <p:nvPr/>
+      </p:nvGrpSpPr>
+      <p:grpSpPr>
+        <a:xfrm>
+          <a:off x="0" y="0"/>
+          <a:ext cx="0" cy="0"/>
+          <a:chOff x="0" y="0"/>
+          <a:chExt cx="0" cy="0"/>
+        </a:xfrm>
+      </p:grpSpPr>
+      <p:sp>
+        <p:nvSpPr>
+          <p:cNvPr id="2" name="Title 1">
+            <a:extLst>
+              <a:ext uri="{FF2B5EF4-FFF2-40B4-BE49-F238E27FC236}">
+                <a16:creationId xmlns:a16="http://schemas.microsoft.com/office/drawing/2014/main" id="{554FFDD4-0F43-4051-BFD7-B271675CD6F4}"/>
+              </a:ext>
+            </a:extLst>
+          </p:cNvPr>
+          <p:cNvSpPr>
+            <a:spLocks noGrp="1"/>
+          </p:cNvSpPr>
+          <p:nvPr>
+            <p:ph type="title"/>
+          </p:nvPr>
+        </p:nvSpPr>
+        <p:spPr/>
+        <p:txBody>
+          <a:bodyPr/>
+          <a:lstStyle/>
+          <a:p>
+            <a:r>
+              <a:rPr lang="en-US" dirty="0"/>
+              <a:t>Links</a:t>
+            </a:r>
+          </a:p>
+        </p:txBody>
+      </p:sp>
+      <p:sp>
+        <p:nvSpPr>
+          <p:cNvPr id="3" name="Content Placeholder 2">
+            <a:extLst>
+              <a:ext uri="{FF2B5EF4-FFF2-40B4-BE49-F238E27FC236}">
+                <a16:creationId xmlns:a16="http://schemas.microsoft.com/office/drawing/2014/main" id="{E0378900-2D84-4824-AB51-546891525080}"/>
+              </a:ext>
+            </a:extLst>
+          </p:cNvPr>
+          <p:cNvSpPr>
+            <a:spLocks noGrp="1"/>
+          </p:cNvSpPr>
+          <p:nvPr>
+            <p:ph idx="1"/>
+          </p:nvPr>
+        </p:nvSpPr>
+        <p:spPr/>
+        <p:txBody>
+          <a:bodyPr/>
+          <a:lstStyle/>
+          <a:p>
+            <a:r>
+              <a:rPr lang="en-US" dirty="0"/>
+              <a:t>Python </a:t>
+            </a:r>
+            <a:r>
+              <a:rPr lang="en-US" dirty="0" err="1"/>
+              <a:t>Unittest</a:t>
+            </a:r>
+            <a:r>
+              <a:rPr lang="en-US" dirty="0"/>
+              <a:t> Flow</a:t>
+            </a:r>
+          </a:p>
+          <a:p>
+            <a:pPr lvl="1"/>
+            <a:r>
+              <a:rPr lang="en-US" dirty="0">
+                <a:hlinkClick r:id="rId2"/>
+              </a:rPr>
+              <a:t>https://docs.python.org/2/library/unittest.html</a:t>
+            </a:r>
+            <a:endParaRPr lang="en-US" dirty="0"/>
+          </a:p>
+          <a:p>
+            <a:pPr lvl="1"/>
+            <a:r>
+              <a:rPr lang="en-US" dirty="0">
+                <a:hlinkClick r:id="rId3"/>
+              </a:rPr>
+              <a:t>http://pythontesting.net/framework/unittest/unittest-fixtures/</a:t>
+            </a:r>
+            <a:endParaRPr lang="en-US" dirty="0"/>
+          </a:p>
+          <a:p>
+            <a:pPr lvl="1"/>
+            <a:r>
+              <a:rPr lang="en-US" dirty="0">
+                <a:hlinkClick r:id="rId4"/>
+              </a:rPr>
+              <a:t>http://pythontesting.net/framework/unittest/when-unittest-fixtures-fail/</a:t>
+            </a:r>
+            <a:endParaRPr lang="en-US" dirty="0"/>
+          </a:p>
+          <a:p>
+            <a:r>
+              <a:rPr lang="en-US" dirty="0"/>
+              <a:t>Presentation Materials</a:t>
+            </a:r>
+          </a:p>
+          <a:p>
+            <a:pPr lvl="1"/>
+            <a:r>
+              <a:rPr lang="en-US" dirty="0">
+                <a:hlinkClick r:id="rId5"/>
+              </a:rPr>
+              <a:t>https://github.com/dwalleck/opencafe-training</a:t>
+            </a:r>
+            <a:endParaRPr lang="en-US" dirty="0"/>
+          </a:p>
+        </p:txBody>
+      </p:sp>
+    </p:spTree>
+    <p:extLst>
+      <p:ext uri="{BB962C8B-B14F-4D97-AF65-F5344CB8AC3E}">
+        <p14:creationId xmlns:p14="http://schemas.microsoft.com/office/powerpoint/2010/main" val="2830464610"/>
+      </p:ext>
+    </p:extLst>
+  </p:cSld>
+  <p:clrMapOvr>
+    <a:masterClrMapping/>
+  </p:clrMapOvr>
+</p:sld>
+</file>
+
+<file path=ppt/slides/slide2.xml><?xml version="1.0" encoding="utf-8"?>
+<p:sld xmlns:a="http://schemas.openxmlformats.org/drawingml/2006/main" xmlns:r="http://schemas.openxmlformats.org/officeDocument/2006/relationships" xmlns:p="http://schemas.openxmlformats.org/presentationml/2006/main">
+  <p:cSld>
+    <p:bg>
+      <p:bgPr>
+        <a:blipFill rotWithShape="1">
+          <a:blip r:embed="rId2">
+            <a:duotone>
+              <a:schemeClr val="bg2">
+                <a:shade val="28000"/>
+                <a:satMod val="94000"/>
+                <a:lumMod val="20000"/>
+              </a:schemeClr>
+              <a:schemeClr val="bg2">
+                <a:tint val="94000"/>
+                <a:shade val="84000"/>
+                <a:satMod val="148000"/>
+                <a:lumMod val="114000"/>
+              </a:schemeClr>
+            </a:duotone>
+            <a:extLst/>
+          </a:blip>
+          <a:stretch/>
+        </a:blipFill>
+        <a:effectLst/>
+      </p:bgPr>
+    </p:bg>
+    <p:spTree>
+      <p:nvGrpSpPr>
+        <p:cNvPr id="1" name=""/>
+        <p:cNvGrpSpPr/>
+        <p:nvPr/>
+      </p:nvGrpSpPr>
+      <p:grpSpPr>
+        <a:xfrm>
+          <a:off x="0" y="0"/>
+          <a:ext cx="0" cy="0"/>
+          <a:chOff x="0" y="0"/>
+          <a:chExt cx="0" cy="0"/>
+        </a:xfrm>
+      </p:grpSpPr>
+      <p:sp>
+        <p:nvSpPr>
+          <p:cNvPr id="8" name="Rectangle 7">
+            <a:extLst>
+              <a:ext uri="{FF2B5EF4-FFF2-40B4-BE49-F238E27FC236}">
+                <a16:creationId xmlns:a16="http://schemas.microsoft.com/office/drawing/2014/main" id="{CAAB0C47-03D3-4EC5-9300-FE0F7101422B}"/>
+              </a:ext>
+            </a:extLst>
+          </p:cNvPr>
+          <p:cNvSpPr>
+            <a:spLocks noGrp="1" noRot="1" noChangeAspect="1" noMove="1" noResize="1" noEditPoints="1" noAdjustHandles="1" noChangeArrowheads="1" noChangeShapeType="1" noTextEdit="1"/>
+          </p:cNvSpPr>
+          <p:nvPr>
+            <p:extLst>
+              <p:ext uri="{386F3935-93C4-4BCD-93E2-E3B085C9AB24}">
+                <p16:designElem xmlns:p16="http://schemas.microsoft.com/office/powerpoint/2015/main" val="1"/>
+              </p:ext>
+            </p:extLst>
+          </p:nvPr>
+        </p:nvSpPr>
+        <p:spPr>
+          <a:xfrm>
+            <a:off x="0" y="0"/>
+            <a:ext cx="12192000" cy="6858000"/>
+          </a:xfrm>
+          <a:prstGeom prst="rect">
+            <a:avLst/>
+          </a:prstGeom>
+          <a:solidFill>
+            <a:schemeClr val="bg2"/>
+          </a:solidFill>
+          <a:ln>
+            <a:noFill/>
+          </a:ln>
+        </p:spPr>
+        <p:style>
+          <a:lnRef idx="2">
+            <a:schemeClr val="accent1">
+              <a:shade val="50000"/>
+            </a:schemeClr>
+          </a:lnRef>
+          <a:fillRef idx="1">
+            <a:schemeClr val="accent1"/>
+          </a:fillRef>
+          <a:effectRef idx="0">
+            <a:schemeClr val="accent1"/>
+          </a:effectRef>
+          <a:fontRef idx="minor">
+            <a:schemeClr val="lt1"/>
+          </a:fontRef>
+        </p:style>
+        <p:txBody>
+          <a:bodyPr rtlCol="0" anchor="ctr"/>
+          <a:lstStyle/>
+          <a:p>
+            <a:pPr algn="ctr"/>
+            <a:endParaRPr lang="en-US"/>
+          </a:p>
+        </p:txBody>
+      </p:sp>
+      <p:sp useBgFill="1">
+        <p:nvSpPr>
+          <p:cNvPr id="10" name="Rounded Rectangle 9">
+            <a:extLst>
+              <a:ext uri="{FF2B5EF4-FFF2-40B4-BE49-F238E27FC236}">
+                <a16:creationId xmlns:a16="http://schemas.microsoft.com/office/drawing/2014/main" id="{8EC4BECB-3915-428C-B97E-9B2A95053DBE}"/>
+              </a:ext>
+            </a:extLst>
+          </p:cNvPr>
+          <p:cNvSpPr>
+            <a:spLocks noGrp="1" noRot="1" noChangeAspect="1" noMove="1" noResize="1" noEditPoints="1" noAdjustHandles="1" noChangeArrowheads="1" noChangeShapeType="1" noTextEdit="1"/>
+          </p:cNvSpPr>
+          <p:nvPr>
+            <p:extLst>
+              <p:ext uri="{386F3935-93C4-4BCD-93E2-E3B085C9AB24}">
+                <p16:designElem xmlns:p16="http://schemas.microsoft.com/office/powerpoint/2015/main" val="1"/>
+              </p:ext>
+            </p:extLst>
+          </p:nvPr>
+        </p:nvSpPr>
+        <p:spPr>
+          <a:xfrm>
+            <a:off x="14591" y="0"/>
+            <a:ext cx="3401878" cy="6857999"/>
+          </a:xfrm>
+          <a:prstGeom prst="roundRect">
+            <a:avLst>
+              <a:gd name="adj" fmla="val 0"/>
+            </a:avLst>
+          </a:prstGeom>
+          <a:ln w="44450">
+            <a:noFill/>
+          </a:ln>
+          <a:effectLst/>
+        </p:spPr>
+        <p:style>
+          <a:lnRef idx="2">
+            <a:schemeClr val="accent1">
+              <a:shade val="50000"/>
+            </a:schemeClr>
+          </a:lnRef>
+          <a:fillRef idx="1003">
+            <a:schemeClr val="dk2"/>
+          </a:fillRef>
+          <a:effectRef idx="0">
+            <a:schemeClr val="accent1"/>
+          </a:effectRef>
+          <a:fontRef idx="minor">
+            <a:schemeClr val="lt1"/>
+          </a:fontRef>
+        </p:style>
+        <p:txBody>
+          <a:bodyPr rtlCol="0" anchor="ctr"/>
+          <a:lstStyle/>
+          <a:p>
+            <a:pPr algn="ctr"/>
+            <a:endParaRPr lang="en-US"/>
+          </a:p>
+        </p:txBody>
+      </p:sp>
+      <p:cxnSp>
+        <p:nvCxnSpPr>
+          <p:cNvPr id="12" name="Straight Connector 11">
+            <a:extLst>
+              <a:ext uri="{FF2B5EF4-FFF2-40B4-BE49-F238E27FC236}">
+                <a16:creationId xmlns:a16="http://schemas.microsoft.com/office/drawing/2014/main" id="{62FE8E50-044C-4BD7-A1B4-BC8AF7CDCF76}"/>
+              </a:ext>
+            </a:extLst>
+          </p:cNvPr>
+          <p:cNvCxnSpPr>
+            <a:cxnSpLocks noGrp="1" noRot="1" noChangeAspect="1" noMove="1" noResize="1" noEditPoints="1" noAdjustHandles="1" noChangeArrowheads="1" noChangeShapeType="1"/>
+          </p:cNvCxnSpPr>
+          <p:nvPr>
+            <p:extLst>
+              <p:ext uri="{386F3935-93C4-4BCD-93E2-E3B085C9AB24}">
+                <p16:designElem xmlns:p16="http://schemas.microsoft.com/office/powerpoint/2015/main" val="1"/>
+              </p:ext>
+            </p:extLst>
+          </p:nvPr>
+        </p:nvCxnSpPr>
+        <p:spPr>
+          <a:xfrm>
+            <a:off x="3416469" y="0"/>
+            <a:ext cx="0" cy="6858000"/>
+          </a:xfrm>
+          <a:prstGeom prst="line">
+            <a:avLst/>
+          </a:prstGeom>
+          <a:solidFill>
+            <a:srgbClr val="FFFFFF"/>
+          </a:solidFill>
+          <a:ln w="38100" cap="flat">
+            <a:gradFill flip="none" rotWithShape="1">
+              <a:gsLst>
+                <a:gs pos="0">
+                  <a:srgbClr val="363D46"/>
+                </a:gs>
+                <a:gs pos="100000">
+                  <a:srgbClr val="363D46">
+                    <a:lumMod val="75000"/>
+                  </a:srgbClr>
+                </a:gs>
+              </a:gsLst>
+              <a:lin ang="5400000" scaled="0"/>
+              <a:tileRect/>
+            </a:gradFill>
+            <a:miter lim="800000"/>
+          </a:ln>
+          <a:effectLst>
+            <a:outerShdw blurRad="50800" dist="25400" algn="l" rotWithShape="0">
+              <a:prstClr val="black">
+                <a:alpha val="40000"/>
+              </a:prstClr>
+            </a:outerShdw>
+          </a:effectLst>
+        </p:spPr>
+        <p:style>
+          <a:lnRef idx="2">
+            <a:schemeClr val="accent1">
+              <a:shade val="50000"/>
+            </a:schemeClr>
+          </a:lnRef>
+          <a:fillRef idx="1">
+            <a:schemeClr val="accent1"/>
+          </a:fillRef>
+          <a:effectRef idx="0">
+            <a:schemeClr val="accent1"/>
+          </a:effectRef>
+          <a:fontRef idx="minor">
+            <a:schemeClr val="lt1"/>
+          </a:fontRef>
+        </p:style>
+      </p:cxnSp>
+      <p:sp>
+        <p:nvSpPr>
+          <p:cNvPr id="2" name="Title 1">
+            <a:extLst>
+              <a:ext uri="{FF2B5EF4-FFF2-40B4-BE49-F238E27FC236}">
+                <a16:creationId xmlns:a16="http://schemas.microsoft.com/office/drawing/2014/main" id="{7DEDCBC2-9AD1-44F4-BB96-8E831724CA6E}"/>
+              </a:ext>
+            </a:extLst>
+          </p:cNvPr>
+          <p:cNvSpPr>
+            <a:spLocks noGrp="1"/>
+          </p:cNvSpPr>
+          <p:nvPr>
+            <p:ph type="title"/>
+          </p:nvPr>
+        </p:nvSpPr>
+        <p:spPr>
+          <a:xfrm>
+            <a:off x="3752793" y="643467"/>
+            <a:ext cx="7795740" cy="4280312"/>
+          </a:xfrm>
+        </p:spPr>
+        <p:txBody>
+          <a:bodyPr vert="horz" lIns="91440" tIns="45720" rIns="91440" bIns="45720" rtlCol="0" anchor="b">
+            <a:normAutofit/>
+          </a:bodyPr>
+          <a:lstStyle/>
+          <a:p>
+            <a:r>
+              <a:rPr lang="en-US" sz="6600">
+                <a:effectLst>
+                  <a:glow rad="38100">
+                    <a:schemeClr val="bg1">
+                      <a:lumMod val="65000"/>
+                      <a:lumOff val="35000"/>
+                      <a:alpha val="50000"/>
+                    </a:schemeClr>
+                  </a:glow>
+                  <a:outerShdw blurRad="28575" dist="31750" dir="13200000" algn="tl" rotWithShape="0">
+                    <a:srgbClr val="000000">
+                      <a:alpha val="25000"/>
+                    </a:srgbClr>
+                  </a:outerShdw>
+                </a:effectLst>
+              </a:rPr>
+              <a:t>Unittest Concepts</a:t>
+            </a:r>
+          </a:p>
+        </p:txBody>
+      </p:sp>
+    </p:spTree>
+    <p:extLst>
+      <p:ext uri="{BB962C8B-B14F-4D97-AF65-F5344CB8AC3E}">
+        <p14:creationId xmlns:p14="http://schemas.microsoft.com/office/powerpoint/2010/main" val="2356888928"/>
+      </p:ext>
+    </p:extLst>
+  </p:cSld>
+  <p:clrMapOvr>
+    <a:masterClrMapping/>
+  </p:clrMapOvr>
+</p:sld>
+</file>
+
+<file path=ppt/slides/slide3.xml><?xml version="1.0" encoding="utf-8"?>
+<p:sld xmlns:a="http://schemas.openxmlformats.org/drawingml/2006/main" xmlns:r="http://schemas.openxmlformats.org/officeDocument/2006/relationships" xmlns:p="http://schemas.openxmlformats.org/presentationml/2006/main">
+  <p:cSld>
+    <p:bg>
+      <p:bgPr>
+        <a:blipFill rotWithShape="1">
+          <a:blip r:embed="rId2">
+            <a:duotone>
+              <a:schemeClr val="bg2">
+                <a:shade val="28000"/>
+                <a:satMod val="94000"/>
+                <a:lumMod val="20000"/>
+              </a:schemeClr>
+              <a:schemeClr val="bg2">
+                <a:tint val="94000"/>
+                <a:shade val="84000"/>
+                <a:satMod val="148000"/>
+                <a:lumMod val="114000"/>
+              </a:schemeClr>
+            </a:duotone>
+            <a:extLst/>
+          </a:blip>
+          <a:stretch/>
+        </a:blipFill>
+        <a:effectLst/>
+      </p:bgPr>
+    </p:bg>
+    <p:spTree>
+      <p:nvGrpSpPr>
+        <p:cNvPr id="1" name=""/>
+        <p:cNvGrpSpPr/>
+        <p:nvPr/>
+      </p:nvGrpSpPr>
+      <p:grpSpPr>
+        <a:xfrm>
+          <a:off x="0" y="0"/>
+          <a:ext cx="0" cy="0"/>
+          <a:chOff x="0" y="0"/>
+          <a:chExt cx="0" cy="0"/>
+        </a:xfrm>
+      </p:grpSpPr>
+      <p:pic>
+        <p:nvPicPr>
+          <p:cNvPr id="8" name="Content Placeholder 4">
+            <a:extLst>
+              <a:ext uri="{FF2B5EF4-FFF2-40B4-BE49-F238E27FC236}">
+                <a16:creationId xmlns:a16="http://schemas.microsoft.com/office/drawing/2014/main" id="{211AED69-FD5A-4C8A-9A43-5DC1F6370BD0}"/>
+              </a:ext>
+            </a:extLst>
+          </p:cNvPr>
+          <p:cNvPicPr>
+            <a:picLocks noChangeAspect="1"/>
+          </p:cNvPicPr>
+          <p:nvPr/>
+        </p:nvPicPr>
+        <p:blipFill>
+          <a:blip r:embed="rId3">
+            <a:extLst>
+              <a:ext uri="{28A0092B-C50C-407E-A947-70E740481C1C}">
+                <a14:useLocalDpi xmlns:a14="http://schemas.microsoft.com/office/drawing/2010/main" val="0"/>
+              </a:ext>
+            </a:extLst>
+          </a:blip>
+          <a:stretch>
+            <a:fillRect/>
+          </a:stretch>
+        </p:blipFill>
+        <p:spPr>
+          <a:xfrm>
+            <a:off x="5157608" y="673045"/>
+            <a:ext cx="5863404" cy="5191868"/>
+          </a:xfrm>
+          <a:prstGeom prst="roundRect">
+            <a:avLst>
+              <a:gd name="adj" fmla="val 3517"/>
+            </a:avLst>
+          </a:prstGeom>
+          <a:ln w="38100">
+            <a:gradFill flip="none" rotWithShape="1">
+              <a:gsLst>
+                <a:gs pos="0">
+                  <a:srgbClr val="363D46"/>
+                </a:gs>
+                <a:gs pos="100000">
+                  <a:srgbClr val="363D46">
+                    <a:lumMod val="75000"/>
+                  </a:srgbClr>
+                </a:gs>
+              </a:gsLst>
+              <a:lin ang="5400000" scaled="0"/>
+              <a:tileRect/>
+            </a:gradFill>
+          </a:ln>
+          <a:effectLst>
+            <a:innerShdw blurRad="57150" dist="38100" dir="14460000">
+              <a:srgbClr val="000000">
+                <a:alpha val="70000"/>
+              </a:srgbClr>
+            </a:innerShdw>
+          </a:effectLst>
+        </p:spPr>
+      </p:pic>
+      <p:sp>
+        <p:nvSpPr>
+          <p:cNvPr id="2" name="Title 1">
+            <a:extLst>
+              <a:ext uri="{FF2B5EF4-FFF2-40B4-BE49-F238E27FC236}">
+                <a16:creationId xmlns:a16="http://schemas.microsoft.com/office/drawing/2014/main" id="{30C0F95B-938B-402D-AB30-18B8F3AA218C}"/>
+              </a:ext>
+            </a:extLst>
+          </p:cNvPr>
+          <p:cNvSpPr>
+            <a:spLocks noGrp="1"/>
+          </p:cNvSpPr>
+          <p:nvPr>
+            <p:ph type="title"/>
+          </p:nvPr>
+        </p:nvSpPr>
+        <p:spPr>
+          <a:xfrm>
+            <a:off x="643192" y="609600"/>
+            <a:ext cx="3643674" cy="1905000"/>
+          </a:xfrm>
+        </p:spPr>
+        <p:txBody>
+          <a:bodyPr>
+            <a:normAutofit/>
+          </a:bodyPr>
+          <a:lstStyle/>
+          <a:p>
+            <a:r>
+              <a:rPr lang="en-US" sz="2800" dirty="0"/>
+              <a:t>Unit Test Fixtures</a:t>
+            </a:r>
+          </a:p>
+        </p:txBody>
+      </p:sp>
+      <p:sp>
+        <p:nvSpPr>
+          <p:cNvPr id="10" name="Content Placeholder 9">
+            <a:extLst>
+              <a:ext uri="{FF2B5EF4-FFF2-40B4-BE49-F238E27FC236}">
+                <a16:creationId xmlns:a16="http://schemas.microsoft.com/office/drawing/2014/main" id="{72B6B338-7BDF-4E5F-A9D9-112A93FCF384}"/>
+              </a:ext>
+            </a:extLst>
+          </p:cNvPr>
+          <p:cNvSpPr>
+            <a:spLocks noGrp="1"/>
+          </p:cNvSpPr>
+          <p:nvPr>
+            <p:ph idx="1"/>
+          </p:nvPr>
+        </p:nvSpPr>
+        <p:spPr>
+          <a:xfrm>
+            <a:off x="643192" y="2666999"/>
+            <a:ext cx="3643674" cy="3216276"/>
+          </a:xfrm>
+        </p:spPr>
+        <p:txBody>
+          <a:bodyPr anchor="t">
+            <a:normAutofit/>
+          </a:bodyPr>
+          <a:lstStyle/>
+          <a:p>
+            <a:endParaRPr lang="en-US" sz="1800"/>
+          </a:p>
+        </p:txBody>
+      </p:sp>
+    </p:spTree>
+    <p:extLst>
+      <p:ext uri="{BB962C8B-B14F-4D97-AF65-F5344CB8AC3E}">
+        <p14:creationId xmlns:p14="http://schemas.microsoft.com/office/powerpoint/2010/main" val="1626467096"/>
+      </p:ext>
+    </p:extLst>
+  </p:cSld>
+  <p:clrMapOvr>
+    <a:masterClrMapping/>
+  </p:clrMapOvr>
+</p:sld>
+</file>
+
+<file path=ppt/slides/slide4.xml><?xml version="1.0" encoding="utf-8"?>
+<p:sld xmlns:a="http://schemas.openxmlformats.org/drawingml/2006/main" xmlns:r="http://schemas.openxmlformats.org/officeDocument/2006/relationships" xmlns:p="http://schemas.openxmlformats.org/presentationml/2006/main">
+  <p:cSld>
+    <p:bg>
+      <p:bgPr>
+        <a:blipFill rotWithShape="1">
+          <a:blip r:embed="rId2">
+            <a:duotone>
+              <a:schemeClr val="bg2">
+                <a:shade val="28000"/>
+                <a:satMod val="94000"/>
+                <a:lumMod val="20000"/>
+              </a:schemeClr>
+              <a:schemeClr val="bg2">
+                <a:tint val="94000"/>
+                <a:shade val="84000"/>
+                <a:satMod val="148000"/>
+                <a:lumMod val="114000"/>
+              </a:schemeClr>
+            </a:duotone>
+            <a:extLst/>
+          </a:blip>
+          <a:stretch/>
+        </a:blipFill>
+        <a:effectLst/>
+      </p:bgPr>
+    </p:bg>
+    <p:spTree>
+      <p:nvGrpSpPr>
+        <p:cNvPr id="1" name=""/>
+        <p:cNvGrpSpPr/>
+        <p:nvPr/>
+      </p:nvGrpSpPr>
+      <p:grpSpPr>
+        <a:xfrm>
+          <a:off x="0" y="0"/>
+          <a:ext cx="0" cy="0"/>
+          <a:chOff x="0" y="0"/>
+          <a:chExt cx="0" cy="0"/>
+        </a:xfrm>
+      </p:grpSpPr>
+      <p:pic>
+        <p:nvPicPr>
+          <p:cNvPr id="8" name="Content Placeholder 4" descr="A screenshot of text&#10;&#10;Description generated with very high confidence">
+            <a:extLst>
+              <a:ext uri="{FF2B5EF4-FFF2-40B4-BE49-F238E27FC236}">
+                <a16:creationId xmlns:a16="http://schemas.microsoft.com/office/drawing/2014/main" id="{8CE75F45-5B78-4B09-8D40-F7EEA1930C40}"/>
+              </a:ext>
+            </a:extLst>
+          </p:cNvPr>
+          <p:cNvPicPr>
+            <a:picLocks noChangeAspect="1"/>
+          </p:cNvPicPr>
+          <p:nvPr/>
+        </p:nvPicPr>
+        <p:blipFill>
+          <a:blip r:embed="rId3">
+            <a:extLst>
+              <a:ext uri="{28A0092B-C50C-407E-A947-70E740481C1C}">
+                <a14:useLocalDpi xmlns:a14="http://schemas.microsoft.com/office/drawing/2010/main" val="0"/>
+              </a:ext>
+            </a:extLst>
+          </a:blip>
+          <a:stretch>
+            <a:fillRect/>
+          </a:stretch>
+        </p:blipFill>
+        <p:spPr>
+          <a:xfrm>
+            <a:off x="6574024" y="645106"/>
+            <a:ext cx="3030573" cy="5247747"/>
+          </a:xfrm>
+          <a:prstGeom prst="roundRect">
+            <a:avLst>
+              <a:gd name="adj" fmla="val 3517"/>
+            </a:avLst>
+          </a:prstGeom>
+          <a:ln w="38100">
+            <a:gradFill flip="none" rotWithShape="1">
+              <a:gsLst>
+                <a:gs pos="0">
+                  <a:srgbClr val="363D46"/>
+                </a:gs>
+                <a:gs pos="100000">
+                  <a:srgbClr val="363D46">
+                    <a:lumMod val="75000"/>
+                  </a:srgbClr>
+                </a:gs>
+              </a:gsLst>
+              <a:lin ang="5400000" scaled="0"/>
+              <a:tileRect/>
+            </a:gradFill>
+          </a:ln>
+          <a:effectLst>
+            <a:innerShdw blurRad="57150" dist="38100" dir="14460000">
+              <a:srgbClr val="000000">
+                <a:alpha val="70000"/>
+              </a:srgbClr>
+            </a:innerShdw>
+          </a:effectLst>
+        </p:spPr>
+      </p:pic>
+      <p:sp>
+        <p:nvSpPr>
+          <p:cNvPr id="2" name="Title 1">
+            <a:extLst>
+              <a:ext uri="{FF2B5EF4-FFF2-40B4-BE49-F238E27FC236}">
+                <a16:creationId xmlns:a16="http://schemas.microsoft.com/office/drawing/2014/main" id="{6FF731F9-A05D-409A-B588-4A65FB265D10}"/>
+              </a:ext>
+            </a:extLst>
+          </p:cNvPr>
+          <p:cNvSpPr>
+            <a:spLocks noGrp="1"/>
+          </p:cNvSpPr>
+          <p:nvPr>
+            <p:ph type="title"/>
+          </p:nvPr>
+        </p:nvSpPr>
+        <p:spPr>
+          <a:xfrm>
+            <a:off x="643192" y="609600"/>
+            <a:ext cx="3643674" cy="1905000"/>
+          </a:xfrm>
+        </p:spPr>
+        <p:txBody>
+          <a:bodyPr>
+            <a:normAutofit/>
+          </a:bodyPr>
+          <a:lstStyle/>
+          <a:p>
+            <a:r>
+              <a:rPr lang="en-US" sz="2800"/>
+              <a:t>Inheritance + Fixtures = Fun with Ordering!</a:t>
+            </a:r>
+          </a:p>
+        </p:txBody>
+      </p:sp>
+      <p:sp>
+        <p:nvSpPr>
+          <p:cNvPr id="10" name="Content Placeholder 9">
+            <a:extLst>
+              <a:ext uri="{FF2B5EF4-FFF2-40B4-BE49-F238E27FC236}">
+                <a16:creationId xmlns:a16="http://schemas.microsoft.com/office/drawing/2014/main" id="{E5E00AE5-30F1-494B-840A-7236B82302B2}"/>
+              </a:ext>
+            </a:extLst>
+          </p:cNvPr>
+          <p:cNvSpPr>
+            <a:spLocks noGrp="1"/>
+          </p:cNvSpPr>
+          <p:nvPr>
+            <p:ph idx="1"/>
+          </p:nvPr>
+        </p:nvSpPr>
+        <p:spPr>
+          <a:xfrm>
+            <a:off x="643192" y="2666999"/>
+            <a:ext cx="3643674" cy="3216276"/>
+          </a:xfrm>
+        </p:spPr>
+        <p:txBody>
+          <a:bodyPr anchor="t">
+            <a:normAutofit/>
+          </a:bodyPr>
+          <a:lstStyle/>
+          <a:p>
+            <a:r>
+              <a:rPr lang="en-US" sz="1800" dirty="0"/>
+              <a:t>Calling super on a method that has an implementation in the base class means the base class method will be executed first</a:t>
+            </a:r>
+          </a:p>
+          <a:p>
+            <a:r>
+              <a:rPr lang="en-US" sz="1800" dirty="0"/>
+              <a:t>Demo</a:t>
+            </a:r>
+          </a:p>
+        </p:txBody>
+      </p:sp>
+    </p:spTree>
+    <p:extLst>
+      <p:ext uri="{BB962C8B-B14F-4D97-AF65-F5344CB8AC3E}">
+        <p14:creationId xmlns:p14="http://schemas.microsoft.com/office/powerpoint/2010/main" val="3381966217"/>
+      </p:ext>
+    </p:extLst>
+  </p:cSld>
+  <p:clrMapOvr>
+    <a:masterClrMapping/>
+  </p:clrMapOvr>
+</p:sld>
+</file>
+
+<file path=ppt/slides/slide5.xml><?xml version="1.0" encoding="utf-8"?>
+<p:sld xmlns:a="http://schemas.openxmlformats.org/drawingml/2006/main" xmlns:r="http://schemas.openxmlformats.org/officeDocument/2006/relationships" xmlns:p="http://schemas.openxmlformats.org/presentationml/2006/main">
+  <p:cSld>
+    <p:spTree>
+      <p:nvGrpSpPr>
+        <p:cNvPr id="1" name=""/>
+        <p:cNvGrpSpPr/>
+        <p:nvPr/>
+      </p:nvGrpSpPr>
+      <p:grpSpPr>
+        <a:xfrm>
+          <a:off x="0" y="0"/>
+          <a:ext cx="0" cy="0"/>
+          <a:chOff x="0" y="0"/>
+          <a:chExt cx="0" cy="0"/>
+        </a:xfrm>
+      </p:grpSpPr>
+      <p:sp>
+        <p:nvSpPr>
+          <p:cNvPr id="2" name="Title 1">
+            <a:extLst>
+              <a:ext uri="{FF2B5EF4-FFF2-40B4-BE49-F238E27FC236}">
+                <a16:creationId xmlns:a16="http://schemas.microsoft.com/office/drawing/2014/main" id="{6E0A8B4C-BFF7-4EBC-9894-642D28AE8985}"/>
+              </a:ext>
+            </a:extLst>
+          </p:cNvPr>
+          <p:cNvSpPr>
+            <a:spLocks noGrp="1"/>
+          </p:cNvSpPr>
+          <p:nvPr>
+            <p:ph type="title"/>
+          </p:nvPr>
+        </p:nvSpPr>
+        <p:spPr/>
+        <p:txBody>
+          <a:bodyPr/>
+          <a:lstStyle/>
+          <a:p>
+            <a:r>
+              <a:rPr lang="en-US" dirty="0" err="1"/>
+              <a:t>Unittest</a:t>
+            </a:r>
+            <a:r>
+              <a:rPr lang="en-US" dirty="0"/>
+              <a:t> Assertions</a:t>
+            </a:r>
+          </a:p>
+        </p:txBody>
+      </p:sp>
+      <p:sp>
+        <p:nvSpPr>
+          <p:cNvPr id="3" name="Content Placeholder 2">
+            <a:extLst>
+              <a:ext uri="{FF2B5EF4-FFF2-40B4-BE49-F238E27FC236}">
+                <a16:creationId xmlns:a16="http://schemas.microsoft.com/office/drawing/2014/main" id="{009BFC29-EEC2-48F5-BD22-65D957B1781F}"/>
+              </a:ext>
+            </a:extLst>
+          </p:cNvPr>
+          <p:cNvSpPr>
+            <a:spLocks noGrp="1"/>
+          </p:cNvSpPr>
+          <p:nvPr>
+            <p:ph idx="1"/>
+          </p:nvPr>
+        </p:nvSpPr>
+        <p:spPr/>
+        <p:txBody>
+          <a:bodyPr/>
+          <a:lstStyle/>
+          <a:p>
+            <a:r>
+              <a:rPr lang="en-US" dirty="0"/>
+              <a:t>Extensive list in Python docs</a:t>
+            </a:r>
+          </a:p>
+          <a:p>
+            <a:r>
+              <a:rPr lang="en-US" dirty="0"/>
+              <a:t>All assertions optionally take a message parameter</a:t>
+            </a:r>
+          </a:p>
+          <a:p>
+            <a:pPr lvl="1"/>
+            <a:r>
+              <a:rPr lang="en-US" dirty="0"/>
+              <a:t>This is often used to provide more detail about what a test failure means (two items not being equal may not be sufficient context to understand </a:t>
+            </a:r>
+            <a:r>
+              <a:rPr lang="en-US"/>
+              <a:t>what happened)</a:t>
+            </a:r>
+            <a:endParaRPr lang="en-US" dirty="0"/>
+          </a:p>
+        </p:txBody>
+      </p:sp>
+    </p:spTree>
+    <p:extLst>
+      <p:ext uri="{BB962C8B-B14F-4D97-AF65-F5344CB8AC3E}">
+        <p14:creationId xmlns:p14="http://schemas.microsoft.com/office/powerpoint/2010/main" val="2996367364"/>
+      </p:ext>
+    </p:extLst>
+  </p:cSld>
+  <p:clrMapOvr>
+    <a:masterClrMapping/>
+  </p:clrMapOvr>
+</p:sld>
+</file>
+
+<file path=ppt/slides/slide6.xml><?xml version="1.0" encoding="utf-8"?>
+<p:sld xmlns:a="http://schemas.openxmlformats.org/drawingml/2006/main" xmlns:r="http://schemas.openxmlformats.org/officeDocument/2006/relationships" xmlns:p="http://schemas.openxmlformats.org/presentationml/2006/main">
+  <p:cSld>
+    <p:bg>
+      <p:bgPr>
+        <a:blipFill rotWithShape="1">
+          <a:blip r:embed="rId2">
+            <a:duotone>
+              <a:schemeClr val="bg2">
+                <a:shade val="28000"/>
+                <a:satMod val="94000"/>
+                <a:lumMod val="20000"/>
+              </a:schemeClr>
+              <a:schemeClr val="bg2">
+                <a:tint val="94000"/>
+                <a:shade val="84000"/>
+                <a:satMod val="148000"/>
+                <a:lumMod val="114000"/>
+              </a:schemeClr>
+            </a:duotone>
+            <a:extLst/>
+          </a:blip>
+          <a:stretch/>
+        </a:blipFill>
+        <a:effectLst/>
+      </p:bgPr>
+    </p:bg>
+    <p:spTree>
+      <p:nvGrpSpPr>
+        <p:cNvPr id="1" name=""/>
+        <p:cNvGrpSpPr/>
+        <p:nvPr/>
+      </p:nvGrpSpPr>
+      <p:grpSpPr>
+        <a:xfrm>
+          <a:off x="0" y="0"/>
+          <a:ext cx="0" cy="0"/>
+          <a:chOff x="0" y="0"/>
+          <a:chExt cx="0" cy="0"/>
+        </a:xfrm>
+      </p:grpSpPr>
+      <p:pic>
+        <p:nvPicPr>
+          <p:cNvPr id="8" name="Content Placeholder 4">
+            <a:extLst>
+              <a:ext uri="{FF2B5EF4-FFF2-40B4-BE49-F238E27FC236}">
+                <a16:creationId xmlns:a16="http://schemas.microsoft.com/office/drawing/2014/main" id="{1BEC8D73-BDF5-4AB4-BE44-7FBCCEC98676}"/>
+              </a:ext>
+            </a:extLst>
+          </p:cNvPr>
+          <p:cNvPicPr>
+            <a:picLocks noChangeAspect="1"/>
+          </p:cNvPicPr>
+          <p:nvPr/>
+        </p:nvPicPr>
+        <p:blipFill>
+          <a:blip r:embed="rId3">
+            <a:extLst>
+              <a:ext uri="{28A0092B-C50C-407E-A947-70E740481C1C}">
+                <a14:useLocalDpi xmlns:a14="http://schemas.microsoft.com/office/drawing/2010/main" val="0"/>
+              </a:ext>
+            </a:extLst>
+          </a:blip>
+          <a:stretch>
+            <a:fillRect/>
+          </a:stretch>
+        </p:blipFill>
+        <p:spPr>
+          <a:xfrm>
+            <a:off x="4792642" y="2300651"/>
+            <a:ext cx="6593337" cy="1936657"/>
+          </a:xfrm>
+          <a:prstGeom prst="roundRect">
+            <a:avLst>
+              <a:gd name="adj" fmla="val 3517"/>
+            </a:avLst>
+          </a:prstGeom>
+          <a:ln w="38100">
+            <a:gradFill flip="none" rotWithShape="1">
+              <a:gsLst>
+                <a:gs pos="0">
+                  <a:srgbClr val="363D46"/>
+                </a:gs>
+                <a:gs pos="100000">
+                  <a:srgbClr val="363D46">
+                    <a:lumMod val="75000"/>
+                  </a:srgbClr>
+                </a:gs>
+              </a:gsLst>
+              <a:lin ang="5400000" scaled="0"/>
+              <a:tileRect/>
+            </a:gradFill>
+          </a:ln>
+          <a:effectLst>
+            <a:innerShdw blurRad="57150" dist="38100" dir="14460000">
+              <a:srgbClr val="000000">
+                <a:alpha val="70000"/>
+              </a:srgbClr>
+            </a:innerShdw>
+          </a:effectLst>
+        </p:spPr>
+      </p:pic>
+      <p:sp>
+        <p:nvSpPr>
+          <p:cNvPr id="2" name="Title 1">
+            <a:extLst>
+              <a:ext uri="{FF2B5EF4-FFF2-40B4-BE49-F238E27FC236}">
+                <a16:creationId xmlns:a16="http://schemas.microsoft.com/office/drawing/2014/main" id="{6937FC59-FCD2-4255-B816-2FBDD0DCF019}"/>
+              </a:ext>
+            </a:extLst>
+          </p:cNvPr>
+          <p:cNvSpPr>
+            <a:spLocks noGrp="1"/>
+          </p:cNvSpPr>
+          <p:nvPr>
+            <p:ph type="title"/>
+          </p:nvPr>
+        </p:nvSpPr>
+        <p:spPr>
+          <a:xfrm>
+            <a:off x="643192" y="609600"/>
+            <a:ext cx="3643674" cy="1905000"/>
+          </a:xfrm>
+        </p:spPr>
+        <p:txBody>
+          <a:bodyPr>
+            <a:normAutofit/>
+          </a:bodyPr>
+          <a:lstStyle/>
+          <a:p>
+            <a:r>
+              <a:rPr lang="en-US" sz="2800" dirty="0"/>
+              <a:t>Test Decorators</a:t>
+            </a:r>
+          </a:p>
+        </p:txBody>
+      </p:sp>
+      <p:sp>
+        <p:nvSpPr>
+          <p:cNvPr id="10" name="Content Placeholder 9">
+            <a:extLst>
+              <a:ext uri="{FF2B5EF4-FFF2-40B4-BE49-F238E27FC236}">
+                <a16:creationId xmlns:a16="http://schemas.microsoft.com/office/drawing/2014/main" id="{C946236E-356D-485A-84A4-9E6675F5044D}"/>
+              </a:ext>
+            </a:extLst>
+          </p:cNvPr>
+          <p:cNvSpPr>
+            <a:spLocks noGrp="1"/>
+          </p:cNvSpPr>
+          <p:nvPr>
+            <p:ph idx="1"/>
+          </p:nvPr>
+        </p:nvSpPr>
+        <p:spPr>
+          <a:xfrm>
+            <a:off x="643192" y="2666999"/>
+            <a:ext cx="3643674" cy="3216276"/>
+          </a:xfrm>
+        </p:spPr>
+        <p:txBody>
+          <a:bodyPr anchor="t">
+            <a:normAutofit/>
+          </a:bodyPr>
+          <a:lstStyle/>
+          <a:p>
+            <a:r>
+              <a:rPr lang="en-US" sz="1800" dirty="0" err="1"/>
+              <a:t>skipIf</a:t>
+            </a:r>
+            <a:r>
+              <a:rPr lang="en-US" sz="1800" dirty="0"/>
+              <a:t> – skips test based on Boolean condition</a:t>
+            </a:r>
+          </a:p>
+          <a:p>
+            <a:r>
+              <a:rPr lang="en-US" sz="1800" dirty="0"/>
+              <a:t>Tags – metadata that can be used during test selection</a:t>
+            </a:r>
+          </a:p>
+          <a:p>
+            <a:pPr lvl="1"/>
+            <a:r>
+              <a:rPr lang="en-US" sz="1600" dirty="0"/>
+              <a:t>Tag conventions are usually project specific</a:t>
+            </a:r>
+          </a:p>
+        </p:txBody>
+      </p:sp>
+    </p:spTree>
+    <p:extLst>
+      <p:ext uri="{BB962C8B-B14F-4D97-AF65-F5344CB8AC3E}">
+        <p14:creationId xmlns:p14="http://schemas.microsoft.com/office/powerpoint/2010/main" val="1949476112"/>
+      </p:ext>
+    </p:extLst>
+  </p:cSld>
+  <p:clrMapOvr>
+    <a:masterClrMapping/>
+  </p:clrMapOvr>
+</p:sld>
+</file>
+
+<file path=ppt/slides/slide7.xml><?xml version="1.0" encoding="utf-8"?>
+<p:sld xmlns:a="http://schemas.openxmlformats.org/drawingml/2006/main" xmlns:r="http://schemas.openxmlformats.org/officeDocument/2006/relationships" xmlns:p="http://schemas.openxmlformats.org/presentationml/2006/main">
+  <p:cSld>
+    <p:spTree>
+      <p:nvGrpSpPr>
+        <p:cNvPr id="1" name=""/>
+        <p:cNvGrpSpPr/>
+        <p:nvPr/>
+      </p:nvGrpSpPr>
+      <p:grpSpPr>
+        <a:xfrm>
+          <a:off x="0" y="0"/>
+          <a:ext cx="0" cy="0"/>
+          <a:chOff x="0" y="0"/>
+          <a:chExt cx="0" cy="0"/>
+        </a:xfrm>
+      </p:grpSpPr>
+      <p:sp>
+        <p:nvSpPr>
+          <p:cNvPr id="2" name="Title 1">
+            <a:extLst>
+              <a:ext uri="{FF2B5EF4-FFF2-40B4-BE49-F238E27FC236}">
+                <a16:creationId xmlns:a16="http://schemas.microsoft.com/office/drawing/2014/main" id="{77EB49F4-396F-4021-80D6-D7CA869B4763}"/>
+              </a:ext>
+            </a:extLst>
+          </p:cNvPr>
+          <p:cNvSpPr>
+            <a:spLocks noGrp="1"/>
+          </p:cNvSpPr>
+          <p:nvPr>
+            <p:ph type="title"/>
+          </p:nvPr>
+        </p:nvSpPr>
+        <p:spPr/>
+        <p:txBody>
+          <a:bodyPr/>
+          <a:lstStyle/>
+          <a:p>
+            <a:r>
+              <a:rPr lang="en-US" dirty="0"/>
+              <a:t>Data-Driven Tests </a:t>
+            </a:r>
+          </a:p>
+        </p:txBody>
+      </p:sp>
+      <p:sp>
+        <p:nvSpPr>
+          <p:cNvPr id="3" name="Content Placeholder 2">
+            <a:extLst>
+              <a:ext uri="{FF2B5EF4-FFF2-40B4-BE49-F238E27FC236}">
+                <a16:creationId xmlns:a16="http://schemas.microsoft.com/office/drawing/2014/main" id="{CAE4BD25-5940-463C-BEB2-2A932227A376}"/>
+              </a:ext>
+            </a:extLst>
+          </p:cNvPr>
+          <p:cNvSpPr>
+            <a:spLocks noGrp="1"/>
+          </p:cNvSpPr>
+          <p:nvPr>
+            <p:ph idx="1"/>
+          </p:nvPr>
+        </p:nvSpPr>
+        <p:spPr/>
+        <p:txBody>
+          <a:bodyPr/>
+          <a:lstStyle/>
+          <a:p>
+            <a:endParaRPr lang="en-US"/>
+          </a:p>
+        </p:txBody>
+      </p:sp>
+    </p:spTree>
+    <p:extLst>
+      <p:ext uri="{BB962C8B-B14F-4D97-AF65-F5344CB8AC3E}">
+        <p14:creationId xmlns:p14="http://schemas.microsoft.com/office/powerpoint/2010/main" val="3732482663"/>
+      </p:ext>
+    </p:extLst>
+  </p:cSld>
+  <p:clrMapOvr>
+    <a:masterClrMapping/>
+  </p:clrMapOvr>
+</p:sld>
+</file>
+
+<file path=ppt/slides/slide8.xml><?xml version="1.0" encoding="utf-8"?>
+<p:sld xmlns:a="http://schemas.openxmlformats.org/drawingml/2006/main" xmlns:r="http://schemas.openxmlformats.org/officeDocument/2006/relationships" xmlns:p="http://schemas.openxmlformats.org/presentationml/2006/main">
+  <p:cSld>
+    <p:bg>
+      <p:bgPr>
+        <a:blipFill rotWithShape="1">
+          <a:blip r:embed="rId2">
+            <a:duotone>
+              <a:schemeClr val="bg2">
+                <a:shade val="28000"/>
+                <a:satMod val="94000"/>
+                <a:lumMod val="20000"/>
+              </a:schemeClr>
+              <a:schemeClr val="bg2">
+                <a:tint val="94000"/>
+                <a:shade val="84000"/>
+                <a:satMod val="148000"/>
+                <a:lumMod val="114000"/>
+              </a:schemeClr>
+            </a:duotone>
+            <a:extLst/>
+          </a:blip>
+          <a:stretch/>
+        </a:blipFill>
+        <a:effectLst/>
+      </p:bgPr>
+    </p:bg>
+    <p:spTree>
+      <p:nvGrpSpPr>
+        <p:cNvPr id="1" name=""/>
+        <p:cNvGrpSpPr/>
+        <p:nvPr/>
+      </p:nvGrpSpPr>
+      <p:grpSpPr>
+        <a:xfrm>
+          <a:off x="0" y="0"/>
+          <a:ext cx="0" cy="0"/>
+          <a:chOff x="0" y="0"/>
+          <a:chExt cx="0" cy="0"/>
+        </a:xfrm>
+      </p:grpSpPr>
+      <p:sp>
+        <p:nvSpPr>
+          <p:cNvPr id="13" name="Rectangle 7">
+            <a:extLst>
+              <a:ext uri="{FF2B5EF4-FFF2-40B4-BE49-F238E27FC236}">
+                <a16:creationId xmlns:a16="http://schemas.microsoft.com/office/drawing/2014/main" id="{CAAB0C47-03D3-4EC5-9300-FE0F7101422B}"/>
+              </a:ext>
+            </a:extLst>
+          </p:cNvPr>
+          <p:cNvSpPr>
+            <a:spLocks noGrp="1" noRot="1" noChangeAspect="1" noMove="1" noResize="1" noEditPoints="1" noAdjustHandles="1" noChangeArrowheads="1" noChangeShapeType="1" noTextEdit="1"/>
+          </p:cNvSpPr>
+          <p:nvPr>
+            <p:extLst>
+              <p:ext uri="{386F3935-93C4-4BCD-93E2-E3B085C9AB24}">
+                <p16:designElem xmlns:p16="http://schemas.microsoft.com/office/powerpoint/2015/main" val="1"/>
+              </p:ext>
+            </p:extLst>
+          </p:nvPr>
+        </p:nvSpPr>
+        <p:spPr>
+          <a:xfrm>
+            <a:off x="0" y="0"/>
+            <a:ext cx="12192000" cy="6858000"/>
+          </a:xfrm>
+          <a:prstGeom prst="rect">
+            <a:avLst/>
+          </a:prstGeom>
+          <a:solidFill>
+            <a:schemeClr val="bg2"/>
+          </a:solidFill>
+          <a:ln>
+            <a:noFill/>
+          </a:ln>
+        </p:spPr>
+        <p:style>
+          <a:lnRef idx="2">
+            <a:schemeClr val="accent1">
+              <a:shade val="50000"/>
+            </a:schemeClr>
+          </a:lnRef>
+          <a:fillRef idx="1">
+            <a:schemeClr val="accent1"/>
+          </a:fillRef>
+          <a:effectRef idx="0">
+            <a:schemeClr val="accent1"/>
+          </a:effectRef>
+          <a:fontRef idx="minor">
+            <a:schemeClr val="lt1"/>
+          </a:fontRef>
+        </p:style>
+        <p:txBody>
+          <a:bodyPr rtlCol="0" anchor="ctr"/>
+          <a:lstStyle/>
+          <a:p>
+            <a:pPr algn="ctr"/>
+            <a:endParaRPr lang="en-US"/>
+          </a:p>
+        </p:txBody>
+      </p:sp>
+      <p:sp useBgFill="1">
+        <p:nvSpPr>
+          <p:cNvPr id="14" name="Rounded Rectangle 9">
+            <a:extLst>
+              <a:ext uri="{FF2B5EF4-FFF2-40B4-BE49-F238E27FC236}">
+                <a16:creationId xmlns:a16="http://schemas.microsoft.com/office/drawing/2014/main" id="{8EC4BECB-3915-428C-B97E-9B2A95053DBE}"/>
+              </a:ext>
+            </a:extLst>
+          </p:cNvPr>
+          <p:cNvSpPr>
+            <a:spLocks noGrp="1" noRot="1" noChangeAspect="1" noMove="1" noResize="1" noEditPoints="1" noAdjustHandles="1" noChangeArrowheads="1" noChangeShapeType="1" noTextEdit="1"/>
+          </p:cNvSpPr>
+          <p:nvPr>
+            <p:extLst>
+              <p:ext uri="{386F3935-93C4-4BCD-93E2-E3B085C9AB24}">
+                <p16:designElem xmlns:p16="http://schemas.microsoft.com/office/powerpoint/2015/main" val="1"/>
+              </p:ext>
+            </p:extLst>
+          </p:nvPr>
+        </p:nvSpPr>
+        <p:spPr>
+          <a:xfrm>
+            <a:off x="14591" y="0"/>
+            <a:ext cx="3401878" cy="6857999"/>
+          </a:xfrm>
+          <a:prstGeom prst="roundRect">
+            <a:avLst>
+              <a:gd name="adj" fmla="val 0"/>
+            </a:avLst>
+          </a:prstGeom>
+          <a:ln w="44450">
+            <a:noFill/>
+          </a:ln>
+          <a:effectLst/>
+        </p:spPr>
+        <p:style>
+          <a:lnRef idx="2">
+            <a:schemeClr val="accent1">
+              <a:shade val="50000"/>
+            </a:schemeClr>
+          </a:lnRef>
+          <a:fillRef idx="1003">
+            <a:schemeClr val="dk2"/>
+          </a:fillRef>
+          <a:effectRef idx="0">
+            <a:schemeClr val="accent1"/>
+          </a:effectRef>
+          <a:fontRef idx="minor">
+            <a:schemeClr val="lt1"/>
+          </a:fontRef>
+        </p:style>
+        <p:txBody>
+          <a:bodyPr rtlCol="0" anchor="ctr"/>
+          <a:lstStyle/>
+          <a:p>
+            <a:pPr algn="ctr"/>
+            <a:endParaRPr lang="en-US"/>
+          </a:p>
+        </p:txBody>
+      </p:sp>
+      <p:cxnSp>
+        <p:nvCxnSpPr>
+          <p:cNvPr id="12" name="Straight Connector 11">
+            <a:extLst>
+              <a:ext uri="{FF2B5EF4-FFF2-40B4-BE49-F238E27FC236}">
+                <a16:creationId xmlns:a16="http://schemas.microsoft.com/office/drawing/2014/main" id="{62FE8E50-044C-4BD7-A1B4-BC8AF7CDCF76}"/>
+              </a:ext>
+            </a:extLst>
+          </p:cNvPr>
+          <p:cNvCxnSpPr>
+            <a:cxnSpLocks noGrp="1" noRot="1" noChangeAspect="1" noMove="1" noResize="1" noEditPoints="1" noAdjustHandles="1" noChangeArrowheads="1" noChangeShapeType="1"/>
+          </p:cNvCxnSpPr>
+          <p:nvPr>
+            <p:extLst>
+              <p:ext uri="{386F3935-93C4-4BCD-93E2-E3B085C9AB24}">
+                <p16:designElem xmlns:p16="http://schemas.microsoft.com/office/powerpoint/2015/main" val="1"/>
+              </p:ext>
+            </p:extLst>
+          </p:nvPr>
+        </p:nvCxnSpPr>
+        <p:spPr>
+          <a:xfrm>
+            <a:off x="3416469" y="0"/>
+            <a:ext cx="0" cy="6858000"/>
+          </a:xfrm>
+          <a:prstGeom prst="line">
+            <a:avLst/>
+          </a:prstGeom>
+          <a:solidFill>
+            <a:srgbClr val="FFFFFF"/>
+          </a:solidFill>
+          <a:ln w="38100" cap="flat">
+            <a:gradFill flip="none" rotWithShape="1">
+              <a:gsLst>
+                <a:gs pos="0">
+                  <a:srgbClr val="363D46"/>
+                </a:gs>
+                <a:gs pos="100000">
+                  <a:srgbClr val="363D46">
+                    <a:lumMod val="75000"/>
+                  </a:srgbClr>
+                </a:gs>
+              </a:gsLst>
+              <a:lin ang="5400000" scaled="0"/>
+              <a:tileRect/>
+            </a:gradFill>
+            <a:miter lim="800000"/>
+          </a:ln>
+          <a:effectLst>
+            <a:outerShdw blurRad="50800" dist="25400" algn="l" rotWithShape="0">
+              <a:prstClr val="black">
+                <a:alpha val="40000"/>
+              </a:prstClr>
+            </a:outerShdw>
+          </a:effectLst>
+        </p:spPr>
+        <p:style>
+          <a:lnRef idx="2">
+            <a:schemeClr val="accent1">
+              <a:shade val="50000"/>
+            </a:schemeClr>
+          </a:lnRef>
+          <a:fillRef idx="1">
+            <a:schemeClr val="accent1"/>
+          </a:fillRef>
+          <a:effectRef idx="0">
+            <a:schemeClr val="accent1"/>
+          </a:effectRef>
+          <a:fontRef idx="minor">
+            <a:schemeClr val="lt1"/>
+          </a:fontRef>
+        </p:style>
+      </p:cxnSp>
+      <p:sp>
+        <p:nvSpPr>
+          <p:cNvPr id="2" name="Title 1">
+            <a:extLst>
+              <a:ext uri="{FF2B5EF4-FFF2-40B4-BE49-F238E27FC236}">
+                <a16:creationId xmlns:a16="http://schemas.microsoft.com/office/drawing/2014/main" id="{1AC34AF0-AE1B-4C17-8503-E1106E8EEDC3}"/>
+              </a:ext>
+            </a:extLst>
+          </p:cNvPr>
+          <p:cNvSpPr>
+            <a:spLocks noGrp="1"/>
+          </p:cNvSpPr>
+          <p:nvPr>
+            <p:ph type="title"/>
+          </p:nvPr>
+        </p:nvSpPr>
+        <p:spPr>
+          <a:xfrm>
+            <a:off x="3752793" y="643467"/>
+            <a:ext cx="7795740" cy="4280312"/>
+          </a:xfrm>
+        </p:spPr>
+        <p:txBody>
+          <a:bodyPr vert="horz" lIns="91440" tIns="45720" rIns="91440" bIns="45720" rtlCol="0" anchor="b">
+            <a:normAutofit/>
+          </a:bodyPr>
+          <a:lstStyle/>
+          <a:p>
+            <a:r>
+              <a:rPr lang="en-US" sz="6600">
+                <a:effectLst>
+                  <a:glow rad="38100">
+                    <a:schemeClr val="bg1">
+                      <a:lumMod val="65000"/>
+                      <a:lumOff val="35000"/>
+                      <a:alpha val="50000"/>
+                    </a:schemeClr>
+                  </a:glow>
+                  <a:outerShdw blurRad="28575" dist="31750" dir="13200000" algn="tl" rotWithShape="0">
+                    <a:srgbClr val="000000">
+                      <a:alpha val="25000"/>
+                    </a:srgbClr>
+                  </a:outerShdw>
+                </a:effectLst>
+              </a:rPr>
+              <a:t>Test Execution and Debugging</a:t>
+            </a:r>
+          </a:p>
+        </p:txBody>
+      </p:sp>
+    </p:spTree>
+    <p:extLst>
+      <p:ext uri="{BB962C8B-B14F-4D97-AF65-F5344CB8AC3E}">
+        <p14:creationId xmlns:p14="http://schemas.microsoft.com/office/powerpoint/2010/main" val="4223086839"/>
+      </p:ext>
+    </p:extLst>
+  </p:cSld>
+  <p:clrMapOvr>
+    <a:masterClrMapping/>
+  </p:clrMapOvr>
+</p:sld>
+</file>
+
+<file path=ppt/slides/slide9.xml><?xml version="1.0" encoding="utf-8"?>
+<p:sld xmlns:a="http://schemas.openxmlformats.org/drawingml/2006/main" xmlns:r="http://schemas.openxmlformats.org/officeDocument/2006/relationships" xmlns:p="http://schemas.openxmlformats.org/presentationml/2006/main">
+  <p:cSld>
+    <p:spTree>
+      <p:nvGrpSpPr>
+        <p:cNvPr id="1" name=""/>
+        <p:cNvGrpSpPr/>
+        <p:nvPr/>
+      </p:nvGrpSpPr>
+      <p:grpSpPr>
+        <a:xfrm>
+          <a:off x="0" y="0"/>
+          <a:ext cx="0" cy="0"/>
+          <a:chOff x="0" y="0"/>
+          <a:chExt cx="0" cy="0"/>
+        </a:xfrm>
+      </p:grpSpPr>
+      <p:sp>
+        <p:nvSpPr>
+          <p:cNvPr id="2" name="Title 1">
+            <a:extLst>
+              <a:ext uri="{FF2B5EF4-FFF2-40B4-BE49-F238E27FC236}">
+                <a16:creationId xmlns:a16="http://schemas.microsoft.com/office/drawing/2014/main" id="{AB9046EC-6A68-40E5-8E8F-3CACDAC0FCDD}"/>
+              </a:ext>
+            </a:extLst>
+          </p:cNvPr>
+          <p:cNvSpPr>
+            <a:spLocks noGrp="1"/>
+          </p:cNvSpPr>
+          <p:nvPr>
+            <p:ph type="title"/>
+          </p:nvPr>
+        </p:nvSpPr>
+        <p:spPr/>
+        <p:txBody>
+          <a:bodyPr/>
+          <a:lstStyle/>
+          <a:p>
+            <a:endParaRPr lang="en-US"/>
+          </a:p>
+        </p:txBody>
+      </p:sp>
+      <p:sp>
+        <p:nvSpPr>
+          <p:cNvPr id="3" name="Content Placeholder 2">
+            <a:extLst>
+              <a:ext uri="{FF2B5EF4-FFF2-40B4-BE49-F238E27FC236}">
+                <a16:creationId xmlns:a16="http://schemas.microsoft.com/office/drawing/2014/main" id="{045BF2CB-DCDB-448C-8F91-D3214CDC6AAD}"/>
+              </a:ext>
+            </a:extLst>
+          </p:cNvPr>
+          <p:cNvSpPr>
+            <a:spLocks noGrp="1"/>
+          </p:cNvSpPr>
+          <p:nvPr>
+            <p:ph idx="1"/>
+          </p:nvPr>
+        </p:nvSpPr>
+        <p:spPr/>
+        <p:txBody>
+          <a:bodyPr/>
+          <a:lstStyle/>
+          <a:p>
+            <a:r>
+              <a:rPr lang="en-US"/>
+              <a:t>Show conventions damn it</a:t>
+            </a:r>
+          </a:p>
+        </p:txBody>
+      </p:sp>
+    </p:spTree>
+    <p:extLst>
+      <p:ext uri="{BB962C8B-B14F-4D97-AF65-F5344CB8AC3E}">
+        <p14:creationId xmlns:p14="http://schemas.microsoft.com/office/powerpoint/2010/main" val="1720602589"/>
+      </p:ext>
+    </p:extLst>
+  </p:cSld>
+  <p:clrMapOvr>
+    <a:masterClrMapping/>
+  </p:clrMapOvr>
+</p:sld>
+</file>
+
 <file path=ppt/theme/theme1.xml><?xml version="1.0" encoding="utf-8"?>
-<a:theme xmlns:a="http://schemas.openxmlformats.org/drawingml/2006/main" name="Office Theme">
+<a:theme xmlns:a="http://schemas.openxmlformats.org/drawingml/2006/main" name="Mesh">
   <a:themeElements>
-    <a:clrScheme name="Office">
+    <a:clrScheme name="Mesh">
       <a:dk1>
         <a:sysClr val="windowText" lastClr="000000"/>
       </a:dk1>
@@ -3405,100 +7922,48 @@
         <a:sysClr val="window" lastClr="FFFFFF"/>
       </a:lt1>
       <a:dk2>
-        <a:srgbClr val="44546A"/>
+        <a:srgbClr val="363D46"/>
       </a:dk2>
       <a:lt2>
-        <a:srgbClr val="E7E6E6"/>
+        <a:srgbClr val="EBEBEB"/>
       </a:lt2>
       <a:accent1>
-        <a:srgbClr val="4472C4"/>
+        <a:srgbClr val="6F6F6F"/>
       </a:accent1>
       <a:accent2>
-        <a:srgbClr val="ED7D31"/>
+        <a:srgbClr val="BFBFA5"/>
       </a:accent2>
       <a:accent3>
-        <a:srgbClr val="A5A5A5"/>
+        <a:srgbClr val="DCD084"/>
       </a:accent3>
       <a:accent4>
-        <a:srgbClr val="FFC000"/>
+        <a:srgbClr val="E7BF5F"/>
       </a:accent4>
       <a:accent5>
-        <a:srgbClr val="5B9BD5"/>
+        <a:srgbClr val="E9A039"/>
       </a:accent5>
       <a:accent6>
-        <a:srgbClr val="70AD47"/>
+        <a:srgbClr val="CF7133"/>
       </a:accent6>
       <a:hlink>
-        <a:srgbClr val="0563C1"/>
+        <a:srgbClr val="F28943"/>
       </a:hlink>
       <a:folHlink>
-        <a:srgbClr val="954F72"/>
+        <a:srgbClr val="F1B76C"/>
       </a:folHlink>
     </a:clrScheme>
-    <a:fontScheme name="Office">
+    <a:fontScheme name="Mesh">
       <a:majorFont>
-        <a:latin typeface="Calibri Light" panose="020F0302020204030204"/>
+        <a:latin typeface="Century Gothic" panose="020B0502020202020204"/>
         <a:ea typeface=""/>
         <a:cs typeface=""/>
-        <a:font script="Jpan" typeface="游ゴシック Light"/>
+        <a:font script="Jpan" typeface="ＭＳ ゴシック"/>
         <a:font script="Hang" typeface="맑은 고딕"/>
-        <a:font script="Hans" typeface="等线 Light"/>
+        <a:font script="Hans" typeface="宋体"/>
         <a:font script="Hant" typeface="新細明體"/>
-        <a:font script="Arab" typeface="Times New Roman"/>
-        <a:font script="Hebr" typeface="Times New Roman"/>
-        <a:font script="Thai" typeface="Angsana New"/>
-        <a:font script="Ethi" typeface="Nyala"/>
-        <a:font script="Beng" typeface="Vrinda"/>
-        <a:font script="Gujr" typeface="Shruti"/>
-        <a:font script="Khmr" typeface="MoolBoran"/>
-        <a:font script="Knda" typeface="Tunga"/>
-        <a:font script="Guru" typeface="Raavi"/>
-        <a:font script="Cans" typeface="Euphemia"/>
-        <a:font script="Cher" typeface="Plantagenet Cherokee"/>
-        <a:font script="Yiii" typeface="Microsoft Yi Baiti"/>
-        <a:font script="Tibt" typeface="Microsoft Himalaya"/>
-        <a:font script="Thaa" typeface="MV Boli"/>
-        <a:font script="Deva" typeface="Mangal"/>
-        <a:font script="Telu" typeface="Gautami"/>
-        <a:font script="Taml" typeface="Latha"/>
-        <a:font script="Syrc" typeface="Estrangelo Edessa"/>
-        <a:font script="Orya" typeface="Kalinga"/>
-        <a:font script="Mlym" typeface="Kartika"/>
-        <a:font script="Laoo" typeface="DokChampa"/>
-        <a:font script="Sinh" typeface="Iskoola Pota"/>
-        <a:font script="Mong" typeface="Mongolian Baiti"/>
-        <a:font script="Viet" typeface="Times New Roman"/>
-        <a:font script="Uigh" typeface="Microsoft Uighur"/>
-        <a:font script="Geor" typeface="Sylfaen"/>
-        <a:font script="Armn" typeface="Arial"/>
-        <a:font script="Bugi" typeface="Leelawadee UI"/>
-        <a:font script="Bopo" typeface="Microsoft JhengHei"/>
-        <a:font script="Java" typeface="Javanese Text"/>
-        <a:font script="Lisu" typeface="Segoe UI"/>
-        <a:font script="Mymr" typeface="Myanmar Text"/>
-        <a:font script="Nkoo" typeface="Ebrima"/>
-        <a:font script="Olck" typeface="Nirmala UI"/>
-        <a:font script="Osma" typeface="Ebrima"/>
-        <a:font script="Phag" typeface="Phagspa"/>
-        <a:font script="Syrn" typeface="Estrangelo Edessa"/>
-        <a:font script="Syrj" typeface="Estrangelo Edessa"/>
-        <a:font script="Syre" typeface="Estrangelo Edessa"/>
-        <a:font script="Sora" typeface="Nirmala UI"/>
-        <a:font script="Tale" typeface="Microsoft Tai Le"/>
-        <a:font script="Talu" typeface="Microsoft New Tai Lue"/>
-        <a:font script="Tfng" typeface="Ebrima"/>
-      </a:majorFont>
-      <a:minorFont>
-        <a:latin typeface="Calibri" panose="020F0502020204030204"/>
-        <a:ea typeface=""/>
-        <a:cs typeface=""/>
-        <a:font script="Jpan" typeface="游ゴシック"/>
-        <a:font script="Hang" typeface="맑은 고딕"/>
-        <a:font script="Hans" typeface="等线"/>
-        <a:font script="Hant" typeface="新細明體"/>
-        <a:font script="Arab" typeface="Arial"/>
-        <a:font script="Hebr" typeface="Arial"/>
-        <a:font script="Thai" typeface="Cordia New"/>
+        <a:font script="Arab" typeface="Tahoma"/>
+        <a:font script="Hebr" typeface="Gisha"/>
+        <a:font script="Thai" typeface="DilleniaUPC"/>
         <a:font script="Ethi" typeface="Nyala"/>
         <a:font script="Beng" typeface="Vrinda"/>
         <a:font script="Gujr" typeface="Shruti"/>
@@ -3519,29 +7984,47 @@
         <a:font script="Laoo" typeface="DokChampa"/>
         <a:font script="Sinh" typeface="Iskoola Pota"/>
         <a:font script="Mong" typeface="Mongolian Baiti"/>
-        <a:font script="Viet" typeface="Arial"/>
+        <a:font script="Viet" typeface="Tahoma"/>
         <a:font script="Uigh" typeface="Microsoft Uighur"/>
         <a:font script="Geor" typeface="Sylfaen"/>
-        <a:font script="Armn" typeface="Arial"/>
-        <a:font script="Bugi" typeface="Leelawadee UI"/>
-        <a:font script="Bopo" typeface="Microsoft JhengHei"/>
-        <a:font script="Java" typeface="Javanese Text"/>
-        <a:font script="Lisu" typeface="Segoe UI"/>
-        <a:font script="Mymr" typeface="Myanmar Text"/>
-        <a:font script="Nkoo" typeface="Ebrima"/>
-        <a:font script="Olck" typeface="Nirmala UI"/>
-        <a:font script="Osma" typeface="Ebrima"/>
-        <a:font script="Phag" typeface="Phagspa"/>
-        <a:font script="Syrn" typeface="Estrangelo Edessa"/>
-        <a:font script="Syrj" typeface="Estrangelo Edessa"/>
-        <a:font script="Syre" typeface="Estrangelo Edessa"/>
-        <a:font script="Sora" typeface="Nirmala UI"/>
-        <a:font script="Tale" typeface="Microsoft Tai Le"/>
-        <a:font script="Talu" typeface="Microsoft New Tai Lue"/>
-        <a:font script="Tfng" typeface="Ebrima"/>
+      </a:majorFont>
+      <a:minorFont>
+        <a:latin typeface="Century Gothic" panose="020B0502020202020204"/>
+        <a:ea typeface=""/>
+        <a:cs typeface=""/>
+        <a:font script="Jpan" typeface="ＭＳ ゴシック"/>
+        <a:font script="Hang" typeface="맑은 고딕"/>
+        <a:font script="Hans" typeface="宋体"/>
+        <a:font script="Hant" typeface="新細明體"/>
+        <a:font script="Arab" typeface="Tahoma"/>
+        <a:font script="Hebr" typeface="Gisha"/>
+        <a:font script="Thai" typeface="DilleniaUPC"/>
+        <a:font script="Ethi" typeface="Nyala"/>
+        <a:font script="Beng" typeface="Vrinda"/>
+        <a:font script="Gujr" typeface="Shruti"/>
+        <a:font script="Khmr" typeface="DaunPenh"/>
+        <a:font script="Knda" typeface="Tunga"/>
+        <a:font script="Guru" typeface="Raavi"/>
+        <a:font script="Cans" typeface="Euphemia"/>
+        <a:font script="Cher" typeface="Plantagenet Cherokee"/>
+        <a:font script="Yiii" typeface="Microsoft Yi Baiti"/>
+        <a:font script="Tibt" typeface="Microsoft Himalaya"/>
+        <a:font script="Thaa" typeface="MV Boli"/>
+        <a:font script="Deva" typeface="Mangal"/>
+        <a:font script="Telu" typeface="Gautami"/>
+        <a:font script="Taml" typeface="Latha"/>
+        <a:font script="Syrc" typeface="Estrangelo Edessa"/>
+        <a:font script="Orya" typeface="Kalinga"/>
+        <a:font script="Mlym" typeface="Kartika"/>
+        <a:font script="Laoo" typeface="DokChampa"/>
+        <a:font script="Sinh" typeface="Iskoola Pota"/>
+        <a:font script="Mong" typeface="Mongolian Baiti"/>
+        <a:font script="Viet" typeface="Verdana"/>
+        <a:font script="Uigh" typeface="Microsoft Uighur"/>
+        <a:font script="Geor" typeface="Sylfaen"/>
       </a:minorFont>
     </a:fontScheme>
-    <a:fmtScheme name="Office">
+    <a:fmtScheme name="Mesh">
       <a:fillStyleLst>
         <a:solidFill>
           <a:schemeClr val="phClr"/>
@@ -3550,23 +8033,13 @@
           <a:gsLst>
             <a:gs pos="0">
               <a:schemeClr val="phClr">
+                <a:tint val="60000"/>
                 <a:lumMod val="110000"/>
-                <a:satMod val="105000"/>
-                <a:tint val="67000"/>
-              </a:schemeClr>
-            </a:gs>
-            <a:gs pos="50000">
-              <a:schemeClr val="phClr">
-                <a:lumMod val="105000"/>
-                <a:satMod val="103000"/>
-                <a:tint val="73000"/>
               </a:schemeClr>
             </a:gs>
             <a:gs pos="100000">
               <a:schemeClr val="phClr">
-                <a:lumMod val="105000"/>
-                <a:satMod val="109000"/>
-                <a:tint val="81000"/>
+                <a:tint val="82000"/>
               </a:schemeClr>
             </a:gs>
           </a:gsLst>
@@ -3576,23 +8049,14 @@
           <a:gsLst>
             <a:gs pos="0">
               <a:schemeClr val="phClr">
-                <a:satMod val="103000"/>
-                <a:lumMod val="102000"/>
-                <a:tint val="94000"/>
-              </a:schemeClr>
-            </a:gs>
-            <a:gs pos="50000">
-              <a:schemeClr val="phClr">
-                <a:satMod val="110000"/>
-                <a:lumMod val="100000"/>
-                <a:shade val="100000"/>
+                <a:tint val="96000"/>
+                <a:lumMod val="104000"/>
               </a:schemeClr>
             </a:gs>
             <a:gs pos="100000">
               <a:schemeClr val="phClr">
-                <a:lumMod val="99000"/>
-                <a:satMod val="120000"/>
-                <a:shade val="78000"/>
+                <a:shade val="84000"/>
+                <a:lumMod val="84000"/>
               </a:schemeClr>
             </a:gs>
           </a:gsLst>
@@ -3600,26 +8064,23 @@
         </a:gradFill>
       </a:fillStyleLst>
       <a:lnStyleLst>
-        <a:ln w="6350" cap="flat" cmpd="sng" algn="ctr">
+        <a:ln w="9525" cap="rnd" cmpd="sng" algn="ctr">
           <a:solidFill>
             <a:schemeClr val="phClr"/>
           </a:solidFill>
           <a:prstDash val="solid"/>
-          <a:miter lim="800000"/>
         </a:ln>
-        <a:ln w="12700" cap="flat" cmpd="sng" algn="ctr">
+        <a:ln w="19050" cap="rnd" cmpd="sng" algn="ctr">
           <a:solidFill>
             <a:schemeClr val="phClr"/>
           </a:solidFill>
           <a:prstDash val="solid"/>
-          <a:miter lim="800000"/>
         </a:ln>
-        <a:ln w="19050" cap="flat" cmpd="sng" algn="ctr">
+        <a:ln w="25400" cap="rnd" cmpd="sng" algn="ctr">
           <a:solidFill>
             <a:schemeClr val="phClr"/>
           </a:solidFill>
           <a:prstDash val="solid"/>
-          <a:miter lim="800000"/>
         </a:ln>
       </a:lnStyleLst>
       <a:effectStyleLst>
@@ -3627,55 +8088,72 @@
           <a:effectLst/>
         </a:effectStyle>
         <a:effectStyle>
-          <a:effectLst/>
+          <a:effectLst>
+            <a:innerShdw blurRad="50800" dist="25400" dir="13500000">
+              <a:srgbClr val="000000">
+                <a:alpha val="55000"/>
+              </a:srgbClr>
+            </a:innerShdw>
+          </a:effectLst>
         </a:effectStyle>
         <a:effectStyle>
           <a:effectLst>
-            <a:outerShdw blurRad="57150" dist="19050" dir="5400000" algn="ctr" rotWithShape="0">
+            <a:outerShdw blurRad="50800" dist="38100" dir="5400000" rotWithShape="0">
               <a:srgbClr val="000000">
-                <a:alpha val="63000"/>
+                <a:alpha val="60000"/>
               </a:srgbClr>
             </a:outerShdw>
           </a:effectLst>
+          <a:scene3d>
+            <a:camera prst="orthographicFront">
+              <a:rot lat="0" lon="0" rev="0"/>
+            </a:camera>
+            <a:lightRig rig="threePt" dir="tl"/>
+          </a:scene3d>
+          <a:sp3d>
+            <a:bevelT w="25400" h="25400" prst="slope"/>
+          </a:sp3d>
         </a:effectStyle>
       </a:effectStyleLst>
       <a:bgFillStyleLst>
         <a:solidFill>
           <a:schemeClr val="phClr"/>
         </a:solidFill>
-        <a:solidFill>
-          <a:schemeClr val="phClr">
-            <a:tint val="95000"/>
-            <a:satMod val="170000"/>
-          </a:schemeClr>
-        </a:solidFill>
         <a:gradFill rotWithShape="1">
           <a:gsLst>
             <a:gs pos="0">
               <a:schemeClr val="phClr">
-                <a:tint val="93000"/>
-                <a:satMod val="150000"/>
-                <a:shade val="98000"/>
-                <a:lumMod val="102000"/>
-              </a:schemeClr>
-            </a:gs>
-            <a:gs pos="50000">
-              <a:schemeClr val="phClr">
-                <a:tint val="98000"/>
-                <a:satMod val="130000"/>
-                <a:shade val="90000"/>
-                <a:lumMod val="103000"/>
+                <a:tint val="90000"/>
+                <a:lumMod val="110000"/>
               </a:schemeClr>
             </a:gs>
             <a:gs pos="100000">
               <a:schemeClr val="phClr">
-                <a:shade val="63000"/>
-                <a:satMod val="120000"/>
+                <a:shade val="64000"/>
+                <a:lumMod val="98000"/>
               </a:schemeClr>
             </a:gs>
           </a:gsLst>
           <a:lin ang="5400000" scaled="0"/>
         </a:gradFill>
+        <a:blipFill rotWithShape="1">
+          <a:blip xmlns:r="http://schemas.openxmlformats.org/officeDocument/2006/relationships" r:embed="rId1">
+            <a:duotone>
+              <a:schemeClr val="phClr">
+                <a:shade val="28000"/>
+                <a:satMod val="94000"/>
+                <a:lumMod val="20000"/>
+              </a:schemeClr>
+              <a:schemeClr val="phClr">
+                <a:tint val="94000"/>
+                <a:shade val="84000"/>
+                <a:satMod val="148000"/>
+                <a:lumMod val="114000"/>
+              </a:schemeClr>
+            </a:duotone>
+          </a:blip>
+          <a:stretch/>
+        </a:blipFill>
       </a:bgFillStyleLst>
     </a:fmtScheme>
   </a:themeElements>
@@ -3683,7 +8161,7 @@
   <a:extraClrSchemeLst/>
   <a:extLst>
     <a:ext uri="{05A4C25C-085E-4340-85A3-A5531E510DB2}">
-      <thm15:themeFamily xmlns:thm15="http://schemas.microsoft.com/office/thememl/2012/main" name="Office Theme" id="{62F939B6-93AF-4DB8-9C6B-D6C7DFDC589F}" vid="{4A3C46E8-61CC-4603-A589-7422A47A8E4A}"/>
+      <thm15:themeFamily xmlns:thm15="http://schemas.microsoft.com/office/thememl/2012/main" name="Mesh" id="{789EC3FE-34FD-429C-9918-760025E6C145}" vid="{B8BE45C0-8141-4D58-8C71-A009BC26FBBB}"/>
     </a:ext>
   </a:extLst>
 </a:theme>

--- a/OpenCafeTraining-Part2.pptx
+++ b/OpenCafeTraining-Part2.pptx
@@ -7120,6 +7120,12 @@
           <a:p>
             <a:r>
               <a:rPr lang="en-US" sz="1800" dirty="0"/>
+              <a:t>When should you do this?</a:t>
+            </a:r>
+          </a:p>
+          <a:p>
+            <a:r>
+              <a:rPr lang="en-US" sz="1800" dirty="0"/>
               <a:t>Demo</a:t>
             </a:r>
           </a:p>

--- a/OpenCafeTraining-Part2.pptx
+++ b/OpenCafeTraining-Part2.pptx
@@ -17,9 +17,13 @@
     <p:sldId id="265" r:id="rId11"/>
     <p:sldId id="263" r:id="rId12"/>
     <p:sldId id="264" r:id="rId13"/>
-    <p:sldId id="267" r:id="rId14"/>
-    <p:sldId id="268" r:id="rId15"/>
-    <p:sldId id="266" r:id="rId16"/>
+    <p:sldId id="275" r:id="rId14"/>
+    <p:sldId id="276" r:id="rId15"/>
+    <p:sldId id="274" r:id="rId16"/>
+    <p:sldId id="267" r:id="rId17"/>
+    <p:sldId id="268" r:id="rId18"/>
+    <p:sldId id="273" r:id="rId19"/>
+    <p:sldId id="266" r:id="rId20"/>
   </p:sldIdLst>
   <p:sldSz cx="12192000" cy="6858000"/>
   <p:notesSz cx="6858000" cy="9144000"/>
@@ -124,6 +128,4651 @@
     </p:ext>
   </p:extLst>
 </p:presentation>
+</file>
+
+<file path=ppt/diagrams/colors1.xml><?xml version="1.0" encoding="utf-8"?>
+<dgm:colorsDef xmlns:dgm="http://schemas.openxmlformats.org/drawingml/2006/diagram" xmlns:a="http://schemas.openxmlformats.org/drawingml/2006/main" uniqueId="urn:microsoft.com/office/officeart/2005/8/colors/accent1_3">
+  <dgm:title val=""/>
+  <dgm:desc val=""/>
+  <dgm:catLst>
+    <dgm:cat type="accent1" pri="11300"/>
+  </dgm:catLst>
+  <dgm:styleLbl name="node0">
+    <dgm:fillClrLst meth="repeat">
+      <a:schemeClr val="accent1">
+        <a:shade val="80000"/>
+      </a:schemeClr>
+    </dgm:fillClrLst>
+    <dgm:linClrLst meth="repeat">
+      <a:schemeClr val="lt1"/>
+    </dgm:linClrLst>
+    <dgm:effectClrLst/>
+    <dgm:txLinClrLst/>
+    <dgm:txFillClrLst/>
+    <dgm:txEffectClrLst/>
+  </dgm:styleLbl>
+  <dgm:styleLbl name="alignNode1">
+    <dgm:fillClrLst>
+      <a:schemeClr val="accent1">
+        <a:shade val="80000"/>
+      </a:schemeClr>
+      <a:schemeClr val="accent1">
+        <a:tint val="70000"/>
+      </a:schemeClr>
+    </dgm:fillClrLst>
+    <dgm:linClrLst>
+      <a:schemeClr val="accent1">
+        <a:shade val="80000"/>
+      </a:schemeClr>
+      <a:schemeClr val="accent1">
+        <a:tint val="70000"/>
+      </a:schemeClr>
+    </dgm:linClrLst>
+    <dgm:effectClrLst/>
+    <dgm:txLinClrLst/>
+    <dgm:txFillClrLst/>
+    <dgm:txEffectClrLst/>
+  </dgm:styleLbl>
+  <dgm:styleLbl name="node1">
+    <dgm:fillClrLst>
+      <a:schemeClr val="accent1">
+        <a:shade val="80000"/>
+      </a:schemeClr>
+      <a:schemeClr val="accent1">
+        <a:tint val="70000"/>
+      </a:schemeClr>
+    </dgm:fillClrLst>
+    <dgm:linClrLst meth="repeat">
+      <a:schemeClr val="lt1"/>
+    </dgm:linClrLst>
+    <dgm:effectClrLst/>
+    <dgm:txLinClrLst/>
+    <dgm:txFillClrLst/>
+    <dgm:txEffectClrLst/>
+  </dgm:styleLbl>
+  <dgm:styleLbl name="lnNode1">
+    <dgm:fillClrLst>
+      <a:schemeClr val="accent1">
+        <a:shade val="80000"/>
+      </a:schemeClr>
+      <a:schemeClr val="accent1">
+        <a:tint val="70000"/>
+      </a:schemeClr>
+    </dgm:fillClrLst>
+    <dgm:linClrLst meth="repeat">
+      <a:schemeClr val="lt1"/>
+    </dgm:linClrLst>
+    <dgm:effectClrLst/>
+    <dgm:txLinClrLst/>
+    <dgm:txFillClrLst/>
+    <dgm:txEffectClrLst/>
+  </dgm:styleLbl>
+  <dgm:styleLbl name="vennNode1">
+    <dgm:fillClrLst>
+      <a:schemeClr val="accent1">
+        <a:shade val="80000"/>
+        <a:alpha val="50000"/>
+      </a:schemeClr>
+      <a:schemeClr val="accent1">
+        <a:tint val="70000"/>
+        <a:alpha val="50000"/>
+      </a:schemeClr>
+    </dgm:fillClrLst>
+    <dgm:linClrLst meth="repeat">
+      <a:schemeClr val="lt1"/>
+    </dgm:linClrLst>
+    <dgm:effectClrLst/>
+    <dgm:txLinClrLst/>
+    <dgm:txFillClrLst/>
+    <dgm:txEffectClrLst/>
+  </dgm:styleLbl>
+  <dgm:styleLbl name="node2">
+    <dgm:fillClrLst>
+      <a:schemeClr val="accent1">
+        <a:tint val="99000"/>
+      </a:schemeClr>
+    </dgm:fillClrLst>
+    <dgm:linClrLst meth="repeat">
+      <a:schemeClr val="lt1"/>
+    </dgm:linClrLst>
+    <dgm:effectClrLst/>
+    <dgm:txLinClrLst/>
+    <dgm:txFillClrLst/>
+    <dgm:txEffectClrLst/>
+  </dgm:styleLbl>
+  <dgm:styleLbl name="node3">
+    <dgm:fillClrLst>
+      <a:schemeClr val="accent1">
+        <a:tint val="80000"/>
+      </a:schemeClr>
+    </dgm:fillClrLst>
+    <dgm:linClrLst meth="repeat">
+      <a:schemeClr val="lt1"/>
+    </dgm:linClrLst>
+    <dgm:effectClrLst/>
+    <dgm:txLinClrLst/>
+    <dgm:txFillClrLst/>
+    <dgm:txEffectClrLst/>
+  </dgm:styleLbl>
+  <dgm:styleLbl name="node4">
+    <dgm:fillClrLst>
+      <a:schemeClr val="accent1">
+        <a:tint val="70000"/>
+      </a:schemeClr>
+    </dgm:fillClrLst>
+    <dgm:linClrLst meth="repeat">
+      <a:schemeClr val="lt1"/>
+    </dgm:linClrLst>
+    <dgm:effectClrLst/>
+    <dgm:txLinClrLst/>
+    <dgm:txFillClrLst/>
+    <dgm:txEffectClrLst/>
+  </dgm:styleLbl>
+  <dgm:styleLbl name="fgImgPlace1">
+    <dgm:fillClrLst>
+      <a:schemeClr val="accent1">
+        <a:tint val="50000"/>
+      </a:schemeClr>
+      <a:schemeClr val="accent1">
+        <a:tint val="20000"/>
+      </a:schemeClr>
+    </dgm:fillClrLst>
+    <dgm:linClrLst meth="repeat">
+      <a:schemeClr val="lt1"/>
+    </dgm:linClrLst>
+    <dgm:effectClrLst/>
+    <dgm:txLinClrLst/>
+    <dgm:txFillClrLst meth="repeat">
+      <a:schemeClr val="lt1"/>
+    </dgm:txFillClrLst>
+    <dgm:txEffectClrLst/>
+  </dgm:styleLbl>
+  <dgm:styleLbl name="alignImgPlace1">
+    <dgm:fillClrLst>
+      <a:schemeClr val="accent1">
+        <a:tint val="50000"/>
+      </a:schemeClr>
+      <a:schemeClr val="accent1">
+        <a:tint val="20000"/>
+      </a:schemeClr>
+    </dgm:fillClrLst>
+    <dgm:linClrLst meth="repeat">
+      <a:schemeClr val="lt1"/>
+    </dgm:linClrLst>
+    <dgm:effectClrLst/>
+    <dgm:txLinClrLst/>
+    <dgm:txFillClrLst meth="repeat">
+      <a:schemeClr val="lt1"/>
+    </dgm:txFillClrLst>
+    <dgm:txEffectClrLst/>
+  </dgm:styleLbl>
+  <dgm:styleLbl name="bgImgPlace1">
+    <dgm:fillClrLst>
+      <a:schemeClr val="accent1">
+        <a:tint val="50000"/>
+      </a:schemeClr>
+      <a:schemeClr val="accent1">
+        <a:tint val="20000"/>
+      </a:schemeClr>
+    </dgm:fillClrLst>
+    <dgm:linClrLst meth="repeat">
+      <a:schemeClr val="lt1"/>
+    </dgm:linClrLst>
+    <dgm:effectClrLst/>
+    <dgm:txLinClrLst/>
+    <dgm:txFillClrLst meth="repeat">
+      <a:schemeClr val="lt1"/>
+    </dgm:txFillClrLst>
+    <dgm:txEffectClrLst/>
+  </dgm:styleLbl>
+  <dgm:styleLbl name="sibTrans2D1">
+    <dgm:fillClrLst>
+      <a:schemeClr val="accent1">
+        <a:shade val="90000"/>
+      </a:schemeClr>
+      <a:schemeClr val="accent1">
+        <a:tint val="70000"/>
+      </a:schemeClr>
+    </dgm:fillClrLst>
+    <dgm:linClrLst>
+      <a:schemeClr val="accent1">
+        <a:shade val="90000"/>
+      </a:schemeClr>
+      <a:schemeClr val="accent1">
+        <a:tint val="70000"/>
+      </a:schemeClr>
+    </dgm:linClrLst>
+    <dgm:effectClrLst/>
+    <dgm:txLinClrLst/>
+    <dgm:txFillClrLst/>
+    <dgm:txEffectClrLst/>
+  </dgm:styleLbl>
+  <dgm:styleLbl name="fgSibTrans2D1">
+    <dgm:fillClrLst>
+      <a:schemeClr val="accent1">
+        <a:shade val="90000"/>
+      </a:schemeClr>
+      <a:schemeClr val="accent1">
+        <a:tint val="70000"/>
+      </a:schemeClr>
+    </dgm:fillClrLst>
+    <dgm:linClrLst>
+      <a:schemeClr val="accent1">
+        <a:shade val="90000"/>
+      </a:schemeClr>
+      <a:schemeClr val="accent1">
+        <a:tint val="70000"/>
+      </a:schemeClr>
+    </dgm:linClrLst>
+    <dgm:effectClrLst/>
+    <dgm:txLinClrLst/>
+    <dgm:txFillClrLst meth="repeat">
+      <a:schemeClr val="lt1"/>
+    </dgm:txFillClrLst>
+    <dgm:txEffectClrLst/>
+  </dgm:styleLbl>
+  <dgm:styleLbl name="bgSibTrans2D1">
+    <dgm:fillClrLst>
+      <a:schemeClr val="accent1">
+        <a:shade val="90000"/>
+      </a:schemeClr>
+      <a:schemeClr val="accent1">
+        <a:tint val="70000"/>
+      </a:schemeClr>
+    </dgm:fillClrLst>
+    <dgm:linClrLst>
+      <a:schemeClr val="accent1">
+        <a:shade val="90000"/>
+      </a:schemeClr>
+      <a:schemeClr val="accent1">
+        <a:tint val="70000"/>
+      </a:schemeClr>
+    </dgm:linClrLst>
+    <dgm:effectClrLst/>
+    <dgm:txLinClrLst/>
+    <dgm:txFillClrLst meth="repeat">
+      <a:schemeClr val="lt1"/>
+    </dgm:txFillClrLst>
+    <dgm:txEffectClrLst/>
+  </dgm:styleLbl>
+  <dgm:styleLbl name="sibTrans1D1">
+    <dgm:fillClrLst>
+      <a:schemeClr val="accent1">
+        <a:shade val="90000"/>
+      </a:schemeClr>
+      <a:schemeClr val="accent1">
+        <a:tint val="70000"/>
+      </a:schemeClr>
+    </dgm:fillClrLst>
+    <dgm:linClrLst>
+      <a:schemeClr val="accent1">
+        <a:shade val="90000"/>
+      </a:schemeClr>
+      <a:schemeClr val="accent1">
+        <a:tint val="70000"/>
+      </a:schemeClr>
+    </dgm:linClrLst>
+    <dgm:effectClrLst/>
+    <dgm:txLinClrLst/>
+    <dgm:txFillClrLst meth="repeat">
+      <a:schemeClr val="tx1"/>
+    </dgm:txFillClrLst>
+    <dgm:txEffectClrLst/>
+  </dgm:styleLbl>
+  <dgm:styleLbl name="callout">
+    <dgm:fillClrLst meth="repeat">
+      <a:schemeClr val="accent1"/>
+    </dgm:fillClrLst>
+    <dgm:linClrLst meth="repeat">
+      <a:schemeClr val="accent1"/>
+    </dgm:linClrLst>
+    <dgm:effectClrLst/>
+    <dgm:txLinClrLst/>
+    <dgm:txFillClrLst meth="repeat">
+      <a:schemeClr val="tx1"/>
+    </dgm:txFillClrLst>
+    <dgm:txEffectClrLst/>
+  </dgm:styleLbl>
+  <dgm:styleLbl name="asst0">
+    <dgm:fillClrLst meth="repeat">
+      <a:schemeClr val="accent1">
+        <a:shade val="80000"/>
+      </a:schemeClr>
+    </dgm:fillClrLst>
+    <dgm:linClrLst meth="repeat">
+      <a:schemeClr val="lt1"/>
+    </dgm:linClrLst>
+    <dgm:effectClrLst/>
+    <dgm:txLinClrLst/>
+    <dgm:txFillClrLst/>
+    <dgm:txEffectClrLst/>
+  </dgm:styleLbl>
+  <dgm:styleLbl name="asst1">
+    <dgm:fillClrLst meth="repeat">
+      <a:schemeClr val="accent1">
+        <a:shade val="80000"/>
+      </a:schemeClr>
+    </dgm:fillClrLst>
+    <dgm:linClrLst meth="repeat">
+      <a:schemeClr val="lt1"/>
+    </dgm:linClrLst>
+    <dgm:effectClrLst/>
+    <dgm:txLinClrLst/>
+    <dgm:txFillClrLst/>
+    <dgm:txEffectClrLst/>
+  </dgm:styleLbl>
+  <dgm:styleLbl name="asst2">
+    <dgm:fillClrLst>
+      <a:schemeClr val="accent1">
+        <a:tint val="99000"/>
+      </a:schemeClr>
+    </dgm:fillClrLst>
+    <dgm:linClrLst meth="repeat">
+      <a:schemeClr val="lt1"/>
+    </dgm:linClrLst>
+    <dgm:effectClrLst/>
+    <dgm:txLinClrLst/>
+    <dgm:txFillClrLst/>
+    <dgm:txEffectClrLst/>
+  </dgm:styleLbl>
+  <dgm:styleLbl name="asst3">
+    <dgm:fillClrLst>
+      <a:schemeClr val="accent1">
+        <a:tint val="80000"/>
+      </a:schemeClr>
+    </dgm:fillClrLst>
+    <dgm:linClrLst meth="repeat">
+      <a:schemeClr val="lt1"/>
+    </dgm:linClrLst>
+    <dgm:effectClrLst/>
+    <dgm:txLinClrLst/>
+    <dgm:txFillClrLst/>
+    <dgm:txEffectClrLst/>
+  </dgm:styleLbl>
+  <dgm:styleLbl name="asst4">
+    <dgm:fillClrLst>
+      <a:schemeClr val="accent1">
+        <a:tint val="70000"/>
+      </a:schemeClr>
+    </dgm:fillClrLst>
+    <dgm:linClrLst meth="repeat">
+      <a:schemeClr val="lt1"/>
+    </dgm:linClrLst>
+    <dgm:effectClrLst/>
+    <dgm:txLinClrLst/>
+    <dgm:txFillClrLst/>
+    <dgm:txEffectClrLst/>
+  </dgm:styleLbl>
+  <dgm:styleLbl name="parChTrans2D1">
+    <dgm:fillClrLst meth="repeat">
+      <a:schemeClr val="accent1">
+        <a:tint val="60000"/>
+      </a:schemeClr>
+    </dgm:fillClrLst>
+    <dgm:linClrLst meth="repeat">
+      <a:schemeClr val="accent1">
+        <a:tint val="60000"/>
+      </a:schemeClr>
+    </dgm:linClrLst>
+    <dgm:effectClrLst/>
+    <dgm:txLinClrLst/>
+    <dgm:txFillClrLst meth="repeat">
+      <a:schemeClr val="lt1"/>
+    </dgm:txFillClrLst>
+    <dgm:txEffectClrLst/>
+  </dgm:styleLbl>
+  <dgm:styleLbl name="parChTrans2D2">
+    <dgm:fillClrLst meth="repeat">
+      <a:schemeClr val="accent1">
+        <a:tint val="90000"/>
+      </a:schemeClr>
+    </dgm:fillClrLst>
+    <dgm:linClrLst meth="repeat">
+      <a:schemeClr val="accent1">
+        <a:tint val="90000"/>
+      </a:schemeClr>
+    </dgm:linClrLst>
+    <dgm:effectClrLst/>
+    <dgm:txLinClrLst/>
+    <dgm:txFillClrLst/>
+    <dgm:txEffectClrLst/>
+  </dgm:styleLbl>
+  <dgm:styleLbl name="parChTrans2D3">
+    <dgm:fillClrLst meth="repeat">
+      <a:schemeClr val="accent1">
+        <a:tint val="70000"/>
+      </a:schemeClr>
+    </dgm:fillClrLst>
+    <dgm:linClrLst meth="repeat">
+      <a:schemeClr val="accent1">
+        <a:tint val="70000"/>
+      </a:schemeClr>
+    </dgm:linClrLst>
+    <dgm:effectClrLst/>
+    <dgm:txLinClrLst/>
+    <dgm:txFillClrLst/>
+    <dgm:txEffectClrLst/>
+  </dgm:styleLbl>
+  <dgm:styleLbl name="parChTrans2D4">
+    <dgm:fillClrLst meth="repeat">
+      <a:schemeClr val="accent1">
+        <a:tint val="50000"/>
+      </a:schemeClr>
+    </dgm:fillClrLst>
+    <dgm:linClrLst meth="repeat">
+      <a:schemeClr val="accent1">
+        <a:tint val="50000"/>
+      </a:schemeClr>
+    </dgm:linClrLst>
+    <dgm:effectClrLst/>
+    <dgm:txLinClrLst/>
+    <dgm:txFillClrLst meth="repeat">
+      <a:schemeClr val="lt1"/>
+    </dgm:txFillClrLst>
+    <dgm:txEffectClrLst/>
+  </dgm:styleLbl>
+  <dgm:styleLbl name="parChTrans1D1">
+    <dgm:fillClrLst meth="repeat">
+      <a:schemeClr val="accent1">
+        <a:shade val="80000"/>
+      </a:schemeClr>
+    </dgm:fillClrLst>
+    <dgm:linClrLst meth="repeat">
+      <a:schemeClr val="accent1">
+        <a:shade val="80000"/>
+      </a:schemeClr>
+    </dgm:linClrLst>
+    <dgm:effectClrLst/>
+    <dgm:txLinClrLst/>
+    <dgm:txFillClrLst meth="repeat">
+      <a:schemeClr val="tx1"/>
+    </dgm:txFillClrLst>
+    <dgm:txEffectClrLst/>
+  </dgm:styleLbl>
+  <dgm:styleLbl name="parChTrans1D2">
+    <dgm:fillClrLst meth="repeat">
+      <a:schemeClr val="accent1">
+        <a:tint val="99000"/>
+      </a:schemeClr>
+    </dgm:fillClrLst>
+    <dgm:linClrLst meth="repeat">
+      <a:schemeClr val="accent1">
+        <a:tint val="99000"/>
+      </a:schemeClr>
+    </dgm:linClrLst>
+    <dgm:effectClrLst/>
+    <dgm:txLinClrLst/>
+    <dgm:txFillClrLst meth="repeat">
+      <a:schemeClr val="tx1"/>
+    </dgm:txFillClrLst>
+    <dgm:txEffectClrLst/>
+  </dgm:styleLbl>
+  <dgm:styleLbl name="parChTrans1D3">
+    <dgm:fillClrLst meth="repeat">
+      <a:schemeClr val="accent1">
+        <a:tint val="80000"/>
+      </a:schemeClr>
+    </dgm:fillClrLst>
+    <dgm:linClrLst meth="repeat">
+      <a:schemeClr val="accent1">
+        <a:tint val="80000"/>
+      </a:schemeClr>
+    </dgm:linClrLst>
+    <dgm:effectClrLst/>
+    <dgm:txLinClrLst/>
+    <dgm:txFillClrLst meth="repeat">
+      <a:schemeClr val="tx1"/>
+    </dgm:txFillClrLst>
+    <dgm:txEffectClrLst/>
+  </dgm:styleLbl>
+  <dgm:styleLbl name="parChTrans1D4">
+    <dgm:fillClrLst meth="repeat">
+      <a:schemeClr val="accent1">
+        <a:tint val="70000"/>
+      </a:schemeClr>
+    </dgm:fillClrLst>
+    <dgm:linClrLst meth="repeat">
+      <a:schemeClr val="accent1">
+        <a:tint val="70000"/>
+      </a:schemeClr>
+    </dgm:linClrLst>
+    <dgm:effectClrLst/>
+    <dgm:txLinClrLst/>
+    <dgm:txFillClrLst meth="repeat">
+      <a:schemeClr val="tx1"/>
+    </dgm:txFillClrLst>
+    <dgm:txEffectClrLst/>
+  </dgm:styleLbl>
+  <dgm:styleLbl name="fgAcc1">
+    <dgm:fillClrLst meth="repeat">
+      <a:schemeClr val="lt1">
+        <a:alpha val="90000"/>
+      </a:schemeClr>
+    </dgm:fillClrLst>
+    <dgm:linClrLst>
+      <a:schemeClr val="accent1">
+        <a:shade val="80000"/>
+      </a:schemeClr>
+      <a:schemeClr val="accent1">
+        <a:tint val="70000"/>
+      </a:schemeClr>
+    </dgm:linClrLst>
+    <dgm:effectClrLst/>
+    <dgm:txLinClrLst/>
+    <dgm:txFillClrLst meth="repeat">
+      <a:schemeClr val="dk1"/>
+    </dgm:txFillClrLst>
+    <dgm:txEffectClrLst/>
+  </dgm:styleLbl>
+  <dgm:styleLbl name="conFgAcc1">
+    <dgm:fillClrLst meth="repeat">
+      <a:schemeClr val="lt1">
+        <a:alpha val="90000"/>
+      </a:schemeClr>
+    </dgm:fillClrLst>
+    <dgm:linClrLst>
+      <a:schemeClr val="accent1">
+        <a:shade val="80000"/>
+      </a:schemeClr>
+      <a:schemeClr val="accent1">
+        <a:tint val="70000"/>
+      </a:schemeClr>
+    </dgm:linClrLst>
+    <dgm:effectClrLst/>
+    <dgm:txLinClrLst/>
+    <dgm:txFillClrLst meth="repeat">
+      <a:schemeClr val="dk1"/>
+    </dgm:txFillClrLst>
+    <dgm:txEffectClrLst/>
+  </dgm:styleLbl>
+  <dgm:styleLbl name="alignAcc1">
+    <dgm:fillClrLst meth="repeat">
+      <a:schemeClr val="lt1">
+        <a:alpha val="90000"/>
+      </a:schemeClr>
+    </dgm:fillClrLst>
+    <dgm:linClrLst>
+      <a:schemeClr val="accent1">
+        <a:shade val="80000"/>
+      </a:schemeClr>
+      <a:schemeClr val="accent1">
+        <a:tint val="70000"/>
+      </a:schemeClr>
+    </dgm:linClrLst>
+    <dgm:effectClrLst/>
+    <dgm:txLinClrLst/>
+    <dgm:txFillClrLst meth="repeat">
+      <a:schemeClr val="dk1"/>
+    </dgm:txFillClrLst>
+    <dgm:txEffectClrLst/>
+  </dgm:styleLbl>
+  <dgm:styleLbl name="trAlignAcc1">
+    <dgm:fillClrLst meth="repeat">
+      <a:schemeClr val="lt1">
+        <a:alpha val="40000"/>
+      </a:schemeClr>
+    </dgm:fillClrLst>
+    <dgm:linClrLst meth="repeat">
+      <a:schemeClr val="accent1"/>
+    </dgm:linClrLst>
+    <dgm:effectClrLst/>
+    <dgm:txLinClrLst/>
+    <dgm:txFillClrLst meth="repeat">
+      <a:schemeClr val="dk1"/>
+    </dgm:txFillClrLst>
+    <dgm:txEffectClrLst/>
+  </dgm:styleLbl>
+  <dgm:styleLbl name="bgAcc1">
+    <dgm:fillClrLst meth="repeat">
+      <a:schemeClr val="lt1">
+        <a:alpha val="90000"/>
+      </a:schemeClr>
+    </dgm:fillClrLst>
+    <dgm:linClrLst>
+      <a:schemeClr val="accent1">
+        <a:shade val="80000"/>
+      </a:schemeClr>
+      <a:schemeClr val="accent1">
+        <a:tint val="70000"/>
+      </a:schemeClr>
+    </dgm:linClrLst>
+    <dgm:effectClrLst/>
+    <dgm:txLinClrLst/>
+    <dgm:txFillClrLst meth="repeat">
+      <a:schemeClr val="dk1"/>
+    </dgm:txFillClrLst>
+    <dgm:txEffectClrLst/>
+  </dgm:styleLbl>
+  <dgm:styleLbl name="solidFgAcc1">
+    <dgm:fillClrLst meth="repeat">
+      <a:schemeClr val="lt1"/>
+    </dgm:fillClrLst>
+    <dgm:linClrLst>
+      <a:schemeClr val="accent1">
+        <a:shade val="80000"/>
+      </a:schemeClr>
+      <a:schemeClr val="accent1">
+        <a:tint val="70000"/>
+      </a:schemeClr>
+    </dgm:linClrLst>
+    <dgm:effectClrLst/>
+    <dgm:txLinClrLst/>
+    <dgm:txFillClrLst meth="repeat">
+      <a:schemeClr val="dk1"/>
+    </dgm:txFillClrLst>
+    <dgm:txEffectClrLst/>
+  </dgm:styleLbl>
+  <dgm:styleLbl name="solidAlignAcc1">
+    <dgm:fillClrLst meth="repeat">
+      <a:schemeClr val="lt1"/>
+    </dgm:fillClrLst>
+    <dgm:linClrLst meth="repeat">
+      <a:schemeClr val="accent1"/>
+    </dgm:linClrLst>
+    <dgm:effectClrLst/>
+    <dgm:txLinClrLst/>
+    <dgm:txFillClrLst meth="repeat">
+      <a:schemeClr val="dk1"/>
+    </dgm:txFillClrLst>
+    <dgm:txEffectClrLst/>
+  </dgm:styleLbl>
+  <dgm:styleLbl name="solidBgAcc1">
+    <dgm:fillClrLst meth="repeat">
+      <a:schemeClr val="lt1"/>
+    </dgm:fillClrLst>
+    <dgm:linClrLst meth="repeat">
+      <a:schemeClr val="accent1"/>
+    </dgm:linClrLst>
+    <dgm:effectClrLst/>
+    <dgm:txLinClrLst/>
+    <dgm:txFillClrLst meth="repeat">
+      <a:schemeClr val="dk1"/>
+    </dgm:txFillClrLst>
+    <dgm:txEffectClrLst/>
+  </dgm:styleLbl>
+  <dgm:styleLbl name="fgAccFollowNode1">
+    <dgm:fillClrLst meth="repeat">
+      <a:schemeClr val="accent1">
+        <a:alpha val="90000"/>
+        <a:tint val="40000"/>
+      </a:schemeClr>
+    </dgm:fillClrLst>
+    <dgm:linClrLst meth="repeat">
+      <a:schemeClr val="accent1">
+        <a:alpha val="90000"/>
+        <a:tint val="40000"/>
+      </a:schemeClr>
+    </dgm:linClrLst>
+    <dgm:effectClrLst/>
+    <dgm:txLinClrLst/>
+    <dgm:txFillClrLst meth="repeat">
+      <a:schemeClr val="dk1"/>
+    </dgm:txFillClrLst>
+    <dgm:txEffectClrLst/>
+  </dgm:styleLbl>
+  <dgm:styleLbl name="alignAccFollowNode1">
+    <dgm:fillClrLst meth="repeat">
+      <a:schemeClr val="accent1">
+        <a:alpha val="90000"/>
+        <a:tint val="40000"/>
+      </a:schemeClr>
+    </dgm:fillClrLst>
+    <dgm:linClrLst meth="repeat">
+      <a:schemeClr val="accent1">
+        <a:alpha val="90000"/>
+        <a:tint val="40000"/>
+      </a:schemeClr>
+    </dgm:linClrLst>
+    <dgm:effectClrLst/>
+    <dgm:txLinClrLst/>
+    <dgm:txFillClrLst meth="repeat">
+      <a:schemeClr val="dk1"/>
+    </dgm:txFillClrLst>
+    <dgm:txEffectClrLst/>
+  </dgm:styleLbl>
+  <dgm:styleLbl name="bgAccFollowNode1">
+    <dgm:fillClrLst meth="repeat">
+      <a:schemeClr val="accent1">
+        <a:alpha val="90000"/>
+        <a:tint val="40000"/>
+      </a:schemeClr>
+    </dgm:fillClrLst>
+    <dgm:linClrLst meth="repeat">
+      <a:schemeClr val="lt1"/>
+    </dgm:linClrLst>
+    <dgm:effectClrLst/>
+    <dgm:txLinClrLst/>
+    <dgm:txFillClrLst meth="repeat">
+      <a:schemeClr val="dk1"/>
+    </dgm:txFillClrLst>
+    <dgm:txEffectClrLst/>
+  </dgm:styleLbl>
+  <dgm:styleLbl name="fgAcc0">
+    <dgm:fillClrLst meth="repeat">
+      <a:schemeClr val="lt1">
+        <a:alpha val="90000"/>
+      </a:schemeClr>
+    </dgm:fillClrLst>
+    <dgm:linClrLst meth="repeat">
+      <a:schemeClr val="accent1">
+        <a:shade val="80000"/>
+      </a:schemeClr>
+    </dgm:linClrLst>
+    <dgm:effectClrLst/>
+    <dgm:txLinClrLst/>
+    <dgm:txFillClrLst meth="repeat">
+      <a:schemeClr val="dk1"/>
+    </dgm:txFillClrLst>
+    <dgm:txEffectClrLst/>
+  </dgm:styleLbl>
+  <dgm:styleLbl name="fgAcc2">
+    <dgm:fillClrLst meth="repeat">
+      <a:schemeClr val="lt1">
+        <a:alpha val="90000"/>
+      </a:schemeClr>
+    </dgm:fillClrLst>
+    <dgm:linClrLst meth="repeat">
+      <a:schemeClr val="accent1">
+        <a:tint val="99000"/>
+      </a:schemeClr>
+    </dgm:linClrLst>
+    <dgm:effectClrLst/>
+    <dgm:txLinClrLst/>
+    <dgm:txFillClrLst meth="repeat">
+      <a:schemeClr val="dk1"/>
+    </dgm:txFillClrLst>
+    <dgm:txEffectClrLst/>
+  </dgm:styleLbl>
+  <dgm:styleLbl name="fgAcc3">
+    <dgm:fillClrLst meth="repeat">
+      <a:schemeClr val="lt1">
+        <a:alpha val="90000"/>
+      </a:schemeClr>
+    </dgm:fillClrLst>
+    <dgm:linClrLst meth="repeat">
+      <a:schemeClr val="accent1">
+        <a:tint val="80000"/>
+      </a:schemeClr>
+    </dgm:linClrLst>
+    <dgm:effectClrLst/>
+    <dgm:txLinClrLst/>
+    <dgm:txFillClrLst meth="repeat">
+      <a:schemeClr val="dk1"/>
+    </dgm:txFillClrLst>
+    <dgm:txEffectClrLst/>
+  </dgm:styleLbl>
+  <dgm:styleLbl name="fgAcc4">
+    <dgm:fillClrLst meth="repeat">
+      <a:schemeClr val="lt1">
+        <a:alpha val="90000"/>
+      </a:schemeClr>
+    </dgm:fillClrLst>
+    <dgm:linClrLst meth="repeat">
+      <a:schemeClr val="accent1">
+        <a:tint val="70000"/>
+      </a:schemeClr>
+    </dgm:linClrLst>
+    <dgm:effectClrLst/>
+    <dgm:txLinClrLst/>
+    <dgm:txFillClrLst meth="repeat">
+      <a:schemeClr val="dk1"/>
+    </dgm:txFillClrLst>
+    <dgm:txEffectClrLst/>
+  </dgm:styleLbl>
+  <dgm:styleLbl name="bgShp">
+    <dgm:fillClrLst meth="repeat">
+      <a:schemeClr val="accent1">
+        <a:tint val="40000"/>
+      </a:schemeClr>
+    </dgm:fillClrLst>
+    <dgm:linClrLst meth="repeat">
+      <a:schemeClr val="dk1"/>
+    </dgm:linClrLst>
+    <dgm:effectClrLst/>
+    <dgm:txLinClrLst/>
+    <dgm:txFillClrLst meth="repeat">
+      <a:schemeClr val="dk1"/>
+    </dgm:txFillClrLst>
+    <dgm:txEffectClrLst/>
+  </dgm:styleLbl>
+  <dgm:styleLbl name="dkBgShp">
+    <dgm:fillClrLst meth="repeat">
+      <a:schemeClr val="accent1">
+        <a:shade val="90000"/>
+      </a:schemeClr>
+    </dgm:fillClrLst>
+    <dgm:linClrLst meth="repeat">
+      <a:schemeClr val="dk1"/>
+    </dgm:linClrLst>
+    <dgm:effectClrLst/>
+    <dgm:txLinClrLst/>
+    <dgm:txFillClrLst meth="repeat">
+      <a:schemeClr val="lt1"/>
+    </dgm:txFillClrLst>
+    <dgm:txEffectClrLst/>
+  </dgm:styleLbl>
+  <dgm:styleLbl name="trBgShp">
+    <dgm:fillClrLst meth="repeat">
+      <a:schemeClr val="accent1">
+        <a:tint val="50000"/>
+        <a:alpha val="40000"/>
+      </a:schemeClr>
+    </dgm:fillClrLst>
+    <dgm:linClrLst meth="repeat">
+      <a:schemeClr val="accent1"/>
+    </dgm:linClrLst>
+    <dgm:effectClrLst/>
+    <dgm:txLinClrLst/>
+    <dgm:txFillClrLst meth="repeat">
+      <a:schemeClr val="lt1"/>
+    </dgm:txFillClrLst>
+    <dgm:txEffectClrLst/>
+  </dgm:styleLbl>
+  <dgm:styleLbl name="fgShp">
+    <dgm:fillClrLst meth="repeat">
+      <a:schemeClr val="accent1">
+        <a:tint val="40000"/>
+      </a:schemeClr>
+    </dgm:fillClrLst>
+    <dgm:linClrLst meth="repeat">
+      <a:schemeClr val="lt1"/>
+    </dgm:linClrLst>
+    <dgm:effectClrLst/>
+    <dgm:txLinClrLst/>
+    <dgm:txFillClrLst meth="repeat">
+      <a:schemeClr val="dk1"/>
+    </dgm:txFillClrLst>
+    <dgm:txEffectClrLst/>
+  </dgm:styleLbl>
+  <dgm:styleLbl name="revTx">
+    <dgm:fillClrLst meth="repeat">
+      <a:schemeClr val="lt1">
+        <a:alpha val="0"/>
+      </a:schemeClr>
+    </dgm:fillClrLst>
+    <dgm:linClrLst meth="repeat">
+      <a:schemeClr val="dk1">
+        <a:alpha val="0"/>
+      </a:schemeClr>
+    </dgm:linClrLst>
+    <dgm:effectClrLst/>
+    <dgm:txLinClrLst/>
+    <dgm:txFillClrLst meth="repeat">
+      <a:schemeClr val="tx1"/>
+    </dgm:txFillClrLst>
+    <dgm:txEffectClrLst/>
+  </dgm:styleLbl>
+</dgm:colorsDef>
+</file>
+
+<file path=ppt/diagrams/data1.xml><?xml version="1.0" encoding="utf-8"?>
+<dgm:dataModel xmlns:dgm="http://schemas.openxmlformats.org/drawingml/2006/diagram" xmlns:a="http://schemas.openxmlformats.org/drawingml/2006/main">
+  <dgm:ptLst>
+    <dgm:pt modelId="{23B74DBA-A5E9-4948-9D8E-25D8D7F618CC}" type="doc">
+      <dgm:prSet loTypeId="urn:microsoft.com/office/officeart/2005/8/layout/hierarchy5" loCatId="hierarchy" qsTypeId="urn:microsoft.com/office/officeart/2005/8/quickstyle/simple5" qsCatId="simple" csTypeId="urn:microsoft.com/office/officeart/2005/8/colors/accent1_3" csCatId="accent1" phldr="1"/>
+      <dgm:spPr/>
+      <dgm:t>
+        <a:bodyPr/>
+        <a:lstStyle/>
+        <a:p>
+          <a:endParaRPr lang="en-US"/>
+        </a:p>
+      </dgm:t>
+    </dgm:pt>
+    <dgm:pt modelId="{913A2943-0540-42E6-9333-41B583FB7D27}">
+      <dgm:prSet phldrT="[Text]"/>
+      <dgm:spPr/>
+      <dgm:t>
+        <a:bodyPr/>
+        <a:lstStyle/>
+        <a:p>
+          <a:r>
+            <a:rPr lang="en-US"/>
+            <a:t>Compute</a:t>
+          </a:r>
+        </a:p>
+      </dgm:t>
+    </dgm:pt>
+    <dgm:pt modelId="{AF3CFC2F-D035-474A-BD1B-B99FA9B27889}" type="parTrans" cxnId="{54FD6E18-F292-49DE-A54C-04CAF034A572}">
+      <dgm:prSet/>
+      <dgm:spPr/>
+      <dgm:t>
+        <a:bodyPr/>
+        <a:lstStyle/>
+        <a:p>
+          <a:endParaRPr lang="en-US"/>
+        </a:p>
+      </dgm:t>
+    </dgm:pt>
+    <dgm:pt modelId="{6035CB3B-9C5B-401B-99DC-ACFE1042E35C}" type="sibTrans" cxnId="{54FD6E18-F292-49DE-A54C-04CAF034A572}">
+      <dgm:prSet/>
+      <dgm:spPr/>
+      <dgm:t>
+        <a:bodyPr/>
+        <a:lstStyle/>
+        <a:p>
+          <a:endParaRPr lang="en-US"/>
+        </a:p>
+      </dgm:t>
+    </dgm:pt>
+    <dgm:pt modelId="{8119164D-9570-47C1-BE21-6AADC402EEE7}">
+      <dgm:prSet phldrT="[Text]"/>
+      <dgm:spPr/>
+      <dgm:t>
+        <a:bodyPr/>
+        <a:lstStyle/>
+        <a:p>
+          <a:r>
+            <a:rPr lang="en-US"/>
+            <a:t>DateTime1</a:t>
+          </a:r>
+        </a:p>
+      </dgm:t>
+    </dgm:pt>
+    <dgm:pt modelId="{C4CF8243-1649-4531-8A47-1533ED16CD7D}" type="parTrans" cxnId="{8C780B09-9535-411D-87B4-696416222481}">
+      <dgm:prSet/>
+      <dgm:spPr/>
+      <dgm:t>
+        <a:bodyPr/>
+        <a:lstStyle/>
+        <a:p>
+          <a:endParaRPr lang="en-US"/>
+        </a:p>
+      </dgm:t>
+    </dgm:pt>
+    <dgm:pt modelId="{A1D4CE99-4367-4121-90FA-0E7CABF5674A}" type="sibTrans" cxnId="{8C780B09-9535-411D-87B4-696416222481}">
+      <dgm:prSet/>
+      <dgm:spPr/>
+      <dgm:t>
+        <a:bodyPr/>
+        <a:lstStyle/>
+        <a:p>
+          <a:endParaRPr lang="en-US"/>
+        </a:p>
+      </dgm:t>
+    </dgm:pt>
+    <dgm:pt modelId="{7D638B5C-841C-43E1-A42F-107AECC977BA}">
+      <dgm:prSet phldrT="[Text]"/>
+      <dgm:spPr/>
+      <dgm:t>
+        <a:bodyPr/>
+        <a:lstStyle/>
+        <a:p>
+          <a:r>
+            <a:rPr lang="en-US"/>
+            <a:t>cafe.master.log</a:t>
+          </a:r>
+        </a:p>
+      </dgm:t>
+    </dgm:pt>
+    <dgm:pt modelId="{D93615A9-EB07-4106-9D21-0AB82BA2E7E4}" type="parTrans" cxnId="{71947B64-D139-4D7C-B0E6-659C1D860950}">
+      <dgm:prSet/>
+      <dgm:spPr/>
+      <dgm:t>
+        <a:bodyPr/>
+        <a:lstStyle/>
+        <a:p>
+          <a:endParaRPr lang="en-US"/>
+        </a:p>
+      </dgm:t>
+    </dgm:pt>
+    <dgm:pt modelId="{0D95E02A-2E3B-482C-BDCD-EE15D3CC9DB7}" type="sibTrans" cxnId="{71947B64-D139-4D7C-B0E6-659C1D860950}">
+      <dgm:prSet/>
+      <dgm:spPr/>
+      <dgm:t>
+        <a:bodyPr/>
+        <a:lstStyle/>
+        <a:p>
+          <a:endParaRPr lang="en-US"/>
+        </a:p>
+      </dgm:t>
+    </dgm:pt>
+    <dgm:pt modelId="{0B765726-55DA-42C1-8924-1022D9672F03}">
+      <dgm:prSet phldrT="[Text]"/>
+      <dgm:spPr/>
+      <dgm:t>
+        <a:bodyPr/>
+        <a:lstStyle/>
+        <a:p>
+          <a:r>
+            <a:rPr lang="en-US"/>
+            <a:t>TestClass1</a:t>
+          </a:r>
+        </a:p>
+      </dgm:t>
+    </dgm:pt>
+    <dgm:pt modelId="{677DFCF1-5D2E-43C1-A091-DA98AEA94474}" type="parTrans" cxnId="{86A4D2D3-C7BD-4B2C-838A-4D57AA338C9F}">
+      <dgm:prSet/>
+      <dgm:spPr/>
+      <dgm:t>
+        <a:bodyPr/>
+        <a:lstStyle/>
+        <a:p>
+          <a:endParaRPr lang="en-US"/>
+        </a:p>
+      </dgm:t>
+    </dgm:pt>
+    <dgm:pt modelId="{AD0BFFCE-D1DD-425A-8E2E-3F0442414EFF}" type="sibTrans" cxnId="{86A4D2D3-C7BD-4B2C-838A-4D57AA338C9F}">
+      <dgm:prSet/>
+      <dgm:spPr/>
+      <dgm:t>
+        <a:bodyPr/>
+        <a:lstStyle/>
+        <a:p>
+          <a:endParaRPr lang="en-US"/>
+        </a:p>
+      </dgm:t>
+    </dgm:pt>
+    <dgm:pt modelId="{7751E6B7-3429-4B3E-8508-9C976D86A322}">
+      <dgm:prSet phldrT="[Text]"/>
+      <dgm:spPr/>
+      <dgm:t>
+        <a:bodyPr/>
+        <a:lstStyle/>
+        <a:p>
+          <a:r>
+            <a:rPr lang="en-US"/>
+            <a:t>DateTime2</a:t>
+          </a:r>
+        </a:p>
+      </dgm:t>
+    </dgm:pt>
+    <dgm:pt modelId="{2D348C15-9D03-4F70-AB7C-9D9C6E71DBAB}" type="parTrans" cxnId="{93303A89-9FA2-4CE6-8BD8-349F21BDC023}">
+      <dgm:prSet/>
+      <dgm:spPr/>
+      <dgm:t>
+        <a:bodyPr/>
+        <a:lstStyle/>
+        <a:p>
+          <a:endParaRPr lang="en-US"/>
+        </a:p>
+      </dgm:t>
+    </dgm:pt>
+    <dgm:pt modelId="{C2621DCF-411E-4910-9328-253FCDDCC5B0}" type="sibTrans" cxnId="{93303A89-9FA2-4CE6-8BD8-349F21BDC023}">
+      <dgm:prSet/>
+      <dgm:spPr/>
+      <dgm:t>
+        <a:bodyPr/>
+        <a:lstStyle/>
+        <a:p>
+          <a:endParaRPr lang="en-US"/>
+        </a:p>
+      </dgm:t>
+    </dgm:pt>
+    <dgm:pt modelId="{528D44E4-8903-4329-B329-A1E6F2936B37}">
+      <dgm:prSet phldrT="[Text]"/>
+      <dgm:spPr/>
+      <dgm:t>
+        <a:bodyPr/>
+        <a:lstStyle/>
+        <a:p>
+          <a:r>
+            <a:rPr lang="en-US"/>
+            <a:t>cafe.master.log</a:t>
+          </a:r>
+        </a:p>
+      </dgm:t>
+    </dgm:pt>
+    <dgm:pt modelId="{5D7BF391-0DBA-4376-8B7E-B5FEF400FC4B}" type="parTrans" cxnId="{3FE2E78D-D4F1-4EFE-ABA0-4C5F59DB658E}">
+      <dgm:prSet/>
+      <dgm:spPr/>
+      <dgm:t>
+        <a:bodyPr/>
+        <a:lstStyle/>
+        <a:p>
+          <a:endParaRPr lang="en-US"/>
+        </a:p>
+      </dgm:t>
+    </dgm:pt>
+    <dgm:pt modelId="{1A6AFA74-8F70-4D3E-A35F-088EC2155AFB}" type="sibTrans" cxnId="{3FE2E78D-D4F1-4EFE-ABA0-4C5F59DB658E}">
+      <dgm:prSet/>
+      <dgm:spPr/>
+      <dgm:t>
+        <a:bodyPr/>
+        <a:lstStyle/>
+        <a:p>
+          <a:endParaRPr lang="en-US"/>
+        </a:p>
+      </dgm:t>
+    </dgm:pt>
+    <dgm:pt modelId="{BFCAC210-E83F-4AF3-AB72-3A7E33B8ABDD}">
+      <dgm:prSet phldrT="[Text]"/>
+      <dgm:spPr/>
+      <dgm:t>
+        <a:bodyPr/>
+        <a:lstStyle/>
+        <a:p>
+          <a:r>
+            <a:rPr lang="en-US"/>
+            <a:t>Products</a:t>
+          </a:r>
+        </a:p>
+      </dgm:t>
+    </dgm:pt>
+    <dgm:pt modelId="{B1903296-FA80-436B-838A-7E45D56316DD}" type="parTrans" cxnId="{5104B6CA-7AFC-4D3E-8396-1AAE4A3AAD87}">
+      <dgm:prSet/>
+      <dgm:spPr/>
+      <dgm:t>
+        <a:bodyPr/>
+        <a:lstStyle/>
+        <a:p>
+          <a:endParaRPr lang="en-US"/>
+        </a:p>
+      </dgm:t>
+    </dgm:pt>
+    <dgm:pt modelId="{4B572A72-2792-428C-86F5-7EC7418A0576}" type="sibTrans" cxnId="{5104B6CA-7AFC-4D3E-8396-1AAE4A3AAD87}">
+      <dgm:prSet/>
+      <dgm:spPr/>
+      <dgm:t>
+        <a:bodyPr/>
+        <a:lstStyle/>
+        <a:p>
+          <a:endParaRPr lang="en-US"/>
+        </a:p>
+      </dgm:t>
+    </dgm:pt>
+    <dgm:pt modelId="{1EBE37F9-459C-4483-8CAE-763A6E025D7A}">
+      <dgm:prSet phldrT="[Text]"/>
+      <dgm:spPr/>
+      <dgm:t>
+        <a:bodyPr/>
+        <a:lstStyle/>
+        <a:p>
+          <a:r>
+            <a:rPr lang="en-US"/>
+            <a:t>Test Runs</a:t>
+          </a:r>
+        </a:p>
+      </dgm:t>
+    </dgm:pt>
+    <dgm:pt modelId="{63A4F2C6-2FDC-4988-9646-88746BC5DD9B}" type="parTrans" cxnId="{409FA339-F4CB-43FB-BB4D-A752D614419B}">
+      <dgm:prSet/>
+      <dgm:spPr/>
+      <dgm:t>
+        <a:bodyPr/>
+        <a:lstStyle/>
+        <a:p>
+          <a:endParaRPr lang="en-US"/>
+        </a:p>
+      </dgm:t>
+    </dgm:pt>
+    <dgm:pt modelId="{3CD72BD5-D409-4F58-B498-AE697EF65ECE}" type="sibTrans" cxnId="{409FA339-F4CB-43FB-BB4D-A752D614419B}">
+      <dgm:prSet/>
+      <dgm:spPr/>
+      <dgm:t>
+        <a:bodyPr/>
+        <a:lstStyle/>
+        <a:p>
+          <a:endParaRPr lang="en-US"/>
+        </a:p>
+      </dgm:t>
+    </dgm:pt>
+    <dgm:pt modelId="{0B39A7A9-DF83-44B1-A017-D1B3A634282E}">
+      <dgm:prSet phldrT="[Text]"/>
+      <dgm:spPr/>
+      <dgm:t>
+        <a:bodyPr/>
+        <a:lstStyle/>
+        <a:p>
+          <a:r>
+            <a:rPr lang="en-US"/>
+            <a:t>Logs</a:t>
+          </a:r>
+        </a:p>
+      </dgm:t>
+    </dgm:pt>
+    <dgm:pt modelId="{F62784B6-5F26-4BE4-9E2F-58E83F24ADA1}" type="parTrans" cxnId="{F99A2A3B-6AA0-46B9-AF5D-C3D1A50CFD08}">
+      <dgm:prSet/>
+      <dgm:spPr/>
+      <dgm:t>
+        <a:bodyPr/>
+        <a:lstStyle/>
+        <a:p>
+          <a:endParaRPr lang="en-US"/>
+        </a:p>
+      </dgm:t>
+    </dgm:pt>
+    <dgm:pt modelId="{95897281-174F-4693-B380-364E40C3EC47}" type="sibTrans" cxnId="{F99A2A3B-6AA0-46B9-AF5D-C3D1A50CFD08}">
+      <dgm:prSet/>
+      <dgm:spPr/>
+      <dgm:t>
+        <a:bodyPr/>
+        <a:lstStyle/>
+        <a:p>
+          <a:endParaRPr lang="en-US"/>
+        </a:p>
+      </dgm:t>
+    </dgm:pt>
+    <dgm:pt modelId="{3DDC0624-23B2-477D-B75E-55D94F54B158}">
+      <dgm:prSet phldrT="[Text]"/>
+      <dgm:spPr/>
+      <dgm:t>
+        <a:bodyPr/>
+        <a:lstStyle/>
+        <a:p>
+          <a:r>
+            <a:rPr lang="en-US"/>
+            <a:t>TestClass2</a:t>
+          </a:r>
+        </a:p>
+      </dgm:t>
+    </dgm:pt>
+    <dgm:pt modelId="{97F94E05-526A-4CB8-8ADC-E6D4A130ED85}" type="parTrans" cxnId="{57104EEB-92F6-4439-9C2D-26FD9674EAC6}">
+      <dgm:prSet/>
+      <dgm:spPr/>
+      <dgm:t>
+        <a:bodyPr/>
+        <a:lstStyle/>
+        <a:p>
+          <a:endParaRPr lang="en-US"/>
+        </a:p>
+      </dgm:t>
+    </dgm:pt>
+    <dgm:pt modelId="{6FD3D832-15D1-48CF-B84B-C082E03AA8B6}" type="sibTrans" cxnId="{57104EEB-92F6-4439-9C2D-26FD9674EAC6}">
+      <dgm:prSet/>
+      <dgm:spPr/>
+      <dgm:t>
+        <a:bodyPr/>
+        <a:lstStyle/>
+        <a:p>
+          <a:endParaRPr lang="en-US"/>
+        </a:p>
+      </dgm:t>
+    </dgm:pt>
+    <dgm:pt modelId="{2657EB9E-3E39-4A90-8EC4-BBAB825DB71C}" type="pres">
+      <dgm:prSet presAssocID="{23B74DBA-A5E9-4948-9D8E-25D8D7F618CC}" presName="mainComposite" presStyleCnt="0">
+        <dgm:presLayoutVars>
+          <dgm:chPref val="1"/>
+          <dgm:dir/>
+          <dgm:animOne val="branch"/>
+          <dgm:animLvl val="lvl"/>
+          <dgm:resizeHandles val="exact"/>
+        </dgm:presLayoutVars>
+      </dgm:prSet>
+      <dgm:spPr/>
+    </dgm:pt>
+    <dgm:pt modelId="{DBD530A6-E507-448F-A491-DC42985A91BC}" type="pres">
+      <dgm:prSet presAssocID="{23B74DBA-A5E9-4948-9D8E-25D8D7F618CC}" presName="hierFlow" presStyleCnt="0"/>
+      <dgm:spPr/>
+    </dgm:pt>
+    <dgm:pt modelId="{AF54C41D-7D28-4839-BFF0-B14E411D22A9}" type="pres">
+      <dgm:prSet presAssocID="{23B74DBA-A5E9-4948-9D8E-25D8D7F618CC}" presName="firstBuf" presStyleCnt="0"/>
+      <dgm:spPr/>
+    </dgm:pt>
+    <dgm:pt modelId="{FDBA63E2-5077-4B84-B8E0-CF63FD9878EF}" type="pres">
+      <dgm:prSet presAssocID="{23B74DBA-A5E9-4948-9D8E-25D8D7F618CC}" presName="hierChild1" presStyleCnt="0">
+        <dgm:presLayoutVars>
+          <dgm:chPref val="1"/>
+          <dgm:animOne val="branch"/>
+          <dgm:animLvl val="lvl"/>
+        </dgm:presLayoutVars>
+      </dgm:prSet>
+      <dgm:spPr/>
+    </dgm:pt>
+    <dgm:pt modelId="{A0C08503-FC08-4C2A-95D2-6598722D2B64}" type="pres">
+      <dgm:prSet presAssocID="{913A2943-0540-42E6-9333-41B583FB7D27}" presName="Name17" presStyleCnt="0"/>
+      <dgm:spPr/>
+    </dgm:pt>
+    <dgm:pt modelId="{5891A1AD-A1F0-463E-9260-E82FCB7B8A45}" type="pres">
+      <dgm:prSet presAssocID="{913A2943-0540-42E6-9333-41B583FB7D27}" presName="level1Shape" presStyleLbl="node0" presStyleIdx="0" presStyleCnt="1">
+        <dgm:presLayoutVars>
+          <dgm:chPref val="3"/>
+        </dgm:presLayoutVars>
+      </dgm:prSet>
+      <dgm:spPr/>
+    </dgm:pt>
+    <dgm:pt modelId="{D6FB27D5-B68E-499F-9C26-79EA3DD6444F}" type="pres">
+      <dgm:prSet presAssocID="{913A2943-0540-42E6-9333-41B583FB7D27}" presName="hierChild2" presStyleCnt="0"/>
+      <dgm:spPr/>
+    </dgm:pt>
+    <dgm:pt modelId="{004E9CF5-ED9C-41F0-ACFC-EF2E5321B080}" type="pres">
+      <dgm:prSet presAssocID="{C4CF8243-1649-4531-8A47-1533ED16CD7D}" presName="Name25" presStyleLbl="parChTrans1D2" presStyleIdx="0" presStyleCnt="2"/>
+      <dgm:spPr/>
+    </dgm:pt>
+    <dgm:pt modelId="{DE66D487-B38D-4DF0-959C-F2E07FB04571}" type="pres">
+      <dgm:prSet presAssocID="{C4CF8243-1649-4531-8A47-1533ED16CD7D}" presName="connTx" presStyleLbl="parChTrans1D2" presStyleIdx="0" presStyleCnt="2"/>
+      <dgm:spPr/>
+    </dgm:pt>
+    <dgm:pt modelId="{3DF15F83-D0C7-4693-B6FA-6FB8C922D5C9}" type="pres">
+      <dgm:prSet presAssocID="{8119164D-9570-47C1-BE21-6AADC402EEE7}" presName="Name30" presStyleCnt="0"/>
+      <dgm:spPr/>
+    </dgm:pt>
+    <dgm:pt modelId="{ABCD5EF2-A2F1-450E-9711-C02B33168B43}" type="pres">
+      <dgm:prSet presAssocID="{8119164D-9570-47C1-BE21-6AADC402EEE7}" presName="level2Shape" presStyleLbl="node2" presStyleIdx="0" presStyleCnt="2"/>
+      <dgm:spPr/>
+    </dgm:pt>
+    <dgm:pt modelId="{1669C8D9-ABF6-43FD-907C-E8712342805C}" type="pres">
+      <dgm:prSet presAssocID="{8119164D-9570-47C1-BE21-6AADC402EEE7}" presName="hierChild3" presStyleCnt="0"/>
+      <dgm:spPr/>
+    </dgm:pt>
+    <dgm:pt modelId="{7F3BA310-34DA-4C46-B7F3-FB7CB025E9C1}" type="pres">
+      <dgm:prSet presAssocID="{D93615A9-EB07-4106-9D21-0AB82BA2E7E4}" presName="Name25" presStyleLbl="parChTrans1D3" presStyleIdx="0" presStyleCnt="4"/>
+      <dgm:spPr/>
+    </dgm:pt>
+    <dgm:pt modelId="{4194FDB8-0BEF-4936-9E90-BBB8CCE546AA}" type="pres">
+      <dgm:prSet presAssocID="{D93615A9-EB07-4106-9D21-0AB82BA2E7E4}" presName="connTx" presStyleLbl="parChTrans1D3" presStyleIdx="0" presStyleCnt="4"/>
+      <dgm:spPr/>
+    </dgm:pt>
+    <dgm:pt modelId="{60FCC682-7B51-4931-BC8A-7A11EC18F3D1}" type="pres">
+      <dgm:prSet presAssocID="{7D638B5C-841C-43E1-A42F-107AECC977BA}" presName="Name30" presStyleCnt="0"/>
+      <dgm:spPr/>
+    </dgm:pt>
+    <dgm:pt modelId="{EF558AE5-5EFB-42CA-B14B-E526369AF85D}" type="pres">
+      <dgm:prSet presAssocID="{7D638B5C-841C-43E1-A42F-107AECC977BA}" presName="level2Shape" presStyleLbl="node3" presStyleIdx="0" presStyleCnt="4"/>
+      <dgm:spPr/>
+    </dgm:pt>
+    <dgm:pt modelId="{80EC0E2F-EFAC-4B5F-91C1-004574ED262F}" type="pres">
+      <dgm:prSet presAssocID="{7D638B5C-841C-43E1-A42F-107AECC977BA}" presName="hierChild3" presStyleCnt="0"/>
+      <dgm:spPr/>
+    </dgm:pt>
+    <dgm:pt modelId="{E25270EC-9BEE-49FE-B8CA-3CB5FDCE1BF9}" type="pres">
+      <dgm:prSet presAssocID="{677DFCF1-5D2E-43C1-A091-DA98AEA94474}" presName="Name25" presStyleLbl="parChTrans1D3" presStyleIdx="1" presStyleCnt="4"/>
+      <dgm:spPr/>
+    </dgm:pt>
+    <dgm:pt modelId="{90CC9C1C-6937-4832-812B-9D97DD5DB00B}" type="pres">
+      <dgm:prSet presAssocID="{677DFCF1-5D2E-43C1-A091-DA98AEA94474}" presName="connTx" presStyleLbl="parChTrans1D3" presStyleIdx="1" presStyleCnt="4"/>
+      <dgm:spPr/>
+    </dgm:pt>
+    <dgm:pt modelId="{F7625E42-386F-4FBB-B561-FF48B355129E}" type="pres">
+      <dgm:prSet presAssocID="{0B765726-55DA-42C1-8924-1022D9672F03}" presName="Name30" presStyleCnt="0"/>
+      <dgm:spPr/>
+    </dgm:pt>
+    <dgm:pt modelId="{A697E576-57CD-44CA-ACF1-E6D7FFEECB01}" type="pres">
+      <dgm:prSet presAssocID="{0B765726-55DA-42C1-8924-1022D9672F03}" presName="level2Shape" presStyleLbl="node3" presStyleIdx="1" presStyleCnt="4"/>
+      <dgm:spPr/>
+    </dgm:pt>
+    <dgm:pt modelId="{C14CFBD6-2F53-4178-B878-594787C6D9B0}" type="pres">
+      <dgm:prSet presAssocID="{0B765726-55DA-42C1-8924-1022D9672F03}" presName="hierChild3" presStyleCnt="0"/>
+      <dgm:spPr/>
+    </dgm:pt>
+    <dgm:pt modelId="{80163AB7-5BB8-497D-8828-D88AE3DCFA17}" type="pres">
+      <dgm:prSet presAssocID="{2D348C15-9D03-4F70-AB7C-9D9C6E71DBAB}" presName="Name25" presStyleLbl="parChTrans1D2" presStyleIdx="1" presStyleCnt="2"/>
+      <dgm:spPr/>
+    </dgm:pt>
+    <dgm:pt modelId="{8F130B78-780E-4182-9EB8-5B36CF0F96E5}" type="pres">
+      <dgm:prSet presAssocID="{2D348C15-9D03-4F70-AB7C-9D9C6E71DBAB}" presName="connTx" presStyleLbl="parChTrans1D2" presStyleIdx="1" presStyleCnt="2"/>
+      <dgm:spPr/>
+    </dgm:pt>
+    <dgm:pt modelId="{3FE9B3AF-5C53-48F9-A078-945C6F352827}" type="pres">
+      <dgm:prSet presAssocID="{7751E6B7-3429-4B3E-8508-9C976D86A322}" presName="Name30" presStyleCnt="0"/>
+      <dgm:spPr/>
+    </dgm:pt>
+    <dgm:pt modelId="{54046260-A8F3-4115-BA91-5D849527F943}" type="pres">
+      <dgm:prSet presAssocID="{7751E6B7-3429-4B3E-8508-9C976D86A322}" presName="level2Shape" presStyleLbl="node2" presStyleIdx="1" presStyleCnt="2"/>
+      <dgm:spPr/>
+    </dgm:pt>
+    <dgm:pt modelId="{92B62B2C-2A42-45AC-B02B-2816908C211A}" type="pres">
+      <dgm:prSet presAssocID="{7751E6B7-3429-4B3E-8508-9C976D86A322}" presName="hierChild3" presStyleCnt="0"/>
+      <dgm:spPr/>
+    </dgm:pt>
+    <dgm:pt modelId="{072FD794-EB62-475E-B636-3233A24309AE}" type="pres">
+      <dgm:prSet presAssocID="{5D7BF391-0DBA-4376-8B7E-B5FEF400FC4B}" presName="Name25" presStyleLbl="parChTrans1D3" presStyleIdx="2" presStyleCnt="4"/>
+      <dgm:spPr/>
+    </dgm:pt>
+    <dgm:pt modelId="{0DB443C1-C030-4B55-91E0-8ECF3DFCEEAA}" type="pres">
+      <dgm:prSet presAssocID="{5D7BF391-0DBA-4376-8B7E-B5FEF400FC4B}" presName="connTx" presStyleLbl="parChTrans1D3" presStyleIdx="2" presStyleCnt="4"/>
+      <dgm:spPr/>
+    </dgm:pt>
+    <dgm:pt modelId="{7A247148-D635-46E8-B77C-F391DF9C0972}" type="pres">
+      <dgm:prSet presAssocID="{528D44E4-8903-4329-B329-A1E6F2936B37}" presName="Name30" presStyleCnt="0"/>
+      <dgm:spPr/>
+    </dgm:pt>
+    <dgm:pt modelId="{0B94A8E6-E6A5-4525-8267-5901F51768AC}" type="pres">
+      <dgm:prSet presAssocID="{528D44E4-8903-4329-B329-A1E6F2936B37}" presName="level2Shape" presStyleLbl="node3" presStyleIdx="2" presStyleCnt="4"/>
+      <dgm:spPr/>
+    </dgm:pt>
+    <dgm:pt modelId="{32D095D9-50EB-4AF2-96BC-568F6870C06E}" type="pres">
+      <dgm:prSet presAssocID="{528D44E4-8903-4329-B329-A1E6F2936B37}" presName="hierChild3" presStyleCnt="0"/>
+      <dgm:spPr/>
+    </dgm:pt>
+    <dgm:pt modelId="{8BA94E4B-AFA3-4D6B-9AA0-EDC070D5D698}" type="pres">
+      <dgm:prSet presAssocID="{97F94E05-526A-4CB8-8ADC-E6D4A130ED85}" presName="Name25" presStyleLbl="parChTrans1D3" presStyleIdx="3" presStyleCnt="4"/>
+      <dgm:spPr/>
+    </dgm:pt>
+    <dgm:pt modelId="{2B27CB1E-7B8B-4DB6-879A-5E3521FCFE9C}" type="pres">
+      <dgm:prSet presAssocID="{97F94E05-526A-4CB8-8ADC-E6D4A130ED85}" presName="connTx" presStyleLbl="parChTrans1D3" presStyleIdx="3" presStyleCnt="4"/>
+      <dgm:spPr/>
+    </dgm:pt>
+    <dgm:pt modelId="{FFF485EB-F631-4670-9A29-1F8725D914F3}" type="pres">
+      <dgm:prSet presAssocID="{3DDC0624-23B2-477D-B75E-55D94F54B158}" presName="Name30" presStyleCnt="0"/>
+      <dgm:spPr/>
+    </dgm:pt>
+    <dgm:pt modelId="{0D340036-B682-4B44-A7DD-C6269896D252}" type="pres">
+      <dgm:prSet presAssocID="{3DDC0624-23B2-477D-B75E-55D94F54B158}" presName="level2Shape" presStyleLbl="node3" presStyleIdx="3" presStyleCnt="4"/>
+      <dgm:spPr/>
+    </dgm:pt>
+    <dgm:pt modelId="{98C6114F-BB88-4BCB-8DEF-38AC861A6A55}" type="pres">
+      <dgm:prSet presAssocID="{3DDC0624-23B2-477D-B75E-55D94F54B158}" presName="hierChild3" presStyleCnt="0"/>
+      <dgm:spPr/>
+    </dgm:pt>
+    <dgm:pt modelId="{A51EE01B-E52D-4563-B8EC-09283AC78A28}" type="pres">
+      <dgm:prSet presAssocID="{23B74DBA-A5E9-4948-9D8E-25D8D7F618CC}" presName="bgShapesFlow" presStyleCnt="0"/>
+      <dgm:spPr/>
+    </dgm:pt>
+    <dgm:pt modelId="{D1EA9FB3-6270-4F19-86C4-F150882E49BD}" type="pres">
+      <dgm:prSet presAssocID="{BFCAC210-E83F-4AF3-AB72-3A7E33B8ABDD}" presName="rectComp" presStyleCnt="0"/>
+      <dgm:spPr/>
+    </dgm:pt>
+    <dgm:pt modelId="{28F14353-B38B-47AE-8A24-23CE9894B052}" type="pres">
+      <dgm:prSet presAssocID="{BFCAC210-E83F-4AF3-AB72-3A7E33B8ABDD}" presName="bgRect" presStyleLbl="bgShp" presStyleIdx="0" presStyleCnt="3"/>
+      <dgm:spPr/>
+    </dgm:pt>
+    <dgm:pt modelId="{0A88D414-359A-41BB-A908-95E1111FEACB}" type="pres">
+      <dgm:prSet presAssocID="{BFCAC210-E83F-4AF3-AB72-3A7E33B8ABDD}" presName="bgRectTx" presStyleLbl="bgShp" presStyleIdx="0" presStyleCnt="3">
+        <dgm:presLayoutVars>
+          <dgm:bulletEnabled val="1"/>
+        </dgm:presLayoutVars>
+      </dgm:prSet>
+      <dgm:spPr/>
+    </dgm:pt>
+    <dgm:pt modelId="{F250B122-1237-48C3-A081-4F6EA06F5C7B}" type="pres">
+      <dgm:prSet presAssocID="{BFCAC210-E83F-4AF3-AB72-3A7E33B8ABDD}" presName="spComp" presStyleCnt="0"/>
+      <dgm:spPr/>
+    </dgm:pt>
+    <dgm:pt modelId="{5356695A-2F28-4357-A7C1-9531F6C39BFF}" type="pres">
+      <dgm:prSet presAssocID="{BFCAC210-E83F-4AF3-AB72-3A7E33B8ABDD}" presName="hSp" presStyleCnt="0"/>
+      <dgm:spPr/>
+    </dgm:pt>
+    <dgm:pt modelId="{36137930-A8EF-463A-B1BF-064D6F0A0B38}" type="pres">
+      <dgm:prSet presAssocID="{1EBE37F9-459C-4483-8CAE-763A6E025D7A}" presName="rectComp" presStyleCnt="0"/>
+      <dgm:spPr/>
+    </dgm:pt>
+    <dgm:pt modelId="{FF0DC4F7-8FDC-4ABE-AC8E-BBA74C64D074}" type="pres">
+      <dgm:prSet presAssocID="{1EBE37F9-459C-4483-8CAE-763A6E025D7A}" presName="bgRect" presStyleLbl="bgShp" presStyleIdx="1" presStyleCnt="3"/>
+      <dgm:spPr/>
+    </dgm:pt>
+    <dgm:pt modelId="{4887A450-4AAC-404E-9349-70077AF0D2A0}" type="pres">
+      <dgm:prSet presAssocID="{1EBE37F9-459C-4483-8CAE-763A6E025D7A}" presName="bgRectTx" presStyleLbl="bgShp" presStyleIdx="1" presStyleCnt="3">
+        <dgm:presLayoutVars>
+          <dgm:bulletEnabled val="1"/>
+        </dgm:presLayoutVars>
+      </dgm:prSet>
+      <dgm:spPr/>
+    </dgm:pt>
+    <dgm:pt modelId="{161E398A-BA7E-4CE9-815D-306DE8311841}" type="pres">
+      <dgm:prSet presAssocID="{1EBE37F9-459C-4483-8CAE-763A6E025D7A}" presName="spComp" presStyleCnt="0"/>
+      <dgm:spPr/>
+    </dgm:pt>
+    <dgm:pt modelId="{70C7B5A6-68A5-414E-9ACA-5375401DEB2B}" type="pres">
+      <dgm:prSet presAssocID="{1EBE37F9-459C-4483-8CAE-763A6E025D7A}" presName="hSp" presStyleCnt="0"/>
+      <dgm:spPr/>
+    </dgm:pt>
+    <dgm:pt modelId="{C4E25864-D4E1-4CA2-988C-A24C2FEB9A59}" type="pres">
+      <dgm:prSet presAssocID="{0B39A7A9-DF83-44B1-A017-D1B3A634282E}" presName="rectComp" presStyleCnt="0"/>
+      <dgm:spPr/>
+    </dgm:pt>
+    <dgm:pt modelId="{079CA261-3305-480F-9D3B-17A566B1A737}" type="pres">
+      <dgm:prSet presAssocID="{0B39A7A9-DF83-44B1-A017-D1B3A634282E}" presName="bgRect" presStyleLbl="bgShp" presStyleIdx="2" presStyleCnt="3"/>
+      <dgm:spPr/>
+    </dgm:pt>
+    <dgm:pt modelId="{D07F79FA-D174-4021-AD8E-5A3A2CB0BCB3}" type="pres">
+      <dgm:prSet presAssocID="{0B39A7A9-DF83-44B1-A017-D1B3A634282E}" presName="bgRectTx" presStyleLbl="bgShp" presStyleIdx="2" presStyleCnt="3">
+        <dgm:presLayoutVars>
+          <dgm:bulletEnabled val="1"/>
+        </dgm:presLayoutVars>
+      </dgm:prSet>
+      <dgm:spPr/>
+    </dgm:pt>
+  </dgm:ptLst>
+  <dgm:cxnLst>
+    <dgm:cxn modelId="{E2F5C602-5145-4532-B6C6-BCE42D14456F}" type="presOf" srcId="{8119164D-9570-47C1-BE21-6AADC402EEE7}" destId="{ABCD5EF2-A2F1-450E-9711-C02B33168B43}" srcOrd="0" destOrd="0" presId="urn:microsoft.com/office/officeart/2005/8/layout/hierarchy5"/>
+    <dgm:cxn modelId="{9DA0CC08-0E7F-4869-89EE-4E3C6CE6E00F}" type="presOf" srcId="{BFCAC210-E83F-4AF3-AB72-3A7E33B8ABDD}" destId="{0A88D414-359A-41BB-A908-95E1111FEACB}" srcOrd="1" destOrd="0" presId="urn:microsoft.com/office/officeart/2005/8/layout/hierarchy5"/>
+    <dgm:cxn modelId="{8C780B09-9535-411D-87B4-696416222481}" srcId="{913A2943-0540-42E6-9333-41B583FB7D27}" destId="{8119164D-9570-47C1-BE21-6AADC402EEE7}" srcOrd="0" destOrd="0" parTransId="{C4CF8243-1649-4531-8A47-1533ED16CD7D}" sibTransId="{A1D4CE99-4367-4121-90FA-0E7CABF5674A}"/>
+    <dgm:cxn modelId="{81BC4D09-A027-45ED-AD89-BEB3E7DBE22F}" type="presOf" srcId="{0B765726-55DA-42C1-8924-1022D9672F03}" destId="{A697E576-57CD-44CA-ACF1-E6D7FFEECB01}" srcOrd="0" destOrd="0" presId="urn:microsoft.com/office/officeart/2005/8/layout/hierarchy5"/>
+    <dgm:cxn modelId="{788A5909-72E1-4CDF-8965-AFAA358F0134}" type="presOf" srcId="{913A2943-0540-42E6-9333-41B583FB7D27}" destId="{5891A1AD-A1F0-463E-9260-E82FCB7B8A45}" srcOrd="0" destOrd="0" presId="urn:microsoft.com/office/officeart/2005/8/layout/hierarchy5"/>
+    <dgm:cxn modelId="{9BB7BE12-7663-41B2-B3C1-1505CEEF71CE}" type="presOf" srcId="{528D44E4-8903-4329-B329-A1E6F2936B37}" destId="{0B94A8E6-E6A5-4525-8267-5901F51768AC}" srcOrd="0" destOrd="0" presId="urn:microsoft.com/office/officeart/2005/8/layout/hierarchy5"/>
+    <dgm:cxn modelId="{CE377B14-018A-40CF-A6E0-D93D3F116F2B}" type="presOf" srcId="{D93615A9-EB07-4106-9D21-0AB82BA2E7E4}" destId="{4194FDB8-0BEF-4936-9E90-BBB8CCE546AA}" srcOrd="1" destOrd="0" presId="urn:microsoft.com/office/officeart/2005/8/layout/hierarchy5"/>
+    <dgm:cxn modelId="{54FD6E18-F292-49DE-A54C-04CAF034A572}" srcId="{23B74DBA-A5E9-4948-9D8E-25D8D7F618CC}" destId="{913A2943-0540-42E6-9333-41B583FB7D27}" srcOrd="0" destOrd="0" parTransId="{AF3CFC2F-D035-474A-BD1B-B99FA9B27889}" sibTransId="{6035CB3B-9C5B-401B-99DC-ACFE1042E35C}"/>
+    <dgm:cxn modelId="{B424F718-8A98-4680-960A-47BA4586C440}" type="presOf" srcId="{1EBE37F9-459C-4483-8CAE-763A6E025D7A}" destId="{4887A450-4AAC-404E-9349-70077AF0D2A0}" srcOrd="1" destOrd="0" presId="urn:microsoft.com/office/officeart/2005/8/layout/hierarchy5"/>
+    <dgm:cxn modelId="{08FEF82C-C6B9-4388-9900-0A15FA2BB1EC}" type="presOf" srcId="{3DDC0624-23B2-477D-B75E-55D94F54B158}" destId="{0D340036-B682-4B44-A7DD-C6269896D252}" srcOrd="0" destOrd="0" presId="urn:microsoft.com/office/officeart/2005/8/layout/hierarchy5"/>
+    <dgm:cxn modelId="{4BD2202E-1325-4318-924C-AFD69D1BAC35}" type="presOf" srcId="{0B39A7A9-DF83-44B1-A017-D1B3A634282E}" destId="{D07F79FA-D174-4021-AD8E-5A3A2CB0BCB3}" srcOrd="1" destOrd="0" presId="urn:microsoft.com/office/officeart/2005/8/layout/hierarchy5"/>
+    <dgm:cxn modelId="{409FA339-F4CB-43FB-BB4D-A752D614419B}" srcId="{23B74DBA-A5E9-4948-9D8E-25D8D7F618CC}" destId="{1EBE37F9-459C-4483-8CAE-763A6E025D7A}" srcOrd="2" destOrd="0" parTransId="{63A4F2C6-2FDC-4988-9646-88746BC5DD9B}" sibTransId="{3CD72BD5-D409-4F58-B498-AE697EF65ECE}"/>
+    <dgm:cxn modelId="{FB45D839-E691-4DDB-B75A-54F1B3FACB64}" type="presOf" srcId="{677DFCF1-5D2E-43C1-A091-DA98AEA94474}" destId="{90CC9C1C-6937-4832-812B-9D97DD5DB00B}" srcOrd="1" destOrd="0" presId="urn:microsoft.com/office/officeart/2005/8/layout/hierarchy5"/>
+    <dgm:cxn modelId="{31B1083A-AF24-4D60-9845-C0EF142A2D54}" type="presOf" srcId="{2D348C15-9D03-4F70-AB7C-9D9C6E71DBAB}" destId="{8F130B78-780E-4182-9EB8-5B36CF0F96E5}" srcOrd="1" destOrd="0" presId="urn:microsoft.com/office/officeart/2005/8/layout/hierarchy5"/>
+    <dgm:cxn modelId="{F99A2A3B-6AA0-46B9-AF5D-C3D1A50CFD08}" srcId="{23B74DBA-A5E9-4948-9D8E-25D8D7F618CC}" destId="{0B39A7A9-DF83-44B1-A017-D1B3A634282E}" srcOrd="3" destOrd="0" parTransId="{F62784B6-5F26-4BE4-9E2F-58E83F24ADA1}" sibTransId="{95897281-174F-4693-B380-364E40C3EC47}"/>
+    <dgm:cxn modelId="{A56F4040-C314-4569-B256-9999509D1E7F}" type="presOf" srcId="{2D348C15-9D03-4F70-AB7C-9D9C6E71DBAB}" destId="{80163AB7-5BB8-497D-8828-D88AE3DCFA17}" srcOrd="0" destOrd="0" presId="urn:microsoft.com/office/officeart/2005/8/layout/hierarchy5"/>
+    <dgm:cxn modelId="{27DEA061-8E75-47EB-B91C-689F72656D40}" type="presOf" srcId="{23B74DBA-A5E9-4948-9D8E-25D8D7F618CC}" destId="{2657EB9E-3E39-4A90-8EC4-BBAB825DB71C}" srcOrd="0" destOrd="0" presId="urn:microsoft.com/office/officeart/2005/8/layout/hierarchy5"/>
+    <dgm:cxn modelId="{32CEAF61-E4A3-4B82-818F-555E8231A5F2}" type="presOf" srcId="{BFCAC210-E83F-4AF3-AB72-3A7E33B8ABDD}" destId="{28F14353-B38B-47AE-8A24-23CE9894B052}" srcOrd="0" destOrd="0" presId="urn:microsoft.com/office/officeart/2005/8/layout/hierarchy5"/>
+    <dgm:cxn modelId="{71947B64-D139-4D7C-B0E6-659C1D860950}" srcId="{8119164D-9570-47C1-BE21-6AADC402EEE7}" destId="{7D638B5C-841C-43E1-A42F-107AECC977BA}" srcOrd="0" destOrd="0" parTransId="{D93615A9-EB07-4106-9D21-0AB82BA2E7E4}" sibTransId="{0D95E02A-2E3B-482C-BDCD-EE15D3CC9DB7}"/>
+    <dgm:cxn modelId="{B5E5C052-31F6-4F1B-A21A-F805C47C21B7}" type="presOf" srcId="{0B39A7A9-DF83-44B1-A017-D1B3A634282E}" destId="{079CA261-3305-480F-9D3B-17A566B1A737}" srcOrd="0" destOrd="0" presId="urn:microsoft.com/office/officeart/2005/8/layout/hierarchy5"/>
+    <dgm:cxn modelId="{66E62278-87AA-4D7D-87B5-AD5E89C130EA}" type="presOf" srcId="{97F94E05-526A-4CB8-8ADC-E6D4A130ED85}" destId="{8BA94E4B-AFA3-4D6B-9AA0-EDC070D5D698}" srcOrd="0" destOrd="0" presId="urn:microsoft.com/office/officeart/2005/8/layout/hierarchy5"/>
+    <dgm:cxn modelId="{1B343759-7AE2-40B3-9910-E1EA169AD677}" type="presOf" srcId="{7D638B5C-841C-43E1-A42F-107AECC977BA}" destId="{EF558AE5-5EFB-42CA-B14B-E526369AF85D}" srcOrd="0" destOrd="0" presId="urn:microsoft.com/office/officeart/2005/8/layout/hierarchy5"/>
+    <dgm:cxn modelId="{93303A89-9FA2-4CE6-8BD8-349F21BDC023}" srcId="{913A2943-0540-42E6-9333-41B583FB7D27}" destId="{7751E6B7-3429-4B3E-8508-9C976D86A322}" srcOrd="1" destOrd="0" parTransId="{2D348C15-9D03-4F70-AB7C-9D9C6E71DBAB}" sibTransId="{C2621DCF-411E-4910-9328-253FCDDCC5B0}"/>
+    <dgm:cxn modelId="{3FE2E78D-D4F1-4EFE-ABA0-4C5F59DB658E}" srcId="{7751E6B7-3429-4B3E-8508-9C976D86A322}" destId="{528D44E4-8903-4329-B329-A1E6F2936B37}" srcOrd="0" destOrd="0" parTransId="{5D7BF391-0DBA-4376-8B7E-B5FEF400FC4B}" sibTransId="{1A6AFA74-8F70-4D3E-A35F-088EC2155AFB}"/>
+    <dgm:cxn modelId="{8C276D9A-EF76-49AE-95B3-C71313A56FA6}" type="presOf" srcId="{D93615A9-EB07-4106-9D21-0AB82BA2E7E4}" destId="{7F3BA310-34DA-4C46-B7F3-FB7CB025E9C1}" srcOrd="0" destOrd="0" presId="urn:microsoft.com/office/officeart/2005/8/layout/hierarchy5"/>
+    <dgm:cxn modelId="{F4D80BA4-444B-417B-91B6-EA55DDB16ED4}" type="presOf" srcId="{5D7BF391-0DBA-4376-8B7E-B5FEF400FC4B}" destId="{072FD794-EB62-475E-B636-3233A24309AE}" srcOrd="0" destOrd="0" presId="urn:microsoft.com/office/officeart/2005/8/layout/hierarchy5"/>
+    <dgm:cxn modelId="{A48FB5BD-B6F6-4D25-B6DA-65F57BA922AA}" type="presOf" srcId="{C4CF8243-1649-4531-8A47-1533ED16CD7D}" destId="{004E9CF5-ED9C-41F0-ACFC-EF2E5321B080}" srcOrd="0" destOrd="0" presId="urn:microsoft.com/office/officeart/2005/8/layout/hierarchy5"/>
+    <dgm:cxn modelId="{1BBDE6C2-1E71-455C-970A-B11A268B0DD9}" type="presOf" srcId="{7751E6B7-3429-4B3E-8508-9C976D86A322}" destId="{54046260-A8F3-4115-BA91-5D849527F943}" srcOrd="0" destOrd="0" presId="urn:microsoft.com/office/officeart/2005/8/layout/hierarchy5"/>
+    <dgm:cxn modelId="{5104B6CA-7AFC-4D3E-8396-1AAE4A3AAD87}" srcId="{23B74DBA-A5E9-4948-9D8E-25D8D7F618CC}" destId="{BFCAC210-E83F-4AF3-AB72-3A7E33B8ABDD}" srcOrd="1" destOrd="0" parTransId="{B1903296-FA80-436B-838A-7E45D56316DD}" sibTransId="{4B572A72-2792-428C-86F5-7EC7418A0576}"/>
+    <dgm:cxn modelId="{CFDA90CE-F86F-46B8-A6AB-DFEA89A430BC}" type="presOf" srcId="{1EBE37F9-459C-4483-8CAE-763A6E025D7A}" destId="{FF0DC4F7-8FDC-4ABE-AC8E-BBA74C64D074}" srcOrd="0" destOrd="0" presId="urn:microsoft.com/office/officeart/2005/8/layout/hierarchy5"/>
+    <dgm:cxn modelId="{E90850D2-34FF-438E-B5D2-90B4841F25E4}" type="presOf" srcId="{C4CF8243-1649-4531-8A47-1533ED16CD7D}" destId="{DE66D487-B38D-4DF0-959C-F2E07FB04571}" srcOrd="1" destOrd="0" presId="urn:microsoft.com/office/officeart/2005/8/layout/hierarchy5"/>
+    <dgm:cxn modelId="{86A4D2D3-C7BD-4B2C-838A-4D57AA338C9F}" srcId="{8119164D-9570-47C1-BE21-6AADC402EEE7}" destId="{0B765726-55DA-42C1-8924-1022D9672F03}" srcOrd="1" destOrd="0" parTransId="{677DFCF1-5D2E-43C1-A091-DA98AEA94474}" sibTransId="{AD0BFFCE-D1DD-425A-8E2E-3F0442414EFF}"/>
+    <dgm:cxn modelId="{D7EE72D9-3D61-46F1-9A50-42119E510702}" type="presOf" srcId="{97F94E05-526A-4CB8-8ADC-E6D4A130ED85}" destId="{2B27CB1E-7B8B-4DB6-879A-5E3521FCFE9C}" srcOrd="1" destOrd="0" presId="urn:microsoft.com/office/officeart/2005/8/layout/hierarchy5"/>
+    <dgm:cxn modelId="{E8EF9BDB-6AD3-4AC2-98BE-A41AA14C3A25}" type="presOf" srcId="{5D7BF391-0DBA-4376-8B7E-B5FEF400FC4B}" destId="{0DB443C1-C030-4B55-91E0-8ECF3DFCEEAA}" srcOrd="1" destOrd="0" presId="urn:microsoft.com/office/officeart/2005/8/layout/hierarchy5"/>
+    <dgm:cxn modelId="{57104EEB-92F6-4439-9C2D-26FD9674EAC6}" srcId="{7751E6B7-3429-4B3E-8508-9C976D86A322}" destId="{3DDC0624-23B2-477D-B75E-55D94F54B158}" srcOrd="1" destOrd="0" parTransId="{97F94E05-526A-4CB8-8ADC-E6D4A130ED85}" sibTransId="{6FD3D832-15D1-48CF-B84B-C082E03AA8B6}"/>
+    <dgm:cxn modelId="{C9F960FD-E46A-426B-B7A7-E743ACE13433}" type="presOf" srcId="{677DFCF1-5D2E-43C1-A091-DA98AEA94474}" destId="{E25270EC-9BEE-49FE-B8CA-3CB5FDCE1BF9}" srcOrd="0" destOrd="0" presId="urn:microsoft.com/office/officeart/2005/8/layout/hierarchy5"/>
+    <dgm:cxn modelId="{814BF89C-F523-42A8-98C7-1D207FF1DAA2}" type="presParOf" srcId="{2657EB9E-3E39-4A90-8EC4-BBAB825DB71C}" destId="{DBD530A6-E507-448F-A491-DC42985A91BC}" srcOrd="0" destOrd="0" presId="urn:microsoft.com/office/officeart/2005/8/layout/hierarchy5"/>
+    <dgm:cxn modelId="{21B992A3-A338-45F6-AE0B-E6636C1F8209}" type="presParOf" srcId="{DBD530A6-E507-448F-A491-DC42985A91BC}" destId="{AF54C41D-7D28-4839-BFF0-B14E411D22A9}" srcOrd="0" destOrd="0" presId="urn:microsoft.com/office/officeart/2005/8/layout/hierarchy5"/>
+    <dgm:cxn modelId="{91DB9117-200D-4EA0-ABD3-3E3F10069DD0}" type="presParOf" srcId="{DBD530A6-E507-448F-A491-DC42985A91BC}" destId="{FDBA63E2-5077-4B84-B8E0-CF63FD9878EF}" srcOrd="1" destOrd="0" presId="urn:microsoft.com/office/officeart/2005/8/layout/hierarchy5"/>
+    <dgm:cxn modelId="{AF3F2CF1-9186-4DB2-A66F-73D69B9A3C3C}" type="presParOf" srcId="{FDBA63E2-5077-4B84-B8E0-CF63FD9878EF}" destId="{A0C08503-FC08-4C2A-95D2-6598722D2B64}" srcOrd="0" destOrd="0" presId="urn:microsoft.com/office/officeart/2005/8/layout/hierarchy5"/>
+    <dgm:cxn modelId="{CDE71C3F-BB31-4E97-ACC5-26EB693319BA}" type="presParOf" srcId="{A0C08503-FC08-4C2A-95D2-6598722D2B64}" destId="{5891A1AD-A1F0-463E-9260-E82FCB7B8A45}" srcOrd="0" destOrd="0" presId="urn:microsoft.com/office/officeart/2005/8/layout/hierarchy5"/>
+    <dgm:cxn modelId="{593FE148-1A80-4DFC-9694-32955D2B1F61}" type="presParOf" srcId="{A0C08503-FC08-4C2A-95D2-6598722D2B64}" destId="{D6FB27D5-B68E-499F-9C26-79EA3DD6444F}" srcOrd="1" destOrd="0" presId="urn:microsoft.com/office/officeart/2005/8/layout/hierarchy5"/>
+    <dgm:cxn modelId="{800C6F4A-5BEC-4183-99E1-526D8F67DD61}" type="presParOf" srcId="{D6FB27D5-B68E-499F-9C26-79EA3DD6444F}" destId="{004E9CF5-ED9C-41F0-ACFC-EF2E5321B080}" srcOrd="0" destOrd="0" presId="urn:microsoft.com/office/officeart/2005/8/layout/hierarchy5"/>
+    <dgm:cxn modelId="{0831C38D-CAC2-4583-B0D1-B0A836025ED0}" type="presParOf" srcId="{004E9CF5-ED9C-41F0-ACFC-EF2E5321B080}" destId="{DE66D487-B38D-4DF0-959C-F2E07FB04571}" srcOrd="0" destOrd="0" presId="urn:microsoft.com/office/officeart/2005/8/layout/hierarchy5"/>
+    <dgm:cxn modelId="{EBA7A1F4-4EAF-4571-8C66-D25CA5DF1050}" type="presParOf" srcId="{D6FB27D5-B68E-499F-9C26-79EA3DD6444F}" destId="{3DF15F83-D0C7-4693-B6FA-6FB8C922D5C9}" srcOrd="1" destOrd="0" presId="urn:microsoft.com/office/officeart/2005/8/layout/hierarchy5"/>
+    <dgm:cxn modelId="{BDB77181-48B9-4864-9551-169792AC7FF5}" type="presParOf" srcId="{3DF15F83-D0C7-4693-B6FA-6FB8C922D5C9}" destId="{ABCD5EF2-A2F1-450E-9711-C02B33168B43}" srcOrd="0" destOrd="0" presId="urn:microsoft.com/office/officeart/2005/8/layout/hierarchy5"/>
+    <dgm:cxn modelId="{225E71A9-75F9-4F3A-B806-3946AFD0808D}" type="presParOf" srcId="{3DF15F83-D0C7-4693-B6FA-6FB8C922D5C9}" destId="{1669C8D9-ABF6-43FD-907C-E8712342805C}" srcOrd="1" destOrd="0" presId="urn:microsoft.com/office/officeart/2005/8/layout/hierarchy5"/>
+    <dgm:cxn modelId="{D0803FA8-94DF-4B9C-9777-3C29B18CC963}" type="presParOf" srcId="{1669C8D9-ABF6-43FD-907C-E8712342805C}" destId="{7F3BA310-34DA-4C46-B7F3-FB7CB025E9C1}" srcOrd="0" destOrd="0" presId="urn:microsoft.com/office/officeart/2005/8/layout/hierarchy5"/>
+    <dgm:cxn modelId="{96A2410B-537C-40D0-88B8-4255CAC8C4E1}" type="presParOf" srcId="{7F3BA310-34DA-4C46-B7F3-FB7CB025E9C1}" destId="{4194FDB8-0BEF-4936-9E90-BBB8CCE546AA}" srcOrd="0" destOrd="0" presId="urn:microsoft.com/office/officeart/2005/8/layout/hierarchy5"/>
+    <dgm:cxn modelId="{0E9B3B26-53E3-468A-AD26-A1ABEF3BAAA9}" type="presParOf" srcId="{1669C8D9-ABF6-43FD-907C-E8712342805C}" destId="{60FCC682-7B51-4931-BC8A-7A11EC18F3D1}" srcOrd="1" destOrd="0" presId="urn:microsoft.com/office/officeart/2005/8/layout/hierarchy5"/>
+    <dgm:cxn modelId="{A9F7092E-EDA2-48F7-97A2-7796EEA78955}" type="presParOf" srcId="{60FCC682-7B51-4931-BC8A-7A11EC18F3D1}" destId="{EF558AE5-5EFB-42CA-B14B-E526369AF85D}" srcOrd="0" destOrd="0" presId="urn:microsoft.com/office/officeart/2005/8/layout/hierarchy5"/>
+    <dgm:cxn modelId="{D89C5F8F-EFFB-4988-A4AC-329D1071E175}" type="presParOf" srcId="{60FCC682-7B51-4931-BC8A-7A11EC18F3D1}" destId="{80EC0E2F-EFAC-4B5F-91C1-004574ED262F}" srcOrd="1" destOrd="0" presId="urn:microsoft.com/office/officeart/2005/8/layout/hierarchy5"/>
+    <dgm:cxn modelId="{9EC3623C-25B5-44DE-918E-10BB2F88512A}" type="presParOf" srcId="{1669C8D9-ABF6-43FD-907C-E8712342805C}" destId="{E25270EC-9BEE-49FE-B8CA-3CB5FDCE1BF9}" srcOrd="2" destOrd="0" presId="urn:microsoft.com/office/officeart/2005/8/layout/hierarchy5"/>
+    <dgm:cxn modelId="{B93AE985-2D14-458D-AA7F-98CA0C78DF19}" type="presParOf" srcId="{E25270EC-9BEE-49FE-B8CA-3CB5FDCE1BF9}" destId="{90CC9C1C-6937-4832-812B-9D97DD5DB00B}" srcOrd="0" destOrd="0" presId="urn:microsoft.com/office/officeart/2005/8/layout/hierarchy5"/>
+    <dgm:cxn modelId="{E47D5F85-4C7A-4220-AAA1-86CD6D132A57}" type="presParOf" srcId="{1669C8D9-ABF6-43FD-907C-E8712342805C}" destId="{F7625E42-386F-4FBB-B561-FF48B355129E}" srcOrd="3" destOrd="0" presId="urn:microsoft.com/office/officeart/2005/8/layout/hierarchy5"/>
+    <dgm:cxn modelId="{F882DA5B-DFAB-4D8B-A44B-0C0EF9F50547}" type="presParOf" srcId="{F7625E42-386F-4FBB-B561-FF48B355129E}" destId="{A697E576-57CD-44CA-ACF1-E6D7FFEECB01}" srcOrd="0" destOrd="0" presId="urn:microsoft.com/office/officeart/2005/8/layout/hierarchy5"/>
+    <dgm:cxn modelId="{4B4DA435-E169-4098-B1A7-F38DFD338F54}" type="presParOf" srcId="{F7625E42-386F-4FBB-B561-FF48B355129E}" destId="{C14CFBD6-2F53-4178-B878-594787C6D9B0}" srcOrd="1" destOrd="0" presId="urn:microsoft.com/office/officeart/2005/8/layout/hierarchy5"/>
+    <dgm:cxn modelId="{23AE7055-B6F8-44F7-9A2F-79EE7147EC02}" type="presParOf" srcId="{D6FB27D5-B68E-499F-9C26-79EA3DD6444F}" destId="{80163AB7-5BB8-497D-8828-D88AE3DCFA17}" srcOrd="2" destOrd="0" presId="urn:microsoft.com/office/officeart/2005/8/layout/hierarchy5"/>
+    <dgm:cxn modelId="{E8C6A80A-4D68-4690-B71B-4D0F0E1F320D}" type="presParOf" srcId="{80163AB7-5BB8-497D-8828-D88AE3DCFA17}" destId="{8F130B78-780E-4182-9EB8-5B36CF0F96E5}" srcOrd="0" destOrd="0" presId="urn:microsoft.com/office/officeart/2005/8/layout/hierarchy5"/>
+    <dgm:cxn modelId="{E0D0D365-39E2-4ED6-980E-B615A7731692}" type="presParOf" srcId="{D6FB27D5-B68E-499F-9C26-79EA3DD6444F}" destId="{3FE9B3AF-5C53-48F9-A078-945C6F352827}" srcOrd="3" destOrd="0" presId="urn:microsoft.com/office/officeart/2005/8/layout/hierarchy5"/>
+    <dgm:cxn modelId="{057B4F69-F7BA-409D-85A7-96000C73BB69}" type="presParOf" srcId="{3FE9B3AF-5C53-48F9-A078-945C6F352827}" destId="{54046260-A8F3-4115-BA91-5D849527F943}" srcOrd="0" destOrd="0" presId="urn:microsoft.com/office/officeart/2005/8/layout/hierarchy5"/>
+    <dgm:cxn modelId="{A0C753DD-AA1F-470F-A776-424A2D1B828C}" type="presParOf" srcId="{3FE9B3AF-5C53-48F9-A078-945C6F352827}" destId="{92B62B2C-2A42-45AC-B02B-2816908C211A}" srcOrd="1" destOrd="0" presId="urn:microsoft.com/office/officeart/2005/8/layout/hierarchy5"/>
+    <dgm:cxn modelId="{38708B13-E39B-43FC-9E5B-67C73DF96DAC}" type="presParOf" srcId="{92B62B2C-2A42-45AC-B02B-2816908C211A}" destId="{072FD794-EB62-475E-B636-3233A24309AE}" srcOrd="0" destOrd="0" presId="urn:microsoft.com/office/officeart/2005/8/layout/hierarchy5"/>
+    <dgm:cxn modelId="{0DF01357-748A-475B-8DA2-C0F17F08B454}" type="presParOf" srcId="{072FD794-EB62-475E-B636-3233A24309AE}" destId="{0DB443C1-C030-4B55-91E0-8ECF3DFCEEAA}" srcOrd="0" destOrd="0" presId="urn:microsoft.com/office/officeart/2005/8/layout/hierarchy5"/>
+    <dgm:cxn modelId="{9FD07D6F-A5F2-4CF8-B41A-1DFAC772C4C7}" type="presParOf" srcId="{92B62B2C-2A42-45AC-B02B-2816908C211A}" destId="{7A247148-D635-46E8-B77C-F391DF9C0972}" srcOrd="1" destOrd="0" presId="urn:microsoft.com/office/officeart/2005/8/layout/hierarchy5"/>
+    <dgm:cxn modelId="{DCAECA33-0765-4A41-9366-07A3DD227464}" type="presParOf" srcId="{7A247148-D635-46E8-B77C-F391DF9C0972}" destId="{0B94A8E6-E6A5-4525-8267-5901F51768AC}" srcOrd="0" destOrd="0" presId="urn:microsoft.com/office/officeart/2005/8/layout/hierarchy5"/>
+    <dgm:cxn modelId="{CAE6A6C3-F0C0-4AD8-A76C-63C3F4558018}" type="presParOf" srcId="{7A247148-D635-46E8-B77C-F391DF9C0972}" destId="{32D095D9-50EB-4AF2-96BC-568F6870C06E}" srcOrd="1" destOrd="0" presId="urn:microsoft.com/office/officeart/2005/8/layout/hierarchy5"/>
+    <dgm:cxn modelId="{A1E071DF-DA2B-47C8-B549-5906D9309916}" type="presParOf" srcId="{92B62B2C-2A42-45AC-B02B-2816908C211A}" destId="{8BA94E4B-AFA3-4D6B-9AA0-EDC070D5D698}" srcOrd="2" destOrd="0" presId="urn:microsoft.com/office/officeart/2005/8/layout/hierarchy5"/>
+    <dgm:cxn modelId="{BF2D9C71-1C3C-4E43-B369-05B46C1080B5}" type="presParOf" srcId="{8BA94E4B-AFA3-4D6B-9AA0-EDC070D5D698}" destId="{2B27CB1E-7B8B-4DB6-879A-5E3521FCFE9C}" srcOrd="0" destOrd="0" presId="urn:microsoft.com/office/officeart/2005/8/layout/hierarchy5"/>
+    <dgm:cxn modelId="{435E1334-D614-42C8-B2AB-BB4C81DD8499}" type="presParOf" srcId="{92B62B2C-2A42-45AC-B02B-2816908C211A}" destId="{FFF485EB-F631-4670-9A29-1F8725D914F3}" srcOrd="3" destOrd="0" presId="urn:microsoft.com/office/officeart/2005/8/layout/hierarchy5"/>
+    <dgm:cxn modelId="{EBF4FA4D-A85D-44E0-8649-105FC2B9F2BE}" type="presParOf" srcId="{FFF485EB-F631-4670-9A29-1F8725D914F3}" destId="{0D340036-B682-4B44-A7DD-C6269896D252}" srcOrd="0" destOrd="0" presId="urn:microsoft.com/office/officeart/2005/8/layout/hierarchy5"/>
+    <dgm:cxn modelId="{15B717AE-24DA-4268-BB28-779BB1D26C15}" type="presParOf" srcId="{FFF485EB-F631-4670-9A29-1F8725D914F3}" destId="{98C6114F-BB88-4BCB-8DEF-38AC861A6A55}" srcOrd="1" destOrd="0" presId="urn:microsoft.com/office/officeart/2005/8/layout/hierarchy5"/>
+    <dgm:cxn modelId="{5E723FA2-ACF9-4F61-940E-37590DD9C764}" type="presParOf" srcId="{2657EB9E-3E39-4A90-8EC4-BBAB825DB71C}" destId="{A51EE01B-E52D-4563-B8EC-09283AC78A28}" srcOrd="1" destOrd="0" presId="urn:microsoft.com/office/officeart/2005/8/layout/hierarchy5"/>
+    <dgm:cxn modelId="{B9B8A7EB-71E8-4A0E-A56C-AD5CD708405F}" type="presParOf" srcId="{A51EE01B-E52D-4563-B8EC-09283AC78A28}" destId="{D1EA9FB3-6270-4F19-86C4-F150882E49BD}" srcOrd="0" destOrd="0" presId="urn:microsoft.com/office/officeart/2005/8/layout/hierarchy5"/>
+    <dgm:cxn modelId="{209C3487-53DB-4452-B475-AB91FB061733}" type="presParOf" srcId="{D1EA9FB3-6270-4F19-86C4-F150882E49BD}" destId="{28F14353-B38B-47AE-8A24-23CE9894B052}" srcOrd="0" destOrd="0" presId="urn:microsoft.com/office/officeart/2005/8/layout/hierarchy5"/>
+    <dgm:cxn modelId="{9F96D431-67C4-4A06-92C7-D9487708CEBB}" type="presParOf" srcId="{D1EA9FB3-6270-4F19-86C4-F150882E49BD}" destId="{0A88D414-359A-41BB-A908-95E1111FEACB}" srcOrd="1" destOrd="0" presId="urn:microsoft.com/office/officeart/2005/8/layout/hierarchy5"/>
+    <dgm:cxn modelId="{F9610A0E-61D0-44AB-8B04-9C48A435867A}" type="presParOf" srcId="{A51EE01B-E52D-4563-B8EC-09283AC78A28}" destId="{F250B122-1237-48C3-A081-4F6EA06F5C7B}" srcOrd="1" destOrd="0" presId="urn:microsoft.com/office/officeart/2005/8/layout/hierarchy5"/>
+    <dgm:cxn modelId="{C49CD766-F356-463C-A95B-978F2391A10A}" type="presParOf" srcId="{F250B122-1237-48C3-A081-4F6EA06F5C7B}" destId="{5356695A-2F28-4357-A7C1-9531F6C39BFF}" srcOrd="0" destOrd="0" presId="urn:microsoft.com/office/officeart/2005/8/layout/hierarchy5"/>
+    <dgm:cxn modelId="{AB50F381-7CED-41F9-A772-120DF653FD34}" type="presParOf" srcId="{A51EE01B-E52D-4563-B8EC-09283AC78A28}" destId="{36137930-A8EF-463A-B1BF-064D6F0A0B38}" srcOrd="2" destOrd="0" presId="urn:microsoft.com/office/officeart/2005/8/layout/hierarchy5"/>
+    <dgm:cxn modelId="{58E3AD93-23E1-4D3C-8CEA-A02FB9EE3F82}" type="presParOf" srcId="{36137930-A8EF-463A-B1BF-064D6F0A0B38}" destId="{FF0DC4F7-8FDC-4ABE-AC8E-BBA74C64D074}" srcOrd="0" destOrd="0" presId="urn:microsoft.com/office/officeart/2005/8/layout/hierarchy5"/>
+    <dgm:cxn modelId="{5B58B816-9197-456D-B595-5EF4474C62B3}" type="presParOf" srcId="{36137930-A8EF-463A-B1BF-064D6F0A0B38}" destId="{4887A450-4AAC-404E-9349-70077AF0D2A0}" srcOrd="1" destOrd="0" presId="urn:microsoft.com/office/officeart/2005/8/layout/hierarchy5"/>
+    <dgm:cxn modelId="{1B09A4AC-CA5A-4C73-87E5-6C4819DC1EEE}" type="presParOf" srcId="{A51EE01B-E52D-4563-B8EC-09283AC78A28}" destId="{161E398A-BA7E-4CE9-815D-306DE8311841}" srcOrd="3" destOrd="0" presId="urn:microsoft.com/office/officeart/2005/8/layout/hierarchy5"/>
+    <dgm:cxn modelId="{D4F2000C-7CF7-417E-8454-5EE6B0BCCC26}" type="presParOf" srcId="{161E398A-BA7E-4CE9-815D-306DE8311841}" destId="{70C7B5A6-68A5-414E-9ACA-5375401DEB2B}" srcOrd="0" destOrd="0" presId="urn:microsoft.com/office/officeart/2005/8/layout/hierarchy5"/>
+    <dgm:cxn modelId="{8F3E8418-D4F6-439A-8AC6-A20E0147424C}" type="presParOf" srcId="{A51EE01B-E52D-4563-B8EC-09283AC78A28}" destId="{C4E25864-D4E1-4CA2-988C-A24C2FEB9A59}" srcOrd="4" destOrd="0" presId="urn:microsoft.com/office/officeart/2005/8/layout/hierarchy5"/>
+    <dgm:cxn modelId="{921DA2F6-4EC6-4B1E-B5C5-4DBD0925E2C6}" type="presParOf" srcId="{C4E25864-D4E1-4CA2-988C-A24C2FEB9A59}" destId="{079CA261-3305-480F-9D3B-17A566B1A737}" srcOrd="0" destOrd="0" presId="urn:microsoft.com/office/officeart/2005/8/layout/hierarchy5"/>
+    <dgm:cxn modelId="{E0AB3A4B-30B6-4473-A4DF-5871219E4DF5}" type="presParOf" srcId="{C4E25864-D4E1-4CA2-988C-A24C2FEB9A59}" destId="{D07F79FA-D174-4021-AD8E-5A3A2CB0BCB3}" srcOrd="1" destOrd="0" presId="urn:microsoft.com/office/officeart/2005/8/layout/hierarchy5"/>
+  </dgm:cxnLst>
+  <dgm:bg/>
+  <dgm:whole/>
+  <dgm:extLst>
+    <a:ext uri="http://schemas.microsoft.com/office/drawing/2008/diagram">
+      <dsp:dataModelExt xmlns:dsp="http://schemas.microsoft.com/office/drawing/2008/diagram" relId="rId7" minVer="http://schemas.openxmlformats.org/drawingml/2006/diagram"/>
+    </a:ext>
+  </dgm:extLst>
+</dgm:dataModel>
+</file>
+
+<file path=ppt/diagrams/drawing1.xml><?xml version="1.0" encoding="utf-8"?>
+<dsp:drawing xmlns:dgm="http://schemas.openxmlformats.org/drawingml/2006/diagram" xmlns:dsp="http://schemas.microsoft.com/office/drawing/2008/diagram" xmlns:a="http://schemas.openxmlformats.org/drawingml/2006/main">
+  <dsp:spTree>
+    <dsp:nvGrpSpPr>
+      <dsp:cNvPr id="0" name=""/>
+      <dsp:cNvGrpSpPr/>
+    </dsp:nvGrpSpPr>
+    <dsp:grpSpPr/>
+    <dsp:sp modelId="{079CA261-3305-480F-9D3B-17A566B1A737}">
+      <dsp:nvSpPr>
+        <dsp:cNvPr id="0" name=""/>
+        <dsp:cNvSpPr/>
+      </dsp:nvSpPr>
+      <dsp:spPr>
+        <a:xfrm>
+          <a:off x="5718264" y="0"/>
+          <a:ext cx="1134571" cy="3190009"/>
+        </a:xfrm>
+        <a:prstGeom prst="roundRect">
+          <a:avLst>
+            <a:gd name="adj" fmla="val 10000"/>
+          </a:avLst>
+        </a:prstGeom>
+        <a:solidFill>
+          <a:schemeClr val="accent1">
+            <a:tint val="40000"/>
+            <a:hueOff val="0"/>
+            <a:satOff val="0"/>
+            <a:lumOff val="0"/>
+            <a:alphaOff val="0"/>
+          </a:schemeClr>
+        </a:solidFill>
+        <a:ln>
+          <a:noFill/>
+        </a:ln>
+        <a:effectLst>
+          <a:innerShdw blurRad="50800" dist="25400" dir="13500000">
+            <a:srgbClr val="000000">
+              <a:alpha val="55000"/>
+            </a:srgbClr>
+          </a:innerShdw>
+        </a:effectLst>
+      </dsp:spPr>
+      <dsp:style>
+        <a:lnRef idx="0">
+          <a:scrgbClr r="0" g="0" b="0"/>
+        </a:lnRef>
+        <a:fillRef idx="1">
+          <a:scrgbClr r="0" g="0" b="0"/>
+        </a:fillRef>
+        <a:effectRef idx="2">
+          <a:scrgbClr r="0" g="0" b="0"/>
+        </a:effectRef>
+        <a:fontRef idx="minor"/>
+      </dsp:style>
+      <dsp:txBody>
+        <a:bodyPr spcFirstLastPara="0" vert="horz" wrap="square" lIns="113792" tIns="113792" rIns="113792" bIns="113792" numCol="1" spcCol="1270" anchor="ctr" anchorCtr="0">
+          <a:noAutofit/>
+        </a:bodyPr>
+        <a:lstStyle/>
+        <a:p>
+          <a:pPr marL="0" lvl="0" indent="0" algn="ctr" defTabSz="711200">
+            <a:lnSpc>
+              <a:spcPct val="90000"/>
+            </a:lnSpc>
+            <a:spcBef>
+              <a:spcPct val="0"/>
+            </a:spcBef>
+            <a:spcAft>
+              <a:spcPct val="35000"/>
+            </a:spcAft>
+            <a:buNone/>
+          </a:pPr>
+          <a:r>
+            <a:rPr lang="en-US" sz="1600" kern="1200"/>
+            <a:t>Logs</a:t>
+          </a:r>
+        </a:p>
+      </dsp:txBody>
+      <dsp:txXfrm>
+        <a:off x="5718264" y="0"/>
+        <a:ext cx="1134571" cy="957002"/>
+      </dsp:txXfrm>
+    </dsp:sp>
+    <dsp:sp modelId="{FF0DC4F7-8FDC-4ABE-AC8E-BBA74C64D074}">
+      <dsp:nvSpPr>
+        <dsp:cNvPr id="0" name=""/>
+        <dsp:cNvSpPr/>
+      </dsp:nvSpPr>
+      <dsp:spPr>
+        <a:xfrm>
+          <a:off x="4394597" y="0"/>
+          <a:ext cx="1134571" cy="3190009"/>
+        </a:xfrm>
+        <a:prstGeom prst="roundRect">
+          <a:avLst>
+            <a:gd name="adj" fmla="val 10000"/>
+          </a:avLst>
+        </a:prstGeom>
+        <a:solidFill>
+          <a:schemeClr val="accent1">
+            <a:tint val="40000"/>
+            <a:hueOff val="0"/>
+            <a:satOff val="0"/>
+            <a:lumOff val="0"/>
+            <a:alphaOff val="0"/>
+          </a:schemeClr>
+        </a:solidFill>
+        <a:ln>
+          <a:noFill/>
+        </a:ln>
+        <a:effectLst>
+          <a:innerShdw blurRad="50800" dist="25400" dir="13500000">
+            <a:srgbClr val="000000">
+              <a:alpha val="55000"/>
+            </a:srgbClr>
+          </a:innerShdw>
+        </a:effectLst>
+      </dsp:spPr>
+      <dsp:style>
+        <a:lnRef idx="0">
+          <a:scrgbClr r="0" g="0" b="0"/>
+        </a:lnRef>
+        <a:fillRef idx="1">
+          <a:scrgbClr r="0" g="0" b="0"/>
+        </a:fillRef>
+        <a:effectRef idx="2">
+          <a:scrgbClr r="0" g="0" b="0"/>
+        </a:effectRef>
+        <a:fontRef idx="minor"/>
+      </dsp:style>
+      <dsp:txBody>
+        <a:bodyPr spcFirstLastPara="0" vert="horz" wrap="square" lIns="113792" tIns="113792" rIns="113792" bIns="113792" numCol="1" spcCol="1270" anchor="ctr" anchorCtr="0">
+          <a:noAutofit/>
+        </a:bodyPr>
+        <a:lstStyle/>
+        <a:p>
+          <a:pPr marL="0" lvl="0" indent="0" algn="ctr" defTabSz="711200">
+            <a:lnSpc>
+              <a:spcPct val="90000"/>
+            </a:lnSpc>
+            <a:spcBef>
+              <a:spcPct val="0"/>
+            </a:spcBef>
+            <a:spcAft>
+              <a:spcPct val="35000"/>
+            </a:spcAft>
+            <a:buNone/>
+          </a:pPr>
+          <a:r>
+            <a:rPr lang="en-US" sz="1600" kern="1200"/>
+            <a:t>Test Runs</a:t>
+          </a:r>
+        </a:p>
+      </dsp:txBody>
+      <dsp:txXfrm>
+        <a:off x="4394597" y="0"/>
+        <a:ext cx="1134571" cy="957002"/>
+      </dsp:txXfrm>
+    </dsp:sp>
+    <dsp:sp modelId="{28F14353-B38B-47AE-8A24-23CE9894B052}">
+      <dsp:nvSpPr>
+        <dsp:cNvPr id="0" name=""/>
+        <dsp:cNvSpPr/>
+      </dsp:nvSpPr>
+      <dsp:spPr>
+        <a:xfrm>
+          <a:off x="3070930" y="0"/>
+          <a:ext cx="1134571" cy="3190009"/>
+        </a:xfrm>
+        <a:prstGeom prst="roundRect">
+          <a:avLst>
+            <a:gd name="adj" fmla="val 10000"/>
+          </a:avLst>
+        </a:prstGeom>
+        <a:solidFill>
+          <a:schemeClr val="accent1">
+            <a:tint val="40000"/>
+            <a:hueOff val="0"/>
+            <a:satOff val="0"/>
+            <a:lumOff val="0"/>
+            <a:alphaOff val="0"/>
+          </a:schemeClr>
+        </a:solidFill>
+        <a:ln>
+          <a:noFill/>
+        </a:ln>
+        <a:effectLst>
+          <a:innerShdw blurRad="50800" dist="25400" dir="13500000">
+            <a:srgbClr val="000000">
+              <a:alpha val="55000"/>
+            </a:srgbClr>
+          </a:innerShdw>
+        </a:effectLst>
+      </dsp:spPr>
+      <dsp:style>
+        <a:lnRef idx="0">
+          <a:scrgbClr r="0" g="0" b="0"/>
+        </a:lnRef>
+        <a:fillRef idx="1">
+          <a:scrgbClr r="0" g="0" b="0"/>
+        </a:fillRef>
+        <a:effectRef idx="2">
+          <a:scrgbClr r="0" g="0" b="0"/>
+        </a:effectRef>
+        <a:fontRef idx="minor"/>
+      </dsp:style>
+      <dsp:txBody>
+        <a:bodyPr spcFirstLastPara="0" vert="horz" wrap="square" lIns="113792" tIns="113792" rIns="113792" bIns="113792" numCol="1" spcCol="1270" anchor="ctr" anchorCtr="0">
+          <a:noAutofit/>
+        </a:bodyPr>
+        <a:lstStyle/>
+        <a:p>
+          <a:pPr marL="0" lvl="0" indent="0" algn="ctr" defTabSz="711200">
+            <a:lnSpc>
+              <a:spcPct val="90000"/>
+            </a:lnSpc>
+            <a:spcBef>
+              <a:spcPct val="0"/>
+            </a:spcBef>
+            <a:spcAft>
+              <a:spcPct val="35000"/>
+            </a:spcAft>
+            <a:buNone/>
+          </a:pPr>
+          <a:r>
+            <a:rPr lang="en-US" sz="1600" kern="1200"/>
+            <a:t>Products</a:t>
+          </a:r>
+        </a:p>
+      </dsp:txBody>
+      <dsp:txXfrm>
+        <a:off x="3070930" y="0"/>
+        <a:ext cx="1134571" cy="957002"/>
+      </dsp:txXfrm>
+    </dsp:sp>
+    <dsp:sp modelId="{5891A1AD-A1F0-463E-9260-E82FCB7B8A45}">
+      <dsp:nvSpPr>
+        <dsp:cNvPr id="0" name=""/>
+        <dsp:cNvSpPr/>
+      </dsp:nvSpPr>
+      <dsp:spPr>
+        <a:xfrm>
+          <a:off x="3165478" y="1773336"/>
+          <a:ext cx="945476" cy="472738"/>
+        </a:xfrm>
+        <a:prstGeom prst="roundRect">
+          <a:avLst>
+            <a:gd name="adj" fmla="val 10000"/>
+          </a:avLst>
+        </a:prstGeom>
+        <a:gradFill rotWithShape="0">
+          <a:gsLst>
+            <a:gs pos="0">
+              <a:schemeClr val="accent1">
+                <a:shade val="80000"/>
+                <a:hueOff val="0"/>
+                <a:satOff val="0"/>
+                <a:lumOff val="0"/>
+                <a:alphaOff val="0"/>
+                <a:tint val="96000"/>
+                <a:lumMod val="104000"/>
+              </a:schemeClr>
+            </a:gs>
+            <a:gs pos="100000">
+              <a:schemeClr val="accent1">
+                <a:shade val="80000"/>
+                <a:hueOff val="0"/>
+                <a:satOff val="0"/>
+                <a:lumOff val="0"/>
+                <a:alphaOff val="0"/>
+                <a:shade val="84000"/>
+                <a:lumMod val="84000"/>
+              </a:schemeClr>
+            </a:gs>
+          </a:gsLst>
+          <a:lin ang="5400000" scaled="0"/>
+        </a:gradFill>
+        <a:ln>
+          <a:noFill/>
+        </a:ln>
+        <a:effectLst>
+          <a:outerShdw blurRad="50800" dist="38100" dir="5400000" rotWithShape="0">
+            <a:srgbClr val="000000">
+              <a:alpha val="60000"/>
+            </a:srgbClr>
+          </a:outerShdw>
+        </a:effectLst>
+        <a:scene3d>
+          <a:camera prst="orthographicFront">
+            <a:rot lat="0" lon="0" rev="0"/>
+          </a:camera>
+          <a:lightRig rig="threePt" dir="tl"/>
+        </a:scene3d>
+        <a:sp3d>
+          <a:bevelT w="25400" h="25400" prst="slope"/>
+        </a:sp3d>
+      </dsp:spPr>
+      <dsp:style>
+        <a:lnRef idx="0">
+          <a:scrgbClr r="0" g="0" b="0"/>
+        </a:lnRef>
+        <a:fillRef idx="3">
+          <a:scrgbClr r="0" g="0" b="0"/>
+        </a:fillRef>
+        <a:effectRef idx="3">
+          <a:scrgbClr r="0" g="0" b="0"/>
+        </a:effectRef>
+        <a:fontRef idx="minor">
+          <a:schemeClr val="lt1"/>
+        </a:fontRef>
+      </dsp:style>
+      <dsp:txBody>
+        <a:bodyPr spcFirstLastPara="0" vert="horz" wrap="square" lIns="5715" tIns="5715" rIns="5715" bIns="5715" numCol="1" spcCol="1270" anchor="ctr" anchorCtr="0">
+          <a:noAutofit/>
+        </a:bodyPr>
+        <a:lstStyle/>
+        <a:p>
+          <a:pPr marL="0" lvl="0" indent="0" algn="ctr" defTabSz="400050">
+            <a:lnSpc>
+              <a:spcPct val="90000"/>
+            </a:lnSpc>
+            <a:spcBef>
+              <a:spcPct val="0"/>
+            </a:spcBef>
+            <a:spcAft>
+              <a:spcPct val="35000"/>
+            </a:spcAft>
+            <a:buNone/>
+          </a:pPr>
+          <a:r>
+            <a:rPr lang="en-US" sz="900" kern="1200"/>
+            <a:t>Compute</a:t>
+          </a:r>
+        </a:p>
+      </dsp:txBody>
+      <dsp:txXfrm>
+        <a:off x="3179324" y="1787182"/>
+        <a:ext cx="917784" cy="445046"/>
+      </dsp:txXfrm>
+    </dsp:sp>
+    <dsp:sp modelId="{004E9CF5-ED9C-41F0-ACFC-EF2E5321B080}">
+      <dsp:nvSpPr>
+        <dsp:cNvPr id="0" name=""/>
+        <dsp:cNvSpPr/>
+      </dsp:nvSpPr>
+      <dsp:spPr>
+        <a:xfrm rot="18289469">
+          <a:off x="3968922" y="1724543"/>
+          <a:ext cx="662255" cy="26674"/>
+        </a:xfrm>
+        <a:custGeom>
+          <a:avLst/>
+          <a:gdLst/>
+          <a:ahLst/>
+          <a:cxnLst/>
+          <a:rect l="0" t="0" r="0" b="0"/>
+          <a:pathLst>
+            <a:path>
+              <a:moveTo>
+                <a:pt x="0" y="13337"/>
+              </a:moveTo>
+              <a:lnTo>
+                <a:pt x="662255" y="13337"/>
+              </a:lnTo>
+            </a:path>
+          </a:pathLst>
+        </a:custGeom>
+        <a:noFill/>
+        <a:ln w="19050" cap="rnd" cmpd="sng" algn="ctr">
+          <a:solidFill>
+            <a:schemeClr val="accent1">
+              <a:tint val="99000"/>
+              <a:hueOff val="0"/>
+              <a:satOff val="0"/>
+              <a:lumOff val="0"/>
+              <a:alphaOff val="0"/>
+            </a:schemeClr>
+          </a:solidFill>
+          <a:prstDash val="solid"/>
+        </a:ln>
+        <a:effectLst/>
+      </dsp:spPr>
+      <dsp:style>
+        <a:lnRef idx="2">
+          <a:scrgbClr r="0" g="0" b="0"/>
+        </a:lnRef>
+        <a:fillRef idx="0">
+          <a:scrgbClr r="0" g="0" b="0"/>
+        </a:fillRef>
+        <a:effectRef idx="0">
+          <a:scrgbClr r="0" g="0" b="0"/>
+        </a:effectRef>
+        <a:fontRef idx="minor"/>
+      </dsp:style>
+      <dsp:txBody>
+        <a:bodyPr spcFirstLastPara="0" vert="horz" wrap="square" lIns="12700" tIns="0" rIns="12700" bIns="0" numCol="1" spcCol="1270" anchor="ctr" anchorCtr="0">
+          <a:noAutofit/>
+        </a:bodyPr>
+        <a:lstStyle/>
+        <a:p>
+          <a:pPr marL="0" lvl="0" indent="0" algn="ctr" defTabSz="222250">
+            <a:lnSpc>
+              <a:spcPct val="90000"/>
+            </a:lnSpc>
+            <a:spcBef>
+              <a:spcPct val="0"/>
+            </a:spcBef>
+            <a:spcAft>
+              <a:spcPct val="35000"/>
+            </a:spcAft>
+            <a:buNone/>
+          </a:pPr>
+          <a:endParaRPr lang="en-US" sz="500" kern="1200"/>
+        </a:p>
+      </dsp:txBody>
+      <dsp:txXfrm>
+        <a:off x="4283493" y="1721324"/>
+        <a:ext cx="33112" cy="33112"/>
+      </dsp:txXfrm>
+    </dsp:sp>
+    <dsp:sp modelId="{ABCD5EF2-A2F1-450E-9711-C02B33168B43}">
+      <dsp:nvSpPr>
+        <dsp:cNvPr id="0" name=""/>
+        <dsp:cNvSpPr/>
+      </dsp:nvSpPr>
+      <dsp:spPr>
+        <a:xfrm>
+          <a:off x="4489145" y="1229687"/>
+          <a:ext cx="945476" cy="472738"/>
+        </a:xfrm>
+        <a:prstGeom prst="roundRect">
+          <a:avLst>
+            <a:gd name="adj" fmla="val 10000"/>
+          </a:avLst>
+        </a:prstGeom>
+        <a:gradFill rotWithShape="0">
+          <a:gsLst>
+            <a:gs pos="0">
+              <a:schemeClr val="accent1">
+                <a:tint val="99000"/>
+                <a:hueOff val="0"/>
+                <a:satOff val="0"/>
+                <a:lumOff val="0"/>
+                <a:alphaOff val="0"/>
+                <a:tint val="96000"/>
+                <a:lumMod val="104000"/>
+              </a:schemeClr>
+            </a:gs>
+            <a:gs pos="100000">
+              <a:schemeClr val="accent1">
+                <a:tint val="99000"/>
+                <a:hueOff val="0"/>
+                <a:satOff val="0"/>
+                <a:lumOff val="0"/>
+                <a:alphaOff val="0"/>
+                <a:shade val="84000"/>
+                <a:lumMod val="84000"/>
+              </a:schemeClr>
+            </a:gs>
+          </a:gsLst>
+          <a:lin ang="5400000" scaled="0"/>
+        </a:gradFill>
+        <a:ln>
+          <a:noFill/>
+        </a:ln>
+        <a:effectLst>
+          <a:outerShdw blurRad="50800" dist="38100" dir="5400000" rotWithShape="0">
+            <a:srgbClr val="000000">
+              <a:alpha val="60000"/>
+            </a:srgbClr>
+          </a:outerShdw>
+        </a:effectLst>
+        <a:scene3d>
+          <a:camera prst="orthographicFront">
+            <a:rot lat="0" lon="0" rev="0"/>
+          </a:camera>
+          <a:lightRig rig="threePt" dir="tl"/>
+        </a:scene3d>
+        <a:sp3d>
+          <a:bevelT w="25400" h="25400" prst="slope"/>
+        </a:sp3d>
+      </dsp:spPr>
+      <dsp:style>
+        <a:lnRef idx="0">
+          <a:scrgbClr r="0" g="0" b="0"/>
+        </a:lnRef>
+        <a:fillRef idx="3">
+          <a:scrgbClr r="0" g="0" b="0"/>
+        </a:fillRef>
+        <a:effectRef idx="3">
+          <a:scrgbClr r="0" g="0" b="0"/>
+        </a:effectRef>
+        <a:fontRef idx="minor">
+          <a:schemeClr val="lt1"/>
+        </a:fontRef>
+      </dsp:style>
+      <dsp:txBody>
+        <a:bodyPr spcFirstLastPara="0" vert="horz" wrap="square" lIns="5715" tIns="5715" rIns="5715" bIns="5715" numCol="1" spcCol="1270" anchor="ctr" anchorCtr="0">
+          <a:noAutofit/>
+        </a:bodyPr>
+        <a:lstStyle/>
+        <a:p>
+          <a:pPr marL="0" lvl="0" indent="0" algn="ctr" defTabSz="400050">
+            <a:lnSpc>
+              <a:spcPct val="90000"/>
+            </a:lnSpc>
+            <a:spcBef>
+              <a:spcPct val="0"/>
+            </a:spcBef>
+            <a:spcAft>
+              <a:spcPct val="35000"/>
+            </a:spcAft>
+            <a:buNone/>
+          </a:pPr>
+          <a:r>
+            <a:rPr lang="en-US" sz="900" kern="1200"/>
+            <a:t>DateTime1</a:t>
+          </a:r>
+        </a:p>
+      </dsp:txBody>
+      <dsp:txXfrm>
+        <a:off x="4502991" y="1243533"/>
+        <a:ext cx="917784" cy="445046"/>
+      </dsp:txXfrm>
+    </dsp:sp>
+    <dsp:sp modelId="{7F3BA310-34DA-4C46-B7F3-FB7CB025E9C1}">
+      <dsp:nvSpPr>
+        <dsp:cNvPr id="0" name=""/>
+        <dsp:cNvSpPr/>
+      </dsp:nvSpPr>
+      <dsp:spPr>
+        <a:xfrm rot="19457599">
+          <a:off x="5390845" y="1316807"/>
+          <a:ext cx="465743" cy="26674"/>
+        </a:xfrm>
+        <a:custGeom>
+          <a:avLst/>
+          <a:gdLst/>
+          <a:ahLst/>
+          <a:cxnLst/>
+          <a:rect l="0" t="0" r="0" b="0"/>
+          <a:pathLst>
+            <a:path>
+              <a:moveTo>
+                <a:pt x="0" y="13337"/>
+              </a:moveTo>
+              <a:lnTo>
+                <a:pt x="465743" y="13337"/>
+              </a:lnTo>
+            </a:path>
+          </a:pathLst>
+        </a:custGeom>
+        <a:noFill/>
+        <a:ln w="19050" cap="rnd" cmpd="sng" algn="ctr">
+          <a:solidFill>
+            <a:schemeClr val="accent1">
+              <a:tint val="80000"/>
+              <a:hueOff val="0"/>
+              <a:satOff val="0"/>
+              <a:lumOff val="0"/>
+              <a:alphaOff val="0"/>
+            </a:schemeClr>
+          </a:solidFill>
+          <a:prstDash val="solid"/>
+        </a:ln>
+        <a:effectLst/>
+      </dsp:spPr>
+      <dsp:style>
+        <a:lnRef idx="2">
+          <a:scrgbClr r="0" g="0" b="0"/>
+        </a:lnRef>
+        <a:fillRef idx="0">
+          <a:scrgbClr r="0" g="0" b="0"/>
+        </a:fillRef>
+        <a:effectRef idx="0">
+          <a:scrgbClr r="0" g="0" b="0"/>
+        </a:effectRef>
+        <a:fontRef idx="minor"/>
+      </dsp:style>
+      <dsp:txBody>
+        <a:bodyPr spcFirstLastPara="0" vert="horz" wrap="square" lIns="12700" tIns="0" rIns="12700" bIns="0" numCol="1" spcCol="1270" anchor="ctr" anchorCtr="0">
+          <a:noAutofit/>
+        </a:bodyPr>
+        <a:lstStyle/>
+        <a:p>
+          <a:pPr marL="0" lvl="0" indent="0" algn="ctr" defTabSz="222250">
+            <a:lnSpc>
+              <a:spcPct val="90000"/>
+            </a:lnSpc>
+            <a:spcBef>
+              <a:spcPct val="0"/>
+            </a:spcBef>
+            <a:spcAft>
+              <a:spcPct val="35000"/>
+            </a:spcAft>
+            <a:buNone/>
+          </a:pPr>
+          <a:endParaRPr lang="en-US" sz="500" kern="1200"/>
+        </a:p>
+      </dsp:txBody>
+      <dsp:txXfrm>
+        <a:off x="5612073" y="1318501"/>
+        <a:ext cx="23287" cy="23287"/>
+      </dsp:txXfrm>
+    </dsp:sp>
+    <dsp:sp modelId="{EF558AE5-5EFB-42CA-B14B-E526369AF85D}">
+      <dsp:nvSpPr>
+        <dsp:cNvPr id="0" name=""/>
+        <dsp:cNvSpPr/>
+      </dsp:nvSpPr>
+      <dsp:spPr>
+        <a:xfrm>
+          <a:off x="5812812" y="957863"/>
+          <a:ext cx="945476" cy="472738"/>
+        </a:xfrm>
+        <a:prstGeom prst="roundRect">
+          <a:avLst>
+            <a:gd name="adj" fmla="val 10000"/>
+          </a:avLst>
+        </a:prstGeom>
+        <a:gradFill rotWithShape="0">
+          <a:gsLst>
+            <a:gs pos="0">
+              <a:schemeClr val="accent1">
+                <a:tint val="80000"/>
+                <a:hueOff val="0"/>
+                <a:satOff val="0"/>
+                <a:lumOff val="0"/>
+                <a:alphaOff val="0"/>
+                <a:tint val="96000"/>
+                <a:lumMod val="104000"/>
+              </a:schemeClr>
+            </a:gs>
+            <a:gs pos="100000">
+              <a:schemeClr val="accent1">
+                <a:tint val="80000"/>
+                <a:hueOff val="0"/>
+                <a:satOff val="0"/>
+                <a:lumOff val="0"/>
+                <a:alphaOff val="0"/>
+                <a:shade val="84000"/>
+                <a:lumMod val="84000"/>
+              </a:schemeClr>
+            </a:gs>
+          </a:gsLst>
+          <a:lin ang="5400000" scaled="0"/>
+        </a:gradFill>
+        <a:ln>
+          <a:noFill/>
+        </a:ln>
+        <a:effectLst>
+          <a:outerShdw blurRad="50800" dist="38100" dir="5400000" rotWithShape="0">
+            <a:srgbClr val="000000">
+              <a:alpha val="60000"/>
+            </a:srgbClr>
+          </a:outerShdw>
+        </a:effectLst>
+        <a:scene3d>
+          <a:camera prst="orthographicFront">
+            <a:rot lat="0" lon="0" rev="0"/>
+          </a:camera>
+          <a:lightRig rig="threePt" dir="tl"/>
+        </a:scene3d>
+        <a:sp3d>
+          <a:bevelT w="25400" h="25400" prst="slope"/>
+        </a:sp3d>
+      </dsp:spPr>
+      <dsp:style>
+        <a:lnRef idx="0">
+          <a:scrgbClr r="0" g="0" b="0"/>
+        </a:lnRef>
+        <a:fillRef idx="3">
+          <a:scrgbClr r="0" g="0" b="0"/>
+        </a:fillRef>
+        <a:effectRef idx="3">
+          <a:scrgbClr r="0" g="0" b="0"/>
+        </a:effectRef>
+        <a:fontRef idx="minor">
+          <a:schemeClr val="lt1"/>
+        </a:fontRef>
+      </dsp:style>
+      <dsp:txBody>
+        <a:bodyPr spcFirstLastPara="0" vert="horz" wrap="square" lIns="5715" tIns="5715" rIns="5715" bIns="5715" numCol="1" spcCol="1270" anchor="ctr" anchorCtr="0">
+          <a:noAutofit/>
+        </a:bodyPr>
+        <a:lstStyle/>
+        <a:p>
+          <a:pPr marL="0" lvl="0" indent="0" algn="ctr" defTabSz="400050">
+            <a:lnSpc>
+              <a:spcPct val="90000"/>
+            </a:lnSpc>
+            <a:spcBef>
+              <a:spcPct val="0"/>
+            </a:spcBef>
+            <a:spcAft>
+              <a:spcPct val="35000"/>
+            </a:spcAft>
+            <a:buNone/>
+          </a:pPr>
+          <a:r>
+            <a:rPr lang="en-US" sz="900" kern="1200"/>
+            <a:t>cafe.master.log</a:t>
+          </a:r>
+        </a:p>
+      </dsp:txBody>
+      <dsp:txXfrm>
+        <a:off x="5826658" y="971709"/>
+        <a:ext cx="917784" cy="445046"/>
+      </dsp:txXfrm>
+    </dsp:sp>
+    <dsp:sp modelId="{E25270EC-9BEE-49FE-B8CA-3CB5FDCE1BF9}">
+      <dsp:nvSpPr>
+        <dsp:cNvPr id="0" name=""/>
+        <dsp:cNvSpPr/>
+      </dsp:nvSpPr>
+      <dsp:spPr>
+        <a:xfrm rot="2142401">
+          <a:off x="5390845" y="1588631"/>
+          <a:ext cx="465743" cy="26674"/>
+        </a:xfrm>
+        <a:custGeom>
+          <a:avLst/>
+          <a:gdLst/>
+          <a:ahLst/>
+          <a:cxnLst/>
+          <a:rect l="0" t="0" r="0" b="0"/>
+          <a:pathLst>
+            <a:path>
+              <a:moveTo>
+                <a:pt x="0" y="13337"/>
+              </a:moveTo>
+              <a:lnTo>
+                <a:pt x="465743" y="13337"/>
+              </a:lnTo>
+            </a:path>
+          </a:pathLst>
+        </a:custGeom>
+        <a:noFill/>
+        <a:ln w="19050" cap="rnd" cmpd="sng" algn="ctr">
+          <a:solidFill>
+            <a:schemeClr val="accent1">
+              <a:tint val="80000"/>
+              <a:hueOff val="0"/>
+              <a:satOff val="0"/>
+              <a:lumOff val="0"/>
+              <a:alphaOff val="0"/>
+            </a:schemeClr>
+          </a:solidFill>
+          <a:prstDash val="solid"/>
+        </a:ln>
+        <a:effectLst/>
+      </dsp:spPr>
+      <dsp:style>
+        <a:lnRef idx="2">
+          <a:scrgbClr r="0" g="0" b="0"/>
+        </a:lnRef>
+        <a:fillRef idx="0">
+          <a:scrgbClr r="0" g="0" b="0"/>
+        </a:fillRef>
+        <a:effectRef idx="0">
+          <a:scrgbClr r="0" g="0" b="0"/>
+        </a:effectRef>
+        <a:fontRef idx="minor"/>
+      </dsp:style>
+      <dsp:txBody>
+        <a:bodyPr spcFirstLastPara="0" vert="horz" wrap="square" lIns="12700" tIns="0" rIns="12700" bIns="0" numCol="1" spcCol="1270" anchor="ctr" anchorCtr="0">
+          <a:noAutofit/>
+        </a:bodyPr>
+        <a:lstStyle/>
+        <a:p>
+          <a:pPr marL="0" lvl="0" indent="0" algn="ctr" defTabSz="222250">
+            <a:lnSpc>
+              <a:spcPct val="90000"/>
+            </a:lnSpc>
+            <a:spcBef>
+              <a:spcPct val="0"/>
+            </a:spcBef>
+            <a:spcAft>
+              <a:spcPct val="35000"/>
+            </a:spcAft>
+            <a:buNone/>
+          </a:pPr>
+          <a:endParaRPr lang="en-US" sz="500" kern="1200"/>
+        </a:p>
+      </dsp:txBody>
+      <dsp:txXfrm>
+        <a:off x="5612073" y="1590325"/>
+        <a:ext cx="23287" cy="23287"/>
+      </dsp:txXfrm>
+    </dsp:sp>
+    <dsp:sp modelId="{A697E576-57CD-44CA-ACF1-E6D7FFEECB01}">
+      <dsp:nvSpPr>
+        <dsp:cNvPr id="0" name=""/>
+        <dsp:cNvSpPr/>
+      </dsp:nvSpPr>
+      <dsp:spPr>
+        <a:xfrm>
+          <a:off x="5812812" y="1501512"/>
+          <a:ext cx="945476" cy="472738"/>
+        </a:xfrm>
+        <a:prstGeom prst="roundRect">
+          <a:avLst>
+            <a:gd name="adj" fmla="val 10000"/>
+          </a:avLst>
+        </a:prstGeom>
+        <a:gradFill rotWithShape="0">
+          <a:gsLst>
+            <a:gs pos="0">
+              <a:schemeClr val="accent1">
+                <a:tint val="80000"/>
+                <a:hueOff val="0"/>
+                <a:satOff val="0"/>
+                <a:lumOff val="0"/>
+                <a:alphaOff val="0"/>
+                <a:tint val="96000"/>
+                <a:lumMod val="104000"/>
+              </a:schemeClr>
+            </a:gs>
+            <a:gs pos="100000">
+              <a:schemeClr val="accent1">
+                <a:tint val="80000"/>
+                <a:hueOff val="0"/>
+                <a:satOff val="0"/>
+                <a:lumOff val="0"/>
+                <a:alphaOff val="0"/>
+                <a:shade val="84000"/>
+                <a:lumMod val="84000"/>
+              </a:schemeClr>
+            </a:gs>
+          </a:gsLst>
+          <a:lin ang="5400000" scaled="0"/>
+        </a:gradFill>
+        <a:ln>
+          <a:noFill/>
+        </a:ln>
+        <a:effectLst>
+          <a:outerShdw blurRad="50800" dist="38100" dir="5400000" rotWithShape="0">
+            <a:srgbClr val="000000">
+              <a:alpha val="60000"/>
+            </a:srgbClr>
+          </a:outerShdw>
+        </a:effectLst>
+        <a:scene3d>
+          <a:camera prst="orthographicFront">
+            <a:rot lat="0" lon="0" rev="0"/>
+          </a:camera>
+          <a:lightRig rig="threePt" dir="tl"/>
+        </a:scene3d>
+        <a:sp3d>
+          <a:bevelT w="25400" h="25400" prst="slope"/>
+        </a:sp3d>
+      </dsp:spPr>
+      <dsp:style>
+        <a:lnRef idx="0">
+          <a:scrgbClr r="0" g="0" b="0"/>
+        </a:lnRef>
+        <a:fillRef idx="3">
+          <a:scrgbClr r="0" g="0" b="0"/>
+        </a:fillRef>
+        <a:effectRef idx="3">
+          <a:scrgbClr r="0" g="0" b="0"/>
+        </a:effectRef>
+        <a:fontRef idx="minor">
+          <a:schemeClr val="lt1"/>
+        </a:fontRef>
+      </dsp:style>
+      <dsp:txBody>
+        <a:bodyPr spcFirstLastPara="0" vert="horz" wrap="square" lIns="5715" tIns="5715" rIns="5715" bIns="5715" numCol="1" spcCol="1270" anchor="ctr" anchorCtr="0">
+          <a:noAutofit/>
+        </a:bodyPr>
+        <a:lstStyle/>
+        <a:p>
+          <a:pPr marL="0" lvl="0" indent="0" algn="ctr" defTabSz="400050">
+            <a:lnSpc>
+              <a:spcPct val="90000"/>
+            </a:lnSpc>
+            <a:spcBef>
+              <a:spcPct val="0"/>
+            </a:spcBef>
+            <a:spcAft>
+              <a:spcPct val="35000"/>
+            </a:spcAft>
+            <a:buNone/>
+          </a:pPr>
+          <a:r>
+            <a:rPr lang="en-US" sz="900" kern="1200"/>
+            <a:t>TestClass1</a:t>
+          </a:r>
+        </a:p>
+      </dsp:txBody>
+      <dsp:txXfrm>
+        <a:off x="5826658" y="1515358"/>
+        <a:ext cx="917784" cy="445046"/>
+      </dsp:txXfrm>
+    </dsp:sp>
+    <dsp:sp modelId="{80163AB7-5BB8-497D-8828-D88AE3DCFA17}">
+      <dsp:nvSpPr>
+        <dsp:cNvPr id="0" name=""/>
+        <dsp:cNvSpPr/>
+      </dsp:nvSpPr>
+      <dsp:spPr>
+        <a:xfrm rot="3310531">
+          <a:off x="3968922" y="2268192"/>
+          <a:ext cx="662255" cy="26674"/>
+        </a:xfrm>
+        <a:custGeom>
+          <a:avLst/>
+          <a:gdLst/>
+          <a:ahLst/>
+          <a:cxnLst/>
+          <a:rect l="0" t="0" r="0" b="0"/>
+          <a:pathLst>
+            <a:path>
+              <a:moveTo>
+                <a:pt x="0" y="13337"/>
+              </a:moveTo>
+              <a:lnTo>
+                <a:pt x="662255" y="13337"/>
+              </a:lnTo>
+            </a:path>
+          </a:pathLst>
+        </a:custGeom>
+        <a:noFill/>
+        <a:ln w="19050" cap="rnd" cmpd="sng" algn="ctr">
+          <a:solidFill>
+            <a:schemeClr val="accent1">
+              <a:tint val="99000"/>
+              <a:hueOff val="0"/>
+              <a:satOff val="0"/>
+              <a:lumOff val="0"/>
+              <a:alphaOff val="0"/>
+            </a:schemeClr>
+          </a:solidFill>
+          <a:prstDash val="solid"/>
+        </a:ln>
+        <a:effectLst/>
+      </dsp:spPr>
+      <dsp:style>
+        <a:lnRef idx="2">
+          <a:scrgbClr r="0" g="0" b="0"/>
+        </a:lnRef>
+        <a:fillRef idx="0">
+          <a:scrgbClr r="0" g="0" b="0"/>
+        </a:fillRef>
+        <a:effectRef idx="0">
+          <a:scrgbClr r="0" g="0" b="0"/>
+        </a:effectRef>
+        <a:fontRef idx="minor"/>
+      </dsp:style>
+      <dsp:txBody>
+        <a:bodyPr spcFirstLastPara="0" vert="horz" wrap="square" lIns="12700" tIns="0" rIns="12700" bIns="0" numCol="1" spcCol="1270" anchor="ctr" anchorCtr="0">
+          <a:noAutofit/>
+        </a:bodyPr>
+        <a:lstStyle/>
+        <a:p>
+          <a:pPr marL="0" lvl="0" indent="0" algn="ctr" defTabSz="222250">
+            <a:lnSpc>
+              <a:spcPct val="90000"/>
+            </a:lnSpc>
+            <a:spcBef>
+              <a:spcPct val="0"/>
+            </a:spcBef>
+            <a:spcAft>
+              <a:spcPct val="35000"/>
+            </a:spcAft>
+            <a:buNone/>
+          </a:pPr>
+          <a:endParaRPr lang="en-US" sz="500" kern="1200"/>
+        </a:p>
+      </dsp:txBody>
+      <dsp:txXfrm>
+        <a:off x="4283493" y="2264973"/>
+        <a:ext cx="33112" cy="33112"/>
+      </dsp:txXfrm>
+    </dsp:sp>
+    <dsp:sp modelId="{54046260-A8F3-4115-BA91-5D849527F943}">
+      <dsp:nvSpPr>
+        <dsp:cNvPr id="0" name=""/>
+        <dsp:cNvSpPr/>
+      </dsp:nvSpPr>
+      <dsp:spPr>
+        <a:xfrm>
+          <a:off x="4489145" y="2316985"/>
+          <a:ext cx="945476" cy="472738"/>
+        </a:xfrm>
+        <a:prstGeom prst="roundRect">
+          <a:avLst>
+            <a:gd name="adj" fmla="val 10000"/>
+          </a:avLst>
+        </a:prstGeom>
+        <a:gradFill rotWithShape="0">
+          <a:gsLst>
+            <a:gs pos="0">
+              <a:schemeClr val="accent1">
+                <a:tint val="99000"/>
+                <a:hueOff val="0"/>
+                <a:satOff val="0"/>
+                <a:lumOff val="0"/>
+                <a:alphaOff val="0"/>
+                <a:tint val="96000"/>
+                <a:lumMod val="104000"/>
+              </a:schemeClr>
+            </a:gs>
+            <a:gs pos="100000">
+              <a:schemeClr val="accent1">
+                <a:tint val="99000"/>
+                <a:hueOff val="0"/>
+                <a:satOff val="0"/>
+                <a:lumOff val="0"/>
+                <a:alphaOff val="0"/>
+                <a:shade val="84000"/>
+                <a:lumMod val="84000"/>
+              </a:schemeClr>
+            </a:gs>
+          </a:gsLst>
+          <a:lin ang="5400000" scaled="0"/>
+        </a:gradFill>
+        <a:ln>
+          <a:noFill/>
+        </a:ln>
+        <a:effectLst>
+          <a:outerShdw blurRad="50800" dist="38100" dir="5400000" rotWithShape="0">
+            <a:srgbClr val="000000">
+              <a:alpha val="60000"/>
+            </a:srgbClr>
+          </a:outerShdw>
+        </a:effectLst>
+        <a:scene3d>
+          <a:camera prst="orthographicFront">
+            <a:rot lat="0" lon="0" rev="0"/>
+          </a:camera>
+          <a:lightRig rig="threePt" dir="tl"/>
+        </a:scene3d>
+        <a:sp3d>
+          <a:bevelT w="25400" h="25400" prst="slope"/>
+        </a:sp3d>
+      </dsp:spPr>
+      <dsp:style>
+        <a:lnRef idx="0">
+          <a:scrgbClr r="0" g="0" b="0"/>
+        </a:lnRef>
+        <a:fillRef idx="3">
+          <a:scrgbClr r="0" g="0" b="0"/>
+        </a:fillRef>
+        <a:effectRef idx="3">
+          <a:scrgbClr r="0" g="0" b="0"/>
+        </a:effectRef>
+        <a:fontRef idx="minor">
+          <a:schemeClr val="lt1"/>
+        </a:fontRef>
+      </dsp:style>
+      <dsp:txBody>
+        <a:bodyPr spcFirstLastPara="0" vert="horz" wrap="square" lIns="5715" tIns="5715" rIns="5715" bIns="5715" numCol="1" spcCol="1270" anchor="ctr" anchorCtr="0">
+          <a:noAutofit/>
+        </a:bodyPr>
+        <a:lstStyle/>
+        <a:p>
+          <a:pPr marL="0" lvl="0" indent="0" algn="ctr" defTabSz="400050">
+            <a:lnSpc>
+              <a:spcPct val="90000"/>
+            </a:lnSpc>
+            <a:spcBef>
+              <a:spcPct val="0"/>
+            </a:spcBef>
+            <a:spcAft>
+              <a:spcPct val="35000"/>
+            </a:spcAft>
+            <a:buNone/>
+          </a:pPr>
+          <a:r>
+            <a:rPr lang="en-US" sz="900" kern="1200"/>
+            <a:t>DateTime2</a:t>
+          </a:r>
+        </a:p>
+      </dsp:txBody>
+      <dsp:txXfrm>
+        <a:off x="4502991" y="2330831"/>
+        <a:ext cx="917784" cy="445046"/>
+      </dsp:txXfrm>
+    </dsp:sp>
+    <dsp:sp modelId="{072FD794-EB62-475E-B636-3233A24309AE}">
+      <dsp:nvSpPr>
+        <dsp:cNvPr id="0" name=""/>
+        <dsp:cNvSpPr/>
+      </dsp:nvSpPr>
+      <dsp:spPr>
+        <a:xfrm rot="19457599">
+          <a:off x="5390845" y="2404104"/>
+          <a:ext cx="465743" cy="26674"/>
+        </a:xfrm>
+        <a:custGeom>
+          <a:avLst/>
+          <a:gdLst/>
+          <a:ahLst/>
+          <a:cxnLst/>
+          <a:rect l="0" t="0" r="0" b="0"/>
+          <a:pathLst>
+            <a:path>
+              <a:moveTo>
+                <a:pt x="0" y="13337"/>
+              </a:moveTo>
+              <a:lnTo>
+                <a:pt x="465743" y="13337"/>
+              </a:lnTo>
+            </a:path>
+          </a:pathLst>
+        </a:custGeom>
+        <a:noFill/>
+        <a:ln w="19050" cap="rnd" cmpd="sng" algn="ctr">
+          <a:solidFill>
+            <a:schemeClr val="accent1">
+              <a:tint val="80000"/>
+              <a:hueOff val="0"/>
+              <a:satOff val="0"/>
+              <a:lumOff val="0"/>
+              <a:alphaOff val="0"/>
+            </a:schemeClr>
+          </a:solidFill>
+          <a:prstDash val="solid"/>
+        </a:ln>
+        <a:effectLst/>
+      </dsp:spPr>
+      <dsp:style>
+        <a:lnRef idx="2">
+          <a:scrgbClr r="0" g="0" b="0"/>
+        </a:lnRef>
+        <a:fillRef idx="0">
+          <a:scrgbClr r="0" g="0" b="0"/>
+        </a:fillRef>
+        <a:effectRef idx="0">
+          <a:scrgbClr r="0" g="0" b="0"/>
+        </a:effectRef>
+        <a:fontRef idx="minor"/>
+      </dsp:style>
+      <dsp:txBody>
+        <a:bodyPr spcFirstLastPara="0" vert="horz" wrap="square" lIns="12700" tIns="0" rIns="12700" bIns="0" numCol="1" spcCol="1270" anchor="ctr" anchorCtr="0">
+          <a:noAutofit/>
+        </a:bodyPr>
+        <a:lstStyle/>
+        <a:p>
+          <a:pPr marL="0" lvl="0" indent="0" algn="ctr" defTabSz="222250">
+            <a:lnSpc>
+              <a:spcPct val="90000"/>
+            </a:lnSpc>
+            <a:spcBef>
+              <a:spcPct val="0"/>
+            </a:spcBef>
+            <a:spcAft>
+              <a:spcPct val="35000"/>
+            </a:spcAft>
+            <a:buNone/>
+          </a:pPr>
+          <a:endParaRPr lang="en-US" sz="500" kern="1200"/>
+        </a:p>
+      </dsp:txBody>
+      <dsp:txXfrm>
+        <a:off x="5612073" y="2405798"/>
+        <a:ext cx="23287" cy="23287"/>
+      </dsp:txXfrm>
+    </dsp:sp>
+    <dsp:sp modelId="{0B94A8E6-E6A5-4525-8267-5901F51768AC}">
+      <dsp:nvSpPr>
+        <dsp:cNvPr id="0" name=""/>
+        <dsp:cNvSpPr/>
+      </dsp:nvSpPr>
+      <dsp:spPr>
+        <a:xfrm>
+          <a:off x="5812812" y="2045161"/>
+          <a:ext cx="945476" cy="472738"/>
+        </a:xfrm>
+        <a:prstGeom prst="roundRect">
+          <a:avLst>
+            <a:gd name="adj" fmla="val 10000"/>
+          </a:avLst>
+        </a:prstGeom>
+        <a:gradFill rotWithShape="0">
+          <a:gsLst>
+            <a:gs pos="0">
+              <a:schemeClr val="accent1">
+                <a:tint val="80000"/>
+                <a:hueOff val="0"/>
+                <a:satOff val="0"/>
+                <a:lumOff val="0"/>
+                <a:alphaOff val="0"/>
+                <a:tint val="96000"/>
+                <a:lumMod val="104000"/>
+              </a:schemeClr>
+            </a:gs>
+            <a:gs pos="100000">
+              <a:schemeClr val="accent1">
+                <a:tint val="80000"/>
+                <a:hueOff val="0"/>
+                <a:satOff val="0"/>
+                <a:lumOff val="0"/>
+                <a:alphaOff val="0"/>
+                <a:shade val="84000"/>
+                <a:lumMod val="84000"/>
+              </a:schemeClr>
+            </a:gs>
+          </a:gsLst>
+          <a:lin ang="5400000" scaled="0"/>
+        </a:gradFill>
+        <a:ln>
+          <a:noFill/>
+        </a:ln>
+        <a:effectLst>
+          <a:outerShdw blurRad="50800" dist="38100" dir="5400000" rotWithShape="0">
+            <a:srgbClr val="000000">
+              <a:alpha val="60000"/>
+            </a:srgbClr>
+          </a:outerShdw>
+        </a:effectLst>
+        <a:scene3d>
+          <a:camera prst="orthographicFront">
+            <a:rot lat="0" lon="0" rev="0"/>
+          </a:camera>
+          <a:lightRig rig="threePt" dir="tl"/>
+        </a:scene3d>
+        <a:sp3d>
+          <a:bevelT w="25400" h="25400" prst="slope"/>
+        </a:sp3d>
+      </dsp:spPr>
+      <dsp:style>
+        <a:lnRef idx="0">
+          <a:scrgbClr r="0" g="0" b="0"/>
+        </a:lnRef>
+        <a:fillRef idx="3">
+          <a:scrgbClr r="0" g="0" b="0"/>
+        </a:fillRef>
+        <a:effectRef idx="3">
+          <a:scrgbClr r="0" g="0" b="0"/>
+        </a:effectRef>
+        <a:fontRef idx="minor">
+          <a:schemeClr val="lt1"/>
+        </a:fontRef>
+      </dsp:style>
+      <dsp:txBody>
+        <a:bodyPr spcFirstLastPara="0" vert="horz" wrap="square" lIns="5715" tIns="5715" rIns="5715" bIns="5715" numCol="1" spcCol="1270" anchor="ctr" anchorCtr="0">
+          <a:noAutofit/>
+        </a:bodyPr>
+        <a:lstStyle/>
+        <a:p>
+          <a:pPr marL="0" lvl="0" indent="0" algn="ctr" defTabSz="400050">
+            <a:lnSpc>
+              <a:spcPct val="90000"/>
+            </a:lnSpc>
+            <a:spcBef>
+              <a:spcPct val="0"/>
+            </a:spcBef>
+            <a:spcAft>
+              <a:spcPct val="35000"/>
+            </a:spcAft>
+            <a:buNone/>
+          </a:pPr>
+          <a:r>
+            <a:rPr lang="en-US" sz="900" kern="1200"/>
+            <a:t>cafe.master.log</a:t>
+          </a:r>
+        </a:p>
+      </dsp:txBody>
+      <dsp:txXfrm>
+        <a:off x="5826658" y="2059007"/>
+        <a:ext cx="917784" cy="445046"/>
+      </dsp:txXfrm>
+    </dsp:sp>
+    <dsp:sp modelId="{8BA94E4B-AFA3-4D6B-9AA0-EDC070D5D698}">
+      <dsp:nvSpPr>
+        <dsp:cNvPr id="0" name=""/>
+        <dsp:cNvSpPr/>
+      </dsp:nvSpPr>
+      <dsp:spPr>
+        <a:xfrm rot="2142401">
+          <a:off x="5390845" y="2675929"/>
+          <a:ext cx="465743" cy="26674"/>
+        </a:xfrm>
+        <a:custGeom>
+          <a:avLst/>
+          <a:gdLst/>
+          <a:ahLst/>
+          <a:cxnLst/>
+          <a:rect l="0" t="0" r="0" b="0"/>
+          <a:pathLst>
+            <a:path>
+              <a:moveTo>
+                <a:pt x="0" y="13337"/>
+              </a:moveTo>
+              <a:lnTo>
+                <a:pt x="465743" y="13337"/>
+              </a:lnTo>
+            </a:path>
+          </a:pathLst>
+        </a:custGeom>
+        <a:noFill/>
+        <a:ln w="19050" cap="rnd" cmpd="sng" algn="ctr">
+          <a:solidFill>
+            <a:schemeClr val="accent1">
+              <a:tint val="80000"/>
+              <a:hueOff val="0"/>
+              <a:satOff val="0"/>
+              <a:lumOff val="0"/>
+              <a:alphaOff val="0"/>
+            </a:schemeClr>
+          </a:solidFill>
+          <a:prstDash val="solid"/>
+        </a:ln>
+        <a:effectLst/>
+      </dsp:spPr>
+      <dsp:style>
+        <a:lnRef idx="2">
+          <a:scrgbClr r="0" g="0" b="0"/>
+        </a:lnRef>
+        <a:fillRef idx="0">
+          <a:scrgbClr r="0" g="0" b="0"/>
+        </a:fillRef>
+        <a:effectRef idx="0">
+          <a:scrgbClr r="0" g="0" b="0"/>
+        </a:effectRef>
+        <a:fontRef idx="minor"/>
+      </dsp:style>
+      <dsp:txBody>
+        <a:bodyPr spcFirstLastPara="0" vert="horz" wrap="square" lIns="12700" tIns="0" rIns="12700" bIns="0" numCol="1" spcCol="1270" anchor="ctr" anchorCtr="0">
+          <a:noAutofit/>
+        </a:bodyPr>
+        <a:lstStyle/>
+        <a:p>
+          <a:pPr marL="0" lvl="0" indent="0" algn="ctr" defTabSz="222250">
+            <a:lnSpc>
+              <a:spcPct val="90000"/>
+            </a:lnSpc>
+            <a:spcBef>
+              <a:spcPct val="0"/>
+            </a:spcBef>
+            <a:spcAft>
+              <a:spcPct val="35000"/>
+            </a:spcAft>
+            <a:buNone/>
+          </a:pPr>
+          <a:endParaRPr lang="en-US" sz="500" kern="1200"/>
+        </a:p>
+      </dsp:txBody>
+      <dsp:txXfrm>
+        <a:off x="5612073" y="2677623"/>
+        <a:ext cx="23287" cy="23287"/>
+      </dsp:txXfrm>
+    </dsp:sp>
+    <dsp:sp modelId="{0D340036-B682-4B44-A7DD-C6269896D252}">
+      <dsp:nvSpPr>
+        <dsp:cNvPr id="0" name=""/>
+        <dsp:cNvSpPr/>
+      </dsp:nvSpPr>
+      <dsp:spPr>
+        <a:xfrm>
+          <a:off x="5812812" y="2588809"/>
+          <a:ext cx="945476" cy="472738"/>
+        </a:xfrm>
+        <a:prstGeom prst="roundRect">
+          <a:avLst>
+            <a:gd name="adj" fmla="val 10000"/>
+          </a:avLst>
+        </a:prstGeom>
+        <a:gradFill rotWithShape="0">
+          <a:gsLst>
+            <a:gs pos="0">
+              <a:schemeClr val="accent1">
+                <a:tint val="80000"/>
+                <a:hueOff val="0"/>
+                <a:satOff val="0"/>
+                <a:lumOff val="0"/>
+                <a:alphaOff val="0"/>
+                <a:tint val="96000"/>
+                <a:lumMod val="104000"/>
+              </a:schemeClr>
+            </a:gs>
+            <a:gs pos="100000">
+              <a:schemeClr val="accent1">
+                <a:tint val="80000"/>
+                <a:hueOff val="0"/>
+                <a:satOff val="0"/>
+                <a:lumOff val="0"/>
+                <a:alphaOff val="0"/>
+                <a:shade val="84000"/>
+                <a:lumMod val="84000"/>
+              </a:schemeClr>
+            </a:gs>
+          </a:gsLst>
+          <a:lin ang="5400000" scaled="0"/>
+        </a:gradFill>
+        <a:ln>
+          <a:noFill/>
+        </a:ln>
+        <a:effectLst>
+          <a:outerShdw blurRad="50800" dist="38100" dir="5400000" rotWithShape="0">
+            <a:srgbClr val="000000">
+              <a:alpha val="60000"/>
+            </a:srgbClr>
+          </a:outerShdw>
+        </a:effectLst>
+        <a:scene3d>
+          <a:camera prst="orthographicFront">
+            <a:rot lat="0" lon="0" rev="0"/>
+          </a:camera>
+          <a:lightRig rig="threePt" dir="tl"/>
+        </a:scene3d>
+        <a:sp3d>
+          <a:bevelT w="25400" h="25400" prst="slope"/>
+        </a:sp3d>
+      </dsp:spPr>
+      <dsp:style>
+        <a:lnRef idx="0">
+          <a:scrgbClr r="0" g="0" b="0"/>
+        </a:lnRef>
+        <a:fillRef idx="3">
+          <a:scrgbClr r="0" g="0" b="0"/>
+        </a:fillRef>
+        <a:effectRef idx="3">
+          <a:scrgbClr r="0" g="0" b="0"/>
+        </a:effectRef>
+        <a:fontRef idx="minor">
+          <a:schemeClr val="lt1"/>
+        </a:fontRef>
+      </dsp:style>
+      <dsp:txBody>
+        <a:bodyPr spcFirstLastPara="0" vert="horz" wrap="square" lIns="5715" tIns="5715" rIns="5715" bIns="5715" numCol="1" spcCol="1270" anchor="ctr" anchorCtr="0">
+          <a:noAutofit/>
+        </a:bodyPr>
+        <a:lstStyle/>
+        <a:p>
+          <a:pPr marL="0" lvl="0" indent="0" algn="ctr" defTabSz="400050">
+            <a:lnSpc>
+              <a:spcPct val="90000"/>
+            </a:lnSpc>
+            <a:spcBef>
+              <a:spcPct val="0"/>
+            </a:spcBef>
+            <a:spcAft>
+              <a:spcPct val="35000"/>
+            </a:spcAft>
+            <a:buNone/>
+          </a:pPr>
+          <a:r>
+            <a:rPr lang="en-US" sz="900" kern="1200"/>
+            <a:t>TestClass2</a:t>
+          </a:r>
+        </a:p>
+      </dsp:txBody>
+      <dsp:txXfrm>
+        <a:off x="5826658" y="2602655"/>
+        <a:ext cx="917784" cy="445046"/>
+      </dsp:txXfrm>
+    </dsp:sp>
+  </dsp:spTree>
+</dsp:drawing>
+</file>
+
+<file path=ppt/diagrams/layout1.xml><?xml version="1.0" encoding="utf-8"?>
+<dgm:layoutDef xmlns:dgm="http://schemas.openxmlformats.org/drawingml/2006/diagram" xmlns:a="http://schemas.openxmlformats.org/drawingml/2006/main" uniqueId="urn:microsoft.com/office/officeart/2005/8/layout/hierarchy5">
+  <dgm:title val=""/>
+  <dgm:desc val=""/>
+  <dgm:catLst>
+    <dgm:cat type="hierarchy" pri="6000"/>
+  </dgm:catLst>
+  <dgm:sampData>
+    <dgm:dataModel>
+      <dgm:ptLst>
+        <dgm:pt modelId="0" type="doc"/>
+        <dgm:pt modelId="1">
+          <dgm:prSet phldr="1"/>
+        </dgm:pt>
+        <dgm:pt modelId="2">
+          <dgm:prSet phldr="1"/>
+        </dgm:pt>
+        <dgm:pt modelId="21">
+          <dgm:prSet phldr="1"/>
+        </dgm:pt>
+        <dgm:pt modelId="22">
+          <dgm:prSet phldr="1"/>
+        </dgm:pt>
+        <dgm:pt modelId="3">
+          <dgm:prSet phldr="1"/>
+        </dgm:pt>
+        <dgm:pt modelId="31">
+          <dgm:prSet phldr="1"/>
+        </dgm:pt>
+        <dgm:pt modelId="4">
+          <dgm:prSet phldr="1"/>
+        </dgm:pt>
+        <dgm:pt modelId="5">
+          <dgm:prSet phldr="1"/>
+        </dgm:pt>
+        <dgm:pt modelId="6">
+          <dgm:prSet phldr="1"/>
+        </dgm:pt>
+      </dgm:ptLst>
+      <dgm:cxnLst>
+        <dgm:cxn modelId="7" srcId="0" destId="1" srcOrd="0" destOrd="0"/>
+        <dgm:cxn modelId="8" srcId="1" destId="2" srcOrd="0" destOrd="0"/>
+        <dgm:cxn modelId="9" srcId="1" destId="3" srcOrd="1" destOrd="0"/>
+        <dgm:cxn modelId="23" srcId="2" destId="21" srcOrd="0" destOrd="0"/>
+        <dgm:cxn modelId="24" srcId="2" destId="22" srcOrd="1" destOrd="0"/>
+        <dgm:cxn modelId="33" srcId="3" destId="31" srcOrd="0" destOrd="0"/>
+        <dgm:cxn modelId="10" srcId="0" destId="4" srcOrd="1" destOrd="0"/>
+        <dgm:cxn modelId="11" srcId="0" destId="5" srcOrd="2" destOrd="0"/>
+        <dgm:cxn modelId="12" srcId="0" destId="6" srcOrd="3" destOrd="0"/>
+      </dgm:cxnLst>
+      <dgm:bg/>
+      <dgm:whole/>
+    </dgm:dataModel>
+  </dgm:sampData>
+  <dgm:styleData>
+    <dgm:dataModel>
+      <dgm:ptLst>
+        <dgm:pt modelId="0" type="doc"/>
+        <dgm:pt modelId="1"/>
+        <dgm:pt modelId="11"/>
+        <dgm:pt modelId="12"/>
+        <dgm:pt modelId="2"/>
+        <dgm:pt modelId="3"/>
+      </dgm:ptLst>
+      <dgm:cxnLst>
+        <dgm:cxn modelId="4" srcId="0" destId="1" srcOrd="0" destOrd="0"/>
+        <dgm:cxn modelId="13" srcId="1" destId="11" srcOrd="0" destOrd="0"/>
+        <dgm:cxn modelId="14" srcId="1" destId="12" srcOrd="1" destOrd="0"/>
+        <dgm:cxn modelId="5" srcId="0" destId="2" srcOrd="1" destOrd="0"/>
+        <dgm:cxn modelId="6" srcId="0" destId="3" srcOrd="2" destOrd="0"/>
+      </dgm:cxnLst>
+      <dgm:bg/>
+      <dgm:whole/>
+    </dgm:dataModel>
+  </dgm:styleData>
+  <dgm:clrData>
+    <dgm:dataModel>
+      <dgm:ptLst>
+        <dgm:pt modelId="0" type="doc"/>
+        <dgm:pt modelId="1"/>
+        <dgm:pt modelId="2"/>
+        <dgm:pt modelId="21"/>
+        <dgm:pt modelId="211"/>
+        <dgm:pt modelId="3"/>
+        <dgm:pt modelId="31"/>
+        <dgm:pt modelId="311"/>
+        <dgm:pt modelId="4"/>
+        <dgm:pt modelId="5"/>
+        <dgm:pt modelId="6"/>
+        <dgm:pt modelId="7"/>
+      </dgm:ptLst>
+      <dgm:cxnLst>
+        <dgm:cxn modelId="8" srcId="0" destId="1" srcOrd="0" destOrd="0"/>
+        <dgm:cxn modelId="9" srcId="1" destId="2" srcOrd="0" destOrd="0"/>
+        <dgm:cxn modelId="10" srcId="1" destId="3" srcOrd="1" destOrd="0"/>
+        <dgm:cxn modelId="23" srcId="2" destId="21" srcOrd="0" destOrd="0"/>
+        <dgm:cxn modelId="24" srcId="21" destId="211" srcOrd="0" destOrd="0"/>
+        <dgm:cxn modelId="33" srcId="3" destId="31" srcOrd="0" destOrd="0"/>
+        <dgm:cxn modelId="34" srcId="31" destId="311" srcOrd="0" destOrd="0"/>
+        <dgm:cxn modelId="11" srcId="0" destId="4" srcOrd="1" destOrd="0"/>
+        <dgm:cxn modelId="12" srcId="0" destId="5" srcOrd="2" destOrd="0"/>
+        <dgm:cxn modelId="13" srcId="0" destId="6" srcOrd="3" destOrd="0"/>
+        <dgm:cxn modelId="14" srcId="0" destId="7" srcOrd="4" destOrd="0"/>
+      </dgm:cxnLst>
+      <dgm:bg/>
+      <dgm:whole/>
+    </dgm:dataModel>
+  </dgm:clrData>
+  <dgm:layoutNode name="mainComposite">
+    <dgm:varLst>
+      <dgm:chPref val="1"/>
+      <dgm:dir/>
+      <dgm:animOne val="branch"/>
+      <dgm:animLvl val="lvl"/>
+      <dgm:resizeHandles val="exact"/>
+    </dgm:varLst>
+    <dgm:alg type="composite"/>
+    <dgm:presOf/>
+    <dgm:shape xmlns:r="http://schemas.openxmlformats.org/officeDocument/2006/relationships" r:blip="">
+      <dgm:adjLst/>
+    </dgm:shape>
+    <dgm:choose name="Name0">
+      <dgm:if name="Name1" axis="ch" ptType="node" func="cnt" op="gte" val="2">
+        <dgm:choose name="Name2">
+          <dgm:if name="Name3" func="var" arg="dir" op="equ" val="norm">
+            <dgm:constrLst>
+              <dgm:constr type="l" for="ch" forName="hierFlow"/>
+              <dgm:constr type="t" for="ch" forName="hierFlow" refType="h" fact="0.3"/>
+              <dgm:constr type="r" for="ch" forName="hierFlow" refType="w" fact="0.98"/>
+              <dgm:constr type="b" for="ch" forName="hierFlow" refType="h" fact="0.96"/>
+              <dgm:constr type="l" for="ch" forName="bgShapesFlow"/>
+              <dgm:constr type="t" for="ch" forName="bgShapesFlow"/>
+              <dgm:constr type="r" for="ch" forName="bgShapesFlow" refType="w"/>
+              <dgm:constr type="b" for="ch" forName="bgShapesFlow" refType="h"/>
+              <dgm:constr type="h" for="des" forName="level1Shape" refType="h"/>
+              <dgm:constr type="w" for="des" forName="level1Shape" refType="h" refFor="des" refForName="level1Shape" fact="2"/>
+              <dgm:constr type="w" for="des" forName="level2Shape" refType="w" refFor="des" refForName="level1Shape" op="equ"/>
+              <dgm:constr type="h" for="des" forName="level2Shape" refType="h" refFor="des" refForName="level1Shape" op="equ"/>
+              <dgm:constr type="sp" for="des" refType="w" refFor="des" refForName="level1Shape" op="equ" fact="0.4"/>
+              <dgm:constr type="sibSp" for="des" forName="hierChild1" refType="h" refFor="des" refForName="level1Shape" op="equ" fact="0.15"/>
+              <dgm:constr type="sibSp" for="des" forName="hierChild2" refType="sibSp" refFor="des" refForName="hierChild1" op="equ"/>
+              <dgm:constr type="sibSp" for="des" forName="hierChild3" refType="sibSp" refFor="des" refForName="hierChild1" op="equ"/>
+              <dgm:constr type="userA" for="des" refType="w" refFor="des" refForName="level1Shape" op="equ"/>
+              <dgm:constr type="userB" for="des" refType="sp" refFor="des" op="equ"/>
+              <dgm:constr type="w" for="des" forName="firstBuf" refType="w" refFor="des" refForName="level1Shape" fact="0.1"/>
+            </dgm:constrLst>
+          </dgm:if>
+          <dgm:else name="Name4">
+            <dgm:constrLst>
+              <dgm:constr type="l" for="ch" forName="hierFlow" refType="w" fact="0.02"/>
+              <dgm:constr type="t" for="ch" forName="hierFlow" refType="h" fact="0.3"/>
+              <dgm:constr type="r" for="ch" forName="hierFlow" refType="w"/>
+              <dgm:constr type="b" for="ch" forName="hierFlow" refType="h" fact="0.96"/>
+              <dgm:constr type="l" for="ch" forName="bgShapesFlow"/>
+              <dgm:constr type="t" for="ch" forName="bgShapesFlow"/>
+              <dgm:constr type="r" for="ch" forName="bgShapesFlow" refType="w"/>
+              <dgm:constr type="b" for="ch" forName="bgShapesFlow" refType="h"/>
+              <dgm:constr type="h" for="des" forName="level1Shape" refType="h"/>
+              <dgm:constr type="w" for="des" forName="level1Shape" refType="h" refFor="des" refForName="level1Shape" fact="2"/>
+              <dgm:constr type="w" for="des" forName="level2Shape" refType="w" refFor="des" refForName="level1Shape" op="equ"/>
+              <dgm:constr type="h" for="des" forName="level2Shape" refType="h" refFor="des" refForName="level1Shape" op="equ"/>
+              <dgm:constr type="sp" for="des" refType="w" refFor="des" refForName="level1Shape" op="equ" fact="0.4"/>
+              <dgm:constr type="sibSp" for="des" forName="hierChild1" refType="h" refFor="des" refForName="level1Shape" op="equ" fact="0.15"/>
+              <dgm:constr type="sibSp" for="des" forName="hierChild2" refType="sibSp" refFor="des" refForName="hierChild1" op="equ"/>
+              <dgm:constr type="sibSp" for="des" forName="hierChild3" refType="sibSp" refFor="des" refForName="hierChild1" op="equ"/>
+              <dgm:constr type="userA" for="des" refType="w" refFor="des" refForName="level1Shape" op="equ"/>
+              <dgm:constr type="userB" for="des" refType="sp" refFor="des" op="equ"/>
+              <dgm:constr type="w" for="des" forName="firstBuf" refType="w" refFor="des" refForName="level1Shape" fact="0.1"/>
+            </dgm:constrLst>
+          </dgm:else>
+        </dgm:choose>
+      </dgm:if>
+      <dgm:else name="Name5">
+        <dgm:constrLst>
+          <dgm:constr type="l" for="ch" forName="hierFlow"/>
+          <dgm:constr type="t" for="ch" forName="hierFlow"/>
+          <dgm:constr type="r" for="ch" forName="hierFlow" refType="w"/>
+          <dgm:constr type="b" for="ch" forName="hierFlow" refType="h"/>
+          <dgm:constr type="l" for="ch" forName="bgShapesFlow"/>
+          <dgm:constr type="t" for="ch" forName="bgShapesFlow"/>
+          <dgm:constr type="r" for="ch" forName="bgShapesFlow" refType="w"/>
+          <dgm:constr type="b" for="ch" forName="bgShapesFlow" refType="h"/>
+          <dgm:constr type="h" for="des" forName="level1Shape" refType="h"/>
+          <dgm:constr type="w" for="des" forName="level1Shape" refType="h" refFor="des" refForName="level1Shape" fact="2"/>
+          <dgm:constr type="w" for="des" forName="level2Shape" refType="w" refFor="des" refForName="level1Shape" op="equ"/>
+          <dgm:constr type="h" for="des" forName="level2Shape" refType="h" refFor="des" refForName="level1Shape" op="equ"/>
+          <dgm:constr type="sp" for="des" refType="w" refFor="des" refForName="level1Shape" op="equ" fact="0.4"/>
+          <dgm:constr type="sibSp" for="des" forName="hierChild1" refType="h" refFor="des" refForName="level1Shape" op="equ" fact="0.15"/>
+          <dgm:constr type="sibSp" for="des" forName="hierChild2" refType="sibSp" refFor="des" refForName="hierChild1" op="equ"/>
+          <dgm:constr type="sibSp" for="des" forName="hierChild3" refType="sibSp" refFor="des" refForName="hierChild1" op="equ"/>
+          <dgm:constr type="userA" for="des" refType="w" refFor="des" refForName="level1Shape" op="equ"/>
+          <dgm:constr type="userB" for="des" refType="sp" refFor="des" op="equ"/>
+          <dgm:constr type="w" for="des" forName="firstBuf" refType="w" refFor="des" refForName="level1Shape" fact="0.1"/>
+        </dgm:constrLst>
+      </dgm:else>
+    </dgm:choose>
+    <dgm:ruleLst/>
+    <dgm:layoutNode name="hierFlow">
+      <dgm:choose name="Name6">
+        <dgm:if name="Name7" func="var" arg="dir" op="equ" val="norm">
+          <dgm:alg type="lin">
+            <dgm:param type="linDir" val="fromL"/>
+            <dgm:param type="nodeVertAlign" val="mid"/>
+            <dgm:param type="vertAlign" val="mid"/>
+            <dgm:param type="nodeHorzAlign" val="l"/>
+            <dgm:param type="horzAlign" val="l"/>
+            <dgm:param type="fallback" val="2D"/>
+          </dgm:alg>
+        </dgm:if>
+        <dgm:else name="Name8">
+          <dgm:alg type="lin">
+            <dgm:param type="linDir" val="fromR"/>
+            <dgm:param type="nodeVertAlign" val="mid"/>
+            <dgm:param type="vertAlign" val="mid"/>
+            <dgm:param type="nodeHorzAlign" val="r"/>
+            <dgm:param type="horzAlign" val="r"/>
+            <dgm:param type="fallback" val="2D"/>
+          </dgm:alg>
+        </dgm:else>
+      </dgm:choose>
+      <dgm:shape xmlns:r="http://schemas.openxmlformats.org/officeDocument/2006/relationships" r:blip="">
+        <dgm:adjLst/>
+      </dgm:shape>
+      <dgm:presOf/>
+      <dgm:constrLst>
+        <dgm:constr type="primFontSz" for="des" ptType="node" op="equ" val="65"/>
+        <dgm:constr type="primFontSz" for="des" forName="connTx" op="equ" val="55"/>
+        <dgm:constr type="primFontSz" for="des" forName="connTx" refType="primFontSz" refFor="des" refPtType="node" op="lte" fact="0.8"/>
+      </dgm:constrLst>
+      <dgm:ruleLst/>
+      <dgm:choose name="Name9">
+        <dgm:if name="Name10" axis="ch" ptType="node" func="cnt" op="gte" val="2">
+          <dgm:layoutNode name="firstBuf">
+            <dgm:alg type="sp"/>
+            <dgm:shape xmlns:r="http://schemas.openxmlformats.org/officeDocument/2006/relationships" r:blip="">
+              <dgm:adjLst/>
+            </dgm:shape>
+            <dgm:presOf/>
+            <dgm:constrLst/>
+            <dgm:ruleLst/>
+          </dgm:layoutNode>
+        </dgm:if>
+        <dgm:else name="Name11"/>
+      </dgm:choose>
+      <dgm:layoutNode name="hierChild1">
+        <dgm:varLst>
+          <dgm:chPref val="1"/>
+          <dgm:animOne val="branch"/>
+          <dgm:animLvl val="lvl"/>
+        </dgm:varLst>
+        <dgm:choose name="Name12">
+          <dgm:if name="Name13" func="var" arg="dir" op="equ" val="norm">
+            <dgm:alg type="hierChild">
+              <dgm:param type="linDir" val="fromT"/>
+              <dgm:param type="chAlign" val="l"/>
+            </dgm:alg>
+          </dgm:if>
+          <dgm:else name="Name14">
+            <dgm:alg type="hierChild">
+              <dgm:param type="linDir" val="fromT"/>
+              <dgm:param type="chAlign" val="r"/>
+            </dgm:alg>
+          </dgm:else>
+        </dgm:choose>
+        <dgm:shape xmlns:r="http://schemas.openxmlformats.org/officeDocument/2006/relationships" r:blip="">
+          <dgm:adjLst/>
+        </dgm:shape>
+        <dgm:presOf/>
+        <dgm:constrLst/>
+        <dgm:ruleLst/>
+        <dgm:forEach name="Name15" axis="ch" cnt="3">
+          <dgm:forEach name="Name16" axis="self" ptType="node">
+            <dgm:layoutNode name="Name17">
+              <dgm:choose name="Name18">
+                <dgm:if name="Name19" func="var" arg="dir" op="equ" val="norm">
+                  <dgm:alg type="hierRoot">
+                    <dgm:param type="hierAlign" val="lCtrCh"/>
+                  </dgm:alg>
+                </dgm:if>
+                <dgm:else name="Name20">
+                  <dgm:alg type="hierRoot">
+                    <dgm:param type="hierAlign" val="rCtrCh"/>
+                  </dgm:alg>
+                </dgm:else>
+              </dgm:choose>
+              <dgm:shape xmlns:r="http://schemas.openxmlformats.org/officeDocument/2006/relationships" r:blip="">
+                <dgm:adjLst/>
+              </dgm:shape>
+              <dgm:presOf/>
+              <dgm:constrLst/>
+              <dgm:ruleLst/>
+              <dgm:layoutNode name="level1Shape" styleLbl="node0">
+                <dgm:varLst>
+                  <dgm:chPref val="3"/>
+                </dgm:varLst>
+                <dgm:alg type="tx"/>
+                <dgm:shape xmlns:r="http://schemas.openxmlformats.org/officeDocument/2006/relationships" type="roundRect" r:blip="">
+                  <dgm:adjLst>
+                    <dgm:adj idx="1" val="0.1"/>
+                  </dgm:adjLst>
+                </dgm:shape>
+                <dgm:presOf axis="self"/>
+                <dgm:constrLst>
+                  <dgm:constr type="tMarg" refType="primFontSz" fact="0.05"/>
+                  <dgm:constr type="bMarg" refType="primFontSz" fact="0.05"/>
+                  <dgm:constr type="lMarg" refType="primFontSz" fact="0.05"/>
+                  <dgm:constr type="rMarg" refType="primFontSz" fact="0.05"/>
+                </dgm:constrLst>
+                <dgm:ruleLst>
+                  <dgm:rule type="primFontSz" val="5" fact="NaN" max="NaN"/>
+                </dgm:ruleLst>
+              </dgm:layoutNode>
+              <dgm:layoutNode name="hierChild2">
+                <dgm:choose name="Name21">
+                  <dgm:if name="Name22" func="var" arg="dir" op="equ" val="norm">
+                    <dgm:alg type="hierChild">
+                      <dgm:param type="linDir" val="fromT"/>
+                      <dgm:param type="chAlign" val="l"/>
+                    </dgm:alg>
+                  </dgm:if>
+                  <dgm:else name="Name23">
+                    <dgm:alg type="hierChild">
+                      <dgm:param type="linDir" val="fromT"/>
+                      <dgm:param type="chAlign" val="r"/>
+                    </dgm:alg>
+                  </dgm:else>
+                </dgm:choose>
+                <dgm:shape xmlns:r="http://schemas.openxmlformats.org/officeDocument/2006/relationships" r:blip="">
+                  <dgm:adjLst/>
+                </dgm:shape>
+                <dgm:presOf/>
+                <dgm:constrLst/>
+                <dgm:ruleLst/>
+                <dgm:forEach name="repeat" axis="ch">
+                  <dgm:forEach name="Name24" axis="self" ptType="parTrans" cnt="1">
+                    <dgm:layoutNode name="Name25">
+                      <dgm:choose name="Name26">
+                        <dgm:if name="Name27" func="var" arg="dir" op="equ" val="norm">
+                          <dgm:alg type="conn">
+                            <dgm:param type="dim" val="1D"/>
+                            <dgm:param type="begPts" val="midR"/>
+                            <dgm:param type="endPts" val="midL"/>
+                            <dgm:param type="endSty" val="noArr"/>
+                          </dgm:alg>
+                        </dgm:if>
+                        <dgm:else name="Name28">
+                          <dgm:alg type="conn">
+                            <dgm:param type="dim" val="1D"/>
+                            <dgm:param type="begPts" val="midL"/>
+                            <dgm:param type="endPts" val="midR"/>
+                            <dgm:param type="endSty" val="noArr"/>
+                          </dgm:alg>
+                        </dgm:else>
+                      </dgm:choose>
+                      <dgm:shape xmlns:r="http://schemas.openxmlformats.org/officeDocument/2006/relationships" type="conn" r:blip="">
+                        <dgm:adjLst/>
+                      </dgm:shape>
+                      <dgm:presOf axis="self"/>
+                      <dgm:constrLst>
+                        <dgm:constr type="w" val="1"/>
+                        <dgm:constr type="h" val="5"/>
+                        <dgm:constr type="connDist"/>
+                        <dgm:constr type="begPad"/>
+                        <dgm:constr type="endPad"/>
+                        <dgm:constr type="userA" for="ch" refType="connDist"/>
+                      </dgm:constrLst>
+                      <dgm:ruleLst/>
+                      <dgm:layoutNode name="connTx">
+                        <dgm:alg type="tx">
+                          <dgm:param type="autoTxRot" val="grav"/>
+                        </dgm:alg>
+                        <dgm:shape xmlns:r="http://schemas.openxmlformats.org/officeDocument/2006/relationships" type="rect" r:blip="" hideGeom="1">
+                          <dgm:adjLst/>
+                        </dgm:shape>
+                        <dgm:presOf axis="self"/>
+                        <dgm:constrLst>
+                          <dgm:constr type="userA"/>
+                          <dgm:constr type="w" refType="userA" fact="0.05"/>
+                          <dgm:constr type="h" refType="userA" fact="0.05"/>
+                          <dgm:constr type="lMarg" val="1"/>
+                          <dgm:constr type="rMarg" val="1"/>
+                          <dgm:constr type="tMarg"/>
+                          <dgm:constr type="bMarg"/>
+                        </dgm:constrLst>
+                        <dgm:ruleLst>
+                          <dgm:rule type="h" val="NaN" fact="0.25" max="NaN"/>
+                          <dgm:rule type="w" val="NaN" fact="0.8" max="NaN"/>
+                          <dgm:rule type="primFontSz" val="5" fact="NaN" max="NaN"/>
+                        </dgm:ruleLst>
+                      </dgm:layoutNode>
+                    </dgm:layoutNode>
+                  </dgm:forEach>
+                  <dgm:forEach name="Name29" axis="self" ptType="node">
+                    <dgm:layoutNode name="Name30">
+                      <dgm:choose name="Name31">
+                        <dgm:if name="Name32" func="var" arg="dir" op="equ" val="norm">
+                          <dgm:alg type="hierRoot">
+                            <dgm:param type="hierAlign" val="lCtrCh"/>
+                          </dgm:alg>
+                        </dgm:if>
+                        <dgm:else name="Name33">
+                          <dgm:alg type="hierRoot">
+                            <dgm:param type="hierAlign" val="rCtrCh"/>
+                          </dgm:alg>
+                        </dgm:else>
+                      </dgm:choose>
+                      <dgm:shape xmlns:r="http://schemas.openxmlformats.org/officeDocument/2006/relationships" r:blip="">
+                        <dgm:adjLst/>
+                      </dgm:shape>
+                      <dgm:presOf/>
+                      <dgm:constrLst/>
+                      <dgm:ruleLst/>
+                      <dgm:layoutNode name="level2Shape">
+                        <dgm:alg type="tx"/>
+                        <dgm:shape xmlns:r="http://schemas.openxmlformats.org/officeDocument/2006/relationships" type="roundRect" r:blip="">
+                          <dgm:adjLst>
+                            <dgm:adj idx="1" val="0.1"/>
+                          </dgm:adjLst>
+                        </dgm:shape>
+                        <dgm:presOf axis="self"/>
+                        <dgm:constrLst>
+                          <dgm:constr type="tMarg" refType="primFontSz" fact="0.05"/>
+                          <dgm:constr type="bMarg" refType="primFontSz" fact="0.05"/>
+                          <dgm:constr type="lMarg" refType="primFontSz" fact="0.05"/>
+                          <dgm:constr type="rMarg" refType="primFontSz" fact="0.05"/>
+                        </dgm:constrLst>
+                        <dgm:ruleLst>
+                          <dgm:rule type="primFontSz" val="5" fact="NaN" max="NaN"/>
+                        </dgm:ruleLst>
+                      </dgm:layoutNode>
+                      <dgm:layoutNode name="hierChild3">
+                        <dgm:choose name="Name34">
+                          <dgm:if name="Name35" func="var" arg="dir" op="equ" val="norm">
+                            <dgm:alg type="hierChild">
+                              <dgm:param type="linDir" val="fromT"/>
+                              <dgm:param type="chAlign" val="l"/>
+                            </dgm:alg>
+                          </dgm:if>
+                          <dgm:else name="Name36">
+                            <dgm:alg type="hierChild">
+                              <dgm:param type="linDir" val="fromT"/>
+                              <dgm:param type="chAlign" val="r"/>
+                            </dgm:alg>
+                          </dgm:else>
+                        </dgm:choose>
+                        <dgm:shape xmlns:r="http://schemas.openxmlformats.org/officeDocument/2006/relationships" r:blip="">
+                          <dgm:adjLst/>
+                        </dgm:shape>
+                        <dgm:presOf/>
+                        <dgm:constrLst/>
+                        <dgm:ruleLst/>
+                        <dgm:forEach name="Name37" ref="repeat"/>
+                      </dgm:layoutNode>
+                    </dgm:layoutNode>
+                  </dgm:forEach>
+                </dgm:forEach>
+              </dgm:layoutNode>
+            </dgm:layoutNode>
+          </dgm:forEach>
+        </dgm:forEach>
+      </dgm:layoutNode>
+    </dgm:layoutNode>
+    <dgm:layoutNode name="bgShapesFlow">
+      <dgm:choose name="Name38">
+        <dgm:if name="Name39" func="var" arg="dir" op="equ" val="norm">
+          <dgm:alg type="lin">
+            <dgm:param type="linDir" val="fromL"/>
+            <dgm:param type="nodeVertAlign" val="mid"/>
+            <dgm:param type="vertAlign" val="mid"/>
+            <dgm:param type="nodeHorzAlign" val="l"/>
+            <dgm:param type="horzAlign" val="l"/>
+          </dgm:alg>
+        </dgm:if>
+        <dgm:else name="Name40">
+          <dgm:alg type="lin">
+            <dgm:param type="linDir" val="fromR"/>
+            <dgm:param type="nodeVertAlign" val="mid"/>
+            <dgm:param type="vertAlign" val="mid"/>
+            <dgm:param type="nodeHorzAlign" val="r"/>
+            <dgm:param type="horzAlign" val="r"/>
+          </dgm:alg>
+        </dgm:else>
+      </dgm:choose>
+      <dgm:shape xmlns:r="http://schemas.openxmlformats.org/officeDocument/2006/relationships" r:blip="">
+        <dgm:adjLst/>
+      </dgm:shape>
+      <dgm:presOf/>
+      <dgm:constrLst>
+        <dgm:constr type="w" for="ch" forName="rectComp" refType="w"/>
+        <dgm:constr type="h" for="ch" forName="rectComp" refType="h"/>
+        <dgm:constr type="h" for="des" forName="bgRect" refType="h"/>
+        <dgm:constr type="primFontSz" for="des" forName="bgRectTx" op="equ" val="65"/>
+      </dgm:constrLst>
+      <dgm:ruleLst/>
+      <dgm:forEach name="Name41" axis="ch" ptType="node" st="2">
+        <dgm:layoutNode name="rectComp">
+          <dgm:alg type="composite"/>
+          <dgm:shape xmlns:r="http://schemas.openxmlformats.org/officeDocument/2006/relationships" r:blip="">
+            <dgm:adjLst/>
+          </dgm:shape>
+          <dgm:presOf/>
+          <dgm:constrLst>
+            <dgm:constr type="userA"/>
+            <dgm:constr type="l" for="ch" forName="bgRect"/>
+            <dgm:constr type="t" for="ch" forName="bgRect"/>
+            <dgm:constr type="w" for="ch" forName="bgRect" refType="userA" fact="1.2"/>
+            <dgm:constr type="l" for="ch" forName="bgRectTx"/>
+            <dgm:constr type="t" for="ch" forName="bgRectTx"/>
+            <dgm:constr type="h" for="ch" forName="bgRectTx" refType="h" refFor="ch" refForName="bgRect" fact="0.3"/>
+            <dgm:constr type="w" for="ch" forName="bgRectTx" refType="w" refFor="ch" refForName="bgRect" op="equ"/>
+          </dgm:constrLst>
+          <dgm:ruleLst/>
+          <dgm:layoutNode name="bgRect" styleLbl="bgShp">
+            <dgm:alg type="sp"/>
+            <dgm:shape xmlns:r="http://schemas.openxmlformats.org/officeDocument/2006/relationships" type="roundRect" r:blip="" zOrderOff="-999">
+              <dgm:adjLst>
+                <dgm:adj idx="1" val="0.1"/>
+              </dgm:adjLst>
+            </dgm:shape>
+            <dgm:presOf axis="desOrSelf" ptType="node"/>
+            <dgm:constrLst/>
+            <dgm:ruleLst/>
+          </dgm:layoutNode>
+          <dgm:layoutNode name="bgRectTx" styleLbl="bgShp">
+            <dgm:varLst>
+              <dgm:bulletEnabled val="1"/>
+            </dgm:varLst>
+            <dgm:alg type="tx"/>
+            <dgm:shape xmlns:r="http://schemas.openxmlformats.org/officeDocument/2006/relationships" type="rect" r:blip="" zOrderOff="-999" hideGeom="1">
+              <dgm:adjLst/>
+            </dgm:shape>
+            <dgm:presOf axis="desOrSelf" ptType="node"/>
+            <dgm:constrLst/>
+            <dgm:ruleLst>
+              <dgm:rule type="primFontSz" val="5" fact="NaN" max="NaN"/>
+            </dgm:ruleLst>
+          </dgm:layoutNode>
+        </dgm:layoutNode>
+        <dgm:choose name="Name42">
+          <dgm:if name="Name43" axis="self" ptType="node" func="revPos" op="gte" val="2">
+            <dgm:layoutNode name="spComp">
+              <dgm:alg type="composite"/>
+              <dgm:shape xmlns:r="http://schemas.openxmlformats.org/officeDocument/2006/relationships" r:blip="">
+                <dgm:adjLst/>
+              </dgm:shape>
+              <dgm:presOf/>
+              <dgm:constrLst>
+                <dgm:constr type="userA"/>
+                <dgm:constr type="userB"/>
+                <dgm:constr type="l" for="ch" forName="hSp"/>
+                <dgm:constr type="t" for="ch" forName="hSp"/>
+                <dgm:constr type="w" for="ch" forName="hSp" refType="userB"/>
+                <dgm:constr type="wOff" for="ch" forName="hSp" refType="userA" fact="-0.2"/>
+              </dgm:constrLst>
+              <dgm:ruleLst/>
+              <dgm:layoutNode name="hSp">
+                <dgm:alg type="sp"/>
+                <dgm:shape xmlns:r="http://schemas.openxmlformats.org/officeDocument/2006/relationships" r:blip="">
+                  <dgm:adjLst/>
+                </dgm:shape>
+                <dgm:presOf/>
+                <dgm:constrLst/>
+                <dgm:ruleLst/>
+              </dgm:layoutNode>
+            </dgm:layoutNode>
+          </dgm:if>
+          <dgm:else name="Name44"/>
+        </dgm:choose>
+      </dgm:forEach>
+    </dgm:layoutNode>
+  </dgm:layoutNode>
+</dgm:layoutDef>
+</file>
+
+<file path=ppt/diagrams/quickStyle1.xml><?xml version="1.0" encoding="utf-8"?>
+<dgm:styleDef xmlns:dgm="http://schemas.openxmlformats.org/drawingml/2006/diagram" xmlns:a="http://schemas.openxmlformats.org/drawingml/2006/main" uniqueId="urn:microsoft.com/office/officeart/2005/8/quickstyle/simple5">
+  <dgm:title val=""/>
+  <dgm:desc val=""/>
+  <dgm:catLst>
+    <dgm:cat type="simple" pri="10500"/>
+  </dgm:catLst>
+  <dgm:scene3d>
+    <a:camera prst="orthographicFront"/>
+    <a:lightRig rig="threePt" dir="t"/>
+  </dgm:scene3d>
+  <dgm:styleLbl name="node0">
+    <dgm:scene3d>
+      <a:camera prst="orthographicFront"/>
+      <a:lightRig rig="threePt" dir="t"/>
+    </dgm:scene3d>
+    <dgm:sp3d/>
+    <dgm:txPr/>
+    <dgm:style>
+      <a:lnRef idx="0">
+        <a:scrgbClr r="0" g="0" b="0"/>
+      </a:lnRef>
+      <a:fillRef idx="3">
+        <a:scrgbClr r="0" g="0" b="0"/>
+      </a:fillRef>
+      <a:effectRef idx="3">
+        <a:scrgbClr r="0" g="0" b="0"/>
+      </a:effectRef>
+      <a:fontRef idx="minor">
+        <a:schemeClr val="lt1"/>
+      </a:fontRef>
+    </dgm:style>
+  </dgm:styleLbl>
+  <dgm:styleLbl name="lnNode1">
+    <dgm:scene3d>
+      <a:camera prst="orthographicFront"/>
+      <a:lightRig rig="threePt" dir="t"/>
+    </dgm:scene3d>
+    <dgm:sp3d/>
+    <dgm:txPr/>
+    <dgm:style>
+      <a:lnRef idx="0">
+        <a:scrgbClr r="0" g="0" b="0"/>
+      </a:lnRef>
+      <a:fillRef idx="3">
+        <a:scrgbClr r="0" g="0" b="0"/>
+      </a:fillRef>
+      <a:effectRef idx="3">
+        <a:scrgbClr r="0" g="0" b="0"/>
+      </a:effectRef>
+      <a:fontRef idx="minor">
+        <a:schemeClr val="lt1"/>
+      </a:fontRef>
+    </dgm:style>
+  </dgm:styleLbl>
+  <dgm:styleLbl name="vennNode1">
+    <dgm:scene3d>
+      <a:camera prst="orthographicFront"/>
+      <a:lightRig rig="threePt" dir="t"/>
+    </dgm:scene3d>
+    <dgm:sp3d/>
+    <dgm:txPr/>
+    <dgm:style>
+      <a:lnRef idx="0">
+        <a:scrgbClr r="0" g="0" b="0"/>
+      </a:lnRef>
+      <a:fillRef idx="3">
+        <a:scrgbClr r="0" g="0" b="0"/>
+      </a:fillRef>
+      <a:effectRef idx="3">
+        <a:scrgbClr r="0" g="0" b="0"/>
+      </a:effectRef>
+      <a:fontRef idx="minor">
+        <a:schemeClr val="tx1"/>
+      </a:fontRef>
+    </dgm:style>
+  </dgm:styleLbl>
+  <dgm:styleLbl name="alignNode1">
+    <dgm:scene3d>
+      <a:camera prst="orthographicFront"/>
+      <a:lightRig rig="threePt" dir="t"/>
+    </dgm:scene3d>
+    <dgm:sp3d/>
+    <dgm:txPr/>
+    <dgm:style>
+      <a:lnRef idx="1">
+        <a:scrgbClr r="0" g="0" b="0"/>
+      </a:lnRef>
+      <a:fillRef idx="3">
+        <a:scrgbClr r="0" g="0" b="0"/>
+      </a:fillRef>
+      <a:effectRef idx="3">
+        <a:scrgbClr r="0" g="0" b="0"/>
+      </a:effectRef>
+      <a:fontRef idx="minor">
+        <a:schemeClr val="lt1"/>
+      </a:fontRef>
+    </dgm:style>
+  </dgm:styleLbl>
+  <dgm:styleLbl name="node1">
+    <dgm:scene3d>
+      <a:camera prst="orthographicFront"/>
+      <a:lightRig rig="threePt" dir="t"/>
+    </dgm:scene3d>
+    <dgm:sp3d/>
+    <dgm:txPr/>
+    <dgm:style>
+      <a:lnRef idx="0">
+        <a:scrgbClr r="0" g="0" b="0"/>
+      </a:lnRef>
+      <a:fillRef idx="3">
+        <a:scrgbClr r="0" g="0" b="0"/>
+      </a:fillRef>
+      <a:effectRef idx="3">
+        <a:scrgbClr r="0" g="0" b="0"/>
+      </a:effectRef>
+      <a:fontRef idx="minor">
+        <a:schemeClr val="lt1"/>
+      </a:fontRef>
+    </dgm:style>
+  </dgm:styleLbl>
+  <dgm:styleLbl name="node2">
+    <dgm:scene3d>
+      <a:camera prst="orthographicFront"/>
+      <a:lightRig rig="threePt" dir="t"/>
+    </dgm:scene3d>
+    <dgm:sp3d/>
+    <dgm:txPr/>
+    <dgm:style>
+      <a:lnRef idx="0">
+        <a:scrgbClr r="0" g="0" b="0"/>
+      </a:lnRef>
+      <a:fillRef idx="3">
+        <a:scrgbClr r="0" g="0" b="0"/>
+      </a:fillRef>
+      <a:effectRef idx="3">
+        <a:scrgbClr r="0" g="0" b="0"/>
+      </a:effectRef>
+      <a:fontRef idx="minor">
+        <a:schemeClr val="lt1"/>
+      </a:fontRef>
+    </dgm:style>
+  </dgm:styleLbl>
+  <dgm:styleLbl name="node3">
+    <dgm:scene3d>
+      <a:camera prst="orthographicFront"/>
+      <a:lightRig rig="threePt" dir="t"/>
+    </dgm:scene3d>
+    <dgm:sp3d/>
+    <dgm:txPr/>
+    <dgm:style>
+      <a:lnRef idx="0">
+        <a:scrgbClr r="0" g="0" b="0"/>
+      </a:lnRef>
+      <a:fillRef idx="3">
+        <a:scrgbClr r="0" g="0" b="0"/>
+      </a:fillRef>
+      <a:effectRef idx="3">
+        <a:scrgbClr r="0" g="0" b="0"/>
+      </a:effectRef>
+      <a:fontRef idx="minor">
+        <a:schemeClr val="lt1"/>
+      </a:fontRef>
+    </dgm:style>
+  </dgm:styleLbl>
+  <dgm:styleLbl name="node4">
+    <dgm:scene3d>
+      <a:camera prst="orthographicFront"/>
+      <a:lightRig rig="threePt" dir="t"/>
+    </dgm:scene3d>
+    <dgm:sp3d/>
+    <dgm:txPr/>
+    <dgm:style>
+      <a:lnRef idx="0">
+        <a:scrgbClr r="0" g="0" b="0"/>
+      </a:lnRef>
+      <a:fillRef idx="3">
+        <a:scrgbClr r="0" g="0" b="0"/>
+      </a:fillRef>
+      <a:effectRef idx="3">
+        <a:scrgbClr r="0" g="0" b="0"/>
+      </a:effectRef>
+      <a:fontRef idx="minor">
+        <a:schemeClr val="lt1"/>
+      </a:fontRef>
+    </dgm:style>
+  </dgm:styleLbl>
+  <dgm:styleLbl name="fgImgPlace1">
+    <dgm:scene3d>
+      <a:camera prst="orthographicFront"/>
+      <a:lightRig rig="threePt" dir="t"/>
+    </dgm:scene3d>
+    <dgm:sp3d/>
+    <dgm:txPr/>
+    <dgm:style>
+      <a:lnRef idx="0">
+        <a:scrgbClr r="0" g="0" b="0"/>
+      </a:lnRef>
+      <a:fillRef idx="1">
+        <a:scrgbClr r="0" g="0" b="0"/>
+      </a:fillRef>
+      <a:effectRef idx="3">
+        <a:scrgbClr r="0" g="0" b="0"/>
+      </a:effectRef>
+      <a:fontRef idx="minor"/>
+    </dgm:style>
+  </dgm:styleLbl>
+  <dgm:styleLbl name="alignImgPlace1">
+    <dgm:scene3d>
+      <a:camera prst="orthographicFront"/>
+      <a:lightRig rig="threePt" dir="t"/>
+    </dgm:scene3d>
+    <dgm:sp3d/>
+    <dgm:txPr/>
+    <dgm:style>
+      <a:lnRef idx="0">
+        <a:scrgbClr r="0" g="0" b="0"/>
+      </a:lnRef>
+      <a:fillRef idx="1">
+        <a:scrgbClr r="0" g="0" b="0"/>
+      </a:fillRef>
+      <a:effectRef idx="3">
+        <a:scrgbClr r="0" g="0" b="0"/>
+      </a:effectRef>
+      <a:fontRef idx="minor"/>
+    </dgm:style>
+  </dgm:styleLbl>
+  <dgm:styleLbl name="bgImgPlace1">
+    <dgm:scene3d>
+      <a:camera prst="orthographicFront"/>
+      <a:lightRig rig="threePt" dir="t"/>
+    </dgm:scene3d>
+    <dgm:sp3d/>
+    <dgm:txPr/>
+    <dgm:style>
+      <a:lnRef idx="0">
+        <a:scrgbClr r="0" g="0" b="0"/>
+      </a:lnRef>
+      <a:fillRef idx="1">
+        <a:scrgbClr r="0" g="0" b="0"/>
+      </a:fillRef>
+      <a:effectRef idx="3">
+        <a:scrgbClr r="0" g="0" b="0"/>
+      </a:effectRef>
+      <a:fontRef idx="minor"/>
+    </dgm:style>
+  </dgm:styleLbl>
+  <dgm:styleLbl name="sibTrans2D1">
+    <dgm:scene3d>
+      <a:camera prst="orthographicFront"/>
+      <a:lightRig rig="threePt" dir="t"/>
+    </dgm:scene3d>
+    <dgm:sp3d/>
+    <dgm:txPr/>
+    <dgm:style>
+      <a:lnRef idx="0">
+        <a:scrgbClr r="0" g="0" b="0"/>
+      </a:lnRef>
+      <a:fillRef idx="3">
+        <a:scrgbClr r="0" g="0" b="0"/>
+      </a:fillRef>
+      <a:effectRef idx="3">
+        <a:scrgbClr r="0" g="0" b="0"/>
+      </a:effectRef>
+      <a:fontRef idx="minor">
+        <a:schemeClr val="lt1"/>
+      </a:fontRef>
+    </dgm:style>
+  </dgm:styleLbl>
+  <dgm:styleLbl name="fgSibTrans2D1">
+    <dgm:scene3d>
+      <a:camera prst="orthographicFront"/>
+      <a:lightRig rig="threePt" dir="t"/>
+    </dgm:scene3d>
+    <dgm:sp3d/>
+    <dgm:txPr/>
+    <dgm:style>
+      <a:lnRef idx="0">
+        <a:scrgbClr r="0" g="0" b="0"/>
+      </a:lnRef>
+      <a:fillRef idx="3">
+        <a:scrgbClr r="0" g="0" b="0"/>
+      </a:fillRef>
+      <a:effectRef idx="3">
+        <a:scrgbClr r="0" g="0" b="0"/>
+      </a:effectRef>
+      <a:fontRef idx="minor">
+        <a:schemeClr val="lt1"/>
+      </a:fontRef>
+    </dgm:style>
+  </dgm:styleLbl>
+  <dgm:styleLbl name="bgSibTrans2D1">
+    <dgm:scene3d>
+      <a:camera prst="orthographicFront"/>
+      <a:lightRig rig="threePt" dir="t"/>
+    </dgm:scene3d>
+    <dgm:sp3d/>
+    <dgm:txPr/>
+    <dgm:style>
+      <a:lnRef idx="0">
+        <a:scrgbClr r="0" g="0" b="0"/>
+      </a:lnRef>
+      <a:fillRef idx="3">
+        <a:scrgbClr r="0" g="0" b="0"/>
+      </a:fillRef>
+      <a:effectRef idx="3">
+        <a:scrgbClr r="0" g="0" b="0"/>
+      </a:effectRef>
+      <a:fontRef idx="minor">
+        <a:schemeClr val="lt1"/>
+      </a:fontRef>
+    </dgm:style>
+  </dgm:styleLbl>
+  <dgm:styleLbl name="sibTrans1D1">
+    <dgm:scene3d>
+      <a:camera prst="orthographicFront"/>
+      <a:lightRig rig="threePt" dir="t"/>
+    </dgm:scene3d>
+    <dgm:sp3d/>
+    <dgm:txPr/>
+    <dgm:style>
+      <a:lnRef idx="1">
+        <a:scrgbClr r="0" g="0" b="0"/>
+      </a:lnRef>
+      <a:fillRef idx="0">
+        <a:scrgbClr r="0" g="0" b="0"/>
+      </a:fillRef>
+      <a:effectRef idx="0">
+        <a:scrgbClr r="0" g="0" b="0"/>
+      </a:effectRef>
+      <a:fontRef idx="minor"/>
+    </dgm:style>
+  </dgm:styleLbl>
+  <dgm:styleLbl name="callout">
+    <dgm:scene3d>
+      <a:camera prst="orthographicFront"/>
+      <a:lightRig rig="threePt" dir="t"/>
+    </dgm:scene3d>
+    <dgm:sp3d/>
+    <dgm:txPr/>
+    <dgm:style>
+      <a:lnRef idx="1">
+        <a:scrgbClr r="0" g="0" b="0"/>
+      </a:lnRef>
+      <a:fillRef idx="0">
+        <a:scrgbClr r="0" g="0" b="0"/>
+      </a:fillRef>
+      <a:effectRef idx="1">
+        <a:scrgbClr r="0" g="0" b="0"/>
+      </a:effectRef>
+      <a:fontRef idx="minor"/>
+    </dgm:style>
+  </dgm:styleLbl>
+  <dgm:styleLbl name="asst0">
+    <dgm:scene3d>
+      <a:camera prst="orthographicFront"/>
+      <a:lightRig rig="threePt" dir="t"/>
+    </dgm:scene3d>
+    <dgm:sp3d/>
+    <dgm:txPr/>
+    <dgm:style>
+      <a:lnRef idx="0">
+        <a:scrgbClr r="0" g="0" b="0"/>
+      </a:lnRef>
+      <a:fillRef idx="3">
+        <a:scrgbClr r="0" g="0" b="0"/>
+      </a:fillRef>
+      <a:effectRef idx="3">
+        <a:scrgbClr r="0" g="0" b="0"/>
+      </a:effectRef>
+      <a:fontRef idx="minor">
+        <a:schemeClr val="lt1"/>
+      </a:fontRef>
+    </dgm:style>
+  </dgm:styleLbl>
+  <dgm:styleLbl name="asst1">
+    <dgm:scene3d>
+      <a:camera prst="orthographicFront"/>
+      <a:lightRig rig="threePt" dir="t"/>
+    </dgm:scene3d>
+    <dgm:sp3d/>
+    <dgm:txPr/>
+    <dgm:style>
+      <a:lnRef idx="0">
+        <a:scrgbClr r="0" g="0" b="0"/>
+      </a:lnRef>
+      <a:fillRef idx="3">
+        <a:scrgbClr r="0" g="0" b="0"/>
+      </a:fillRef>
+      <a:effectRef idx="3">
+        <a:scrgbClr r="0" g="0" b="0"/>
+      </a:effectRef>
+      <a:fontRef idx="minor">
+        <a:schemeClr val="lt1"/>
+      </a:fontRef>
+    </dgm:style>
+  </dgm:styleLbl>
+  <dgm:styleLbl name="asst2">
+    <dgm:scene3d>
+      <a:camera prst="orthographicFront"/>
+      <a:lightRig rig="threePt" dir="t"/>
+    </dgm:scene3d>
+    <dgm:sp3d/>
+    <dgm:txPr/>
+    <dgm:style>
+      <a:lnRef idx="0">
+        <a:scrgbClr r="0" g="0" b="0"/>
+      </a:lnRef>
+      <a:fillRef idx="3">
+        <a:scrgbClr r="0" g="0" b="0"/>
+      </a:fillRef>
+      <a:effectRef idx="3">
+        <a:scrgbClr r="0" g="0" b="0"/>
+      </a:effectRef>
+      <a:fontRef idx="minor">
+        <a:schemeClr val="lt1"/>
+      </a:fontRef>
+    </dgm:style>
+  </dgm:styleLbl>
+  <dgm:styleLbl name="asst3">
+    <dgm:scene3d>
+      <a:camera prst="orthographicFront"/>
+      <a:lightRig rig="threePt" dir="t"/>
+    </dgm:scene3d>
+    <dgm:sp3d/>
+    <dgm:txPr/>
+    <dgm:style>
+      <a:lnRef idx="0">
+        <a:scrgbClr r="0" g="0" b="0"/>
+      </a:lnRef>
+      <a:fillRef idx="3">
+        <a:scrgbClr r="0" g="0" b="0"/>
+      </a:fillRef>
+      <a:effectRef idx="3">
+        <a:scrgbClr r="0" g="0" b="0"/>
+      </a:effectRef>
+      <a:fontRef idx="minor">
+        <a:schemeClr val="lt1"/>
+      </a:fontRef>
+    </dgm:style>
+  </dgm:styleLbl>
+  <dgm:styleLbl name="asst4">
+    <dgm:scene3d>
+      <a:camera prst="orthographicFront"/>
+      <a:lightRig rig="threePt" dir="t"/>
+    </dgm:scene3d>
+    <dgm:sp3d/>
+    <dgm:txPr/>
+    <dgm:style>
+      <a:lnRef idx="0">
+        <a:scrgbClr r="0" g="0" b="0"/>
+      </a:lnRef>
+      <a:fillRef idx="3">
+        <a:scrgbClr r="0" g="0" b="0"/>
+      </a:fillRef>
+      <a:effectRef idx="3">
+        <a:scrgbClr r="0" g="0" b="0"/>
+      </a:effectRef>
+      <a:fontRef idx="minor">
+        <a:schemeClr val="lt1"/>
+      </a:fontRef>
+    </dgm:style>
+  </dgm:styleLbl>
+  <dgm:styleLbl name="parChTrans2D1">
+    <dgm:scene3d>
+      <a:camera prst="orthographicFront"/>
+      <a:lightRig rig="threePt" dir="t"/>
+    </dgm:scene3d>
+    <dgm:sp3d/>
+    <dgm:txPr/>
+    <dgm:style>
+      <a:lnRef idx="0">
+        <a:scrgbClr r="0" g="0" b="0"/>
+      </a:lnRef>
+      <a:fillRef idx="3">
+        <a:scrgbClr r="0" g="0" b="0"/>
+      </a:fillRef>
+      <a:effectRef idx="3">
+        <a:scrgbClr r="0" g="0" b="0"/>
+      </a:effectRef>
+      <a:fontRef idx="minor">
+        <a:schemeClr val="lt1"/>
+      </a:fontRef>
+    </dgm:style>
+  </dgm:styleLbl>
+  <dgm:styleLbl name="parChTrans2D2">
+    <dgm:scene3d>
+      <a:camera prst="orthographicFront"/>
+      <a:lightRig rig="threePt" dir="t"/>
+    </dgm:scene3d>
+    <dgm:sp3d/>
+    <dgm:txPr/>
+    <dgm:style>
+      <a:lnRef idx="0">
+        <a:scrgbClr r="0" g="0" b="0"/>
+      </a:lnRef>
+      <a:fillRef idx="3">
+        <a:scrgbClr r="0" g="0" b="0"/>
+      </a:fillRef>
+      <a:effectRef idx="3">
+        <a:scrgbClr r="0" g="0" b="0"/>
+      </a:effectRef>
+      <a:fontRef idx="minor">
+        <a:schemeClr val="lt1"/>
+      </a:fontRef>
+    </dgm:style>
+  </dgm:styleLbl>
+  <dgm:styleLbl name="parChTrans2D3">
+    <dgm:scene3d>
+      <a:camera prst="orthographicFront"/>
+      <a:lightRig rig="threePt" dir="t"/>
+    </dgm:scene3d>
+    <dgm:sp3d/>
+    <dgm:txPr/>
+    <dgm:style>
+      <a:lnRef idx="0">
+        <a:scrgbClr r="0" g="0" b="0"/>
+      </a:lnRef>
+      <a:fillRef idx="3">
+        <a:scrgbClr r="0" g="0" b="0"/>
+      </a:fillRef>
+      <a:effectRef idx="3">
+        <a:scrgbClr r="0" g="0" b="0"/>
+      </a:effectRef>
+      <a:fontRef idx="minor">
+        <a:schemeClr val="lt1"/>
+      </a:fontRef>
+    </dgm:style>
+  </dgm:styleLbl>
+  <dgm:styleLbl name="parChTrans2D4">
+    <dgm:scene3d>
+      <a:camera prst="orthographicFront"/>
+      <a:lightRig rig="threePt" dir="t"/>
+    </dgm:scene3d>
+    <dgm:sp3d/>
+    <dgm:txPr/>
+    <dgm:style>
+      <a:lnRef idx="0">
+        <a:scrgbClr r="0" g="0" b="0"/>
+      </a:lnRef>
+      <a:fillRef idx="3">
+        <a:scrgbClr r="0" g="0" b="0"/>
+      </a:fillRef>
+      <a:effectRef idx="3">
+        <a:scrgbClr r="0" g="0" b="0"/>
+      </a:effectRef>
+      <a:fontRef idx="minor">
+        <a:schemeClr val="lt1"/>
+      </a:fontRef>
+    </dgm:style>
+  </dgm:styleLbl>
+  <dgm:styleLbl name="parChTrans1D1">
+    <dgm:scene3d>
+      <a:camera prst="orthographicFront"/>
+      <a:lightRig rig="threePt" dir="t"/>
+    </dgm:scene3d>
+    <dgm:sp3d/>
+    <dgm:txPr/>
+    <dgm:style>
+      <a:lnRef idx="2">
+        <a:scrgbClr r="0" g="0" b="0"/>
+      </a:lnRef>
+      <a:fillRef idx="0">
+        <a:scrgbClr r="0" g="0" b="0"/>
+      </a:fillRef>
+      <a:effectRef idx="0">
+        <a:scrgbClr r="0" g="0" b="0"/>
+      </a:effectRef>
+      <a:fontRef idx="minor"/>
+    </dgm:style>
+  </dgm:styleLbl>
+  <dgm:styleLbl name="parChTrans1D2">
+    <dgm:scene3d>
+      <a:camera prst="orthographicFront"/>
+      <a:lightRig rig="threePt" dir="t"/>
+    </dgm:scene3d>
+    <dgm:sp3d/>
+    <dgm:txPr/>
+    <dgm:style>
+      <a:lnRef idx="2">
+        <a:scrgbClr r="0" g="0" b="0"/>
+      </a:lnRef>
+      <a:fillRef idx="0">
+        <a:scrgbClr r="0" g="0" b="0"/>
+      </a:fillRef>
+      <a:effectRef idx="0">
+        <a:scrgbClr r="0" g="0" b="0"/>
+      </a:effectRef>
+      <a:fontRef idx="minor"/>
+    </dgm:style>
+  </dgm:styleLbl>
+  <dgm:styleLbl name="parChTrans1D3">
+    <dgm:scene3d>
+      <a:camera prst="orthographicFront"/>
+      <a:lightRig rig="threePt" dir="t"/>
+    </dgm:scene3d>
+    <dgm:sp3d/>
+    <dgm:txPr/>
+    <dgm:style>
+      <a:lnRef idx="2">
+        <a:scrgbClr r="0" g="0" b="0"/>
+      </a:lnRef>
+      <a:fillRef idx="0">
+        <a:scrgbClr r="0" g="0" b="0"/>
+      </a:fillRef>
+      <a:effectRef idx="0">
+        <a:scrgbClr r="0" g="0" b="0"/>
+      </a:effectRef>
+      <a:fontRef idx="minor"/>
+    </dgm:style>
+  </dgm:styleLbl>
+  <dgm:styleLbl name="parChTrans1D4">
+    <dgm:scene3d>
+      <a:camera prst="orthographicFront"/>
+      <a:lightRig rig="threePt" dir="t"/>
+    </dgm:scene3d>
+    <dgm:sp3d/>
+    <dgm:txPr/>
+    <dgm:style>
+      <a:lnRef idx="2">
+        <a:scrgbClr r="0" g="0" b="0"/>
+      </a:lnRef>
+      <a:fillRef idx="0">
+        <a:scrgbClr r="0" g="0" b="0"/>
+      </a:fillRef>
+      <a:effectRef idx="0">
+        <a:scrgbClr r="0" g="0" b="0"/>
+      </a:effectRef>
+      <a:fontRef idx="minor"/>
+    </dgm:style>
+  </dgm:styleLbl>
+  <dgm:styleLbl name="fgAcc1">
+    <dgm:scene3d>
+      <a:camera prst="orthographicFront"/>
+      <a:lightRig rig="threePt" dir="t"/>
+    </dgm:scene3d>
+    <dgm:sp3d/>
+    <dgm:txPr/>
+    <dgm:style>
+      <a:lnRef idx="1">
+        <a:scrgbClr r="0" g="0" b="0"/>
+      </a:lnRef>
+      <a:fillRef idx="1">
+        <a:scrgbClr r="0" g="0" b="0"/>
+      </a:fillRef>
+      <a:effectRef idx="2">
+        <a:scrgbClr r="0" g="0" b="0"/>
+      </a:effectRef>
+      <a:fontRef idx="minor"/>
+    </dgm:style>
+  </dgm:styleLbl>
+  <dgm:styleLbl name="conFgAcc1">
+    <dgm:scene3d>
+      <a:camera prst="orthographicFront"/>
+      <a:lightRig rig="threePt" dir="t"/>
+    </dgm:scene3d>
+    <dgm:sp3d/>
+    <dgm:txPr/>
+    <dgm:style>
+      <a:lnRef idx="1">
+        <a:scrgbClr r="0" g="0" b="0"/>
+      </a:lnRef>
+      <a:fillRef idx="1">
+        <a:scrgbClr r="0" g="0" b="0"/>
+      </a:fillRef>
+      <a:effectRef idx="2">
+        <a:scrgbClr r="0" g="0" b="0"/>
+      </a:effectRef>
+      <a:fontRef idx="minor"/>
+    </dgm:style>
+  </dgm:styleLbl>
+  <dgm:styleLbl name="alignAcc1">
+    <dgm:scene3d>
+      <a:camera prst="orthographicFront"/>
+      <a:lightRig rig="threePt" dir="t"/>
+    </dgm:scene3d>
+    <dgm:sp3d/>
+    <dgm:txPr/>
+    <dgm:style>
+      <a:lnRef idx="1">
+        <a:scrgbClr r="0" g="0" b="0"/>
+      </a:lnRef>
+      <a:fillRef idx="1">
+        <a:scrgbClr r="0" g="0" b="0"/>
+      </a:fillRef>
+      <a:effectRef idx="2">
+        <a:scrgbClr r="0" g="0" b="0"/>
+      </a:effectRef>
+      <a:fontRef idx="minor"/>
+    </dgm:style>
+  </dgm:styleLbl>
+  <dgm:styleLbl name="trAlignAcc1">
+    <dgm:scene3d>
+      <a:camera prst="orthographicFront"/>
+      <a:lightRig rig="threePt" dir="t"/>
+    </dgm:scene3d>
+    <dgm:sp3d/>
+    <dgm:txPr/>
+    <dgm:style>
+      <a:lnRef idx="1">
+        <a:scrgbClr r="0" g="0" b="0"/>
+      </a:lnRef>
+      <a:fillRef idx="1">
+        <a:scrgbClr r="0" g="0" b="0"/>
+      </a:fillRef>
+      <a:effectRef idx="0">
+        <a:scrgbClr r="0" g="0" b="0"/>
+      </a:effectRef>
+      <a:fontRef idx="minor"/>
+    </dgm:style>
+  </dgm:styleLbl>
+  <dgm:styleLbl name="bgAcc1">
+    <dgm:scene3d>
+      <a:camera prst="orthographicFront"/>
+      <a:lightRig rig="threePt" dir="t"/>
+    </dgm:scene3d>
+    <dgm:sp3d/>
+    <dgm:txPr/>
+    <dgm:style>
+      <a:lnRef idx="1">
+        <a:scrgbClr r="0" g="0" b="0"/>
+      </a:lnRef>
+      <a:fillRef idx="1">
+        <a:scrgbClr r="0" g="0" b="0"/>
+      </a:fillRef>
+      <a:effectRef idx="2">
+        <a:scrgbClr r="0" g="0" b="0"/>
+      </a:effectRef>
+      <a:fontRef idx="minor"/>
+    </dgm:style>
+  </dgm:styleLbl>
+  <dgm:styleLbl name="solidFgAcc1">
+    <dgm:scene3d>
+      <a:camera prst="orthographicFront"/>
+      <a:lightRig rig="threePt" dir="t"/>
+    </dgm:scene3d>
+    <dgm:sp3d/>
+    <dgm:txPr/>
+    <dgm:style>
+      <a:lnRef idx="1">
+        <a:scrgbClr r="0" g="0" b="0"/>
+      </a:lnRef>
+      <a:fillRef idx="1">
+        <a:scrgbClr r="0" g="0" b="0"/>
+      </a:fillRef>
+      <a:effectRef idx="2">
+        <a:scrgbClr r="0" g="0" b="0"/>
+      </a:effectRef>
+      <a:fontRef idx="minor"/>
+    </dgm:style>
+  </dgm:styleLbl>
+  <dgm:styleLbl name="solidAlignAcc1">
+    <dgm:scene3d>
+      <a:camera prst="orthographicFront"/>
+      <a:lightRig rig="threePt" dir="t"/>
+    </dgm:scene3d>
+    <dgm:sp3d/>
+    <dgm:txPr/>
+    <dgm:style>
+      <a:lnRef idx="1">
+        <a:scrgbClr r="0" g="0" b="0"/>
+      </a:lnRef>
+      <a:fillRef idx="1">
+        <a:scrgbClr r="0" g="0" b="0"/>
+      </a:fillRef>
+      <a:effectRef idx="3">
+        <a:scrgbClr r="0" g="0" b="0"/>
+      </a:effectRef>
+      <a:fontRef idx="minor"/>
+    </dgm:style>
+  </dgm:styleLbl>
+  <dgm:styleLbl name="solidBgAcc1">
+    <dgm:scene3d>
+      <a:camera prst="orthographicFront"/>
+      <a:lightRig rig="threePt" dir="t"/>
+    </dgm:scene3d>
+    <dgm:sp3d/>
+    <dgm:txPr/>
+    <dgm:style>
+      <a:lnRef idx="1">
+        <a:scrgbClr r="0" g="0" b="0"/>
+      </a:lnRef>
+      <a:fillRef idx="1">
+        <a:scrgbClr r="0" g="0" b="0"/>
+      </a:fillRef>
+      <a:effectRef idx="3">
+        <a:scrgbClr r="0" g="0" b="0"/>
+      </a:effectRef>
+      <a:fontRef idx="minor"/>
+    </dgm:style>
+  </dgm:styleLbl>
+  <dgm:styleLbl name="fgAccFollowNode1">
+    <dgm:scene3d>
+      <a:camera prst="orthographicFront"/>
+      <a:lightRig rig="threePt" dir="t"/>
+    </dgm:scene3d>
+    <dgm:sp3d/>
+    <dgm:txPr/>
+    <dgm:style>
+      <a:lnRef idx="1">
+        <a:scrgbClr r="0" g="0" b="0"/>
+      </a:lnRef>
+      <a:fillRef idx="1">
+        <a:scrgbClr r="0" g="0" b="0"/>
+      </a:fillRef>
+      <a:effectRef idx="2">
+        <a:scrgbClr r="0" g="0" b="0"/>
+      </a:effectRef>
+      <a:fontRef idx="minor"/>
+    </dgm:style>
+  </dgm:styleLbl>
+  <dgm:styleLbl name="alignAccFollowNode1">
+    <dgm:scene3d>
+      <a:camera prst="orthographicFront"/>
+      <a:lightRig rig="threePt" dir="t"/>
+    </dgm:scene3d>
+    <dgm:sp3d/>
+    <dgm:txPr/>
+    <dgm:style>
+      <a:lnRef idx="1">
+        <a:scrgbClr r="0" g="0" b="0"/>
+      </a:lnRef>
+      <a:fillRef idx="1">
+        <a:scrgbClr r="0" g="0" b="0"/>
+      </a:fillRef>
+      <a:effectRef idx="2">
+        <a:scrgbClr r="0" g="0" b="0"/>
+      </a:effectRef>
+      <a:fontRef idx="minor"/>
+    </dgm:style>
+  </dgm:styleLbl>
+  <dgm:styleLbl name="bgAccFollowNode1">
+    <dgm:scene3d>
+      <a:camera prst="orthographicFront"/>
+      <a:lightRig rig="threePt" dir="t"/>
+    </dgm:scene3d>
+    <dgm:sp3d/>
+    <dgm:txPr/>
+    <dgm:style>
+      <a:lnRef idx="1">
+        <a:scrgbClr r="0" g="0" b="0"/>
+      </a:lnRef>
+      <a:fillRef idx="1">
+        <a:scrgbClr r="0" g="0" b="0"/>
+      </a:fillRef>
+      <a:effectRef idx="2">
+        <a:scrgbClr r="0" g="0" b="0"/>
+      </a:effectRef>
+      <a:fontRef idx="minor"/>
+    </dgm:style>
+  </dgm:styleLbl>
+  <dgm:styleLbl name="fgAcc0">
+    <dgm:scene3d>
+      <a:camera prst="orthographicFront"/>
+      <a:lightRig rig="threePt" dir="t"/>
+    </dgm:scene3d>
+    <dgm:sp3d/>
+    <dgm:txPr/>
+    <dgm:style>
+      <a:lnRef idx="1">
+        <a:scrgbClr r="0" g="0" b="0"/>
+      </a:lnRef>
+      <a:fillRef idx="1">
+        <a:scrgbClr r="0" g="0" b="0"/>
+      </a:fillRef>
+      <a:effectRef idx="2">
+        <a:scrgbClr r="0" g="0" b="0"/>
+      </a:effectRef>
+      <a:fontRef idx="minor"/>
+    </dgm:style>
+  </dgm:styleLbl>
+  <dgm:styleLbl name="fgAcc2">
+    <dgm:scene3d>
+      <a:camera prst="orthographicFront"/>
+      <a:lightRig rig="threePt" dir="t"/>
+    </dgm:scene3d>
+    <dgm:sp3d/>
+    <dgm:txPr/>
+    <dgm:style>
+      <a:lnRef idx="1">
+        <a:scrgbClr r="0" g="0" b="0"/>
+      </a:lnRef>
+      <a:fillRef idx="1">
+        <a:scrgbClr r="0" g="0" b="0"/>
+      </a:fillRef>
+      <a:effectRef idx="2">
+        <a:scrgbClr r="0" g="0" b="0"/>
+      </a:effectRef>
+      <a:fontRef idx="minor"/>
+    </dgm:style>
+  </dgm:styleLbl>
+  <dgm:styleLbl name="fgAcc3">
+    <dgm:scene3d>
+      <a:camera prst="orthographicFront"/>
+      <a:lightRig rig="threePt" dir="t"/>
+    </dgm:scene3d>
+    <dgm:sp3d/>
+    <dgm:txPr/>
+    <dgm:style>
+      <a:lnRef idx="1">
+        <a:scrgbClr r="0" g="0" b="0"/>
+      </a:lnRef>
+      <a:fillRef idx="1">
+        <a:scrgbClr r="0" g="0" b="0"/>
+      </a:fillRef>
+      <a:effectRef idx="2">
+        <a:scrgbClr r="0" g="0" b="0"/>
+      </a:effectRef>
+      <a:fontRef idx="minor"/>
+    </dgm:style>
+  </dgm:styleLbl>
+  <dgm:styleLbl name="fgAcc4">
+    <dgm:scene3d>
+      <a:camera prst="orthographicFront"/>
+      <a:lightRig rig="threePt" dir="t"/>
+    </dgm:scene3d>
+    <dgm:sp3d/>
+    <dgm:txPr/>
+    <dgm:style>
+      <a:lnRef idx="1">
+        <a:scrgbClr r="0" g="0" b="0"/>
+      </a:lnRef>
+      <a:fillRef idx="1">
+        <a:scrgbClr r="0" g="0" b="0"/>
+      </a:fillRef>
+      <a:effectRef idx="2">
+        <a:scrgbClr r="0" g="0" b="0"/>
+      </a:effectRef>
+      <a:fontRef idx="minor"/>
+    </dgm:style>
+  </dgm:styleLbl>
+  <dgm:styleLbl name="bgShp">
+    <dgm:scene3d>
+      <a:camera prst="orthographicFront"/>
+      <a:lightRig rig="threePt" dir="t"/>
+    </dgm:scene3d>
+    <dgm:sp3d/>
+    <dgm:txPr/>
+    <dgm:style>
+      <a:lnRef idx="0">
+        <a:scrgbClr r="0" g="0" b="0"/>
+      </a:lnRef>
+      <a:fillRef idx="1">
+        <a:scrgbClr r="0" g="0" b="0"/>
+      </a:fillRef>
+      <a:effectRef idx="2">
+        <a:scrgbClr r="0" g="0" b="0"/>
+      </a:effectRef>
+      <a:fontRef idx="minor"/>
+    </dgm:style>
+  </dgm:styleLbl>
+  <dgm:styleLbl name="dkBgShp">
+    <dgm:scene3d>
+      <a:camera prst="orthographicFront"/>
+      <a:lightRig rig="threePt" dir="t"/>
+    </dgm:scene3d>
+    <dgm:sp3d/>
+    <dgm:txPr/>
+    <dgm:style>
+      <a:lnRef idx="0">
+        <a:scrgbClr r="0" g="0" b="0"/>
+      </a:lnRef>
+      <a:fillRef idx="1">
+        <a:scrgbClr r="0" g="0" b="0"/>
+      </a:fillRef>
+      <a:effectRef idx="3">
+        <a:scrgbClr r="0" g="0" b="0"/>
+      </a:effectRef>
+      <a:fontRef idx="minor"/>
+    </dgm:style>
+  </dgm:styleLbl>
+  <dgm:styleLbl name="trBgShp">
+    <dgm:scene3d>
+      <a:camera prst="orthographicFront"/>
+      <a:lightRig rig="threePt" dir="t"/>
+    </dgm:scene3d>
+    <dgm:sp3d/>
+    <dgm:txPr/>
+    <dgm:style>
+      <a:lnRef idx="0">
+        <a:scrgbClr r="0" g="0" b="0"/>
+      </a:lnRef>
+      <a:fillRef idx="1">
+        <a:scrgbClr r="0" g="0" b="0"/>
+      </a:fillRef>
+      <a:effectRef idx="0">
+        <a:scrgbClr r="0" g="0" b="0"/>
+      </a:effectRef>
+      <a:fontRef idx="minor"/>
+    </dgm:style>
+  </dgm:styleLbl>
+  <dgm:styleLbl name="fgShp">
+    <dgm:scene3d>
+      <a:camera prst="orthographicFront"/>
+      <a:lightRig rig="threePt" dir="t"/>
+    </dgm:scene3d>
+    <dgm:sp3d/>
+    <dgm:txPr/>
+    <dgm:style>
+      <a:lnRef idx="0">
+        <a:scrgbClr r="0" g="0" b="0"/>
+      </a:lnRef>
+      <a:fillRef idx="3">
+        <a:scrgbClr r="0" g="0" b="0"/>
+      </a:fillRef>
+      <a:effectRef idx="3">
+        <a:scrgbClr r="0" g="0" b="0"/>
+      </a:effectRef>
+      <a:fontRef idx="minor"/>
+    </dgm:style>
+  </dgm:styleLbl>
+  <dgm:styleLbl name="revTx">
+    <dgm:scene3d>
+      <a:camera prst="orthographicFront"/>
+      <a:lightRig rig="threePt" dir="t"/>
+    </dgm:scene3d>
+    <dgm:sp3d/>
+    <dgm:txPr/>
+    <dgm:style>
+      <a:lnRef idx="0">
+        <a:scrgbClr r="0" g="0" b="0"/>
+      </a:lnRef>
+      <a:fillRef idx="0">
+        <a:scrgbClr r="0" g="0" b="0"/>
+      </a:fillRef>
+      <a:effectRef idx="0">
+        <a:scrgbClr r="0" g="0" b="0"/>
+      </a:effectRef>
+      <a:fontRef idx="minor"/>
+    </dgm:style>
+  </dgm:styleLbl>
+</dgm:styleDef>
 </file>
 
 <file path=ppt/slideLayouts/slideLayout1.xml><?xml version="1.0" encoding="utf-8"?>
@@ -6160,6 +10809,498 @@
 <file path=ppt/slides/slide13.xml><?xml version="1.0" encoding="utf-8"?>
 <p:sld xmlns:a="http://schemas.openxmlformats.org/drawingml/2006/main" xmlns:r="http://schemas.openxmlformats.org/officeDocument/2006/relationships" xmlns:p="http://schemas.openxmlformats.org/presentationml/2006/main">
   <p:cSld>
+    <p:bg>
+      <p:bgPr>
+        <a:blipFill rotWithShape="1">
+          <a:blip r:embed="rId2">
+            <a:duotone>
+              <a:schemeClr val="bg2">
+                <a:shade val="28000"/>
+                <a:satMod val="94000"/>
+                <a:lumMod val="20000"/>
+              </a:schemeClr>
+              <a:schemeClr val="bg2">
+                <a:tint val="94000"/>
+                <a:shade val="84000"/>
+                <a:satMod val="148000"/>
+                <a:lumMod val="114000"/>
+              </a:schemeClr>
+            </a:duotone>
+            <a:extLst/>
+          </a:blip>
+          <a:stretch/>
+        </a:blipFill>
+        <a:effectLst/>
+      </p:bgPr>
+    </p:bg>
+    <p:spTree>
+      <p:nvGrpSpPr>
+        <p:cNvPr id="1" name=""/>
+        <p:cNvGrpSpPr/>
+        <p:nvPr/>
+      </p:nvGrpSpPr>
+      <p:grpSpPr>
+        <a:xfrm>
+          <a:off x="0" y="0"/>
+          <a:ext cx="0" cy="0"/>
+          <a:chOff x="0" y="0"/>
+          <a:chExt cx="0" cy="0"/>
+        </a:xfrm>
+      </p:grpSpPr>
+      <p:pic>
+        <p:nvPicPr>
+          <p:cNvPr id="5" name="Content Placeholder 4" descr="A close up of a screen&#10;&#10;Description generated with high confidence">
+            <a:extLst>
+              <a:ext uri="{FF2B5EF4-FFF2-40B4-BE49-F238E27FC236}">
+                <a16:creationId xmlns:a16="http://schemas.microsoft.com/office/drawing/2014/main" id="{65E031B2-2043-42BA-B800-C3C0AEA1CB24}"/>
+              </a:ext>
+            </a:extLst>
+          </p:cNvPr>
+          <p:cNvPicPr>
+            <a:picLocks noGrp="1" noChangeAspect="1"/>
+          </p:cNvPicPr>
+          <p:nvPr>
+            <p:ph idx="1"/>
+          </p:nvPr>
+        </p:nvPicPr>
+        <p:blipFill>
+          <a:blip r:embed="rId3">
+            <a:extLst>
+              <a:ext uri="{28A0092B-C50C-407E-A947-70E740481C1C}">
+                <a14:useLocalDpi xmlns:a14="http://schemas.microsoft.com/office/drawing/2010/main" val="0"/>
+              </a:ext>
+            </a:extLst>
+          </a:blip>
+          <a:stretch>
+            <a:fillRect/>
+          </a:stretch>
+        </p:blipFill>
+        <p:spPr>
+          <a:xfrm>
+            <a:off x="953981" y="3429000"/>
+            <a:ext cx="10284036" cy="1105533"/>
+          </a:xfrm>
+          <a:prstGeom prst="roundRect">
+            <a:avLst>
+              <a:gd name="adj" fmla="val 3517"/>
+            </a:avLst>
+          </a:prstGeom>
+          <a:ln w="38100">
+            <a:gradFill flip="none" rotWithShape="1">
+              <a:gsLst>
+                <a:gs pos="0">
+                  <a:srgbClr val="363D46"/>
+                </a:gs>
+                <a:gs pos="100000">
+                  <a:srgbClr val="363D46">
+                    <a:lumMod val="75000"/>
+                  </a:srgbClr>
+                </a:gs>
+              </a:gsLst>
+              <a:lin ang="5400000" scaled="0"/>
+              <a:tileRect/>
+            </a:gradFill>
+          </a:ln>
+          <a:effectLst>
+            <a:innerShdw blurRad="57150" dist="38100" dir="14460000">
+              <a:srgbClr val="000000">
+                <a:alpha val="70000"/>
+              </a:srgbClr>
+            </a:innerShdw>
+          </a:effectLst>
+        </p:spPr>
+      </p:pic>
+      <p:sp>
+        <p:nvSpPr>
+          <p:cNvPr id="2" name="Title 1">
+            <a:extLst>
+              <a:ext uri="{FF2B5EF4-FFF2-40B4-BE49-F238E27FC236}">
+                <a16:creationId xmlns:a16="http://schemas.microsoft.com/office/drawing/2014/main" id="{9EA0985F-87B4-4649-83E7-DF9B70C04B46}"/>
+              </a:ext>
+            </a:extLst>
+          </p:cNvPr>
+          <p:cNvSpPr>
+            <a:spLocks noGrp="1"/>
+          </p:cNvSpPr>
+          <p:nvPr>
+            <p:ph type="title"/>
+          </p:nvPr>
+        </p:nvSpPr>
+        <p:spPr>
+          <a:xfrm>
+            <a:off x="658761" y="435214"/>
+            <a:ext cx="10874477" cy="935707"/>
+          </a:xfrm>
+        </p:spPr>
+        <p:txBody>
+          <a:bodyPr vert="horz" lIns="91440" tIns="45720" rIns="91440" bIns="45720" rtlCol="0" anchor="b">
+            <a:normAutofit/>
+          </a:bodyPr>
+          <a:lstStyle/>
+          <a:p>
+            <a:pPr algn="ctr"/>
+            <a:r>
+              <a:rPr lang="en-US" sz="4800" dirty="0">
+                <a:effectLst>
+                  <a:glow rad="38100">
+                    <a:schemeClr val="bg1">
+                      <a:lumMod val="65000"/>
+                      <a:lumOff val="35000"/>
+                      <a:alpha val="50000"/>
+                    </a:schemeClr>
+                  </a:glow>
+                  <a:outerShdw blurRad="28575" dist="31750" dir="13200000" algn="tl" rotWithShape="0">
+                    <a:srgbClr val="000000">
+                      <a:alpha val="25000"/>
+                    </a:srgbClr>
+                  </a:outerShdw>
+                </a:effectLst>
+              </a:rPr>
+              <a:t>Log Format</a:t>
+            </a:r>
+          </a:p>
+        </p:txBody>
+      </p:sp>
+      <p:cxnSp>
+        <p:nvCxnSpPr>
+          <p:cNvPr id="7" name="Straight Arrow Connector 6">
+            <a:extLst>
+              <a:ext uri="{FF2B5EF4-FFF2-40B4-BE49-F238E27FC236}">
+                <a16:creationId xmlns:a16="http://schemas.microsoft.com/office/drawing/2014/main" id="{8EC34203-9993-4A06-B38E-252C3B9700BB}"/>
+              </a:ext>
+            </a:extLst>
+          </p:cNvPr>
+          <p:cNvCxnSpPr/>
+          <p:nvPr/>
+        </p:nvCxnSpPr>
+        <p:spPr>
+          <a:xfrm>
+            <a:off x="2275806" y="2583283"/>
+            <a:ext cx="0" cy="672029"/>
+          </a:xfrm>
+          <a:prstGeom prst="straightConnector1">
+            <a:avLst/>
+          </a:prstGeom>
+          <a:ln>
+            <a:tailEnd type="triangle"/>
+          </a:ln>
+        </p:spPr>
+        <p:style>
+          <a:lnRef idx="3">
+            <a:schemeClr val="accent1"/>
+          </a:lnRef>
+          <a:fillRef idx="0">
+            <a:schemeClr val="accent1"/>
+          </a:fillRef>
+          <a:effectRef idx="2">
+            <a:schemeClr val="accent1"/>
+          </a:effectRef>
+          <a:fontRef idx="minor">
+            <a:schemeClr val="tx1"/>
+          </a:fontRef>
+        </p:style>
+      </p:cxnSp>
+      <p:sp>
+        <p:nvSpPr>
+          <p:cNvPr id="8" name="TextBox 7">
+            <a:extLst>
+              <a:ext uri="{FF2B5EF4-FFF2-40B4-BE49-F238E27FC236}">
+                <a16:creationId xmlns:a16="http://schemas.microsoft.com/office/drawing/2014/main" id="{4609176D-8EF8-4548-B6B6-65251BE76B93}"/>
+              </a:ext>
+            </a:extLst>
+          </p:cNvPr>
+          <p:cNvSpPr txBox="1"/>
+          <p:nvPr/>
+        </p:nvSpPr>
+        <p:spPr>
+          <a:xfrm>
+            <a:off x="1504635" y="2065490"/>
+            <a:ext cx="1542341" cy="369332"/>
+          </a:xfrm>
+          <a:prstGeom prst="rect">
+            <a:avLst/>
+          </a:prstGeom>
+          <a:noFill/>
+        </p:spPr>
+        <p:txBody>
+          <a:bodyPr wrap="square" rtlCol="0">
+            <a:spAutoFit/>
+          </a:bodyPr>
+          <a:lstStyle/>
+          <a:p>
+            <a:r>
+              <a:rPr lang="en-US" dirty="0"/>
+              <a:t>Time Stamp</a:t>
+            </a:r>
+          </a:p>
+        </p:txBody>
+      </p:sp>
+      <p:cxnSp>
+        <p:nvCxnSpPr>
+          <p:cNvPr id="9" name="Straight Arrow Connector 8">
+            <a:extLst>
+              <a:ext uri="{FF2B5EF4-FFF2-40B4-BE49-F238E27FC236}">
+                <a16:creationId xmlns:a16="http://schemas.microsoft.com/office/drawing/2014/main" id="{5155FED6-9461-452E-B3FA-19A63E9BDAF1}"/>
+              </a:ext>
+            </a:extLst>
+          </p:cNvPr>
+          <p:cNvCxnSpPr>
+            <a:cxnSpLocks/>
+          </p:cNvCxnSpPr>
+          <p:nvPr/>
+        </p:nvCxnSpPr>
+        <p:spPr>
+          <a:xfrm flipV="1">
+            <a:off x="3651079" y="4696686"/>
+            <a:ext cx="0" cy="574713"/>
+          </a:xfrm>
+          <a:prstGeom prst="straightConnector1">
+            <a:avLst/>
+          </a:prstGeom>
+          <a:ln>
+            <a:tailEnd type="triangle"/>
+          </a:ln>
+        </p:spPr>
+        <p:style>
+          <a:lnRef idx="3">
+            <a:schemeClr val="accent1"/>
+          </a:lnRef>
+          <a:fillRef idx="0">
+            <a:schemeClr val="accent1"/>
+          </a:fillRef>
+          <a:effectRef idx="2">
+            <a:schemeClr val="accent1"/>
+          </a:effectRef>
+          <a:fontRef idx="minor">
+            <a:schemeClr val="tx1"/>
+          </a:fontRef>
+        </p:style>
+      </p:cxnSp>
+      <p:sp>
+        <p:nvSpPr>
+          <p:cNvPr id="11" name="TextBox 10">
+            <a:extLst>
+              <a:ext uri="{FF2B5EF4-FFF2-40B4-BE49-F238E27FC236}">
+                <a16:creationId xmlns:a16="http://schemas.microsoft.com/office/drawing/2014/main" id="{1E730CAC-ED6B-4695-8034-E424C4616536}"/>
+              </a:ext>
+            </a:extLst>
+          </p:cNvPr>
+          <p:cNvSpPr txBox="1"/>
+          <p:nvPr/>
+        </p:nvSpPr>
+        <p:spPr>
+          <a:xfrm>
+            <a:off x="3046976" y="5429524"/>
+            <a:ext cx="1366099" cy="369332"/>
+          </a:xfrm>
+          <a:prstGeom prst="rect">
+            <a:avLst/>
+          </a:prstGeom>
+          <a:noFill/>
+        </p:spPr>
+        <p:txBody>
+          <a:bodyPr wrap="square" rtlCol="0">
+            <a:spAutoFit/>
+          </a:bodyPr>
+          <a:lstStyle/>
+          <a:p>
+            <a:r>
+              <a:rPr lang="en-US" dirty="0"/>
+              <a:t>Log Level</a:t>
+            </a:r>
+          </a:p>
+        </p:txBody>
+      </p:sp>
+      <p:cxnSp>
+        <p:nvCxnSpPr>
+          <p:cNvPr id="12" name="Straight Arrow Connector 11">
+            <a:extLst>
+              <a:ext uri="{FF2B5EF4-FFF2-40B4-BE49-F238E27FC236}">
+                <a16:creationId xmlns:a16="http://schemas.microsoft.com/office/drawing/2014/main" id="{CE9842E5-6B70-4920-A4D2-DAA025EF4C64}"/>
+              </a:ext>
+            </a:extLst>
+          </p:cNvPr>
+          <p:cNvCxnSpPr/>
+          <p:nvPr/>
+        </p:nvCxnSpPr>
+        <p:spPr>
+          <a:xfrm>
+            <a:off x="5457845" y="2583283"/>
+            <a:ext cx="0" cy="672029"/>
+          </a:xfrm>
+          <a:prstGeom prst="straightConnector1">
+            <a:avLst/>
+          </a:prstGeom>
+          <a:ln>
+            <a:tailEnd type="triangle"/>
+          </a:ln>
+        </p:spPr>
+        <p:style>
+          <a:lnRef idx="3">
+            <a:schemeClr val="accent1"/>
+          </a:lnRef>
+          <a:fillRef idx="0">
+            <a:schemeClr val="accent1"/>
+          </a:fillRef>
+          <a:effectRef idx="2">
+            <a:schemeClr val="accent1"/>
+          </a:effectRef>
+          <a:fontRef idx="minor">
+            <a:schemeClr val="tx1"/>
+          </a:fontRef>
+        </p:style>
+      </p:cxnSp>
+      <p:sp>
+        <p:nvSpPr>
+          <p:cNvPr id="13" name="TextBox 12">
+            <a:extLst>
+              <a:ext uri="{FF2B5EF4-FFF2-40B4-BE49-F238E27FC236}">
+                <a16:creationId xmlns:a16="http://schemas.microsoft.com/office/drawing/2014/main" id="{7CC803EB-5C0A-4A9C-A1D3-0151021F5105}"/>
+              </a:ext>
+            </a:extLst>
+          </p:cNvPr>
+          <p:cNvSpPr txBox="1"/>
+          <p:nvPr/>
+        </p:nvSpPr>
+        <p:spPr>
+          <a:xfrm>
+            <a:off x="4642595" y="2079607"/>
+            <a:ext cx="1874702" cy="369332"/>
+          </a:xfrm>
+          <a:prstGeom prst="rect">
+            <a:avLst/>
+          </a:prstGeom>
+          <a:noFill/>
+        </p:spPr>
+        <p:txBody>
+          <a:bodyPr wrap="square" rtlCol="0">
+            <a:spAutoFit/>
+          </a:bodyPr>
+          <a:lstStyle/>
+          <a:p>
+            <a:r>
+              <a:rPr lang="en-US" dirty="0"/>
+              <a:t>Python Class</a:t>
+            </a:r>
+          </a:p>
+        </p:txBody>
+      </p:sp>
+      <p:cxnSp>
+        <p:nvCxnSpPr>
+          <p:cNvPr id="14" name="Straight Arrow Connector 13">
+            <a:extLst>
+              <a:ext uri="{FF2B5EF4-FFF2-40B4-BE49-F238E27FC236}">
+                <a16:creationId xmlns:a16="http://schemas.microsoft.com/office/drawing/2014/main" id="{71CCB994-8BB7-4F92-92FB-F7C752EAC563}"/>
+              </a:ext>
+            </a:extLst>
+          </p:cNvPr>
+          <p:cNvCxnSpPr>
+            <a:cxnSpLocks/>
+          </p:cNvCxnSpPr>
+          <p:nvPr/>
+        </p:nvCxnSpPr>
+        <p:spPr>
+          <a:xfrm flipV="1">
+            <a:off x="9102593" y="4696686"/>
+            <a:ext cx="0" cy="574713"/>
+          </a:xfrm>
+          <a:prstGeom prst="straightConnector1">
+            <a:avLst/>
+          </a:prstGeom>
+          <a:ln>
+            <a:tailEnd type="triangle"/>
+          </a:ln>
+        </p:spPr>
+        <p:style>
+          <a:lnRef idx="3">
+            <a:schemeClr val="accent1"/>
+          </a:lnRef>
+          <a:fillRef idx="0">
+            <a:schemeClr val="accent1"/>
+          </a:fillRef>
+          <a:effectRef idx="2">
+            <a:schemeClr val="accent1"/>
+          </a:effectRef>
+          <a:fontRef idx="minor">
+            <a:schemeClr val="tx1"/>
+          </a:fontRef>
+        </p:style>
+      </p:cxnSp>
+      <p:sp>
+        <p:nvSpPr>
+          <p:cNvPr id="15" name="TextBox 14">
+            <a:extLst>
+              <a:ext uri="{FF2B5EF4-FFF2-40B4-BE49-F238E27FC236}">
+                <a16:creationId xmlns:a16="http://schemas.microsoft.com/office/drawing/2014/main" id="{A4B42AF3-CBFD-4625-85C9-180157CF5079}"/>
+              </a:ext>
+            </a:extLst>
+          </p:cNvPr>
+          <p:cNvSpPr txBox="1"/>
+          <p:nvPr/>
+        </p:nvSpPr>
+        <p:spPr>
+          <a:xfrm>
+            <a:off x="8419547" y="5428625"/>
+            <a:ext cx="1740665" cy="369332"/>
+          </a:xfrm>
+          <a:prstGeom prst="rect">
+            <a:avLst/>
+          </a:prstGeom>
+          <a:noFill/>
+        </p:spPr>
+        <p:txBody>
+          <a:bodyPr wrap="square" rtlCol="0">
+            <a:spAutoFit/>
+          </a:bodyPr>
+          <a:lstStyle/>
+          <a:p>
+            <a:r>
+              <a:rPr lang="en-US" dirty="0"/>
+              <a:t>Command</a:t>
+            </a:r>
+          </a:p>
+        </p:txBody>
+      </p:sp>
+    </p:spTree>
+    <p:extLst>
+      <p:ext uri="{BB962C8B-B14F-4D97-AF65-F5344CB8AC3E}">
+        <p14:creationId xmlns:p14="http://schemas.microsoft.com/office/powerpoint/2010/main" val="2502750349"/>
+      </p:ext>
+    </p:extLst>
+  </p:cSld>
+  <p:clrMapOvr>
+    <a:masterClrMapping/>
+  </p:clrMapOvr>
+</p:sld>
+</file>
+
+<file path=ppt/slides/slide14.xml><?xml version="1.0" encoding="utf-8"?>
+<p:sld xmlns:a="http://schemas.openxmlformats.org/drawingml/2006/main" xmlns:r="http://schemas.openxmlformats.org/officeDocument/2006/relationships" xmlns:p="http://schemas.openxmlformats.org/presentationml/2006/main">
+  <p:cSld>
+    <p:bg>
+      <p:bgPr>
+        <a:blipFill rotWithShape="1">
+          <a:blip r:embed="rId2">
+            <a:duotone>
+              <a:schemeClr val="bg2">
+                <a:shade val="28000"/>
+                <a:satMod val="94000"/>
+                <a:lumMod val="20000"/>
+              </a:schemeClr>
+              <a:schemeClr val="bg2">
+                <a:tint val="94000"/>
+                <a:shade val="84000"/>
+                <a:satMod val="148000"/>
+                <a:lumMod val="114000"/>
+              </a:schemeClr>
+            </a:duotone>
+            <a:extLst/>
+          </a:blip>
+          <a:stretch/>
+        </a:blipFill>
+        <a:effectLst/>
+      </p:bgPr>
+    </p:bg>
     <p:spTree>
       <p:nvGrpSpPr>
         <p:cNvPr id="1" name=""/>
@@ -6179,7 +11320,7 @@
           <p:cNvPr id="2" name="Title 1">
             <a:extLst>
               <a:ext uri="{FF2B5EF4-FFF2-40B4-BE49-F238E27FC236}">
-                <a16:creationId xmlns:a16="http://schemas.microsoft.com/office/drawing/2014/main" id="{21924666-1C06-481E-83BA-8CEF3B4ADB8B}"/>
+                <a16:creationId xmlns:a16="http://schemas.microsoft.com/office/drawing/2014/main" id="{D5582EBC-3E53-4883-91CC-0C232B5DF7D6}"/>
               </a:ext>
             </a:extLst>
           </p:cNvPr>
@@ -6190,47 +11331,60 @@
             <p:ph type="title"/>
           </p:nvPr>
         </p:nvSpPr>
-        <p:spPr/>
-        <p:txBody>
-          <a:bodyPr/>
+        <p:spPr>
+          <a:xfrm>
+            <a:off x="1141413" y="4667693"/>
+            <a:ext cx="9923766" cy="1063256"/>
+          </a:xfrm>
+        </p:spPr>
+        <p:txBody>
+          <a:bodyPr anchor="t">
+            <a:normAutofit/>
+          </a:bodyPr>
           <a:lstStyle/>
           <a:p>
             <a:r>
-              <a:rPr lang="en-US" dirty="0"/>
-              <a:t>Logging - HTTP</a:t>
-            </a:r>
-          </a:p>
-        </p:txBody>
-      </p:sp>
-      <p:sp>
-        <p:nvSpPr>
-          <p:cNvPr id="3" name="Content Placeholder 2">
+              <a:rPr lang="en-US" sz="3600" dirty="0"/>
+              <a:t>Log Directory Structure</a:t>
+            </a:r>
+          </a:p>
+        </p:txBody>
+      </p:sp>
+      <p:graphicFrame>
+        <p:nvGraphicFramePr>
+          <p:cNvPr id="5" name="Content Placeholder 4">
             <a:extLst>
               <a:ext uri="{FF2B5EF4-FFF2-40B4-BE49-F238E27FC236}">
-                <a16:creationId xmlns:a16="http://schemas.microsoft.com/office/drawing/2014/main" id="{816FDB8A-3F89-46E8-AC7D-4B25B090FFEB}"/>
+                <a16:creationId xmlns:a16="http://schemas.microsoft.com/office/drawing/2014/main" id="{EE9197B9-9C29-46ED-AACB-BC58A52A5DD0}"/>
               </a:ext>
             </a:extLst>
           </p:cNvPr>
-          <p:cNvSpPr>
-            <a:spLocks noGrp="1"/>
-          </p:cNvSpPr>
+          <p:cNvGraphicFramePr>
+            <a:graphicFrameLocks noGrp="1"/>
+          </p:cNvGraphicFramePr>
           <p:nvPr>
             <p:ph idx="1"/>
+            <p:extLst>
+              <p:ext uri="{D42A27DB-BD31-4B8C-83A1-F6EECF244321}">
+                <p14:modId xmlns:p14="http://schemas.microsoft.com/office/powerpoint/2010/main" val="1097123005"/>
+              </p:ext>
+            </p:extLst>
           </p:nvPr>
-        </p:nvSpPr>
-        <p:spPr/>
-        <p:txBody>
-          <a:bodyPr/>
-          <a:lstStyle/>
-          <a:p>
-            <a:endParaRPr lang="en-US"/>
-          </a:p>
-        </p:txBody>
-      </p:sp>
+        </p:nvGraphicFramePr>
+        <p:xfrm>
+          <a:off x="1134117" y="1007918"/>
+          <a:ext cx="9923767" cy="3190009"/>
+        </p:xfrm>
+        <a:graphic>
+          <a:graphicData uri="http://schemas.openxmlformats.org/drawingml/2006/diagram">
+            <dgm:relIds xmlns:dgm="http://schemas.openxmlformats.org/drawingml/2006/diagram" xmlns:r="http://schemas.openxmlformats.org/officeDocument/2006/relationships" r:dm="rId3" r:lo="rId4" r:qs="rId5" r:cs="rId6"/>
+          </a:graphicData>
+        </a:graphic>
+      </p:graphicFrame>
     </p:spTree>
     <p:extLst>
       <p:ext uri="{BB962C8B-B14F-4D97-AF65-F5344CB8AC3E}">
-        <p14:creationId xmlns:p14="http://schemas.microsoft.com/office/powerpoint/2010/main" val="1316513644"/>
+        <p14:creationId xmlns:p14="http://schemas.microsoft.com/office/powerpoint/2010/main" val="819338817"/>
       </p:ext>
     </p:extLst>
   </p:cSld>
@@ -6240,7 +11394,7 @@
 </p:sld>
 </file>
 
-<file path=ppt/slides/slide14.xml><?xml version="1.0" encoding="utf-8"?>
+<file path=ppt/slides/slide15.xml><?xml version="1.0" encoding="utf-8"?>
 <p:sld xmlns:a="http://schemas.openxmlformats.org/drawingml/2006/main" xmlns:r="http://schemas.openxmlformats.org/officeDocument/2006/relationships" xmlns:p="http://schemas.openxmlformats.org/presentationml/2006/main">
   <p:cSld>
     <p:spTree>
@@ -6262,6 +11416,404 @@
           <p:cNvPr id="2" name="Title 1">
             <a:extLst>
               <a:ext uri="{FF2B5EF4-FFF2-40B4-BE49-F238E27FC236}">
+                <a16:creationId xmlns:a16="http://schemas.microsoft.com/office/drawing/2014/main" id="{879D11D4-E7DE-4505-9361-1C193D246B28}"/>
+              </a:ext>
+            </a:extLst>
+          </p:cNvPr>
+          <p:cNvSpPr>
+            <a:spLocks noGrp="1"/>
+          </p:cNvSpPr>
+          <p:nvPr>
+            <p:ph type="title"/>
+          </p:nvPr>
+        </p:nvSpPr>
+        <p:spPr/>
+        <p:txBody>
+          <a:bodyPr/>
+          <a:lstStyle/>
+          <a:p>
+            <a:r>
+              <a:rPr lang="en-US" dirty="0"/>
+              <a:t>Logging</a:t>
+            </a:r>
+          </a:p>
+        </p:txBody>
+      </p:sp>
+      <p:sp>
+        <p:nvSpPr>
+          <p:cNvPr id="3" name="Content Placeholder 2">
+            <a:extLst>
+              <a:ext uri="{FF2B5EF4-FFF2-40B4-BE49-F238E27FC236}">
+                <a16:creationId xmlns:a16="http://schemas.microsoft.com/office/drawing/2014/main" id="{8B77DC29-95A1-45F2-9D07-C51B6A42A1FF}"/>
+              </a:ext>
+            </a:extLst>
+          </p:cNvPr>
+          <p:cNvSpPr>
+            <a:spLocks noGrp="1"/>
+          </p:cNvSpPr>
+          <p:nvPr>
+            <p:ph idx="1"/>
+          </p:nvPr>
+        </p:nvSpPr>
+        <p:spPr/>
+        <p:txBody>
+          <a:bodyPr>
+            <a:normAutofit fontScale="92500" lnSpcReduction="20000"/>
+          </a:bodyPr>
+          <a:lstStyle/>
+          <a:p>
+            <a:r>
+              <a:rPr lang="en-US" dirty="0"/>
+              <a:t>Generated Files</a:t>
+            </a:r>
+          </a:p>
+          <a:p>
+            <a:pPr lvl="1"/>
+            <a:r>
+              <a:rPr lang="en-US" dirty="0"/>
+              <a:t>Master log</a:t>
+            </a:r>
+          </a:p>
+          <a:p>
+            <a:pPr lvl="1"/>
+            <a:r>
+              <a:rPr lang="en-US" dirty="0"/>
+              <a:t>One log per test class</a:t>
+            </a:r>
+          </a:p>
+          <a:p>
+            <a:r>
+              <a:rPr lang="en-US" dirty="0"/>
+              <a:t>Primary Log Entries</a:t>
+            </a:r>
+          </a:p>
+          <a:p>
+            <a:pPr lvl="1"/>
+            <a:r>
+              <a:rPr lang="en-US" dirty="0"/>
+              <a:t>Test Fixture Headers</a:t>
+            </a:r>
+          </a:p>
+          <a:p>
+            <a:pPr lvl="1"/>
+            <a:r>
+              <a:rPr lang="en-US" dirty="0"/>
+              <a:t>HTTP requests</a:t>
+            </a:r>
+          </a:p>
+          <a:p>
+            <a:pPr lvl="1"/>
+            <a:r>
+              <a:rPr lang="en-US" dirty="0"/>
+              <a:t>SSH connections</a:t>
+            </a:r>
+          </a:p>
+          <a:p>
+            <a:pPr lvl="1"/>
+            <a:r>
+              <a:rPr lang="en-US" dirty="0"/>
+              <a:t>Configuration Notifications</a:t>
+            </a:r>
+          </a:p>
+          <a:p>
+            <a:pPr lvl="2"/>
+            <a:r>
+              <a:rPr lang="en-US" dirty="0"/>
+              <a:t>Not all errors are impactful, just informative</a:t>
+            </a:r>
+          </a:p>
+        </p:txBody>
+      </p:sp>
+    </p:spTree>
+    <p:extLst>
+      <p:ext uri="{BB962C8B-B14F-4D97-AF65-F5344CB8AC3E}">
+        <p14:creationId xmlns:p14="http://schemas.microsoft.com/office/powerpoint/2010/main" val="2594736892"/>
+      </p:ext>
+    </p:extLst>
+  </p:cSld>
+  <p:clrMapOvr>
+    <a:masterClrMapping/>
+  </p:clrMapOvr>
+</p:sld>
+</file>
+
+<file path=ppt/slides/slide16.xml><?xml version="1.0" encoding="utf-8"?>
+<p:sld xmlns:a="http://schemas.openxmlformats.org/drawingml/2006/main" xmlns:r="http://schemas.openxmlformats.org/officeDocument/2006/relationships" xmlns:p="http://schemas.openxmlformats.org/presentationml/2006/main">
+  <p:cSld>
+    <p:bg>
+      <p:bgPr>
+        <a:blipFill rotWithShape="1">
+          <a:blip r:embed="rId2">
+            <a:duotone>
+              <a:schemeClr val="bg2">
+                <a:shade val="28000"/>
+                <a:satMod val="94000"/>
+                <a:lumMod val="20000"/>
+              </a:schemeClr>
+              <a:schemeClr val="bg2">
+                <a:tint val="94000"/>
+                <a:shade val="84000"/>
+                <a:satMod val="148000"/>
+                <a:lumMod val="114000"/>
+              </a:schemeClr>
+            </a:duotone>
+            <a:extLst/>
+          </a:blip>
+          <a:stretch/>
+        </a:blipFill>
+        <a:effectLst/>
+      </p:bgPr>
+    </p:bg>
+    <p:spTree>
+      <p:nvGrpSpPr>
+        <p:cNvPr id="1" name=""/>
+        <p:cNvGrpSpPr/>
+        <p:nvPr/>
+      </p:nvGrpSpPr>
+      <p:grpSpPr>
+        <a:xfrm>
+          <a:off x="0" y="0"/>
+          <a:ext cx="0" cy="0"/>
+          <a:chOff x="0" y="0"/>
+          <a:chExt cx="0" cy="0"/>
+        </a:xfrm>
+      </p:grpSpPr>
+      <p:pic>
+        <p:nvPicPr>
+          <p:cNvPr id="5" name="Content Placeholder 4" descr="A screenshot of a computer&#10;&#10;Description generated with very high confidence">
+            <a:extLst>
+              <a:ext uri="{FF2B5EF4-FFF2-40B4-BE49-F238E27FC236}">
+                <a16:creationId xmlns:a16="http://schemas.microsoft.com/office/drawing/2014/main" id="{947E3E77-993D-474B-B9E7-521083C8C98D}"/>
+              </a:ext>
+            </a:extLst>
+          </p:cNvPr>
+          <p:cNvPicPr>
+            <a:picLocks noGrp="1" noChangeAspect="1"/>
+          </p:cNvPicPr>
+          <p:nvPr>
+            <p:ph idx="1"/>
+          </p:nvPr>
+        </p:nvPicPr>
+        <p:blipFill>
+          <a:blip r:embed="rId3">
+            <a:extLst>
+              <a:ext uri="{28A0092B-C50C-407E-A947-70E740481C1C}">
+                <a14:useLocalDpi xmlns:a14="http://schemas.microsoft.com/office/drawing/2010/main" val="0"/>
+              </a:ext>
+            </a:extLst>
+          </a:blip>
+          <a:stretch>
+            <a:fillRect/>
+          </a:stretch>
+        </p:blipFill>
+        <p:spPr>
+          <a:xfrm>
+            <a:off x="1167095" y="591094"/>
+            <a:ext cx="9844055" cy="4454434"/>
+          </a:xfrm>
+          <a:prstGeom prst="roundRect">
+            <a:avLst>
+              <a:gd name="adj" fmla="val 3517"/>
+            </a:avLst>
+          </a:prstGeom>
+          <a:ln w="38100">
+            <a:gradFill flip="none" rotWithShape="1">
+              <a:gsLst>
+                <a:gs pos="0">
+                  <a:srgbClr val="363D46"/>
+                </a:gs>
+                <a:gs pos="100000">
+                  <a:srgbClr val="363D46">
+                    <a:lumMod val="75000"/>
+                  </a:srgbClr>
+                </a:gs>
+              </a:gsLst>
+              <a:lin ang="5400000" scaled="0"/>
+              <a:tileRect/>
+            </a:gradFill>
+          </a:ln>
+          <a:effectLst>
+            <a:innerShdw blurRad="57150" dist="38100" dir="14460000">
+              <a:srgbClr val="000000">
+                <a:alpha val="70000"/>
+              </a:srgbClr>
+            </a:innerShdw>
+          </a:effectLst>
+        </p:spPr>
+      </p:pic>
+      <p:sp>
+        <p:nvSpPr>
+          <p:cNvPr id="2" name="Title 1">
+            <a:extLst>
+              <a:ext uri="{FF2B5EF4-FFF2-40B4-BE49-F238E27FC236}">
+                <a16:creationId xmlns:a16="http://schemas.microsoft.com/office/drawing/2014/main" id="{21924666-1C06-481E-83BA-8CEF3B4ADB8B}"/>
+              </a:ext>
+            </a:extLst>
+          </p:cNvPr>
+          <p:cNvSpPr>
+            <a:spLocks noGrp="1"/>
+          </p:cNvSpPr>
+          <p:nvPr>
+            <p:ph type="title"/>
+          </p:nvPr>
+        </p:nvSpPr>
+        <p:spPr>
+          <a:xfrm>
+            <a:off x="1757889" y="5200105"/>
+            <a:ext cx="8676222" cy="1066801"/>
+          </a:xfrm>
+        </p:spPr>
+        <p:txBody>
+          <a:bodyPr vert="horz" lIns="91440" tIns="45720" rIns="91440" bIns="45720" rtlCol="0" anchor="b">
+            <a:normAutofit/>
+          </a:bodyPr>
+          <a:lstStyle/>
+          <a:p>
+            <a:pPr algn="ctr"/>
+            <a:r>
+              <a:rPr lang="en-US" sz="4800" dirty="0">
+                <a:effectLst>
+                  <a:glow rad="38100">
+                    <a:schemeClr val="bg1">
+                      <a:lumMod val="65000"/>
+                      <a:lumOff val="35000"/>
+                      <a:alpha val="50000"/>
+                    </a:schemeClr>
+                  </a:glow>
+                  <a:outerShdw blurRad="28575" dist="31750" dir="13200000" algn="tl" rotWithShape="0">
+                    <a:srgbClr val="000000">
+                      <a:alpha val="25000"/>
+                    </a:srgbClr>
+                  </a:outerShdw>
+                </a:effectLst>
+              </a:rPr>
+              <a:t>HTTP Logging Example</a:t>
+            </a:r>
+          </a:p>
+        </p:txBody>
+      </p:sp>
+    </p:spTree>
+    <p:extLst>
+      <p:ext uri="{BB962C8B-B14F-4D97-AF65-F5344CB8AC3E}">
+        <p14:creationId xmlns:p14="http://schemas.microsoft.com/office/powerpoint/2010/main" val="1316513644"/>
+      </p:ext>
+    </p:extLst>
+  </p:cSld>
+  <p:clrMapOvr>
+    <a:masterClrMapping/>
+  </p:clrMapOvr>
+</p:sld>
+</file>
+
+<file path=ppt/slides/slide17.xml><?xml version="1.0" encoding="utf-8"?>
+<p:sld xmlns:a="http://schemas.openxmlformats.org/drawingml/2006/main" xmlns:r="http://schemas.openxmlformats.org/officeDocument/2006/relationships" xmlns:p="http://schemas.openxmlformats.org/presentationml/2006/main">
+  <p:cSld>
+    <p:bg>
+      <p:bgPr>
+        <a:blipFill rotWithShape="1">
+          <a:blip r:embed="rId2">
+            <a:duotone>
+              <a:schemeClr val="bg2">
+                <a:shade val="28000"/>
+                <a:satMod val="94000"/>
+                <a:lumMod val="20000"/>
+              </a:schemeClr>
+              <a:schemeClr val="bg2">
+                <a:tint val="94000"/>
+                <a:shade val="84000"/>
+                <a:satMod val="148000"/>
+                <a:lumMod val="114000"/>
+              </a:schemeClr>
+            </a:duotone>
+            <a:extLst/>
+          </a:blip>
+          <a:stretch/>
+        </a:blipFill>
+        <a:effectLst/>
+      </p:bgPr>
+    </p:bg>
+    <p:spTree>
+      <p:nvGrpSpPr>
+        <p:cNvPr id="1" name=""/>
+        <p:cNvGrpSpPr/>
+        <p:nvPr/>
+      </p:nvGrpSpPr>
+      <p:grpSpPr>
+        <a:xfrm>
+          <a:off x="0" y="0"/>
+          <a:ext cx="0" cy="0"/>
+          <a:chOff x="0" y="0"/>
+          <a:chExt cx="0" cy="0"/>
+        </a:xfrm>
+      </p:grpSpPr>
+      <p:pic>
+        <p:nvPicPr>
+          <p:cNvPr id="5" name="Content Placeholder 4" descr="A screen shot of a computer&#10;&#10;Description generated with high confidence">
+            <a:extLst>
+              <a:ext uri="{FF2B5EF4-FFF2-40B4-BE49-F238E27FC236}">
+                <a16:creationId xmlns:a16="http://schemas.microsoft.com/office/drawing/2014/main" id="{FC89FD09-1418-463C-98A3-E408451E12C7}"/>
+              </a:ext>
+            </a:extLst>
+          </p:cNvPr>
+          <p:cNvPicPr>
+            <a:picLocks noGrp="1" noChangeAspect="1"/>
+          </p:cNvPicPr>
+          <p:nvPr>
+            <p:ph idx="1"/>
+          </p:nvPr>
+        </p:nvPicPr>
+        <p:blipFill>
+          <a:blip r:embed="rId3">
+            <a:extLst>
+              <a:ext uri="{28A0092B-C50C-407E-A947-70E740481C1C}">
+                <a14:useLocalDpi xmlns:a14="http://schemas.microsoft.com/office/drawing/2010/main" val="0"/>
+              </a:ext>
+            </a:extLst>
+          </a:blip>
+          <a:stretch>
+            <a:fillRect/>
+          </a:stretch>
+        </p:blipFill>
+        <p:spPr>
+          <a:xfrm>
+            <a:off x="947650" y="2127312"/>
+            <a:ext cx="10284036" cy="1311215"/>
+          </a:xfrm>
+          <a:prstGeom prst="roundRect">
+            <a:avLst>
+              <a:gd name="adj" fmla="val 3517"/>
+            </a:avLst>
+          </a:prstGeom>
+          <a:ln w="38100">
+            <a:gradFill flip="none" rotWithShape="1">
+              <a:gsLst>
+                <a:gs pos="0">
+                  <a:srgbClr val="363D46"/>
+                </a:gs>
+                <a:gs pos="100000">
+                  <a:srgbClr val="363D46">
+                    <a:lumMod val="75000"/>
+                  </a:srgbClr>
+                </a:gs>
+              </a:gsLst>
+              <a:lin ang="5400000" scaled="0"/>
+              <a:tileRect/>
+            </a:gradFill>
+          </a:ln>
+          <a:effectLst>
+            <a:innerShdw blurRad="57150" dist="38100" dir="14460000">
+              <a:srgbClr val="000000">
+                <a:alpha val="70000"/>
+              </a:srgbClr>
+            </a:innerShdw>
+          </a:effectLst>
+        </p:spPr>
+      </p:pic>
+      <p:sp>
+        <p:nvSpPr>
+          <p:cNvPr id="2" name="Title 1">
+            <a:extLst>
+              <a:ext uri="{FF2B5EF4-FFF2-40B4-BE49-F238E27FC236}">
                 <a16:creationId xmlns:a16="http://schemas.microsoft.com/office/drawing/2014/main" id="{B1E02394-57EA-4C8B-89A6-F789ACDB0E54}"/>
               </a:ext>
             </a:extLst>
@@ -6273,45 +11825,38 @@
             <p:ph type="title"/>
           </p:nvPr>
         </p:nvSpPr>
-        <p:spPr/>
-        <p:txBody>
-          <a:bodyPr/>
+        <p:spPr>
+          <a:xfrm>
+            <a:off x="639097" y="3746089"/>
+            <a:ext cx="10874477" cy="1622323"/>
+          </a:xfrm>
+        </p:spPr>
+        <p:txBody>
+          <a:bodyPr vert="horz" lIns="91440" tIns="45720" rIns="91440" bIns="45720" rtlCol="0" anchor="b">
+            <a:normAutofit/>
+          </a:bodyPr>
           <a:lstStyle/>
           <a:p>
-            <a:r>
-              <a:rPr lang="en-US" dirty="0"/>
-              <a:t>Logging – SSH &amp; </a:t>
-            </a:r>
-            <a:r>
-              <a:rPr lang="en-US" dirty="0" err="1"/>
-              <a:t>WinRM</a:t>
-            </a:r>
-            <a:endParaRPr lang="en-US" dirty="0"/>
-          </a:p>
-        </p:txBody>
-      </p:sp>
-      <p:sp>
-        <p:nvSpPr>
-          <p:cNvPr id="3" name="Content Placeholder 2">
-            <a:extLst>
-              <a:ext uri="{FF2B5EF4-FFF2-40B4-BE49-F238E27FC236}">
-                <a16:creationId xmlns:a16="http://schemas.microsoft.com/office/drawing/2014/main" id="{BDCA1291-990E-4601-B6C4-B4756743766E}"/>
-              </a:ext>
-            </a:extLst>
-          </p:cNvPr>
-          <p:cNvSpPr>
-            <a:spLocks noGrp="1"/>
-          </p:cNvSpPr>
-          <p:nvPr>
-            <p:ph idx="1"/>
-          </p:nvPr>
-        </p:nvSpPr>
-        <p:spPr/>
-        <p:txBody>
-          <a:bodyPr/>
-          <a:lstStyle/>
-          <a:p>
-            <a:endParaRPr lang="en-US"/>
+            <a:pPr algn="ctr"/>
+            <a:r>
+              <a:rPr lang="en-US" sz="4800">
+                <a:effectLst>
+                  <a:glow rad="38100">
+                    <a:schemeClr val="bg1">
+                      <a:lumMod val="65000"/>
+                      <a:lumOff val="35000"/>
+                      <a:alpha val="50000"/>
+                    </a:schemeClr>
+                  </a:glow>
+                  <a:outerShdw blurRad="28575" dist="31750" dir="13200000" algn="tl" rotWithShape="0">
+                    <a:srgbClr val="000000">
+                      <a:alpha val="25000"/>
+                    </a:srgbClr>
+                  </a:outerShdw>
+                </a:effectLst>
+              </a:rPr>
+              <a:t>WinRM Logging</a:t>
+            </a:r>
           </a:p>
         </p:txBody>
       </p:sp>
@@ -6328,7 +11873,94 @@
 </p:sld>
 </file>
 
-<file path=ppt/slides/slide15.xml><?xml version="1.0" encoding="utf-8"?>
+<file path=ppt/slides/slide18.xml><?xml version="1.0" encoding="utf-8"?>
+<p:sld xmlns:a="http://schemas.openxmlformats.org/drawingml/2006/main" xmlns:r="http://schemas.openxmlformats.org/officeDocument/2006/relationships" xmlns:p="http://schemas.openxmlformats.org/presentationml/2006/main">
+  <p:cSld>
+    <p:spTree>
+      <p:nvGrpSpPr>
+        <p:cNvPr id="1" name=""/>
+        <p:cNvGrpSpPr/>
+        <p:nvPr/>
+      </p:nvGrpSpPr>
+      <p:grpSpPr>
+        <a:xfrm>
+          <a:off x="0" y="0"/>
+          <a:ext cx="0" cy="0"/>
+          <a:chOff x="0" y="0"/>
+          <a:chExt cx="0" cy="0"/>
+        </a:xfrm>
+      </p:grpSpPr>
+      <p:sp>
+        <p:nvSpPr>
+          <p:cNvPr id="2" name="Title 1">
+            <a:extLst>
+              <a:ext uri="{FF2B5EF4-FFF2-40B4-BE49-F238E27FC236}">
+                <a16:creationId xmlns:a16="http://schemas.microsoft.com/office/drawing/2014/main" id="{A7FE56C5-456C-4FEA-BB86-9AD1D054BFDE}"/>
+              </a:ext>
+            </a:extLst>
+          </p:cNvPr>
+          <p:cNvSpPr>
+            <a:spLocks noGrp="1"/>
+          </p:cNvSpPr>
+          <p:nvPr>
+            <p:ph type="title"/>
+          </p:nvPr>
+        </p:nvSpPr>
+        <p:spPr/>
+        <p:txBody>
+          <a:bodyPr/>
+          <a:lstStyle/>
+          <a:p>
+            <a:r>
+              <a:rPr lang="en-US" dirty="0" err="1"/>
+              <a:t>Traiging</a:t>
+            </a:r>
+            <a:endParaRPr lang="en-US" dirty="0"/>
+          </a:p>
+        </p:txBody>
+      </p:sp>
+      <p:sp>
+        <p:nvSpPr>
+          <p:cNvPr id="3" name="Content Placeholder 2">
+            <a:extLst>
+              <a:ext uri="{FF2B5EF4-FFF2-40B4-BE49-F238E27FC236}">
+                <a16:creationId xmlns:a16="http://schemas.microsoft.com/office/drawing/2014/main" id="{B14786C0-061D-4CE6-8A38-1E986251B6B5}"/>
+              </a:ext>
+            </a:extLst>
+          </p:cNvPr>
+          <p:cNvSpPr>
+            <a:spLocks noGrp="1"/>
+          </p:cNvSpPr>
+          <p:nvPr>
+            <p:ph idx="1"/>
+          </p:nvPr>
+        </p:nvSpPr>
+        <p:spPr/>
+        <p:txBody>
+          <a:bodyPr/>
+          <a:lstStyle/>
+          <a:p>
+            <a:r>
+              <a:rPr lang="en-US" dirty="0"/>
+              <a:t>Tail log files for long running jobs when you think something has gone wrong</a:t>
+            </a:r>
+          </a:p>
+        </p:txBody>
+      </p:sp>
+    </p:spTree>
+    <p:extLst>
+      <p:ext uri="{BB962C8B-B14F-4D97-AF65-F5344CB8AC3E}">
+        <p14:creationId xmlns:p14="http://schemas.microsoft.com/office/powerpoint/2010/main" val="3396853983"/>
+      </p:ext>
+    </p:extLst>
+  </p:cSld>
+  <p:clrMapOvr>
+    <a:masterClrMapping/>
+  </p:clrMapOvr>
+</p:sld>
+</file>
+
+<file path=ppt/slides/slide19.xml><?xml version="1.0" encoding="utf-8"?>
 <p:sld xmlns:a="http://schemas.openxmlformats.org/drawingml/2006/main" xmlns:r="http://schemas.openxmlformats.org/officeDocument/2006/relationships" xmlns:p="http://schemas.openxmlformats.org/presentationml/2006/main">
   <p:cSld>
     <p:spTree>
@@ -7016,8 +12648,8 @@
         </p:blipFill>
         <p:spPr>
           <a:xfrm>
-            <a:off x="6574024" y="645106"/>
-            <a:ext cx="3030573" cy="5247747"/>
+            <a:off x="6860463" y="609600"/>
+            <a:ext cx="3484376" cy="6033553"/>
           </a:xfrm>
           <a:prstGeom prst="roundRect">
             <a:avLst>
@@ -7147,6 +12779,30 @@
 <file path=ppt/slides/slide5.xml><?xml version="1.0" encoding="utf-8"?>
 <p:sld xmlns:a="http://schemas.openxmlformats.org/drawingml/2006/main" xmlns:r="http://schemas.openxmlformats.org/officeDocument/2006/relationships" xmlns:p="http://schemas.openxmlformats.org/presentationml/2006/main">
   <p:cSld>
+    <p:bg>
+      <p:bgPr>
+        <a:blipFill rotWithShape="1">
+          <a:blip r:embed="rId2">
+            <a:duotone>
+              <a:schemeClr val="bg2">
+                <a:shade val="28000"/>
+                <a:satMod val="94000"/>
+                <a:lumMod val="20000"/>
+              </a:schemeClr>
+              <a:schemeClr val="bg2">
+                <a:tint val="94000"/>
+                <a:shade val="84000"/>
+                <a:satMod val="148000"/>
+                <a:lumMod val="114000"/>
+              </a:schemeClr>
+            </a:duotone>
+            <a:extLst/>
+          </a:blip>
+          <a:stretch/>
+        </a:blipFill>
+        <a:effectLst/>
+      </p:bgPr>
+    </p:bg>
     <p:spTree>
       <p:nvGrpSpPr>
         <p:cNvPr id="1" name=""/>
@@ -7161,6 +12817,67 @@
           <a:chExt cx="0" cy="0"/>
         </a:xfrm>
       </p:grpSpPr>
+      <p:pic>
+        <p:nvPicPr>
+          <p:cNvPr id="5" name="Picture 4" descr="A screenshot of a cell phone&#10;&#10;Description generated with very high confidence">
+            <a:extLst>
+              <a:ext uri="{FF2B5EF4-FFF2-40B4-BE49-F238E27FC236}">
+                <a16:creationId xmlns:a16="http://schemas.microsoft.com/office/drawing/2014/main" id="{D10CA422-8C75-479C-830C-04DA837757BF}"/>
+              </a:ext>
+            </a:extLst>
+          </p:cNvPr>
+          <p:cNvPicPr>
+            <a:picLocks noChangeAspect="1"/>
+          </p:cNvPicPr>
+          <p:nvPr/>
+        </p:nvPicPr>
+        <p:blipFill>
+          <a:blip r:embed="rId3">
+            <a:extLst>
+              <a:ext uri="{28A0092B-C50C-407E-A947-70E740481C1C}">
+                <a14:useLocalDpi xmlns:a14="http://schemas.microsoft.com/office/drawing/2010/main" val="0"/>
+              </a:ext>
+            </a:extLst>
+          </a:blip>
+          <a:stretch>
+            <a:fillRect/>
+          </a:stretch>
+        </p:blipFill>
+        <p:spPr>
+          <a:xfrm>
+            <a:off x="643192" y="686271"/>
+            <a:ext cx="5451627" cy="5165416"/>
+          </a:xfrm>
+          <a:prstGeom prst="roundRect">
+            <a:avLst>
+              <a:gd name="adj" fmla="val 3517"/>
+            </a:avLst>
+          </a:prstGeom>
+          <a:ln w="38100">
+            <a:gradFill flip="none" rotWithShape="1">
+              <a:gsLst>
+                <a:gs pos="0">
+                  <a:srgbClr val="363D46"/>
+                </a:gs>
+                <a:gs pos="100000">
+                  <a:srgbClr val="363D46">
+                    <a:lumMod val="75000"/>
+                  </a:srgbClr>
+                </a:gs>
+              </a:gsLst>
+              <a:lin ang="5400000" scaled="0"/>
+              <a:tileRect/>
+            </a:gradFill>
+          </a:ln>
+          <a:effectLst>
+            <a:innerShdw blurRad="57150" dist="38100" dir="14460000">
+              <a:srgbClr val="000000">
+                <a:alpha val="70000"/>
+              </a:srgbClr>
+            </a:innerShdw>
+          </a:effectLst>
+        </p:spPr>
+      </p:pic>
       <p:sp>
         <p:nvSpPr>
           <p:cNvPr id="2" name="Title 1">
@@ -7177,19 +12894,23 @@
             <p:ph type="title"/>
           </p:nvPr>
         </p:nvSpPr>
-        <p:spPr/>
-        <p:txBody>
-          <a:bodyPr/>
+        <p:spPr>
+          <a:xfrm>
+            <a:off x="6420465" y="609600"/>
+            <a:ext cx="5122606" cy="1905000"/>
+          </a:xfrm>
+        </p:spPr>
+        <p:txBody>
+          <a:bodyPr>
+            <a:normAutofit/>
+          </a:bodyPr>
           <a:lstStyle/>
           <a:p>
             <a:r>
-              <a:rPr lang="en-US" dirty="0" err="1"/>
-              <a:t>Unittest</a:t>
-            </a:r>
-            <a:r>
-              <a:rPr lang="en-US" dirty="0"/>
-              <a:t> Assertions</a:t>
-            </a:r>
+              <a:rPr lang="en-US"/>
+              <a:t>Unittest Assertions</a:t>
+            </a:r>
+            <a:endParaRPr lang="en-US" dirty="0"/>
           </a:p>
         </p:txBody>
       </p:sp>
@@ -7209,33 +12930,56 @@
             <p:ph idx="1"/>
           </p:nvPr>
         </p:nvSpPr>
-        <p:spPr/>
-        <p:txBody>
-          <a:bodyPr/>
+        <p:spPr>
+          <a:xfrm>
+            <a:off x="6420465" y="2666999"/>
+            <a:ext cx="5122606" cy="3216276"/>
+          </a:xfrm>
+        </p:spPr>
+        <p:txBody>
+          <a:bodyPr anchor="t">
+            <a:normAutofit/>
+          </a:bodyPr>
           <a:lstStyle/>
           <a:p>
-            <a:r>
-              <a:rPr lang="en-US" dirty="0"/>
-              <a:t>Extensive list in Python docs</a:t>
-            </a:r>
-          </a:p>
-          <a:p>
-            <a:r>
-              <a:rPr lang="en-US" dirty="0"/>
-              <a:t>All assertions optionally take a message parameter</a:t>
-            </a:r>
-          </a:p>
-          <a:p>
-            <a:pPr lvl="1"/>
-            <a:r>
-              <a:rPr lang="en-US" dirty="0"/>
-              <a:t>This is often used to provide more detail about what a test failure means (two items not being equal may not be sufficient context to understand </a:t>
-            </a:r>
+            <a:pPr>
+              <a:lnSpc>
+                <a:spcPct val="90000"/>
+              </a:lnSpc>
+            </a:pPr>
             <a:r>
               <a:rPr lang="en-US"/>
-              <a:t>what happened)</a:t>
-            </a:r>
-            <a:endParaRPr lang="en-US" dirty="0"/>
+              <a:t>Extensive list at </a:t>
+            </a:r>
+            <a:r>
+              <a:rPr lang="en-US">
+                <a:hlinkClick r:id="rId4"/>
+              </a:rPr>
+              <a:t>https://docs.python.org/2/library/unittest.html#assert-methods</a:t>
+            </a:r>
+            <a:endParaRPr lang="en-US"/>
+          </a:p>
+          <a:p>
+            <a:pPr>
+              <a:lnSpc>
+                <a:spcPct val="90000"/>
+              </a:lnSpc>
+            </a:pPr>
+            <a:r>
+              <a:rPr lang="en-US"/>
+              <a:t>Most optionally take a message parameter</a:t>
+            </a:r>
+          </a:p>
+          <a:p>
+            <a:pPr lvl="1">
+              <a:lnSpc>
+                <a:spcPct val="90000"/>
+              </a:lnSpc>
+            </a:pPr>
+            <a:r>
+              <a:rPr lang="en-US"/>
+              <a:t>This is often used to provide more detail about what a test failure means (two items not being equal may not be sufficient context to understand what happened)</a:t>
+            </a:r>
           </a:p>
         </p:txBody>
       </p:sp>
@@ -7872,7 +13616,10 @@
           <a:bodyPr/>
           <a:lstStyle/>
           <a:p>
-            <a:endParaRPr lang="en-US"/>
+            <a:r>
+              <a:rPr lang="en-US" dirty="0"/>
+              <a:t>Review – OpenCafe Conventions</a:t>
+            </a:r>
           </a:p>
         </p:txBody>
       </p:sp>
@@ -7897,10 +13644,7 @@
           <a:bodyPr/>
           <a:lstStyle/>
           <a:p>
-            <a:r>
-              <a:rPr lang="en-US"/>
-              <a:t>Show conventions damn it</a:t>
-            </a:r>
+            <a:endParaRPr lang="en-US" dirty="0"/>
           </a:p>
         </p:txBody>
       </p:sp>

--- a/OpenCafeTraining-Part2.pptx
+++ b/OpenCafeTraining-Part2.pptx
@@ -20766,6 +20766,30 @@
 <file path=ppt/slides/slide12.xml><?xml version="1.0" encoding="utf-8"?>
 <p:sld xmlns:a="http://schemas.openxmlformats.org/drawingml/2006/main" xmlns:r="http://schemas.openxmlformats.org/officeDocument/2006/relationships" xmlns:p="http://schemas.openxmlformats.org/presentationml/2006/main">
   <p:cSld>
+    <p:bg>
+      <p:bgPr>
+        <a:blipFill rotWithShape="1">
+          <a:blip r:embed="rId2">
+            <a:duotone>
+              <a:schemeClr val="bg2">
+                <a:shade val="28000"/>
+                <a:satMod val="94000"/>
+                <a:lumMod val="20000"/>
+              </a:schemeClr>
+              <a:schemeClr val="bg2">
+                <a:tint val="94000"/>
+                <a:shade val="84000"/>
+                <a:satMod val="148000"/>
+                <a:lumMod val="114000"/>
+              </a:schemeClr>
+            </a:duotone>
+            <a:extLst/>
+          </a:blip>
+          <a:stretch/>
+        </a:blipFill>
+        <a:effectLst/>
+      </p:bgPr>
+    </p:bg>
     <p:spTree>
       <p:nvGrpSpPr>
         <p:cNvPr id="1" name=""/>
@@ -20780,6 +20804,574 @@
           <a:chExt cx="0" cy="0"/>
         </a:xfrm>
       </p:grpSpPr>
+      <p:sp>
+        <p:nvSpPr>
+          <p:cNvPr id="8" name="Rectangle 7">
+            <a:extLst>
+              <a:ext uri="{FF2B5EF4-FFF2-40B4-BE49-F238E27FC236}">
+                <a16:creationId xmlns:a16="http://schemas.microsoft.com/office/drawing/2014/main" id="{5690F3EE-0CD1-4520-B020-4E1DF3141C74}"/>
+              </a:ext>
+            </a:extLst>
+          </p:cNvPr>
+          <p:cNvSpPr>
+            <a:spLocks noGrp="1" noRot="1" noChangeAspect="1" noMove="1" noResize="1" noEditPoints="1" noAdjustHandles="1" noChangeArrowheads="1" noChangeShapeType="1" noTextEdit="1"/>
+          </p:cNvSpPr>
+          <p:nvPr>
+            <p:extLst>
+              <p:ext uri="{386F3935-93C4-4BCD-93E2-E3B085C9AB24}">
+                <p16:designElem xmlns:p16="http://schemas.microsoft.com/office/powerpoint/2015/main" val="1"/>
+              </p:ext>
+            </p:extLst>
+          </p:nvPr>
+        </p:nvSpPr>
+        <p:spPr>
+          <a:xfrm>
+            <a:off x="0" y="-1"/>
+            <a:ext cx="12192000" cy="6858001"/>
+          </a:xfrm>
+          <a:prstGeom prst="rect">
+            <a:avLst/>
+          </a:prstGeom>
+          <a:solidFill>
+            <a:schemeClr val="bg2"/>
+          </a:solidFill>
+          <a:ln>
+            <a:noFill/>
+          </a:ln>
+        </p:spPr>
+        <p:style>
+          <a:lnRef idx="2">
+            <a:schemeClr val="accent1">
+              <a:shade val="50000"/>
+            </a:schemeClr>
+          </a:lnRef>
+          <a:fillRef idx="1">
+            <a:schemeClr val="accent1"/>
+          </a:fillRef>
+          <a:effectRef idx="0">
+            <a:schemeClr val="accent1"/>
+          </a:effectRef>
+          <a:fontRef idx="minor">
+            <a:schemeClr val="lt1"/>
+          </a:fontRef>
+        </p:style>
+        <p:txBody>
+          <a:bodyPr rtlCol="0" anchor="ctr"/>
+          <a:lstStyle/>
+          <a:p>
+            <a:pPr algn="ctr"/>
+            <a:endParaRPr lang="en-US"/>
+          </a:p>
+        </p:txBody>
+      </p:sp>
+      <p:sp useBgFill="1">
+        <p:nvSpPr>
+          <p:cNvPr id="10" name="Freeform: Shape 9">
+            <a:extLst>
+              <a:ext uri="{FF2B5EF4-FFF2-40B4-BE49-F238E27FC236}">
+                <a16:creationId xmlns:a16="http://schemas.microsoft.com/office/drawing/2014/main" id="{9EFDE1E9-7FE0-45CA-9DE2-237F77319A9F}"/>
+              </a:ext>
+            </a:extLst>
+          </p:cNvPr>
+          <p:cNvSpPr>
+            <a:spLocks noGrp="1" noRot="1" noChangeAspect="1" noMove="1" noResize="1" noEditPoints="1" noAdjustHandles="1" noChangeArrowheads="1" noChangeShapeType="1" noTextEdit="1"/>
+          </p:cNvSpPr>
+          <p:nvPr>
+            <p:extLst>
+              <p:ext uri="{386F3935-93C4-4BCD-93E2-E3B085C9AB24}">
+                <p16:designElem xmlns:p16="http://schemas.microsoft.com/office/powerpoint/2015/main" val="1"/>
+              </p:ext>
+            </p:extLst>
+          </p:nvPr>
+        </p:nvSpPr>
+        <p:spPr>
+          <a:xfrm>
+            <a:off x="0" y="-1"/>
+            <a:ext cx="12192000" cy="2270840"/>
+          </a:xfrm>
+          <a:custGeom>
+            <a:avLst/>
+            <a:gdLst>
+              <a:gd name="connsiteX0" fmla="*/ 0 w 12192000"/>
+              <a:gd name="connsiteY0" fmla="*/ 0 h 2270840"/>
+              <a:gd name="connsiteX1" fmla="*/ 12192000 w 12192000"/>
+              <a:gd name="connsiteY1" fmla="*/ 0 h 2270840"/>
+              <a:gd name="connsiteX2" fmla="*/ 12192000 w 12192000"/>
+              <a:gd name="connsiteY2" fmla="*/ 519831 h 2270840"/>
+              <a:gd name="connsiteX3" fmla="*/ 12192000 w 12192000"/>
+              <a:gd name="connsiteY3" fmla="*/ 744794 h 2270840"/>
+              <a:gd name="connsiteX4" fmla="*/ 12192000 w 12192000"/>
+              <a:gd name="connsiteY4" fmla="*/ 1754022 h 2270840"/>
+              <a:gd name="connsiteX5" fmla="*/ 11957522 w 12192000"/>
+              <a:gd name="connsiteY5" fmla="*/ 1797924 h 2270840"/>
+              <a:gd name="connsiteX6" fmla="*/ 11679973 w 12192000"/>
+              <a:gd name="connsiteY6" fmla="*/ 1847668 h 2270840"/>
+              <a:gd name="connsiteX7" fmla="*/ 11401197 w 12192000"/>
+              <a:gd name="connsiteY7" fmla="*/ 1896361 h 2270840"/>
+              <a:gd name="connsiteX8" fmla="*/ 11121192 w 12192000"/>
+              <a:gd name="connsiteY8" fmla="*/ 1938047 h 2270840"/>
+              <a:gd name="connsiteX9" fmla="*/ 10842416 w 12192000"/>
+              <a:gd name="connsiteY9" fmla="*/ 1980084 h 2270840"/>
+              <a:gd name="connsiteX10" fmla="*/ 10562411 w 12192000"/>
+              <a:gd name="connsiteY10" fmla="*/ 2019319 h 2270840"/>
+              <a:gd name="connsiteX11" fmla="*/ 10286091 w 12192000"/>
+              <a:gd name="connsiteY11" fmla="*/ 2052948 h 2270840"/>
+              <a:gd name="connsiteX12" fmla="*/ 10006086 w 12192000"/>
+              <a:gd name="connsiteY12" fmla="*/ 2084826 h 2270840"/>
+              <a:gd name="connsiteX13" fmla="*/ 9727310 w 12192000"/>
+              <a:gd name="connsiteY13" fmla="*/ 2113902 h 2270840"/>
+              <a:gd name="connsiteX14" fmla="*/ 9453445 w 12192000"/>
+              <a:gd name="connsiteY14" fmla="*/ 2139124 h 2270840"/>
+              <a:gd name="connsiteX15" fmla="*/ 9175897 w 12192000"/>
+              <a:gd name="connsiteY15" fmla="*/ 2164346 h 2270840"/>
+              <a:gd name="connsiteX16" fmla="*/ 8902033 w 12192000"/>
+              <a:gd name="connsiteY16" fmla="*/ 2185365 h 2270840"/>
+              <a:gd name="connsiteX17" fmla="*/ 8628169 w 12192000"/>
+              <a:gd name="connsiteY17" fmla="*/ 2201829 h 2270840"/>
+              <a:gd name="connsiteX18" fmla="*/ 8355533 w 12192000"/>
+              <a:gd name="connsiteY18" fmla="*/ 2218995 h 2270840"/>
+              <a:gd name="connsiteX19" fmla="*/ 8085353 w 12192000"/>
+              <a:gd name="connsiteY19" fmla="*/ 2233357 h 2270840"/>
+              <a:gd name="connsiteX20" fmla="*/ 7817629 w 12192000"/>
+              <a:gd name="connsiteY20" fmla="*/ 2243516 h 2270840"/>
+              <a:gd name="connsiteX21" fmla="*/ 7549905 w 12192000"/>
+              <a:gd name="connsiteY21" fmla="*/ 2252274 h 2270840"/>
+              <a:gd name="connsiteX22" fmla="*/ 7284638 w 12192000"/>
+              <a:gd name="connsiteY22" fmla="*/ 2260681 h 2270840"/>
+              <a:gd name="connsiteX23" fmla="*/ 7023055 w 12192000"/>
+              <a:gd name="connsiteY23" fmla="*/ 2264535 h 2270840"/>
+              <a:gd name="connsiteX24" fmla="*/ 6761472 w 12192000"/>
+              <a:gd name="connsiteY24" fmla="*/ 2268738 h 2270840"/>
+              <a:gd name="connsiteX25" fmla="*/ 6503573 w 12192000"/>
+              <a:gd name="connsiteY25" fmla="*/ 2270840 h 2270840"/>
+              <a:gd name="connsiteX26" fmla="*/ 6248130 w 12192000"/>
+              <a:gd name="connsiteY26" fmla="*/ 2268738 h 2270840"/>
+              <a:gd name="connsiteX27" fmla="*/ 5995144 w 12192000"/>
+              <a:gd name="connsiteY27" fmla="*/ 2268738 h 2270840"/>
+              <a:gd name="connsiteX28" fmla="*/ 5744613 w 12192000"/>
+              <a:gd name="connsiteY28" fmla="*/ 2264535 h 2270840"/>
+              <a:gd name="connsiteX29" fmla="*/ 5498995 w 12192000"/>
+              <a:gd name="connsiteY29" fmla="*/ 2258229 h 2270840"/>
+              <a:gd name="connsiteX30" fmla="*/ 5255834 w 12192000"/>
+              <a:gd name="connsiteY30" fmla="*/ 2252274 h 2270840"/>
+              <a:gd name="connsiteX31" fmla="*/ 5017584 w 12192000"/>
+              <a:gd name="connsiteY31" fmla="*/ 2245618 h 2270840"/>
+              <a:gd name="connsiteX32" fmla="*/ 4780562 w 12192000"/>
+              <a:gd name="connsiteY32" fmla="*/ 2235459 h 2270840"/>
+              <a:gd name="connsiteX33" fmla="*/ 4547227 w 12192000"/>
+              <a:gd name="connsiteY33" fmla="*/ 2224599 h 2270840"/>
+              <a:gd name="connsiteX34" fmla="*/ 4318800 w 12192000"/>
+              <a:gd name="connsiteY34" fmla="*/ 2214791 h 2270840"/>
+              <a:gd name="connsiteX35" fmla="*/ 3873004 w 12192000"/>
+              <a:gd name="connsiteY35" fmla="*/ 2187116 h 2270840"/>
+              <a:gd name="connsiteX36" fmla="*/ 3445628 w 12192000"/>
+              <a:gd name="connsiteY36" fmla="*/ 2157691 h 2270840"/>
+              <a:gd name="connsiteX37" fmla="*/ 3035446 w 12192000"/>
+              <a:gd name="connsiteY37" fmla="*/ 2126863 h 2270840"/>
+              <a:gd name="connsiteX38" fmla="*/ 2647370 w 12192000"/>
+              <a:gd name="connsiteY38" fmla="*/ 2092884 h 2270840"/>
+              <a:gd name="connsiteX39" fmla="*/ 2276487 w 12192000"/>
+              <a:gd name="connsiteY39" fmla="*/ 2057502 h 2270840"/>
+              <a:gd name="connsiteX40" fmla="*/ 1932621 w 12192000"/>
+              <a:gd name="connsiteY40" fmla="*/ 2019319 h 2270840"/>
+              <a:gd name="connsiteX41" fmla="*/ 1609634 w 12192000"/>
+              <a:gd name="connsiteY41" fmla="*/ 1981836 h 2270840"/>
+              <a:gd name="connsiteX42" fmla="*/ 1312435 w 12192000"/>
+              <a:gd name="connsiteY42" fmla="*/ 1944353 h 2270840"/>
+              <a:gd name="connsiteX43" fmla="*/ 1039799 w 12192000"/>
+              <a:gd name="connsiteY43" fmla="*/ 1908972 h 2270840"/>
+              <a:gd name="connsiteX44" fmla="*/ 797865 w 12192000"/>
+              <a:gd name="connsiteY44" fmla="*/ 1875342 h 2270840"/>
+              <a:gd name="connsiteX45" fmla="*/ 579265 w 12192000"/>
+              <a:gd name="connsiteY45" fmla="*/ 1843464 h 2270840"/>
+              <a:gd name="connsiteX46" fmla="*/ 395052 w 12192000"/>
+              <a:gd name="connsiteY46" fmla="*/ 1816841 h 2270840"/>
+              <a:gd name="connsiteX47" fmla="*/ 240312 w 12192000"/>
+              <a:gd name="connsiteY47" fmla="*/ 1791618 h 2270840"/>
+              <a:gd name="connsiteX48" fmla="*/ 27853 w 12192000"/>
+              <a:gd name="connsiteY48" fmla="*/ 1755537 h 2270840"/>
+              <a:gd name="connsiteX49" fmla="*/ 0 w 12192000"/>
+              <a:gd name="connsiteY49" fmla="*/ 1750824 h 2270840"/>
+              <a:gd name="connsiteX50" fmla="*/ 0 w 12192000"/>
+              <a:gd name="connsiteY50" fmla="*/ 744794 h 2270840"/>
+              <a:gd name="connsiteX51" fmla="*/ 0 w 12192000"/>
+              <a:gd name="connsiteY51" fmla="*/ 519831 h 2270840"/>
+            </a:gdLst>
+            <a:ahLst/>
+            <a:cxnLst>
+              <a:cxn ang="0">
+                <a:pos x="connsiteX0" y="connsiteY0"/>
+              </a:cxn>
+              <a:cxn ang="0">
+                <a:pos x="connsiteX1" y="connsiteY1"/>
+              </a:cxn>
+              <a:cxn ang="0">
+                <a:pos x="connsiteX2" y="connsiteY2"/>
+              </a:cxn>
+              <a:cxn ang="0">
+                <a:pos x="connsiteX3" y="connsiteY3"/>
+              </a:cxn>
+              <a:cxn ang="0">
+                <a:pos x="connsiteX4" y="connsiteY4"/>
+              </a:cxn>
+              <a:cxn ang="0">
+                <a:pos x="connsiteX5" y="connsiteY5"/>
+              </a:cxn>
+              <a:cxn ang="0">
+                <a:pos x="connsiteX6" y="connsiteY6"/>
+              </a:cxn>
+              <a:cxn ang="0">
+                <a:pos x="connsiteX7" y="connsiteY7"/>
+              </a:cxn>
+              <a:cxn ang="0">
+                <a:pos x="connsiteX8" y="connsiteY8"/>
+              </a:cxn>
+              <a:cxn ang="0">
+                <a:pos x="connsiteX9" y="connsiteY9"/>
+              </a:cxn>
+              <a:cxn ang="0">
+                <a:pos x="connsiteX10" y="connsiteY10"/>
+              </a:cxn>
+              <a:cxn ang="0">
+                <a:pos x="connsiteX11" y="connsiteY11"/>
+              </a:cxn>
+              <a:cxn ang="0">
+                <a:pos x="connsiteX12" y="connsiteY12"/>
+              </a:cxn>
+              <a:cxn ang="0">
+                <a:pos x="connsiteX13" y="connsiteY13"/>
+              </a:cxn>
+              <a:cxn ang="0">
+                <a:pos x="connsiteX14" y="connsiteY14"/>
+              </a:cxn>
+              <a:cxn ang="0">
+                <a:pos x="connsiteX15" y="connsiteY15"/>
+              </a:cxn>
+              <a:cxn ang="0">
+                <a:pos x="connsiteX16" y="connsiteY16"/>
+              </a:cxn>
+              <a:cxn ang="0">
+                <a:pos x="connsiteX17" y="connsiteY17"/>
+              </a:cxn>
+              <a:cxn ang="0">
+                <a:pos x="connsiteX18" y="connsiteY18"/>
+              </a:cxn>
+              <a:cxn ang="0">
+                <a:pos x="connsiteX19" y="connsiteY19"/>
+              </a:cxn>
+              <a:cxn ang="0">
+                <a:pos x="connsiteX20" y="connsiteY20"/>
+              </a:cxn>
+              <a:cxn ang="0">
+                <a:pos x="connsiteX21" y="connsiteY21"/>
+              </a:cxn>
+              <a:cxn ang="0">
+                <a:pos x="connsiteX22" y="connsiteY22"/>
+              </a:cxn>
+              <a:cxn ang="0">
+                <a:pos x="connsiteX23" y="connsiteY23"/>
+              </a:cxn>
+              <a:cxn ang="0">
+                <a:pos x="connsiteX24" y="connsiteY24"/>
+              </a:cxn>
+              <a:cxn ang="0">
+                <a:pos x="connsiteX25" y="connsiteY25"/>
+              </a:cxn>
+              <a:cxn ang="0">
+                <a:pos x="connsiteX26" y="connsiteY26"/>
+              </a:cxn>
+              <a:cxn ang="0">
+                <a:pos x="connsiteX27" y="connsiteY27"/>
+              </a:cxn>
+              <a:cxn ang="0">
+                <a:pos x="connsiteX28" y="connsiteY28"/>
+              </a:cxn>
+              <a:cxn ang="0">
+                <a:pos x="connsiteX29" y="connsiteY29"/>
+              </a:cxn>
+              <a:cxn ang="0">
+                <a:pos x="connsiteX30" y="connsiteY30"/>
+              </a:cxn>
+              <a:cxn ang="0">
+                <a:pos x="connsiteX31" y="connsiteY31"/>
+              </a:cxn>
+              <a:cxn ang="0">
+                <a:pos x="connsiteX32" y="connsiteY32"/>
+              </a:cxn>
+              <a:cxn ang="0">
+                <a:pos x="connsiteX33" y="connsiteY33"/>
+              </a:cxn>
+              <a:cxn ang="0">
+                <a:pos x="connsiteX34" y="connsiteY34"/>
+              </a:cxn>
+              <a:cxn ang="0">
+                <a:pos x="connsiteX35" y="connsiteY35"/>
+              </a:cxn>
+              <a:cxn ang="0">
+                <a:pos x="connsiteX36" y="connsiteY36"/>
+              </a:cxn>
+              <a:cxn ang="0">
+                <a:pos x="connsiteX37" y="connsiteY37"/>
+              </a:cxn>
+              <a:cxn ang="0">
+                <a:pos x="connsiteX38" y="connsiteY38"/>
+              </a:cxn>
+              <a:cxn ang="0">
+                <a:pos x="connsiteX39" y="connsiteY39"/>
+              </a:cxn>
+              <a:cxn ang="0">
+                <a:pos x="connsiteX40" y="connsiteY40"/>
+              </a:cxn>
+              <a:cxn ang="0">
+                <a:pos x="connsiteX41" y="connsiteY41"/>
+              </a:cxn>
+              <a:cxn ang="0">
+                <a:pos x="connsiteX42" y="connsiteY42"/>
+              </a:cxn>
+              <a:cxn ang="0">
+                <a:pos x="connsiteX43" y="connsiteY43"/>
+              </a:cxn>
+              <a:cxn ang="0">
+                <a:pos x="connsiteX44" y="connsiteY44"/>
+              </a:cxn>
+              <a:cxn ang="0">
+                <a:pos x="connsiteX45" y="connsiteY45"/>
+              </a:cxn>
+              <a:cxn ang="0">
+                <a:pos x="connsiteX46" y="connsiteY46"/>
+              </a:cxn>
+              <a:cxn ang="0">
+                <a:pos x="connsiteX47" y="connsiteY47"/>
+              </a:cxn>
+              <a:cxn ang="0">
+                <a:pos x="connsiteX48" y="connsiteY48"/>
+              </a:cxn>
+              <a:cxn ang="0">
+                <a:pos x="connsiteX49" y="connsiteY49"/>
+              </a:cxn>
+              <a:cxn ang="0">
+                <a:pos x="connsiteX50" y="connsiteY50"/>
+              </a:cxn>
+              <a:cxn ang="0">
+                <a:pos x="connsiteX51" y="connsiteY51"/>
+              </a:cxn>
+            </a:cxnLst>
+            <a:rect l="l" t="t" r="r" b="b"/>
+            <a:pathLst>
+              <a:path w="12192000" h="2270840">
+                <a:moveTo>
+                  <a:pt x="0" y="0"/>
+                </a:moveTo>
+                <a:lnTo>
+                  <a:pt x="12192000" y="0"/>
+                </a:lnTo>
+                <a:lnTo>
+                  <a:pt x="12192000" y="519831"/>
+                </a:lnTo>
+                <a:lnTo>
+                  <a:pt x="12192000" y="744794"/>
+                </a:lnTo>
+                <a:lnTo>
+                  <a:pt x="12192000" y="1754022"/>
+                </a:lnTo>
+                <a:lnTo>
+                  <a:pt x="11957522" y="1797924"/>
+                </a:lnTo>
+                <a:lnTo>
+                  <a:pt x="11679973" y="1847668"/>
+                </a:lnTo>
+                <a:lnTo>
+                  <a:pt x="11401197" y="1896361"/>
+                </a:lnTo>
+                <a:lnTo>
+                  <a:pt x="11121192" y="1938047"/>
+                </a:lnTo>
+                <a:lnTo>
+                  <a:pt x="10842416" y="1980084"/>
+                </a:lnTo>
+                <a:lnTo>
+                  <a:pt x="10562411" y="2019319"/>
+                </a:lnTo>
+                <a:lnTo>
+                  <a:pt x="10286091" y="2052948"/>
+                </a:lnTo>
+                <a:lnTo>
+                  <a:pt x="10006086" y="2084826"/>
+                </a:lnTo>
+                <a:lnTo>
+                  <a:pt x="9727310" y="2113902"/>
+                </a:lnTo>
+                <a:lnTo>
+                  <a:pt x="9453445" y="2139124"/>
+                </a:lnTo>
+                <a:lnTo>
+                  <a:pt x="9175897" y="2164346"/>
+                </a:lnTo>
+                <a:lnTo>
+                  <a:pt x="8902033" y="2185365"/>
+                </a:lnTo>
+                <a:lnTo>
+                  <a:pt x="8628169" y="2201829"/>
+                </a:lnTo>
+                <a:lnTo>
+                  <a:pt x="8355533" y="2218995"/>
+                </a:lnTo>
+                <a:lnTo>
+                  <a:pt x="8085353" y="2233357"/>
+                </a:lnTo>
+                <a:lnTo>
+                  <a:pt x="7817629" y="2243516"/>
+                </a:lnTo>
+                <a:lnTo>
+                  <a:pt x="7549905" y="2252274"/>
+                </a:lnTo>
+                <a:lnTo>
+                  <a:pt x="7284638" y="2260681"/>
+                </a:lnTo>
+                <a:lnTo>
+                  <a:pt x="7023055" y="2264535"/>
+                </a:lnTo>
+                <a:lnTo>
+                  <a:pt x="6761472" y="2268738"/>
+                </a:lnTo>
+                <a:lnTo>
+                  <a:pt x="6503573" y="2270840"/>
+                </a:lnTo>
+                <a:lnTo>
+                  <a:pt x="6248130" y="2268738"/>
+                </a:lnTo>
+                <a:lnTo>
+                  <a:pt x="5995144" y="2268738"/>
+                </a:lnTo>
+                <a:lnTo>
+                  <a:pt x="5744613" y="2264535"/>
+                </a:lnTo>
+                <a:lnTo>
+                  <a:pt x="5498995" y="2258229"/>
+                </a:lnTo>
+                <a:lnTo>
+                  <a:pt x="5255834" y="2252274"/>
+                </a:lnTo>
+                <a:lnTo>
+                  <a:pt x="5017584" y="2245618"/>
+                </a:lnTo>
+                <a:lnTo>
+                  <a:pt x="4780562" y="2235459"/>
+                </a:lnTo>
+                <a:lnTo>
+                  <a:pt x="4547227" y="2224599"/>
+                </a:lnTo>
+                <a:lnTo>
+                  <a:pt x="4318800" y="2214791"/>
+                </a:lnTo>
+                <a:lnTo>
+                  <a:pt x="3873004" y="2187116"/>
+                </a:lnTo>
+                <a:lnTo>
+                  <a:pt x="3445628" y="2157691"/>
+                </a:lnTo>
+                <a:lnTo>
+                  <a:pt x="3035446" y="2126863"/>
+                </a:lnTo>
+                <a:lnTo>
+                  <a:pt x="2647370" y="2092884"/>
+                </a:lnTo>
+                <a:lnTo>
+                  <a:pt x="2276487" y="2057502"/>
+                </a:lnTo>
+                <a:lnTo>
+                  <a:pt x="1932621" y="2019319"/>
+                </a:lnTo>
+                <a:lnTo>
+                  <a:pt x="1609634" y="1981836"/>
+                </a:lnTo>
+                <a:lnTo>
+                  <a:pt x="1312435" y="1944353"/>
+                </a:lnTo>
+                <a:lnTo>
+                  <a:pt x="1039799" y="1908972"/>
+                </a:lnTo>
+                <a:lnTo>
+                  <a:pt x="797865" y="1875342"/>
+                </a:lnTo>
+                <a:lnTo>
+                  <a:pt x="579265" y="1843464"/>
+                </a:lnTo>
+                <a:lnTo>
+                  <a:pt x="395052" y="1816841"/>
+                </a:lnTo>
+                <a:lnTo>
+                  <a:pt x="240312" y="1791618"/>
+                </a:lnTo>
+                <a:lnTo>
+                  <a:pt x="27853" y="1755537"/>
+                </a:lnTo>
+                <a:lnTo>
+                  <a:pt x="0" y="1750824"/>
+                </a:lnTo>
+                <a:lnTo>
+                  <a:pt x="0" y="744794"/>
+                </a:lnTo>
+                <a:lnTo>
+                  <a:pt x="0" y="519831"/>
+                </a:lnTo>
+                <a:close/>
+              </a:path>
+            </a:pathLst>
+          </a:custGeom>
+          <a:ln w="44450">
+            <a:gradFill>
+              <a:gsLst>
+                <a:gs pos="0">
+                  <a:schemeClr val="bg2">
+                    <a:alpha val="65000"/>
+                  </a:schemeClr>
+                </a:gs>
+                <a:gs pos="98000">
+                  <a:schemeClr val="bg2">
+                    <a:lumMod val="75000"/>
+                    <a:alpha val="55000"/>
+                  </a:schemeClr>
+                </a:gs>
+              </a:gsLst>
+              <a:lin ang="5400000" scaled="1"/>
+            </a:gradFill>
+          </a:ln>
+          <a:effectLst>
+            <a:outerShdw blurRad="50800" dist="38100" dir="5400000" algn="t" rotWithShape="0">
+              <a:prstClr val="black">
+                <a:alpha val="50000"/>
+              </a:prstClr>
+            </a:outerShdw>
+          </a:effectLst>
+        </p:spPr>
+        <p:style>
+          <a:lnRef idx="2">
+            <a:schemeClr val="accent1">
+              <a:shade val="50000"/>
+            </a:schemeClr>
+          </a:lnRef>
+          <a:fillRef idx="1003">
+            <a:schemeClr val="dk2"/>
+          </a:fillRef>
+          <a:effectRef idx="0">
+            <a:schemeClr val="accent1"/>
+          </a:effectRef>
+          <a:fontRef idx="minor">
+            <a:schemeClr val="lt1"/>
+          </a:fontRef>
+        </p:style>
+        <p:txBody>
+          <a:bodyPr wrap="square" rtlCol="0" anchor="ctr">
+            <a:noAutofit/>
+          </a:bodyPr>
+          <a:lstStyle/>
+          <a:p>
+            <a:pPr algn="ctr"/>
+            <a:endParaRPr lang="en-US"/>
+          </a:p>
+        </p:txBody>
+      </p:sp>
       <p:sp>
         <p:nvSpPr>
           <p:cNvPr id="2" name="Title 1">
@@ -20799,17 +21391,21 @@
         <p:spPr>
           <a:xfrm>
             <a:off x="1141413" y="609600"/>
-            <a:ext cx="9905998" cy="1905000"/>
+            <a:ext cx="9905998" cy="1173480"/>
           </a:xfrm>
         </p:spPr>
         <p:txBody>
-          <a:bodyPr/>
+          <a:bodyPr>
+            <a:normAutofit/>
+          </a:bodyPr>
           <a:lstStyle/>
           <a:p>
+            <a:pPr algn="ctr"/>
             <a:r>
               <a:rPr lang="en-US" dirty="0"/>
               <a:t>cafe-runner Basic commands</a:t>
             </a:r>
+            <a:endParaRPr lang="en-US"/>
           </a:p>
         </p:txBody>
       </p:sp>
@@ -20829,9 +21425,16 @@
             <p:ph idx="1"/>
           </p:nvPr>
         </p:nvSpPr>
-        <p:spPr/>
+        <p:spPr>
+          <a:xfrm>
+            <a:off x="1141413" y="2666999"/>
+            <a:ext cx="9905998" cy="3124201"/>
+          </a:xfrm>
+        </p:spPr>
         <p:txBody>
-          <a:bodyPr/>
+          <a:bodyPr>
+            <a:normAutofit/>
+          </a:bodyPr>
           <a:lstStyle/>
           <a:p>
             <a:r>
@@ -20875,6 +21478,30 @@
 <file path=ppt/slides/slide13.xml><?xml version="1.0" encoding="utf-8"?>
 <p:sld xmlns:a="http://schemas.openxmlformats.org/drawingml/2006/main" xmlns:r="http://schemas.openxmlformats.org/officeDocument/2006/relationships" xmlns:p="http://schemas.openxmlformats.org/presentationml/2006/main">
   <p:cSld>
+    <p:bg>
+      <p:bgPr>
+        <a:blipFill rotWithShape="1">
+          <a:blip r:embed="rId2">
+            <a:duotone>
+              <a:schemeClr val="bg2">
+                <a:shade val="28000"/>
+                <a:satMod val="94000"/>
+                <a:lumMod val="20000"/>
+              </a:schemeClr>
+              <a:schemeClr val="bg2">
+                <a:tint val="94000"/>
+                <a:shade val="84000"/>
+                <a:satMod val="148000"/>
+                <a:lumMod val="114000"/>
+              </a:schemeClr>
+            </a:duotone>
+            <a:extLst/>
+          </a:blip>
+          <a:stretch/>
+        </a:blipFill>
+        <a:effectLst/>
+      </p:bgPr>
+    </p:bg>
     <p:spTree>
       <p:nvGrpSpPr>
         <p:cNvPr id="1" name=""/>
@@ -20891,6 +21518,574 @@
       </p:grpSpPr>
       <p:sp>
         <p:nvSpPr>
+          <p:cNvPr id="8" name="Rectangle 7">
+            <a:extLst>
+              <a:ext uri="{FF2B5EF4-FFF2-40B4-BE49-F238E27FC236}">
+                <a16:creationId xmlns:a16="http://schemas.microsoft.com/office/drawing/2014/main" id="{5690F3EE-0CD1-4520-B020-4E1DF3141C74}"/>
+              </a:ext>
+            </a:extLst>
+          </p:cNvPr>
+          <p:cNvSpPr>
+            <a:spLocks noGrp="1" noRot="1" noChangeAspect="1" noMove="1" noResize="1" noEditPoints="1" noAdjustHandles="1" noChangeArrowheads="1" noChangeShapeType="1" noTextEdit="1"/>
+          </p:cNvSpPr>
+          <p:nvPr>
+            <p:extLst>
+              <p:ext uri="{386F3935-93C4-4BCD-93E2-E3B085C9AB24}">
+                <p16:designElem xmlns:p16="http://schemas.microsoft.com/office/powerpoint/2015/main" val="1"/>
+              </p:ext>
+            </p:extLst>
+          </p:nvPr>
+        </p:nvSpPr>
+        <p:spPr>
+          <a:xfrm>
+            <a:off x="0" y="-1"/>
+            <a:ext cx="12192000" cy="6858001"/>
+          </a:xfrm>
+          <a:prstGeom prst="rect">
+            <a:avLst/>
+          </a:prstGeom>
+          <a:solidFill>
+            <a:schemeClr val="bg2"/>
+          </a:solidFill>
+          <a:ln>
+            <a:noFill/>
+          </a:ln>
+        </p:spPr>
+        <p:style>
+          <a:lnRef idx="2">
+            <a:schemeClr val="accent1">
+              <a:shade val="50000"/>
+            </a:schemeClr>
+          </a:lnRef>
+          <a:fillRef idx="1">
+            <a:schemeClr val="accent1"/>
+          </a:fillRef>
+          <a:effectRef idx="0">
+            <a:schemeClr val="accent1"/>
+          </a:effectRef>
+          <a:fontRef idx="minor">
+            <a:schemeClr val="lt1"/>
+          </a:fontRef>
+        </p:style>
+        <p:txBody>
+          <a:bodyPr rtlCol="0" anchor="ctr"/>
+          <a:lstStyle/>
+          <a:p>
+            <a:pPr algn="ctr"/>
+            <a:endParaRPr lang="en-US"/>
+          </a:p>
+        </p:txBody>
+      </p:sp>
+      <p:sp useBgFill="1">
+        <p:nvSpPr>
+          <p:cNvPr id="10" name="Freeform: Shape 9">
+            <a:extLst>
+              <a:ext uri="{FF2B5EF4-FFF2-40B4-BE49-F238E27FC236}">
+                <a16:creationId xmlns:a16="http://schemas.microsoft.com/office/drawing/2014/main" id="{9EFDE1E9-7FE0-45CA-9DE2-237F77319A9F}"/>
+              </a:ext>
+            </a:extLst>
+          </p:cNvPr>
+          <p:cNvSpPr>
+            <a:spLocks noGrp="1" noRot="1" noChangeAspect="1" noMove="1" noResize="1" noEditPoints="1" noAdjustHandles="1" noChangeArrowheads="1" noChangeShapeType="1" noTextEdit="1"/>
+          </p:cNvSpPr>
+          <p:nvPr>
+            <p:extLst>
+              <p:ext uri="{386F3935-93C4-4BCD-93E2-E3B085C9AB24}">
+                <p16:designElem xmlns:p16="http://schemas.microsoft.com/office/powerpoint/2015/main" val="1"/>
+              </p:ext>
+            </p:extLst>
+          </p:nvPr>
+        </p:nvSpPr>
+        <p:spPr>
+          <a:xfrm>
+            <a:off x="0" y="-1"/>
+            <a:ext cx="12192000" cy="2270840"/>
+          </a:xfrm>
+          <a:custGeom>
+            <a:avLst/>
+            <a:gdLst>
+              <a:gd name="connsiteX0" fmla="*/ 0 w 12192000"/>
+              <a:gd name="connsiteY0" fmla="*/ 0 h 2270840"/>
+              <a:gd name="connsiteX1" fmla="*/ 12192000 w 12192000"/>
+              <a:gd name="connsiteY1" fmla="*/ 0 h 2270840"/>
+              <a:gd name="connsiteX2" fmla="*/ 12192000 w 12192000"/>
+              <a:gd name="connsiteY2" fmla="*/ 519831 h 2270840"/>
+              <a:gd name="connsiteX3" fmla="*/ 12192000 w 12192000"/>
+              <a:gd name="connsiteY3" fmla="*/ 744794 h 2270840"/>
+              <a:gd name="connsiteX4" fmla="*/ 12192000 w 12192000"/>
+              <a:gd name="connsiteY4" fmla="*/ 1754022 h 2270840"/>
+              <a:gd name="connsiteX5" fmla="*/ 11957522 w 12192000"/>
+              <a:gd name="connsiteY5" fmla="*/ 1797924 h 2270840"/>
+              <a:gd name="connsiteX6" fmla="*/ 11679973 w 12192000"/>
+              <a:gd name="connsiteY6" fmla="*/ 1847668 h 2270840"/>
+              <a:gd name="connsiteX7" fmla="*/ 11401197 w 12192000"/>
+              <a:gd name="connsiteY7" fmla="*/ 1896361 h 2270840"/>
+              <a:gd name="connsiteX8" fmla="*/ 11121192 w 12192000"/>
+              <a:gd name="connsiteY8" fmla="*/ 1938047 h 2270840"/>
+              <a:gd name="connsiteX9" fmla="*/ 10842416 w 12192000"/>
+              <a:gd name="connsiteY9" fmla="*/ 1980084 h 2270840"/>
+              <a:gd name="connsiteX10" fmla="*/ 10562411 w 12192000"/>
+              <a:gd name="connsiteY10" fmla="*/ 2019319 h 2270840"/>
+              <a:gd name="connsiteX11" fmla="*/ 10286091 w 12192000"/>
+              <a:gd name="connsiteY11" fmla="*/ 2052948 h 2270840"/>
+              <a:gd name="connsiteX12" fmla="*/ 10006086 w 12192000"/>
+              <a:gd name="connsiteY12" fmla="*/ 2084826 h 2270840"/>
+              <a:gd name="connsiteX13" fmla="*/ 9727310 w 12192000"/>
+              <a:gd name="connsiteY13" fmla="*/ 2113902 h 2270840"/>
+              <a:gd name="connsiteX14" fmla="*/ 9453445 w 12192000"/>
+              <a:gd name="connsiteY14" fmla="*/ 2139124 h 2270840"/>
+              <a:gd name="connsiteX15" fmla="*/ 9175897 w 12192000"/>
+              <a:gd name="connsiteY15" fmla="*/ 2164346 h 2270840"/>
+              <a:gd name="connsiteX16" fmla="*/ 8902033 w 12192000"/>
+              <a:gd name="connsiteY16" fmla="*/ 2185365 h 2270840"/>
+              <a:gd name="connsiteX17" fmla="*/ 8628169 w 12192000"/>
+              <a:gd name="connsiteY17" fmla="*/ 2201829 h 2270840"/>
+              <a:gd name="connsiteX18" fmla="*/ 8355533 w 12192000"/>
+              <a:gd name="connsiteY18" fmla="*/ 2218995 h 2270840"/>
+              <a:gd name="connsiteX19" fmla="*/ 8085353 w 12192000"/>
+              <a:gd name="connsiteY19" fmla="*/ 2233357 h 2270840"/>
+              <a:gd name="connsiteX20" fmla="*/ 7817629 w 12192000"/>
+              <a:gd name="connsiteY20" fmla="*/ 2243516 h 2270840"/>
+              <a:gd name="connsiteX21" fmla="*/ 7549905 w 12192000"/>
+              <a:gd name="connsiteY21" fmla="*/ 2252274 h 2270840"/>
+              <a:gd name="connsiteX22" fmla="*/ 7284638 w 12192000"/>
+              <a:gd name="connsiteY22" fmla="*/ 2260681 h 2270840"/>
+              <a:gd name="connsiteX23" fmla="*/ 7023055 w 12192000"/>
+              <a:gd name="connsiteY23" fmla="*/ 2264535 h 2270840"/>
+              <a:gd name="connsiteX24" fmla="*/ 6761472 w 12192000"/>
+              <a:gd name="connsiteY24" fmla="*/ 2268738 h 2270840"/>
+              <a:gd name="connsiteX25" fmla="*/ 6503573 w 12192000"/>
+              <a:gd name="connsiteY25" fmla="*/ 2270840 h 2270840"/>
+              <a:gd name="connsiteX26" fmla="*/ 6248130 w 12192000"/>
+              <a:gd name="connsiteY26" fmla="*/ 2268738 h 2270840"/>
+              <a:gd name="connsiteX27" fmla="*/ 5995144 w 12192000"/>
+              <a:gd name="connsiteY27" fmla="*/ 2268738 h 2270840"/>
+              <a:gd name="connsiteX28" fmla="*/ 5744613 w 12192000"/>
+              <a:gd name="connsiteY28" fmla="*/ 2264535 h 2270840"/>
+              <a:gd name="connsiteX29" fmla="*/ 5498995 w 12192000"/>
+              <a:gd name="connsiteY29" fmla="*/ 2258229 h 2270840"/>
+              <a:gd name="connsiteX30" fmla="*/ 5255834 w 12192000"/>
+              <a:gd name="connsiteY30" fmla="*/ 2252274 h 2270840"/>
+              <a:gd name="connsiteX31" fmla="*/ 5017584 w 12192000"/>
+              <a:gd name="connsiteY31" fmla="*/ 2245618 h 2270840"/>
+              <a:gd name="connsiteX32" fmla="*/ 4780562 w 12192000"/>
+              <a:gd name="connsiteY32" fmla="*/ 2235459 h 2270840"/>
+              <a:gd name="connsiteX33" fmla="*/ 4547227 w 12192000"/>
+              <a:gd name="connsiteY33" fmla="*/ 2224599 h 2270840"/>
+              <a:gd name="connsiteX34" fmla="*/ 4318800 w 12192000"/>
+              <a:gd name="connsiteY34" fmla="*/ 2214791 h 2270840"/>
+              <a:gd name="connsiteX35" fmla="*/ 3873004 w 12192000"/>
+              <a:gd name="connsiteY35" fmla="*/ 2187116 h 2270840"/>
+              <a:gd name="connsiteX36" fmla="*/ 3445628 w 12192000"/>
+              <a:gd name="connsiteY36" fmla="*/ 2157691 h 2270840"/>
+              <a:gd name="connsiteX37" fmla="*/ 3035446 w 12192000"/>
+              <a:gd name="connsiteY37" fmla="*/ 2126863 h 2270840"/>
+              <a:gd name="connsiteX38" fmla="*/ 2647370 w 12192000"/>
+              <a:gd name="connsiteY38" fmla="*/ 2092884 h 2270840"/>
+              <a:gd name="connsiteX39" fmla="*/ 2276487 w 12192000"/>
+              <a:gd name="connsiteY39" fmla="*/ 2057502 h 2270840"/>
+              <a:gd name="connsiteX40" fmla="*/ 1932621 w 12192000"/>
+              <a:gd name="connsiteY40" fmla="*/ 2019319 h 2270840"/>
+              <a:gd name="connsiteX41" fmla="*/ 1609634 w 12192000"/>
+              <a:gd name="connsiteY41" fmla="*/ 1981836 h 2270840"/>
+              <a:gd name="connsiteX42" fmla="*/ 1312435 w 12192000"/>
+              <a:gd name="connsiteY42" fmla="*/ 1944353 h 2270840"/>
+              <a:gd name="connsiteX43" fmla="*/ 1039799 w 12192000"/>
+              <a:gd name="connsiteY43" fmla="*/ 1908972 h 2270840"/>
+              <a:gd name="connsiteX44" fmla="*/ 797865 w 12192000"/>
+              <a:gd name="connsiteY44" fmla="*/ 1875342 h 2270840"/>
+              <a:gd name="connsiteX45" fmla="*/ 579265 w 12192000"/>
+              <a:gd name="connsiteY45" fmla="*/ 1843464 h 2270840"/>
+              <a:gd name="connsiteX46" fmla="*/ 395052 w 12192000"/>
+              <a:gd name="connsiteY46" fmla="*/ 1816841 h 2270840"/>
+              <a:gd name="connsiteX47" fmla="*/ 240312 w 12192000"/>
+              <a:gd name="connsiteY47" fmla="*/ 1791618 h 2270840"/>
+              <a:gd name="connsiteX48" fmla="*/ 27853 w 12192000"/>
+              <a:gd name="connsiteY48" fmla="*/ 1755537 h 2270840"/>
+              <a:gd name="connsiteX49" fmla="*/ 0 w 12192000"/>
+              <a:gd name="connsiteY49" fmla="*/ 1750824 h 2270840"/>
+              <a:gd name="connsiteX50" fmla="*/ 0 w 12192000"/>
+              <a:gd name="connsiteY50" fmla="*/ 744794 h 2270840"/>
+              <a:gd name="connsiteX51" fmla="*/ 0 w 12192000"/>
+              <a:gd name="connsiteY51" fmla="*/ 519831 h 2270840"/>
+            </a:gdLst>
+            <a:ahLst/>
+            <a:cxnLst>
+              <a:cxn ang="0">
+                <a:pos x="connsiteX0" y="connsiteY0"/>
+              </a:cxn>
+              <a:cxn ang="0">
+                <a:pos x="connsiteX1" y="connsiteY1"/>
+              </a:cxn>
+              <a:cxn ang="0">
+                <a:pos x="connsiteX2" y="connsiteY2"/>
+              </a:cxn>
+              <a:cxn ang="0">
+                <a:pos x="connsiteX3" y="connsiteY3"/>
+              </a:cxn>
+              <a:cxn ang="0">
+                <a:pos x="connsiteX4" y="connsiteY4"/>
+              </a:cxn>
+              <a:cxn ang="0">
+                <a:pos x="connsiteX5" y="connsiteY5"/>
+              </a:cxn>
+              <a:cxn ang="0">
+                <a:pos x="connsiteX6" y="connsiteY6"/>
+              </a:cxn>
+              <a:cxn ang="0">
+                <a:pos x="connsiteX7" y="connsiteY7"/>
+              </a:cxn>
+              <a:cxn ang="0">
+                <a:pos x="connsiteX8" y="connsiteY8"/>
+              </a:cxn>
+              <a:cxn ang="0">
+                <a:pos x="connsiteX9" y="connsiteY9"/>
+              </a:cxn>
+              <a:cxn ang="0">
+                <a:pos x="connsiteX10" y="connsiteY10"/>
+              </a:cxn>
+              <a:cxn ang="0">
+                <a:pos x="connsiteX11" y="connsiteY11"/>
+              </a:cxn>
+              <a:cxn ang="0">
+                <a:pos x="connsiteX12" y="connsiteY12"/>
+              </a:cxn>
+              <a:cxn ang="0">
+                <a:pos x="connsiteX13" y="connsiteY13"/>
+              </a:cxn>
+              <a:cxn ang="0">
+                <a:pos x="connsiteX14" y="connsiteY14"/>
+              </a:cxn>
+              <a:cxn ang="0">
+                <a:pos x="connsiteX15" y="connsiteY15"/>
+              </a:cxn>
+              <a:cxn ang="0">
+                <a:pos x="connsiteX16" y="connsiteY16"/>
+              </a:cxn>
+              <a:cxn ang="0">
+                <a:pos x="connsiteX17" y="connsiteY17"/>
+              </a:cxn>
+              <a:cxn ang="0">
+                <a:pos x="connsiteX18" y="connsiteY18"/>
+              </a:cxn>
+              <a:cxn ang="0">
+                <a:pos x="connsiteX19" y="connsiteY19"/>
+              </a:cxn>
+              <a:cxn ang="0">
+                <a:pos x="connsiteX20" y="connsiteY20"/>
+              </a:cxn>
+              <a:cxn ang="0">
+                <a:pos x="connsiteX21" y="connsiteY21"/>
+              </a:cxn>
+              <a:cxn ang="0">
+                <a:pos x="connsiteX22" y="connsiteY22"/>
+              </a:cxn>
+              <a:cxn ang="0">
+                <a:pos x="connsiteX23" y="connsiteY23"/>
+              </a:cxn>
+              <a:cxn ang="0">
+                <a:pos x="connsiteX24" y="connsiteY24"/>
+              </a:cxn>
+              <a:cxn ang="0">
+                <a:pos x="connsiteX25" y="connsiteY25"/>
+              </a:cxn>
+              <a:cxn ang="0">
+                <a:pos x="connsiteX26" y="connsiteY26"/>
+              </a:cxn>
+              <a:cxn ang="0">
+                <a:pos x="connsiteX27" y="connsiteY27"/>
+              </a:cxn>
+              <a:cxn ang="0">
+                <a:pos x="connsiteX28" y="connsiteY28"/>
+              </a:cxn>
+              <a:cxn ang="0">
+                <a:pos x="connsiteX29" y="connsiteY29"/>
+              </a:cxn>
+              <a:cxn ang="0">
+                <a:pos x="connsiteX30" y="connsiteY30"/>
+              </a:cxn>
+              <a:cxn ang="0">
+                <a:pos x="connsiteX31" y="connsiteY31"/>
+              </a:cxn>
+              <a:cxn ang="0">
+                <a:pos x="connsiteX32" y="connsiteY32"/>
+              </a:cxn>
+              <a:cxn ang="0">
+                <a:pos x="connsiteX33" y="connsiteY33"/>
+              </a:cxn>
+              <a:cxn ang="0">
+                <a:pos x="connsiteX34" y="connsiteY34"/>
+              </a:cxn>
+              <a:cxn ang="0">
+                <a:pos x="connsiteX35" y="connsiteY35"/>
+              </a:cxn>
+              <a:cxn ang="0">
+                <a:pos x="connsiteX36" y="connsiteY36"/>
+              </a:cxn>
+              <a:cxn ang="0">
+                <a:pos x="connsiteX37" y="connsiteY37"/>
+              </a:cxn>
+              <a:cxn ang="0">
+                <a:pos x="connsiteX38" y="connsiteY38"/>
+              </a:cxn>
+              <a:cxn ang="0">
+                <a:pos x="connsiteX39" y="connsiteY39"/>
+              </a:cxn>
+              <a:cxn ang="0">
+                <a:pos x="connsiteX40" y="connsiteY40"/>
+              </a:cxn>
+              <a:cxn ang="0">
+                <a:pos x="connsiteX41" y="connsiteY41"/>
+              </a:cxn>
+              <a:cxn ang="0">
+                <a:pos x="connsiteX42" y="connsiteY42"/>
+              </a:cxn>
+              <a:cxn ang="0">
+                <a:pos x="connsiteX43" y="connsiteY43"/>
+              </a:cxn>
+              <a:cxn ang="0">
+                <a:pos x="connsiteX44" y="connsiteY44"/>
+              </a:cxn>
+              <a:cxn ang="0">
+                <a:pos x="connsiteX45" y="connsiteY45"/>
+              </a:cxn>
+              <a:cxn ang="0">
+                <a:pos x="connsiteX46" y="connsiteY46"/>
+              </a:cxn>
+              <a:cxn ang="0">
+                <a:pos x="connsiteX47" y="connsiteY47"/>
+              </a:cxn>
+              <a:cxn ang="0">
+                <a:pos x="connsiteX48" y="connsiteY48"/>
+              </a:cxn>
+              <a:cxn ang="0">
+                <a:pos x="connsiteX49" y="connsiteY49"/>
+              </a:cxn>
+              <a:cxn ang="0">
+                <a:pos x="connsiteX50" y="connsiteY50"/>
+              </a:cxn>
+              <a:cxn ang="0">
+                <a:pos x="connsiteX51" y="connsiteY51"/>
+              </a:cxn>
+            </a:cxnLst>
+            <a:rect l="l" t="t" r="r" b="b"/>
+            <a:pathLst>
+              <a:path w="12192000" h="2270840">
+                <a:moveTo>
+                  <a:pt x="0" y="0"/>
+                </a:moveTo>
+                <a:lnTo>
+                  <a:pt x="12192000" y="0"/>
+                </a:lnTo>
+                <a:lnTo>
+                  <a:pt x="12192000" y="519831"/>
+                </a:lnTo>
+                <a:lnTo>
+                  <a:pt x="12192000" y="744794"/>
+                </a:lnTo>
+                <a:lnTo>
+                  <a:pt x="12192000" y="1754022"/>
+                </a:lnTo>
+                <a:lnTo>
+                  <a:pt x="11957522" y="1797924"/>
+                </a:lnTo>
+                <a:lnTo>
+                  <a:pt x="11679973" y="1847668"/>
+                </a:lnTo>
+                <a:lnTo>
+                  <a:pt x="11401197" y="1896361"/>
+                </a:lnTo>
+                <a:lnTo>
+                  <a:pt x="11121192" y="1938047"/>
+                </a:lnTo>
+                <a:lnTo>
+                  <a:pt x="10842416" y="1980084"/>
+                </a:lnTo>
+                <a:lnTo>
+                  <a:pt x="10562411" y="2019319"/>
+                </a:lnTo>
+                <a:lnTo>
+                  <a:pt x="10286091" y="2052948"/>
+                </a:lnTo>
+                <a:lnTo>
+                  <a:pt x="10006086" y="2084826"/>
+                </a:lnTo>
+                <a:lnTo>
+                  <a:pt x="9727310" y="2113902"/>
+                </a:lnTo>
+                <a:lnTo>
+                  <a:pt x="9453445" y="2139124"/>
+                </a:lnTo>
+                <a:lnTo>
+                  <a:pt x="9175897" y="2164346"/>
+                </a:lnTo>
+                <a:lnTo>
+                  <a:pt x="8902033" y="2185365"/>
+                </a:lnTo>
+                <a:lnTo>
+                  <a:pt x="8628169" y="2201829"/>
+                </a:lnTo>
+                <a:lnTo>
+                  <a:pt x="8355533" y="2218995"/>
+                </a:lnTo>
+                <a:lnTo>
+                  <a:pt x="8085353" y="2233357"/>
+                </a:lnTo>
+                <a:lnTo>
+                  <a:pt x="7817629" y="2243516"/>
+                </a:lnTo>
+                <a:lnTo>
+                  <a:pt x="7549905" y="2252274"/>
+                </a:lnTo>
+                <a:lnTo>
+                  <a:pt x="7284638" y="2260681"/>
+                </a:lnTo>
+                <a:lnTo>
+                  <a:pt x="7023055" y="2264535"/>
+                </a:lnTo>
+                <a:lnTo>
+                  <a:pt x="6761472" y="2268738"/>
+                </a:lnTo>
+                <a:lnTo>
+                  <a:pt x="6503573" y="2270840"/>
+                </a:lnTo>
+                <a:lnTo>
+                  <a:pt x="6248130" y="2268738"/>
+                </a:lnTo>
+                <a:lnTo>
+                  <a:pt x="5995144" y="2268738"/>
+                </a:lnTo>
+                <a:lnTo>
+                  <a:pt x="5744613" y="2264535"/>
+                </a:lnTo>
+                <a:lnTo>
+                  <a:pt x="5498995" y="2258229"/>
+                </a:lnTo>
+                <a:lnTo>
+                  <a:pt x="5255834" y="2252274"/>
+                </a:lnTo>
+                <a:lnTo>
+                  <a:pt x="5017584" y="2245618"/>
+                </a:lnTo>
+                <a:lnTo>
+                  <a:pt x="4780562" y="2235459"/>
+                </a:lnTo>
+                <a:lnTo>
+                  <a:pt x="4547227" y="2224599"/>
+                </a:lnTo>
+                <a:lnTo>
+                  <a:pt x="4318800" y="2214791"/>
+                </a:lnTo>
+                <a:lnTo>
+                  <a:pt x="3873004" y="2187116"/>
+                </a:lnTo>
+                <a:lnTo>
+                  <a:pt x="3445628" y="2157691"/>
+                </a:lnTo>
+                <a:lnTo>
+                  <a:pt x="3035446" y="2126863"/>
+                </a:lnTo>
+                <a:lnTo>
+                  <a:pt x="2647370" y="2092884"/>
+                </a:lnTo>
+                <a:lnTo>
+                  <a:pt x="2276487" y="2057502"/>
+                </a:lnTo>
+                <a:lnTo>
+                  <a:pt x="1932621" y="2019319"/>
+                </a:lnTo>
+                <a:lnTo>
+                  <a:pt x="1609634" y="1981836"/>
+                </a:lnTo>
+                <a:lnTo>
+                  <a:pt x="1312435" y="1944353"/>
+                </a:lnTo>
+                <a:lnTo>
+                  <a:pt x="1039799" y="1908972"/>
+                </a:lnTo>
+                <a:lnTo>
+                  <a:pt x="797865" y="1875342"/>
+                </a:lnTo>
+                <a:lnTo>
+                  <a:pt x="579265" y="1843464"/>
+                </a:lnTo>
+                <a:lnTo>
+                  <a:pt x="395052" y="1816841"/>
+                </a:lnTo>
+                <a:lnTo>
+                  <a:pt x="240312" y="1791618"/>
+                </a:lnTo>
+                <a:lnTo>
+                  <a:pt x="27853" y="1755537"/>
+                </a:lnTo>
+                <a:lnTo>
+                  <a:pt x="0" y="1750824"/>
+                </a:lnTo>
+                <a:lnTo>
+                  <a:pt x="0" y="744794"/>
+                </a:lnTo>
+                <a:lnTo>
+                  <a:pt x="0" y="519831"/>
+                </a:lnTo>
+                <a:close/>
+              </a:path>
+            </a:pathLst>
+          </a:custGeom>
+          <a:ln w="44450">
+            <a:gradFill>
+              <a:gsLst>
+                <a:gs pos="0">
+                  <a:schemeClr val="bg2">
+                    <a:alpha val="65000"/>
+                  </a:schemeClr>
+                </a:gs>
+                <a:gs pos="98000">
+                  <a:schemeClr val="bg2">
+                    <a:lumMod val="75000"/>
+                    <a:alpha val="55000"/>
+                  </a:schemeClr>
+                </a:gs>
+              </a:gsLst>
+              <a:lin ang="5400000" scaled="1"/>
+            </a:gradFill>
+          </a:ln>
+          <a:effectLst>
+            <a:outerShdw blurRad="50800" dist="38100" dir="5400000" algn="t" rotWithShape="0">
+              <a:prstClr val="black">
+                <a:alpha val="50000"/>
+              </a:prstClr>
+            </a:outerShdw>
+          </a:effectLst>
+        </p:spPr>
+        <p:style>
+          <a:lnRef idx="2">
+            <a:schemeClr val="accent1">
+              <a:shade val="50000"/>
+            </a:schemeClr>
+          </a:lnRef>
+          <a:fillRef idx="1003">
+            <a:schemeClr val="dk2"/>
+          </a:fillRef>
+          <a:effectRef idx="0">
+            <a:schemeClr val="accent1"/>
+          </a:effectRef>
+          <a:fontRef idx="minor">
+            <a:schemeClr val="lt1"/>
+          </a:fontRef>
+        </p:style>
+        <p:txBody>
+          <a:bodyPr wrap="square" rtlCol="0" anchor="ctr">
+            <a:noAutofit/>
+          </a:bodyPr>
+          <a:lstStyle/>
+          <a:p>
+            <a:pPr algn="ctr"/>
+            <a:endParaRPr lang="en-US"/>
+          </a:p>
+        </p:txBody>
+      </p:sp>
+      <p:sp>
+        <p:nvSpPr>
           <p:cNvPr id="2" name="Title 1">
             <a:extLst>
               <a:ext uri="{FF2B5EF4-FFF2-40B4-BE49-F238E27FC236}">
@@ -20905,15 +22100,24 @@
             <p:ph type="title"/>
           </p:nvPr>
         </p:nvSpPr>
-        <p:spPr/>
+        <p:spPr>
+          <a:xfrm>
+            <a:off x="1141413" y="609600"/>
+            <a:ext cx="9905998" cy="1173480"/>
+          </a:xfrm>
+        </p:spPr>
         <p:txBody>
-          <a:bodyPr/>
+          <a:bodyPr>
+            <a:normAutofit/>
+          </a:bodyPr>
           <a:lstStyle/>
           <a:p>
+            <a:pPr algn="ctr"/>
             <a:r>
               <a:rPr lang="en-US" dirty="0"/>
               <a:t>cafe-runner – Test Selection</a:t>
             </a:r>
+            <a:endParaRPr lang="en-US"/>
           </a:p>
         </p:txBody>
       </p:sp>
@@ -20933,64 +22137,112 @@
             <p:ph idx="1"/>
           </p:nvPr>
         </p:nvSpPr>
-        <p:spPr/>
+        <p:spPr>
+          <a:xfrm>
+            <a:off x="1141413" y="2666999"/>
+            <a:ext cx="9905998" cy="3124201"/>
+          </a:xfrm>
+        </p:spPr>
         <p:txBody>
           <a:bodyPr>
-            <a:normAutofit lnSpcReduction="10000"/>
+            <a:normAutofit/>
           </a:bodyPr>
           <a:lstStyle/>
           <a:p>
+            <a:pPr>
+              <a:lnSpc>
+                <a:spcPct val="90000"/>
+              </a:lnSpc>
+            </a:pPr>
             <a:r>
               <a:rPr lang="en-US" dirty="0"/>
               <a:t>Runs from the installed packages, not your local code</a:t>
             </a:r>
+            <a:endParaRPr lang="en-US"/>
           </a:p>
           <a:p>
+            <a:pPr>
+              <a:lnSpc>
+                <a:spcPct val="90000"/>
+              </a:lnSpc>
+            </a:pPr>
             <a:r>
               <a:rPr lang="en-US" dirty="0"/>
               <a:t>Can use dotted paths to drill-down through packages</a:t>
             </a:r>
+            <a:endParaRPr lang="en-US"/>
           </a:p>
           <a:p>
+            <a:pPr>
+              <a:lnSpc>
+                <a:spcPct val="90000"/>
+              </a:lnSpc>
+            </a:pPr>
             <a:r>
               <a:rPr lang="en-US" dirty="0"/>
               <a:t>Run by</a:t>
             </a:r>
+            <a:endParaRPr lang="en-US"/>
           </a:p>
           <a:p>
-            <a:pPr lvl="1"/>
+            <a:pPr lvl="1">
+              <a:lnSpc>
+                <a:spcPct val="90000"/>
+              </a:lnSpc>
+            </a:pPr>
             <a:r>
               <a:rPr lang="en-US" dirty="0"/>
               <a:t>Package</a:t>
             </a:r>
+            <a:endParaRPr lang="en-US"/>
           </a:p>
           <a:p>
-            <a:pPr lvl="1"/>
+            <a:pPr lvl="1">
+              <a:lnSpc>
+                <a:spcPct val="90000"/>
+              </a:lnSpc>
+            </a:pPr>
             <a:r>
               <a:rPr lang="en-US" dirty="0"/>
               <a:t>Module</a:t>
             </a:r>
+            <a:endParaRPr lang="en-US"/>
           </a:p>
           <a:p>
-            <a:pPr lvl="1"/>
+            <a:pPr lvl="1">
+              <a:lnSpc>
+                <a:spcPct val="90000"/>
+              </a:lnSpc>
+            </a:pPr>
             <a:r>
               <a:rPr lang="en-US" dirty="0"/>
               <a:t>Method</a:t>
             </a:r>
+            <a:endParaRPr lang="en-US"/>
           </a:p>
           <a:p>
-            <a:pPr lvl="1"/>
+            <a:pPr lvl="1">
+              <a:lnSpc>
+                <a:spcPct val="90000"/>
+              </a:lnSpc>
+            </a:pPr>
             <a:r>
               <a:rPr lang="en-US" dirty="0"/>
               <a:t>Tag</a:t>
             </a:r>
+            <a:endParaRPr lang="en-US"/>
           </a:p>
           <a:p>
-            <a:pPr lvl="1"/>
+            <a:pPr lvl="1">
+              <a:lnSpc>
+                <a:spcPct val="90000"/>
+              </a:lnSpc>
+            </a:pPr>
             <a:r>
               <a:rPr lang="en-US" dirty="0"/>
               <a:t>Combinations of the above</a:t>
             </a:r>
+            <a:endParaRPr lang="en-US"/>
           </a:p>
         </p:txBody>
       </p:sp>
@@ -23942,6 +25194,30 @@
 <file path=ppt/slides/slide23.xml><?xml version="1.0" encoding="utf-8"?>
 <p:sld xmlns:a="http://schemas.openxmlformats.org/drawingml/2006/main" xmlns:r="http://schemas.openxmlformats.org/officeDocument/2006/relationships" xmlns:p="http://schemas.openxmlformats.org/presentationml/2006/main">
   <p:cSld>
+    <p:bg>
+      <p:bgPr>
+        <a:blipFill rotWithShape="1">
+          <a:blip r:embed="rId2">
+            <a:duotone>
+              <a:schemeClr val="bg2">
+                <a:shade val="28000"/>
+                <a:satMod val="94000"/>
+                <a:lumMod val="20000"/>
+              </a:schemeClr>
+              <a:schemeClr val="bg2">
+                <a:tint val="94000"/>
+                <a:shade val="84000"/>
+                <a:satMod val="148000"/>
+                <a:lumMod val="114000"/>
+              </a:schemeClr>
+            </a:duotone>
+            <a:extLst/>
+          </a:blip>
+          <a:stretch/>
+        </a:blipFill>
+        <a:effectLst/>
+      </p:bgPr>
+    </p:bg>
     <p:spTree>
       <p:nvGrpSpPr>
         <p:cNvPr id="1" name=""/>
@@ -23958,6 +25234,224 @@
       </p:grpSpPr>
       <p:sp>
         <p:nvSpPr>
+          <p:cNvPr id="8" name="Rectangle 7">
+            <a:extLst>
+              <a:ext uri="{FF2B5EF4-FFF2-40B4-BE49-F238E27FC236}">
+                <a16:creationId xmlns:a16="http://schemas.microsoft.com/office/drawing/2014/main" id="{375136A9-49F9-4DA0-A741-F065B0FA091D}"/>
+              </a:ext>
+            </a:extLst>
+          </p:cNvPr>
+          <p:cNvSpPr>
+            <a:spLocks noGrp="1" noRot="1" noChangeAspect="1" noMove="1" noResize="1" noEditPoints="1" noAdjustHandles="1" noChangeArrowheads="1" noChangeShapeType="1" noTextEdit="1"/>
+          </p:cNvSpPr>
+          <p:nvPr>
+            <p:extLst>
+              <p:ext uri="{386F3935-93C4-4BCD-93E2-E3B085C9AB24}">
+                <p16:designElem xmlns:p16="http://schemas.microsoft.com/office/powerpoint/2015/main" val="1"/>
+              </p:ext>
+            </p:extLst>
+          </p:nvPr>
+        </p:nvSpPr>
+        <p:spPr>
+          <a:xfrm>
+            <a:off x="4633356" y="0"/>
+            <a:ext cx="7558643" cy="6858000"/>
+          </a:xfrm>
+          <a:prstGeom prst="rect">
+            <a:avLst/>
+          </a:prstGeom>
+          <a:solidFill>
+            <a:schemeClr val="bg2"/>
+          </a:solidFill>
+          <a:ln>
+            <a:noFill/>
+          </a:ln>
+          <a:effectLst>
+            <a:innerShdw blurRad="63500" dist="50800" dir="10800000">
+              <a:prstClr val="black">
+                <a:alpha val="50000"/>
+              </a:prstClr>
+            </a:innerShdw>
+          </a:effectLst>
+        </p:spPr>
+        <p:style>
+          <a:lnRef idx="2">
+            <a:schemeClr val="accent1">
+              <a:shade val="50000"/>
+            </a:schemeClr>
+          </a:lnRef>
+          <a:fillRef idx="1">
+            <a:schemeClr val="accent1"/>
+          </a:fillRef>
+          <a:effectRef idx="0">
+            <a:schemeClr val="accent1"/>
+          </a:effectRef>
+          <a:fontRef idx="minor">
+            <a:schemeClr val="lt1"/>
+          </a:fontRef>
+        </p:style>
+        <p:txBody>
+          <a:bodyPr rtlCol="0" anchor="ctr"/>
+          <a:lstStyle/>
+          <a:p>
+            <a:pPr algn="ctr"/>
+            <a:endParaRPr lang="en-US" dirty="0"/>
+          </a:p>
+        </p:txBody>
+      </p:sp>
+      <p:sp>
+        <p:nvSpPr>
+          <p:cNvPr id="10" name="Rectangle 9">
+            <a:extLst>
+              <a:ext uri="{FF2B5EF4-FFF2-40B4-BE49-F238E27FC236}">
+                <a16:creationId xmlns:a16="http://schemas.microsoft.com/office/drawing/2014/main" id="{B912F6C7-0423-4B6F-AECE-710C848918FD}"/>
+              </a:ext>
+            </a:extLst>
+          </p:cNvPr>
+          <p:cNvSpPr>
+            <a:spLocks noGrp="1" noRot="1" noChangeAspect="1" noMove="1" noResize="1" noEditPoints="1" noAdjustHandles="1" noChangeArrowheads="1" noChangeShapeType="1" noTextEdit="1"/>
+          </p:cNvSpPr>
+          <p:nvPr>
+            <p:extLst>
+              <p:ext uri="{386F3935-93C4-4BCD-93E2-E3B085C9AB24}">
+                <p16:designElem xmlns:p16="http://schemas.microsoft.com/office/powerpoint/2015/main" val="1"/>
+              </p:ext>
+            </p:extLst>
+          </p:nvPr>
+        </p:nvSpPr>
+        <p:spPr>
+          <a:xfrm rot="5400000" flipH="1">
+            <a:off x="1446539" y="3195797"/>
+            <a:ext cx="6858000" cy="466406"/>
+          </a:xfrm>
+          <a:prstGeom prst="rect">
+            <a:avLst/>
+          </a:prstGeom>
+          <a:gradFill>
+            <a:gsLst>
+              <a:gs pos="0">
+                <a:srgbClr val="363D46">
+                  <a:alpha val="0"/>
+                </a:srgbClr>
+              </a:gs>
+              <a:gs pos="100000">
+                <a:srgbClr val="363D46">
+                  <a:lumMod val="75000"/>
+                </a:srgbClr>
+              </a:gs>
+            </a:gsLst>
+            <a:lin ang="5400000" scaled="0"/>
+          </a:gradFill>
+          <a:ln>
+            <a:noFill/>
+          </a:ln>
+          <a:effectLst/>
+        </p:spPr>
+        <p:style>
+          <a:lnRef idx="2">
+            <a:schemeClr val="accent1">
+              <a:shade val="50000"/>
+            </a:schemeClr>
+          </a:lnRef>
+          <a:fillRef idx="1">
+            <a:schemeClr val="accent1"/>
+          </a:fillRef>
+          <a:effectRef idx="0">
+            <a:schemeClr val="accent1"/>
+          </a:effectRef>
+          <a:fontRef idx="minor">
+            <a:schemeClr val="lt1"/>
+          </a:fontRef>
+        </p:style>
+        <p:txBody>
+          <a:bodyPr rot="0" spcFirstLastPara="0" vertOverflow="overflow" horzOverflow="overflow" vert="horz" wrap="square" lIns="91440" tIns="45720" rIns="91440" bIns="45720" numCol="1" spcCol="0" rtlCol="0" fromWordArt="0" anchor="ctr" anchorCtr="0" forceAA="0" compatLnSpc="1">
+            <a:prstTxWarp prst="textNoShape">
+              <a:avLst/>
+            </a:prstTxWarp>
+            <a:noAutofit/>
+          </a:bodyPr>
+          <a:lstStyle/>
+          <a:p>
+            <a:pPr algn="ctr"/>
+            <a:endParaRPr lang="en-US"/>
+          </a:p>
+        </p:txBody>
+      </p:sp>
+      <p:cxnSp>
+        <p:nvCxnSpPr>
+          <p:cNvPr id="12" name="Straight Connector 11">
+            <a:extLst>
+              <a:ext uri="{FF2B5EF4-FFF2-40B4-BE49-F238E27FC236}">
+                <a16:creationId xmlns:a16="http://schemas.microsoft.com/office/drawing/2014/main" id="{A7208205-03EE-4EC8-9C34-59270C1880D8}"/>
+              </a:ext>
+            </a:extLst>
+          </p:cNvPr>
+          <p:cNvCxnSpPr>
+            <a:cxnSpLocks noGrp="1" noRot="1" noChangeAspect="1" noMove="1" noResize="1" noEditPoints="1" noAdjustHandles="1" noChangeArrowheads="1" noChangeShapeType="1"/>
+          </p:cNvCxnSpPr>
+          <p:nvPr>
+            <p:extLst>
+              <p:ext uri="{386F3935-93C4-4BCD-93E2-E3B085C9AB24}">
+                <p16:designElem xmlns:p16="http://schemas.microsoft.com/office/powerpoint/2015/main" val="1"/>
+              </p:ext>
+            </p:extLst>
+          </p:nvPr>
+        </p:nvCxnSpPr>
+        <p:spPr>
+          <a:xfrm>
+            <a:off x="4642336" y="0"/>
+            <a:ext cx="0" cy="6858000"/>
+          </a:xfrm>
+          <a:prstGeom prst="line">
+            <a:avLst/>
+          </a:prstGeom>
+          <a:solidFill>
+            <a:srgbClr val="FFFFFF"/>
+          </a:solidFill>
+          <a:ln w="38100" cap="flat">
+            <a:gradFill flip="none" rotWithShape="1">
+              <a:gsLst>
+                <a:gs pos="0">
+                  <a:srgbClr val="363D46"/>
+                </a:gs>
+                <a:gs pos="100000">
+                  <a:srgbClr val="363D46">
+                    <a:lumMod val="75000"/>
+                  </a:srgbClr>
+                </a:gs>
+              </a:gsLst>
+              <a:lin ang="5400000" scaled="0"/>
+              <a:tileRect/>
+            </a:gradFill>
+            <a:miter lim="800000"/>
+          </a:ln>
+          <a:effectLst>
+            <a:innerShdw blurRad="57150" dist="38100" dir="14460000">
+              <a:srgbClr val="000000">
+                <a:alpha val="70000"/>
+              </a:srgbClr>
+            </a:innerShdw>
+          </a:effectLst>
+        </p:spPr>
+        <p:style>
+          <a:lnRef idx="2">
+            <a:schemeClr val="accent1">
+              <a:shade val="50000"/>
+            </a:schemeClr>
+          </a:lnRef>
+          <a:fillRef idx="1">
+            <a:schemeClr val="accent1"/>
+          </a:fillRef>
+          <a:effectRef idx="0">
+            <a:schemeClr val="accent1"/>
+          </a:effectRef>
+          <a:fontRef idx="minor">
+            <a:schemeClr val="lt1"/>
+          </a:fontRef>
+        </p:style>
+      </p:cxnSp>
+      <p:sp>
+        <p:nvSpPr>
           <p:cNvPr id="2" name="Title 1">
             <a:extLst>
               <a:ext uri="{FF2B5EF4-FFF2-40B4-BE49-F238E27FC236}">
@@ -23972,13 +25466,20 @@
             <p:ph type="title"/>
           </p:nvPr>
         </p:nvSpPr>
-        <p:spPr/>
+        <p:spPr>
+          <a:xfrm>
+            <a:off x="974179" y="714375"/>
+            <a:ext cx="3332955" cy="5076826"/>
+          </a:xfrm>
+        </p:spPr>
         <p:txBody>
-          <a:bodyPr/>
+          <a:bodyPr anchor="ctr">
+            <a:normAutofit/>
+          </a:bodyPr>
           <a:lstStyle/>
           <a:p>
             <a:r>
-              <a:rPr lang="en-US" dirty="0"/>
+              <a:rPr lang="en-US" sz="4000"/>
               <a:t>Triaging Tips</a:t>
             </a:r>
           </a:p>
@@ -24000,26 +25501,56 @@
             <p:ph idx="1"/>
           </p:nvPr>
         </p:nvSpPr>
-        <p:spPr/>
+        <p:spPr>
+          <a:xfrm>
+            <a:off x="4973046" y="714375"/>
+            <a:ext cx="6253751" cy="5076825"/>
+          </a:xfrm>
+        </p:spPr>
         <p:txBody>
-          <a:bodyPr/>
+          <a:bodyPr>
+            <a:normAutofit/>
+          </a:bodyPr>
           <a:lstStyle/>
           <a:p>
             <a:r>
-              <a:rPr lang="en-US" dirty="0"/>
+              <a:rPr lang="en-US" dirty="0">
+                <a:solidFill>
+                  <a:schemeClr val="tx1"/>
+                </a:solidFill>
+              </a:rPr>
               <a:t>Tail log files for long running jobs when you think something has gone wrong</a:t>
             </a:r>
           </a:p>
           <a:p>
             <a:r>
-              <a:rPr lang="en-US" dirty="0"/>
-              <a:t>Request ids or resource ids from a failed test run simplify </a:t>
+              <a:rPr lang="en-US" dirty="0">
+                <a:solidFill>
+                  <a:schemeClr val="tx1"/>
+                </a:solidFill>
+              </a:rPr>
+              <a:t>Request ids or resource ids from a failed test run simplify tracing issues</a:t>
             </a:r>
+          </a:p>
+          <a:p>
             <a:r>
-              <a:rPr lang="en-US"/>
-              <a:t>tracing issues</a:t>
+              <a:rPr lang="en-US" dirty="0">
+                <a:solidFill>
+                  <a:schemeClr val="tx1"/>
+                </a:solidFill>
+              </a:rPr>
+              <a:t>Check logs when an action times out for unexpected state changes</a:t>
             </a:r>
-            <a:endParaRPr lang="en-US" dirty="0"/>
+          </a:p>
+          <a:p>
+            <a:r>
+              <a:rPr lang="en-US" dirty="0">
+                <a:solidFill>
+                  <a:schemeClr val="tx1"/>
+                </a:solidFill>
+              </a:rPr>
+              <a:t>Use a JSON viewer to make raw responses readable</a:t>
+            </a:r>
           </a:p>
         </p:txBody>
       </p:sp>
